--- a/springBootDataWorkshop.pptx
+++ b/springBootDataWorkshop.pptx
@@ -6,10 +6,10 @@
     <p:sldMasterId id="2147493481" r:id="rId5"/>
   </p:sldMasterIdLst>
   <p:notesMasterIdLst>
-    <p:notesMasterId r:id="rId12"/>
+    <p:notesMasterId r:id="rId13"/>
   </p:notesMasterIdLst>
   <p:handoutMasterIdLst>
-    <p:handoutMasterId r:id="rId13"/>
+    <p:handoutMasterId r:id="rId14"/>
   </p:handoutMasterIdLst>
   <p:sldIdLst>
     <p:sldId id="262" r:id="rId6"/>
@@ -18,6 +18,7 @@
     <p:sldId id="265" r:id="rId9"/>
     <p:sldId id="266" r:id="rId10"/>
     <p:sldId id="267" r:id="rId11"/>
+    <p:sldId id="268" r:id="rId12"/>
   </p:sldIdLst>
   <p:sldSz cx="9144000" cy="5143500" type="screen16x9"/>
   <p:notesSz cx="6858000" cy="9144000"/>
@@ -5910,15 +5911,15 @@
           <a:p>
             <a:r>
               <a:rPr lang="de-DE" dirty="0" smtClean="0"/>
-              <a:t>Übersicht über </a:t>
-            </a:r>
-            <a:r>
-              <a:rPr lang="de-DE" smtClean="0"/>
-              <a:t>das Beispielprojekt</a:t>
-            </a:r>
-          </a:p>
-          <a:p>
-            <a:endParaRPr lang="de-DE"/>
+              <a:t>Übersicht über das Beispielprojekt</a:t>
+            </a:r>
+          </a:p>
+          <a:p>
+            <a:r>
+              <a:rPr lang="de-DE" dirty="0" err="1" smtClean="0"/>
+              <a:t>Coden</a:t>
+            </a:r>
+            <a:endParaRPr lang="de-DE" dirty="0"/>
           </a:p>
         </p:txBody>
       </p:sp>
@@ -6216,21 +6217,75 @@
               <a:t>Bietet Schnittstelle zu </a:t>
             </a:r>
             <a:r>
-              <a:rPr lang="de-DE" dirty="0" err="1"/>
+              <a:rPr lang="de-DE" dirty="0" err="1" smtClean="0"/>
               <a:t>Dbs</a:t>
             </a:r>
+            <a:endParaRPr lang="de-DE" dirty="0" smtClean="0"/>
+          </a:p>
+          <a:p>
+            <a:pPr lvl="1"/>
+            <a:r>
+              <a:rPr lang="de-DE" dirty="0" smtClean="0"/>
+              <a:t>Keine </a:t>
+            </a:r>
+            <a:r>
+              <a:rPr lang="de-DE" dirty="0" err="1" smtClean="0"/>
+              <a:t>Queries</a:t>
+            </a:r>
+            <a:r>
+              <a:rPr lang="de-DE" dirty="0" smtClean="0"/>
+              <a:t> mehr schreiben müssen</a:t>
+            </a:r>
             <a:endParaRPr lang="de-DE" dirty="0"/>
           </a:p>
           <a:p>
             <a:r>
               <a:rPr lang="de-DE" dirty="0"/>
-              <a:t>Bietet diese Schnittstellen als REST-</a:t>
-            </a:r>
-            <a:r>
-              <a:rPr lang="de-DE" dirty="0" err="1"/>
+              <a:t>Bietet diese Schnittstellen als </a:t>
+            </a:r>
+            <a:r>
+              <a:rPr lang="de-DE" dirty="0" smtClean="0"/>
+              <a:t>REST-</a:t>
+            </a:r>
+            <a:r>
+              <a:rPr lang="de-DE" dirty="0" err="1" smtClean="0"/>
               <a:t>Resourcen</a:t>
             </a:r>
+            <a:endParaRPr lang="de-DE" dirty="0" smtClean="0"/>
+          </a:p>
+          <a:p>
+            <a:pPr lvl="1"/>
+            <a:r>
+              <a:rPr lang="de-DE" dirty="0" smtClean="0"/>
+              <a:t>Weniger / kein </a:t>
+            </a:r>
+            <a:r>
+              <a:rPr lang="de-DE" dirty="0" err="1" smtClean="0"/>
+              <a:t>Boilerplatecode</a:t>
+            </a:r>
+            <a:r>
+              <a:rPr lang="de-DE" dirty="0" smtClean="0"/>
+              <a:t> mehr</a:t>
+            </a:r>
+          </a:p>
+          <a:p>
+            <a:pPr lvl="1"/>
+            <a:r>
+              <a:rPr lang="de-DE" dirty="0" smtClean="0"/>
+              <a:t>Ideal für Single Page </a:t>
+            </a:r>
+            <a:r>
+              <a:rPr lang="de-DE" dirty="0" err="1" smtClean="0"/>
+              <a:t>Applications</a:t>
+            </a:r>
             <a:endParaRPr lang="de-DE" dirty="0"/>
+          </a:p>
+          <a:p>
+            <a:r>
+              <a:rPr lang="de-DE" smtClean="0"/>
+              <a:t>Ist stabil</a:t>
+            </a:r>
+            <a:endParaRPr lang="de-DE" dirty="0" smtClean="0"/>
           </a:p>
           <a:p>
             <a:endParaRPr lang="de-DE" dirty="0"/>
@@ -6437,6 +6492,150 @@
     <p:extLst>
       <p:ext uri="{BB962C8B-B14F-4D97-AF65-F5344CB8AC3E}">
         <p14:creationId xmlns:p14="http://schemas.microsoft.com/office/powerpoint/2010/main" val="3827873249"/>
+      </p:ext>
+    </p:extLst>
+  </p:cSld>
+  <p:clrMapOvr>
+    <a:masterClrMapping/>
+  </p:clrMapOvr>
+</p:sld>
+</file>
+
+<file path=ppt/slides/slide7.xml><?xml version="1.0" encoding="utf-8"?>
+<p:sld xmlns:a="http://schemas.openxmlformats.org/drawingml/2006/main" xmlns:r="http://schemas.openxmlformats.org/officeDocument/2006/relationships" xmlns:p="http://schemas.openxmlformats.org/presentationml/2006/main">
+  <p:cSld>
+    <p:spTree>
+      <p:nvGrpSpPr>
+        <p:cNvPr id="1" name=""/>
+        <p:cNvGrpSpPr/>
+        <p:nvPr/>
+      </p:nvGrpSpPr>
+      <p:grpSpPr>
+        <a:xfrm>
+          <a:off x="0" y="0"/>
+          <a:ext cx="0" cy="0"/>
+          <a:chOff x="0" y="0"/>
+          <a:chExt cx="0" cy="0"/>
+        </a:xfrm>
+      </p:grpSpPr>
+      <p:sp>
+        <p:nvSpPr>
+          <p:cNvPr id="8" name="Textplatzhalter 7"/>
+          <p:cNvSpPr>
+            <a:spLocks noGrp="1"/>
+          </p:cNvSpPr>
+          <p:nvPr>
+            <p:ph type="body" sz="half" idx="2"/>
+          </p:nvPr>
+        </p:nvSpPr>
+        <p:spPr/>
+        <p:txBody>
+          <a:bodyPr>
+            <a:normAutofit fontScale="85000" lnSpcReduction="10000"/>
+          </a:bodyPr>
+          <a:lstStyle/>
+          <a:p>
+            <a:r>
+              <a:rPr lang="de-DE" dirty="0" smtClean="0"/>
+              <a:t>15 Min</a:t>
+            </a:r>
+            <a:endParaRPr lang="de-DE" dirty="0"/>
+          </a:p>
+        </p:txBody>
+      </p:sp>
+      <p:sp>
+        <p:nvSpPr>
+          <p:cNvPr id="2" name="Fußzeilenplatzhalter 1"/>
+          <p:cNvSpPr>
+            <a:spLocks noGrp="1"/>
+          </p:cNvSpPr>
+          <p:nvPr>
+            <p:ph type="ftr" sz="quarter" idx="10"/>
+          </p:nvPr>
+        </p:nvSpPr>
+        <p:spPr/>
+        <p:txBody>
+          <a:bodyPr/>
+          <a:lstStyle/>
+          <a:p>
+            <a:r>
+              <a:rPr lang="en-US" smtClean="0"/>
+              <a:t>Experts in agile software engineering</a:t>
+            </a:r>
+            <a:endParaRPr lang="de-DE" dirty="0" smtClean="0"/>
+          </a:p>
+        </p:txBody>
+      </p:sp>
+      <p:sp>
+        <p:nvSpPr>
+          <p:cNvPr id="3" name="Foliennummernplatzhalter 2"/>
+          <p:cNvSpPr>
+            <a:spLocks noGrp="1"/>
+          </p:cNvSpPr>
+          <p:nvPr>
+            <p:ph type="sldNum" sz="quarter" idx="11"/>
+          </p:nvPr>
+        </p:nvSpPr>
+        <p:spPr/>
+        <p:txBody>
+          <a:bodyPr/>
+          <a:lstStyle/>
+          <a:p>
+            <a:fld id="{6C6AE60A-B69C-4790-82F7-3882EDF23186}" type="slidenum">
+              <a:rPr lang="de-DE" smtClean="0"/>
+              <a:pPr/>
+              <a:t>7</a:t>
+            </a:fld>
+            <a:endParaRPr lang="de-DE" dirty="0"/>
+          </a:p>
+        </p:txBody>
+      </p:sp>
+      <p:sp>
+        <p:nvSpPr>
+          <p:cNvPr id="4" name="Titel 3"/>
+          <p:cNvSpPr>
+            <a:spLocks noGrp="1"/>
+          </p:cNvSpPr>
+          <p:nvPr>
+            <p:ph type="title"/>
+          </p:nvPr>
+        </p:nvSpPr>
+        <p:spPr/>
+        <p:txBody>
+          <a:bodyPr/>
+          <a:lstStyle/>
+          <a:p>
+            <a:r>
+              <a:rPr lang="de-DE" dirty="0" smtClean="0"/>
+              <a:t>Das Beispielprojekt</a:t>
+            </a:r>
+            <a:endParaRPr lang="de-DE" dirty="0"/>
+          </a:p>
+        </p:txBody>
+      </p:sp>
+      <p:sp>
+        <p:nvSpPr>
+          <p:cNvPr id="9" name="Textplatzhalter 8"/>
+          <p:cNvSpPr>
+            <a:spLocks noGrp="1"/>
+          </p:cNvSpPr>
+          <p:nvPr>
+            <p:ph type="body" sz="quarter" idx="12"/>
+          </p:nvPr>
+        </p:nvSpPr>
+        <p:spPr/>
+        <p:txBody>
+          <a:bodyPr/>
+          <a:lstStyle/>
+          <a:p>
+            <a:endParaRPr lang="de-DE"/>
+          </a:p>
+        </p:txBody>
+      </p:sp>
+    </p:spTree>
+    <p:extLst>
+      <p:ext uri="{BB962C8B-B14F-4D97-AF65-F5344CB8AC3E}">
+        <p14:creationId xmlns:p14="http://schemas.microsoft.com/office/powerpoint/2010/main" val="1899478948"/>
       </p:ext>
     </p:extLst>
   </p:cSld>

--- a/springBootDataWorkshop.pptx
+++ b/springBootDataWorkshop.pptx
@@ -5916,6 +5916,12 @@
           </a:p>
           <a:p>
             <a:r>
+              <a:rPr lang="de-DE" dirty="0" smtClean="0"/>
+              <a:t>Einrichten</a:t>
+            </a:r>
+          </a:p>
+          <a:p>
+            <a:r>
               <a:rPr lang="de-DE" dirty="0" err="1" smtClean="0"/>
               <a:t>Coden</a:t>
             </a:r>
@@ -6209,7 +6215,9 @@
         </p:nvSpPr>
         <p:spPr/>
         <p:txBody>
-          <a:bodyPr/>
+          <a:bodyPr>
+            <a:normAutofit lnSpcReduction="10000"/>
+          </a:bodyPr>
           <a:lstStyle/>
           <a:p>
             <a:r>
@@ -6217,10 +6225,9 @@
               <a:t>Bietet Schnittstelle zu </a:t>
             </a:r>
             <a:r>
-              <a:rPr lang="de-DE" dirty="0" err="1" smtClean="0"/>
-              <a:t>Dbs</a:t>
-            </a:r>
-            <a:endParaRPr lang="de-DE" dirty="0" smtClean="0"/>
+              <a:rPr lang="de-DE" dirty="0" smtClean="0"/>
+              <a:t>DBs</a:t>
+            </a:r>
           </a:p>
           <a:p>
             <a:pPr lvl="1"/>
@@ -6236,6 +6243,20 @@
               <a:rPr lang="de-DE" dirty="0" smtClean="0"/>
               <a:t> mehr schreiben müssen</a:t>
             </a:r>
+          </a:p>
+          <a:p>
+            <a:r>
+              <a:rPr lang="de-DE" dirty="0" smtClean="0"/>
+              <a:t>Unterstützt viele DBMS (SQL + </a:t>
+            </a:r>
+            <a:r>
+              <a:rPr lang="de-DE" dirty="0" err="1" smtClean="0"/>
+              <a:t>NoSQL</a:t>
+            </a:r>
+            <a:r>
+              <a:rPr lang="de-DE" dirty="0" smtClean="0"/>
+              <a:t>)</a:t>
+            </a:r>
             <a:endParaRPr lang="de-DE" dirty="0"/>
           </a:p>
           <a:p>
@@ -6278,16 +6299,26 @@
               <a:rPr lang="de-DE" dirty="0" err="1" smtClean="0"/>
               <a:t>Applications</a:t>
             </a:r>
+            <a:endParaRPr lang="de-DE" dirty="0" smtClean="0"/>
+          </a:p>
+          <a:p>
+            <a:r>
+              <a:rPr lang="de-DE" dirty="0" smtClean="0"/>
+              <a:t>HAL-Browser</a:t>
+            </a:r>
             <a:endParaRPr lang="de-DE" dirty="0"/>
           </a:p>
           <a:p>
             <a:r>
-              <a:rPr lang="de-DE" smtClean="0"/>
+              <a:rPr lang="de-DE" dirty="0" smtClean="0"/>
               <a:t>Ist stabil</a:t>
             </a:r>
-            <a:endParaRPr lang="de-DE" dirty="0" smtClean="0"/>
-          </a:p>
-          <a:p>
+          </a:p>
+          <a:p>
+            <a:r>
+              <a:rPr lang="de-DE" dirty="0" smtClean="0"/>
+              <a:t>Ist anpassbar</a:t>
+            </a:r>
             <a:endParaRPr lang="de-DE" dirty="0"/>
           </a:p>
         </p:txBody>
@@ -6446,8 +6477,12 @@
               <a:t> Convention over Configuration </a:t>
             </a:r>
             <a:r>
-              <a:rPr lang="en-US" dirty="0" err="1"/>
+              <a:rPr lang="en-US" dirty="0" err="1" smtClean="0"/>
               <a:t>weiter</a:t>
+            </a:r>
+            <a:r>
+              <a:rPr lang="en-US" dirty="0" smtClean="0"/>
+              <a:t> (+  und -)</a:t>
             </a:r>
             <a:endParaRPr lang="en-US" dirty="0"/>
           </a:p>
@@ -6484,6 +6519,15 @@
               <a:rPr lang="de-DE" dirty="0" smtClean="0"/>
               <a:t>enthalten</a:t>
             </a:r>
+          </a:p>
+          <a:p>
+            <a:r>
+              <a:rPr lang="de-DE" dirty="0" smtClean="0"/>
+              <a:t>einfache Integrationstests mit spring-boot-test</a:t>
+            </a:r>
+          </a:p>
+          <a:p>
+            <a:pPr lvl="1"/>
             <a:endParaRPr lang="de-DE" dirty="0"/>
           </a:p>
         </p:txBody>

--- a/springBootDataWorkshop.pptx
+++ b/springBootDataWorkshop.pptx
@@ -6,19 +6,29 @@
     <p:sldMasterId id="2147493481" r:id="rId5"/>
   </p:sldMasterIdLst>
   <p:notesMasterIdLst>
-    <p:notesMasterId r:id="rId13"/>
+    <p:notesMasterId r:id="rId23"/>
   </p:notesMasterIdLst>
   <p:handoutMasterIdLst>
-    <p:handoutMasterId r:id="rId14"/>
+    <p:handoutMasterId r:id="rId24"/>
   </p:handoutMasterIdLst>
   <p:sldIdLst>
     <p:sldId id="262" r:id="rId6"/>
     <p:sldId id="264" r:id="rId7"/>
-    <p:sldId id="263" r:id="rId8"/>
-    <p:sldId id="265" r:id="rId9"/>
-    <p:sldId id="266" r:id="rId10"/>
-    <p:sldId id="267" r:id="rId11"/>
-    <p:sldId id="268" r:id="rId12"/>
+    <p:sldId id="265" r:id="rId8"/>
+    <p:sldId id="266" r:id="rId9"/>
+    <p:sldId id="267" r:id="rId10"/>
+    <p:sldId id="268" r:id="rId11"/>
+    <p:sldId id="279" r:id="rId12"/>
+    <p:sldId id="270" r:id="rId13"/>
+    <p:sldId id="269" r:id="rId14"/>
+    <p:sldId id="278" r:id="rId15"/>
+    <p:sldId id="272" r:id="rId16"/>
+    <p:sldId id="274" r:id="rId17"/>
+    <p:sldId id="271" r:id="rId18"/>
+    <p:sldId id="275" r:id="rId19"/>
+    <p:sldId id="273" r:id="rId20"/>
+    <p:sldId id="277" r:id="rId21"/>
+    <p:sldId id="276" r:id="rId22"/>
   </p:sldIdLst>
   <p:sldSz cx="9144000" cy="5143500" type="screen16x9"/>
   <p:notesSz cx="6858000" cy="9144000"/>
@@ -448,38 +458,37 @@
           <a:p>
             <a:pPr lvl="0"/>
             <a:r>
-              <a:rPr lang="de-DE" smtClean="0"/>
+              <a:rPr lang="de-DE"/>
               <a:t>Mastertextformat bearbeiten</a:t>
             </a:r>
           </a:p>
           <a:p>
             <a:pPr lvl="1"/>
             <a:r>
-              <a:rPr lang="de-DE" smtClean="0"/>
+              <a:rPr lang="de-DE"/>
               <a:t>Zweite Ebene</a:t>
             </a:r>
           </a:p>
           <a:p>
             <a:pPr lvl="2"/>
             <a:r>
-              <a:rPr lang="de-DE" smtClean="0"/>
+              <a:rPr lang="de-DE"/>
               <a:t>Dritte Ebene</a:t>
             </a:r>
           </a:p>
           <a:p>
             <a:pPr lvl="3"/>
             <a:r>
-              <a:rPr lang="de-DE" smtClean="0"/>
+              <a:rPr lang="de-DE"/>
               <a:t>Vierte Ebene</a:t>
             </a:r>
           </a:p>
           <a:p>
             <a:pPr lvl="4"/>
             <a:r>
-              <a:rPr lang="de-DE" smtClean="0"/>
+              <a:rPr lang="de-DE"/>
               <a:t>Fünfte Ebene</a:t>
             </a:r>
-            <a:endParaRPr lang="de-DE"/>
           </a:p>
         </p:txBody>
       </p:sp>
@@ -864,10 +873,9 @@
           </a:lstStyle>
           <a:p>
             <a:r>
-              <a:rPr lang="de-DE" dirty="0" smtClean="0"/>
+              <a:rPr lang="de-DE" dirty="0"/>
               <a:t>Formatvorlage des Untertitelmasters durch Klicken bearbeiten</a:t>
             </a:r>
-            <a:endParaRPr lang="de-DE" dirty="0"/>
           </a:p>
         </p:txBody>
       </p:sp>
@@ -903,15 +911,15 @@
           </a:lstStyle>
           <a:p>
             <a:r>
-              <a:rPr lang="en-US" dirty="0" err="1" smtClean="0"/>
+              <a:rPr lang="en-US" dirty="0" err="1"/>
               <a:t>Mastertitelformat</a:t>
             </a:r>
             <a:r>
-              <a:rPr lang="en-US" dirty="0" smtClean="0"/>
+              <a:rPr lang="en-US" dirty="0"/>
               <a:t> </a:t>
             </a:r>
             <a:r>
-              <a:rPr lang="en-US" dirty="0" err="1" smtClean="0"/>
+              <a:rPr lang="en-US" dirty="0" err="1"/>
               <a:t>bearbeiten</a:t>
             </a:r>
             <a:endParaRPr lang="de-DE" dirty="0"/>
@@ -1034,23 +1042,23 @@
           </a:lstStyle>
           <a:p>
             <a:r>
-              <a:rPr lang="de-DE" dirty="0" err="1" smtClean="0"/>
+              <a:rPr lang="de-DE" dirty="0" err="1"/>
               <a:t>Experts</a:t>
             </a:r>
             <a:r>
-              <a:rPr lang="de-DE" baseline="0" dirty="0" smtClean="0"/>
+              <a:rPr lang="de-DE" baseline="0" dirty="0"/>
               <a:t> in agile </a:t>
             </a:r>
             <a:r>
-              <a:rPr lang="de-DE" baseline="0" dirty="0" err="1" smtClean="0"/>
+              <a:rPr lang="de-DE" baseline="0" dirty="0" err="1"/>
               <a:t>software</a:t>
             </a:r>
             <a:r>
-              <a:rPr lang="de-DE" baseline="0" dirty="0" smtClean="0"/>
+              <a:rPr lang="de-DE" baseline="0" dirty="0"/>
               <a:t> </a:t>
             </a:r>
             <a:r>
-              <a:rPr lang="de-DE" baseline="0" dirty="0" err="1" smtClean="0"/>
+              <a:rPr lang="de-DE" baseline="0" dirty="0" err="1"/>
               <a:t>engineering</a:t>
             </a:r>
             <a:endParaRPr lang="de-DE" dirty="0"/>
@@ -1152,10 +1160,9 @@
           </a:lstStyle>
           <a:p>
             <a:r>
-              <a:rPr lang="en-US" dirty="0" smtClean="0"/>
+              <a:rPr lang="en-US" dirty="0"/>
               <a:t>Icon</a:t>
             </a:r>
-            <a:endParaRPr lang="en-US" dirty="0"/>
           </a:p>
         </p:txBody>
       </p:sp>
@@ -1224,7 +1231,7 @@
           <a:p>
             <a:pPr lvl="0"/>
             <a:r>
-              <a:rPr lang="en-US" dirty="0" smtClean="0"/>
+              <a:rPr lang="en-US" dirty="0"/>
               <a:t>5 Min</a:t>
             </a:r>
           </a:p>
@@ -1246,10 +1253,10 @@
           <a:lstStyle/>
           <a:p>
             <a:r>
-              <a:rPr lang="en-US" smtClean="0"/>
+              <a:rPr lang="en-US"/>
               <a:t>Experts in agile software engineering</a:t>
             </a:r>
-            <a:endParaRPr lang="de-DE" dirty="0" smtClean="0"/>
+            <a:endParaRPr lang="de-DE" dirty="0"/>
           </a:p>
         </p:txBody>
       </p:sp>
@@ -1298,7 +1305,7 @@
           <a:lstStyle/>
           <a:p>
             <a:r>
-              <a:rPr lang="de-DE" smtClean="0"/>
+              <a:rPr lang="de-DE"/>
               <a:t>Mastertitelformat bearbeiten</a:t>
             </a:r>
             <a:endParaRPr lang="de-DE" dirty="0"/>
@@ -1400,7 +1407,7 @@
           <a:p>
             <a:pPr lvl="0"/>
             <a:r>
-              <a:rPr lang="en-US" dirty="0" smtClean="0"/>
+              <a:rPr lang="en-US" dirty="0"/>
               <a:t>5 Min</a:t>
             </a:r>
           </a:p>
@@ -1422,10 +1429,10 @@
           <a:lstStyle/>
           <a:p>
             <a:r>
-              <a:rPr lang="en-US" smtClean="0"/>
+              <a:rPr lang="en-US"/>
               <a:t>Experts in agile software engineering</a:t>
             </a:r>
-            <a:endParaRPr lang="de-DE" dirty="0" smtClean="0"/>
+            <a:endParaRPr lang="de-DE" dirty="0"/>
           </a:p>
         </p:txBody>
       </p:sp>
@@ -1474,7 +1481,7 @@
           <a:lstStyle/>
           <a:p>
             <a:r>
-              <a:rPr lang="de-DE" smtClean="0"/>
+              <a:rPr lang="de-DE"/>
               <a:t>Mastertitelformat bearbeiten</a:t>
             </a:r>
             <a:endParaRPr lang="de-DE" dirty="0"/>
@@ -1511,38 +1518,37 @@
           <a:p>
             <a:pPr lvl="0"/>
             <a:r>
-              <a:rPr lang="de-DE" dirty="0" smtClean="0"/>
+              <a:rPr lang="de-DE" dirty="0"/>
               <a:t>Textmasterformat bearbeiten</a:t>
             </a:r>
           </a:p>
           <a:p>
             <a:pPr lvl="1"/>
             <a:r>
-              <a:rPr lang="de-DE" dirty="0" smtClean="0"/>
+              <a:rPr lang="de-DE" dirty="0"/>
               <a:t>Zweite Ebene</a:t>
             </a:r>
           </a:p>
           <a:p>
             <a:pPr lvl="2"/>
             <a:r>
-              <a:rPr lang="de-DE" dirty="0" smtClean="0"/>
+              <a:rPr lang="de-DE" dirty="0"/>
               <a:t>Dritte Ebene</a:t>
             </a:r>
           </a:p>
           <a:p>
             <a:pPr lvl="3"/>
             <a:r>
-              <a:rPr lang="de-DE" dirty="0" smtClean="0"/>
+              <a:rPr lang="de-DE" dirty="0"/>
               <a:t>Vierte Ebene</a:t>
             </a:r>
           </a:p>
           <a:p>
             <a:pPr lvl="4"/>
             <a:r>
-              <a:rPr lang="de-DE" dirty="0" smtClean="0"/>
+              <a:rPr lang="de-DE" dirty="0"/>
               <a:t>Fünfte Ebene</a:t>
             </a:r>
-            <a:endParaRPr lang="de-DE" dirty="0"/>
           </a:p>
         </p:txBody>
       </p:sp>
@@ -1622,10 +1628,10 @@
           <a:lstStyle/>
           <a:p>
             <a:r>
-              <a:rPr lang="en-US" smtClean="0"/>
+              <a:rPr lang="en-US"/>
               <a:t>Experts in agile software engineering</a:t>
             </a:r>
-            <a:endParaRPr lang="de-DE" dirty="0" smtClean="0"/>
+            <a:endParaRPr lang="de-DE" dirty="0"/>
           </a:p>
         </p:txBody>
       </p:sp>
@@ -1791,7 +1797,7 @@
           </a:lstStyle>
           <a:p>
             <a:r>
-              <a:rPr lang="de-DE" dirty="0" smtClean="0"/>
+              <a:rPr lang="de-DE" dirty="0"/>
               <a:t>Mastertitelformat bearbeiten</a:t>
             </a:r>
             <a:endParaRPr lang="en-US" dirty="0"/>
@@ -1844,7 +1850,7 @@
           <a:lstStyle/>
           <a:p>
             <a:r>
-              <a:rPr lang="en-US" smtClean="0"/>
+              <a:rPr lang="en-US"/>
               <a:t>Experts in agile software engineering</a:t>
             </a:r>
             <a:endParaRPr lang="en-US" dirty="0"/>
@@ -2016,7 +2022,7 @@
           <a:lstStyle/>
           <a:p>
             <a:r>
-              <a:rPr lang="de-DE" smtClean="0"/>
+              <a:rPr lang="de-DE"/>
               <a:t>Mastertitelformat bearbeiten</a:t>
             </a:r>
             <a:endParaRPr lang="de-DE" dirty="0"/>
@@ -2045,35 +2051,35 @@
           <a:p>
             <a:pPr lvl="0"/>
             <a:r>
-              <a:rPr lang="de-DE" dirty="0" smtClean="0"/>
+              <a:rPr lang="de-DE" dirty="0"/>
               <a:t>Erste Ebene</a:t>
             </a:r>
           </a:p>
           <a:p>
             <a:pPr lvl="1"/>
             <a:r>
-              <a:rPr lang="de-DE" dirty="0" smtClean="0"/>
+              <a:rPr lang="de-DE" dirty="0"/>
               <a:t>Zweite Ebene</a:t>
             </a:r>
           </a:p>
           <a:p>
             <a:pPr lvl="2"/>
             <a:r>
-              <a:rPr lang="de-DE" dirty="0" smtClean="0"/>
+              <a:rPr lang="de-DE" dirty="0"/>
               <a:t>Dritte Ebene</a:t>
             </a:r>
           </a:p>
           <a:p>
             <a:pPr lvl="3"/>
             <a:r>
-              <a:rPr lang="de-DE" dirty="0" smtClean="0"/>
+              <a:rPr lang="de-DE" dirty="0"/>
               <a:t>Vierte Ebene</a:t>
             </a:r>
           </a:p>
           <a:p>
             <a:pPr lvl="4"/>
             <a:r>
-              <a:rPr lang="de-DE" dirty="0" smtClean="0"/>
+              <a:rPr lang="de-DE" dirty="0"/>
               <a:t>Fünfte Ebene</a:t>
             </a:r>
             <a:endParaRPr lang="en-US" dirty="0"/>
@@ -2125,7 +2131,7 @@
           <a:p>
             <a:pPr lvl="0"/>
             <a:r>
-              <a:rPr lang="de-DE" dirty="0" smtClean="0"/>
+              <a:rPr lang="de-DE" dirty="0"/>
               <a:t>Mastertextformat bearbeiten</a:t>
             </a:r>
           </a:p>
@@ -2222,7 +2228,7 @@
           <a:lstStyle/>
           <a:p>
             <a:r>
-              <a:rPr lang="en-US" smtClean="0"/>
+              <a:rPr lang="en-US"/>
               <a:t>Experts in agile software engineering</a:t>
             </a:r>
             <a:endParaRPr lang="en-US" dirty="0"/>
@@ -2349,10 +2355,9 @@
           <a:lstStyle/>
           <a:p>
             <a:r>
-              <a:rPr lang="de-DE" dirty="0" smtClean="0"/>
+              <a:rPr lang="de-DE" dirty="0"/>
               <a:t>Agenda</a:t>
             </a:r>
-            <a:endParaRPr lang="de-DE" dirty="0"/>
           </a:p>
         </p:txBody>
       </p:sp>
@@ -2404,35 +2409,35 @@
           <a:p>
             <a:pPr lvl="0"/>
             <a:r>
-              <a:rPr lang="de-DE" dirty="0" smtClean="0"/>
+              <a:rPr lang="de-DE" dirty="0"/>
               <a:t>Erste Ebene</a:t>
             </a:r>
           </a:p>
           <a:p>
             <a:pPr lvl="2"/>
             <a:r>
-              <a:rPr lang="de-DE" dirty="0" smtClean="0"/>
+              <a:rPr lang="de-DE" dirty="0"/>
               <a:t>Zweite Ebene</a:t>
             </a:r>
           </a:p>
           <a:p>
             <a:pPr lvl="2"/>
             <a:r>
-              <a:rPr lang="de-DE" dirty="0" smtClean="0"/>
+              <a:rPr lang="de-DE" dirty="0"/>
               <a:t>Dritte Ebene</a:t>
             </a:r>
           </a:p>
           <a:p>
             <a:pPr lvl="3"/>
             <a:r>
-              <a:rPr lang="de-DE" dirty="0" smtClean="0"/>
+              <a:rPr lang="de-DE" dirty="0"/>
               <a:t>Vierte Ebene</a:t>
             </a:r>
           </a:p>
           <a:p>
             <a:pPr lvl="4"/>
             <a:r>
-              <a:rPr lang="de-DE" dirty="0" smtClean="0"/>
+              <a:rPr lang="de-DE" dirty="0"/>
               <a:t>Fünfte Ebene</a:t>
             </a:r>
             <a:endParaRPr lang="en-US" dirty="0"/>
@@ -2485,10 +2490,10 @@
           <a:lstStyle/>
           <a:p>
             <a:r>
-              <a:rPr lang="en-US" smtClean="0"/>
+              <a:rPr lang="en-US"/>
               <a:t>Experts in agile software engineering</a:t>
             </a:r>
-            <a:endParaRPr lang="de-DE" dirty="0" smtClean="0"/>
+            <a:endParaRPr lang="de-DE" dirty="0"/>
           </a:p>
         </p:txBody>
       </p:sp>
@@ -2532,10 +2537,9 @@
           <a:lstStyle/>
           <a:p>
             <a:r>
-              <a:rPr lang="de-DE" smtClean="0"/>
+              <a:rPr lang="de-DE"/>
               <a:t>Mastertitelformat bearbeiten</a:t>
             </a:r>
-            <a:endParaRPr lang="de-DE"/>
           </a:p>
         </p:txBody>
       </p:sp>
@@ -2565,35 +2569,35 @@
           <a:p>
             <a:pPr lvl="0"/>
             <a:r>
-              <a:rPr lang="de-DE" dirty="0" smtClean="0"/>
+              <a:rPr lang="de-DE" dirty="0"/>
               <a:t>Erste Ebene</a:t>
             </a:r>
           </a:p>
           <a:p>
             <a:pPr lvl="1"/>
             <a:r>
-              <a:rPr lang="de-DE" dirty="0" smtClean="0"/>
+              <a:rPr lang="de-DE" dirty="0"/>
               <a:t>Zweite Ebene</a:t>
             </a:r>
           </a:p>
           <a:p>
             <a:pPr lvl="2"/>
             <a:r>
-              <a:rPr lang="de-DE" dirty="0" smtClean="0"/>
+              <a:rPr lang="de-DE" dirty="0"/>
               <a:t>Dritte Ebene</a:t>
             </a:r>
           </a:p>
           <a:p>
             <a:pPr lvl="3"/>
             <a:r>
-              <a:rPr lang="de-DE" dirty="0" smtClean="0"/>
+              <a:rPr lang="de-DE" dirty="0"/>
               <a:t>Vierte Ebene</a:t>
             </a:r>
           </a:p>
           <a:p>
             <a:pPr lvl="4"/>
             <a:r>
-              <a:rPr lang="de-DE" dirty="0" smtClean="0"/>
+              <a:rPr lang="de-DE" dirty="0"/>
               <a:t>Fünfte Ebene</a:t>
             </a:r>
             <a:endParaRPr lang="en-US" dirty="0"/>
@@ -2645,7 +2649,7 @@
           <a:p>
             <a:pPr lvl="0"/>
             <a:r>
-              <a:rPr lang="de-DE" dirty="0" smtClean="0"/>
+              <a:rPr lang="de-DE" dirty="0"/>
               <a:t>Mastertextformat bearbeiten</a:t>
             </a:r>
           </a:p>
@@ -2733,35 +2737,35 @@
           <a:p>
             <a:pPr lvl="0"/>
             <a:r>
-              <a:rPr lang="de-DE" dirty="0" smtClean="0"/>
+              <a:rPr lang="de-DE" dirty="0"/>
               <a:t>Erste Ebene</a:t>
             </a:r>
           </a:p>
           <a:p>
             <a:pPr lvl="1"/>
             <a:r>
-              <a:rPr lang="de-DE" dirty="0" smtClean="0"/>
+              <a:rPr lang="de-DE" dirty="0"/>
               <a:t>Zweite Ebene</a:t>
             </a:r>
           </a:p>
           <a:p>
             <a:pPr lvl="2"/>
             <a:r>
-              <a:rPr lang="de-DE" dirty="0" smtClean="0"/>
+              <a:rPr lang="de-DE" dirty="0"/>
               <a:t>Dritte Ebene</a:t>
             </a:r>
           </a:p>
           <a:p>
             <a:pPr lvl="3"/>
             <a:r>
-              <a:rPr lang="de-DE" dirty="0" smtClean="0"/>
+              <a:rPr lang="de-DE" dirty="0"/>
               <a:t>Vierte Ebene</a:t>
             </a:r>
           </a:p>
           <a:p>
             <a:pPr lvl="4"/>
             <a:r>
-              <a:rPr lang="de-DE" dirty="0" smtClean="0"/>
+              <a:rPr lang="de-DE" dirty="0"/>
               <a:t>Fünfte Ebene</a:t>
             </a:r>
             <a:endParaRPr lang="en-US" dirty="0"/>
@@ -2820,35 +2824,35 @@
           <a:p>
             <a:pPr lvl="0"/>
             <a:r>
-              <a:rPr lang="de-DE" dirty="0" smtClean="0"/>
+              <a:rPr lang="de-DE" dirty="0"/>
               <a:t>Erste Ebene</a:t>
             </a:r>
           </a:p>
           <a:p>
             <a:pPr lvl="1"/>
             <a:r>
-              <a:rPr lang="de-DE" dirty="0" smtClean="0"/>
+              <a:rPr lang="de-DE" dirty="0"/>
               <a:t>Zweite Ebene</a:t>
             </a:r>
           </a:p>
           <a:p>
             <a:pPr lvl="2"/>
             <a:r>
-              <a:rPr lang="de-DE" dirty="0" smtClean="0"/>
+              <a:rPr lang="de-DE" dirty="0"/>
               <a:t>Dritte Ebene</a:t>
             </a:r>
           </a:p>
           <a:p>
             <a:pPr lvl="3"/>
             <a:r>
-              <a:rPr lang="de-DE" dirty="0" smtClean="0"/>
+              <a:rPr lang="de-DE" dirty="0"/>
               <a:t>Vierte Ebene</a:t>
             </a:r>
           </a:p>
           <a:p>
             <a:pPr lvl="4"/>
             <a:r>
-              <a:rPr lang="de-DE" dirty="0" smtClean="0"/>
+              <a:rPr lang="de-DE" dirty="0"/>
               <a:t>Fünfte Ebene</a:t>
             </a:r>
             <a:endParaRPr lang="en-US" dirty="0"/>
@@ -2871,10 +2875,10 @@
           <a:lstStyle/>
           <a:p>
             <a:r>
-              <a:rPr lang="en-US" smtClean="0"/>
+              <a:rPr lang="en-US"/>
               <a:t>Experts in agile software engineering</a:t>
             </a:r>
-            <a:endParaRPr lang="de-DE" dirty="0" smtClean="0"/>
+            <a:endParaRPr lang="de-DE" dirty="0"/>
           </a:p>
         </p:txBody>
       </p:sp>
@@ -2918,10 +2922,9 @@
           <a:lstStyle/>
           <a:p>
             <a:r>
-              <a:rPr lang="de-DE" smtClean="0"/>
+              <a:rPr lang="de-DE"/>
               <a:t>Mastertitelformat bearbeiten</a:t>
             </a:r>
-            <a:endParaRPr lang="de-DE"/>
           </a:p>
         </p:txBody>
       </p:sp>
@@ -2970,7 +2973,7 @@
           <a:p>
             <a:pPr lvl="0"/>
             <a:r>
-              <a:rPr lang="de-DE" smtClean="0"/>
+              <a:rPr lang="de-DE"/>
               <a:t>Mastertextformat bearbeiten</a:t>
             </a:r>
           </a:p>
@@ -3021,7 +3024,7 @@
           <a:p>
             <a:pPr lvl="0"/>
             <a:r>
-              <a:rPr lang="de-DE" smtClean="0"/>
+              <a:rPr lang="de-DE"/>
               <a:t>Mastertextformat bearbeiten</a:t>
             </a:r>
           </a:p>
@@ -3089,14 +3092,14 @@
           <a:p>
             <a:pPr lvl="0"/>
             <a:r>
-              <a:rPr lang="de-DE" smtClean="0"/>
+              <a:rPr lang="de-DE"/>
               <a:t>Mastertextformat bearbeiten</a:t>
             </a:r>
           </a:p>
           <a:p>
             <a:pPr lvl="1"/>
             <a:r>
-              <a:rPr lang="de-DE" smtClean="0"/>
+              <a:rPr lang="de-DE"/>
               <a:t>Zweite Ebene</a:t>
             </a:r>
           </a:p>
@@ -3184,63 +3187,63 @@
           <a:p>
             <a:pPr lvl="1"/>
             <a:r>
-              <a:rPr lang="en-US" dirty="0" err="1" smtClean="0"/>
+              <a:rPr lang="en-US" dirty="0" err="1"/>
               <a:t>Erste</a:t>
             </a:r>
             <a:r>
-              <a:rPr lang="en-US" dirty="0" smtClean="0"/>
+              <a:rPr lang="en-US" dirty="0"/>
               <a:t> </a:t>
             </a:r>
             <a:r>
-              <a:rPr lang="en-US" dirty="0" err="1" smtClean="0"/>
+              <a:rPr lang="en-US" dirty="0" err="1"/>
               <a:t>Ebene</a:t>
             </a:r>
-            <a:endParaRPr lang="en-US" dirty="0" smtClean="0"/>
+            <a:endParaRPr lang="en-US" dirty="0"/>
           </a:p>
           <a:p>
             <a:pPr lvl="2"/>
             <a:r>
-              <a:rPr lang="en-US" dirty="0" err="1" smtClean="0"/>
+              <a:rPr lang="en-US" dirty="0" err="1"/>
               <a:t>Zweite</a:t>
             </a:r>
             <a:r>
-              <a:rPr lang="en-US" dirty="0" smtClean="0"/>
+              <a:rPr lang="en-US" dirty="0"/>
               <a:t> </a:t>
             </a:r>
             <a:r>
-              <a:rPr lang="en-US" dirty="0" err="1" smtClean="0"/>
+              <a:rPr lang="en-US" dirty="0" err="1"/>
               <a:t>Ebene</a:t>
             </a:r>
-            <a:endParaRPr lang="en-US" dirty="0" smtClean="0"/>
+            <a:endParaRPr lang="en-US" dirty="0"/>
           </a:p>
           <a:p>
             <a:pPr lvl="3"/>
             <a:r>
-              <a:rPr lang="en-US" dirty="0" err="1" smtClean="0"/>
+              <a:rPr lang="en-US" dirty="0" err="1"/>
               <a:t>Dritte</a:t>
             </a:r>
             <a:r>
-              <a:rPr lang="en-US" dirty="0" smtClean="0"/>
+              <a:rPr lang="en-US" dirty="0"/>
               <a:t> </a:t>
             </a:r>
             <a:r>
-              <a:rPr lang="en-US" dirty="0" err="1" smtClean="0"/>
+              <a:rPr lang="en-US" dirty="0" err="1"/>
               <a:t>Ebene</a:t>
             </a:r>
-            <a:endParaRPr lang="en-US" dirty="0" smtClean="0"/>
+            <a:endParaRPr lang="en-US" dirty="0"/>
           </a:p>
           <a:p>
             <a:pPr lvl="4"/>
             <a:r>
-              <a:rPr lang="en-US" dirty="0" err="1" smtClean="0"/>
+              <a:rPr lang="en-US" dirty="0" err="1"/>
               <a:t>Vierte</a:t>
             </a:r>
             <a:r>
-              <a:rPr lang="en-US" dirty="0" smtClean="0"/>
+              <a:rPr lang="en-US" dirty="0"/>
               <a:t> </a:t>
             </a:r>
             <a:r>
-              <a:rPr lang="en-US" dirty="0" err="1" smtClean="0"/>
+              <a:rPr lang="en-US" dirty="0" err="1"/>
               <a:t>Ebene</a:t>
             </a:r>
             <a:endParaRPr lang="en-US" dirty="0"/>
@@ -3299,63 +3302,63 @@
           <a:p>
             <a:pPr lvl="1"/>
             <a:r>
-              <a:rPr lang="en-US" dirty="0" err="1" smtClean="0"/>
+              <a:rPr lang="en-US" dirty="0" err="1"/>
               <a:t>Erste</a:t>
             </a:r>
             <a:r>
-              <a:rPr lang="en-US" dirty="0" smtClean="0"/>
+              <a:rPr lang="en-US" dirty="0"/>
               <a:t> </a:t>
             </a:r>
             <a:r>
-              <a:rPr lang="en-US" dirty="0" err="1" smtClean="0"/>
+              <a:rPr lang="en-US" dirty="0" err="1"/>
               <a:t>Ebene</a:t>
             </a:r>
-            <a:endParaRPr lang="en-US" dirty="0" smtClean="0"/>
+            <a:endParaRPr lang="en-US" dirty="0"/>
           </a:p>
           <a:p>
             <a:pPr lvl="2"/>
             <a:r>
-              <a:rPr lang="en-US" dirty="0" err="1" smtClean="0"/>
+              <a:rPr lang="en-US" dirty="0" err="1"/>
               <a:t>Zweite</a:t>
             </a:r>
             <a:r>
-              <a:rPr lang="en-US" dirty="0" smtClean="0"/>
+              <a:rPr lang="en-US" dirty="0"/>
               <a:t> </a:t>
             </a:r>
             <a:r>
-              <a:rPr lang="en-US" dirty="0" err="1" smtClean="0"/>
+              <a:rPr lang="en-US" dirty="0" err="1"/>
               <a:t>Ebene</a:t>
             </a:r>
-            <a:endParaRPr lang="en-US" dirty="0" smtClean="0"/>
+            <a:endParaRPr lang="en-US" dirty="0"/>
           </a:p>
           <a:p>
             <a:pPr lvl="3"/>
             <a:r>
-              <a:rPr lang="en-US" dirty="0" err="1" smtClean="0"/>
+              <a:rPr lang="en-US" dirty="0" err="1"/>
               <a:t>Dritte</a:t>
             </a:r>
             <a:r>
-              <a:rPr lang="en-US" dirty="0" smtClean="0"/>
+              <a:rPr lang="en-US" dirty="0"/>
               <a:t> </a:t>
             </a:r>
             <a:r>
-              <a:rPr lang="en-US" dirty="0" err="1" smtClean="0"/>
+              <a:rPr lang="en-US" dirty="0" err="1"/>
               <a:t>Ebene</a:t>
             </a:r>
-            <a:endParaRPr lang="en-US" dirty="0" smtClean="0"/>
+            <a:endParaRPr lang="en-US" dirty="0"/>
           </a:p>
           <a:p>
             <a:pPr lvl="4"/>
             <a:r>
-              <a:rPr lang="en-US" dirty="0" err="1" smtClean="0"/>
+              <a:rPr lang="en-US" dirty="0" err="1"/>
               <a:t>Vierte</a:t>
             </a:r>
             <a:r>
-              <a:rPr lang="en-US" dirty="0" smtClean="0"/>
+              <a:rPr lang="en-US" dirty="0"/>
               <a:t> </a:t>
             </a:r>
             <a:r>
-              <a:rPr lang="en-US" dirty="0" err="1" smtClean="0"/>
+              <a:rPr lang="en-US" dirty="0" err="1"/>
               <a:t>Ebene</a:t>
             </a:r>
             <a:endParaRPr lang="en-US" dirty="0"/>
@@ -3378,10 +3381,10 @@
           <a:lstStyle/>
           <a:p>
             <a:r>
-              <a:rPr lang="en-US" smtClean="0"/>
+              <a:rPr lang="en-US"/>
               <a:t>Experts in agile software engineering</a:t>
             </a:r>
-            <a:endParaRPr lang="de-DE" dirty="0" smtClean="0"/>
+            <a:endParaRPr lang="de-DE" dirty="0"/>
           </a:p>
         </p:txBody>
       </p:sp>
@@ -3425,10 +3428,9 @@
           <a:lstStyle/>
           <a:p>
             <a:r>
-              <a:rPr lang="de-DE" smtClean="0"/>
+              <a:rPr lang="de-DE"/>
               <a:t>Mastertitelformat bearbeiten</a:t>
             </a:r>
-            <a:endParaRPr lang="de-DE"/>
           </a:p>
         </p:txBody>
       </p:sp>
@@ -3478,10 +3480,10 @@
           <a:lstStyle/>
           <a:p>
             <a:r>
-              <a:rPr lang="en-US" smtClean="0"/>
+              <a:rPr lang="en-US"/>
               <a:t>Experts in agile software engineering</a:t>
             </a:r>
-            <a:endParaRPr lang="de-DE" dirty="0" smtClean="0"/>
+            <a:endParaRPr lang="de-DE" dirty="0"/>
           </a:p>
         </p:txBody>
       </p:sp>
@@ -3525,10 +3527,9 @@
           <a:lstStyle/>
           <a:p>
             <a:r>
-              <a:rPr lang="de-DE" smtClean="0"/>
+              <a:rPr lang="de-DE"/>
               <a:t>Mastertitelformat bearbeiten</a:t>
             </a:r>
-            <a:endParaRPr lang="de-DE"/>
           </a:p>
         </p:txBody>
       </p:sp>
@@ -3578,10 +3579,10 @@
           <a:lstStyle/>
           <a:p>
             <a:r>
-              <a:rPr lang="en-US" smtClean="0"/>
+              <a:rPr lang="en-US"/>
               <a:t>Experts in agile software engineering</a:t>
             </a:r>
-            <a:endParaRPr lang="de-DE" dirty="0" smtClean="0"/>
+            <a:endParaRPr lang="de-DE" dirty="0"/>
           </a:p>
         </p:txBody>
       </p:sp>
@@ -3630,10 +3631,9 @@
           <a:lstStyle/>
           <a:p>
             <a:r>
-              <a:rPr lang="de-DE" smtClean="0"/>
+              <a:rPr lang="de-DE"/>
               <a:t>Mastertitelformat bearbeiten</a:t>
             </a:r>
-            <a:endParaRPr lang="de-DE"/>
           </a:p>
         </p:txBody>
       </p:sp>
@@ -3667,38 +3667,37 @@
           <a:p>
             <a:pPr lvl="0"/>
             <a:r>
-              <a:rPr lang="de-DE" dirty="0" smtClean="0"/>
+              <a:rPr lang="de-DE" dirty="0"/>
               <a:t>Textmasterformat bearbeiten</a:t>
             </a:r>
           </a:p>
           <a:p>
             <a:pPr lvl="1"/>
             <a:r>
-              <a:rPr lang="de-DE" dirty="0" smtClean="0"/>
+              <a:rPr lang="de-DE" dirty="0"/>
               <a:t>Zweite Ebene</a:t>
             </a:r>
           </a:p>
           <a:p>
             <a:pPr lvl="2"/>
             <a:r>
-              <a:rPr lang="de-DE" dirty="0" smtClean="0"/>
+              <a:rPr lang="de-DE" dirty="0"/>
               <a:t>Dritte Ebene</a:t>
             </a:r>
           </a:p>
           <a:p>
             <a:pPr lvl="3"/>
             <a:r>
-              <a:rPr lang="de-DE" dirty="0" smtClean="0"/>
+              <a:rPr lang="de-DE" dirty="0"/>
               <a:t>Vierte Ebene</a:t>
             </a:r>
           </a:p>
           <a:p>
             <a:pPr lvl="4"/>
             <a:r>
-              <a:rPr lang="de-DE" dirty="0" smtClean="0"/>
+              <a:rPr lang="de-DE" dirty="0"/>
               <a:t>Fünfte Ebene</a:t>
             </a:r>
-            <a:endParaRPr lang="de-DE" dirty="0"/>
           </a:p>
         </p:txBody>
       </p:sp>
@@ -3748,10 +3747,10 @@
           <a:lstStyle/>
           <a:p>
             <a:r>
-              <a:rPr lang="en-US" smtClean="0"/>
+              <a:rPr lang="en-US"/>
               <a:t>Experts in agile software engineering</a:t>
             </a:r>
-            <a:endParaRPr lang="de-DE" dirty="0" smtClean="0"/>
+            <a:endParaRPr lang="de-DE" dirty="0"/>
           </a:p>
         </p:txBody>
       </p:sp>
@@ -3870,7 +3869,7 @@
           <a:lstStyle/>
           <a:p>
             <a:r>
-              <a:rPr lang="de-DE" dirty="0" smtClean="0"/>
+              <a:rPr lang="de-DE" dirty="0"/>
               <a:t>Mastertitelformat bearbeiten</a:t>
             </a:r>
             <a:endParaRPr lang="en-US" dirty="0"/>
@@ -3904,35 +3903,35 @@
           <a:p>
             <a:pPr lvl="0"/>
             <a:r>
-              <a:rPr lang="de-DE" dirty="0" smtClean="0"/>
+              <a:rPr lang="de-DE" dirty="0"/>
               <a:t>Erste Ebene</a:t>
             </a:r>
           </a:p>
           <a:p>
             <a:pPr lvl="1"/>
             <a:r>
-              <a:rPr lang="de-DE" dirty="0" smtClean="0"/>
+              <a:rPr lang="de-DE" dirty="0"/>
               <a:t>Zweite Ebene</a:t>
             </a:r>
           </a:p>
           <a:p>
             <a:pPr lvl="2"/>
             <a:r>
-              <a:rPr lang="de-DE" dirty="0" smtClean="0"/>
+              <a:rPr lang="de-DE" dirty="0"/>
               <a:t>Dritte Ebene</a:t>
             </a:r>
           </a:p>
           <a:p>
             <a:pPr lvl="3"/>
             <a:r>
-              <a:rPr lang="de-DE" dirty="0" smtClean="0"/>
+              <a:rPr lang="de-DE" dirty="0"/>
               <a:t>Vierte Ebene</a:t>
             </a:r>
           </a:p>
           <a:p>
             <a:pPr lvl="4"/>
             <a:r>
-              <a:rPr lang="de-DE" dirty="0" smtClean="0"/>
+              <a:rPr lang="de-DE" dirty="0"/>
               <a:t>Fünfte Ebene</a:t>
             </a:r>
             <a:endParaRPr lang="en-US" dirty="0"/>
@@ -3971,7 +3970,7 @@
           </a:lstStyle>
           <a:p>
             <a:r>
-              <a:rPr lang="en-US" smtClean="0"/>
+              <a:rPr lang="en-US"/>
               <a:t>Experts in agile software engineering</a:t>
             </a:r>
             <a:endParaRPr lang="de-DE" dirty="0"/>
@@ -4277,7 +4276,7 @@
           </a:lstStyle>
           <a:p>
             <a:r>
-              <a:rPr lang="de-DE" dirty="0" smtClean="0"/>
+              <a:rPr lang="de-DE" dirty="0"/>
               <a:t>© 2016 andrena objects ag  </a:t>
             </a:r>
           </a:p>
@@ -4680,7 +4679,7 @@
           </a:lstStyle>
           <a:p>
             <a:r>
-              <a:rPr lang="en-US" smtClean="0"/>
+              <a:rPr lang="en-US"/>
               <a:t>Experts in agile software engineering</a:t>
             </a:r>
             <a:endParaRPr lang="de-DE" dirty="0"/>
@@ -4986,7 +4985,7 @@
           </a:lstStyle>
           <a:p>
             <a:r>
-              <a:rPr lang="de-DE" dirty="0" smtClean="0"/>
+              <a:rPr lang="de-DE" dirty="0"/>
               <a:t>© 2016 andrena objects ag  </a:t>
             </a:r>
           </a:p>
@@ -5018,7 +5017,7 @@
           <a:lstStyle/>
           <a:p>
             <a:r>
-              <a:rPr lang="de-DE" dirty="0" smtClean="0"/>
+              <a:rPr lang="de-DE" dirty="0"/>
               <a:t>Mastertitelformat bearbeiten</a:t>
             </a:r>
             <a:endParaRPr lang="en-US" dirty="0"/>
@@ -5052,35 +5051,35 @@
           <a:p>
             <a:pPr lvl="0"/>
             <a:r>
-              <a:rPr lang="de-DE" dirty="0" smtClean="0"/>
+              <a:rPr lang="de-DE" dirty="0"/>
               <a:t>Erste Ebene</a:t>
             </a:r>
           </a:p>
           <a:p>
             <a:pPr lvl="1"/>
             <a:r>
-              <a:rPr lang="de-DE" dirty="0" smtClean="0"/>
+              <a:rPr lang="de-DE" dirty="0"/>
               <a:t>Zweite Ebene</a:t>
             </a:r>
           </a:p>
           <a:p>
             <a:pPr lvl="2"/>
             <a:r>
-              <a:rPr lang="de-DE" dirty="0" smtClean="0"/>
+              <a:rPr lang="de-DE" dirty="0"/>
               <a:t>Dritte Ebene</a:t>
             </a:r>
           </a:p>
           <a:p>
             <a:pPr lvl="3"/>
             <a:r>
-              <a:rPr lang="de-DE" dirty="0" smtClean="0"/>
+              <a:rPr lang="de-DE" dirty="0"/>
               <a:t>Vierte Ebene</a:t>
             </a:r>
           </a:p>
           <a:p>
             <a:pPr lvl="4"/>
             <a:r>
-              <a:rPr lang="de-DE" dirty="0" smtClean="0"/>
+              <a:rPr lang="de-DE" dirty="0"/>
               <a:t>Fünfte Ebene</a:t>
             </a:r>
             <a:endParaRPr lang="en-US" dirty="0"/>
@@ -5444,10 +5443,10 @@
           <a:lstStyle/>
           <a:p>
             <a:r>
-              <a:rPr lang="en-US" smtClean="0"/>
+              <a:rPr lang="en-US"/>
               <a:t>Experts in agile software engineering</a:t>
             </a:r>
-            <a:endParaRPr lang="de-DE" dirty="0" smtClean="0"/>
+            <a:endParaRPr lang="de-DE" dirty="0"/>
           </a:p>
         </p:txBody>
       </p:sp>
@@ -5491,10 +5490,9 @@
           <a:lstStyle/>
           <a:p>
             <a:r>
-              <a:rPr lang="de-DE" dirty="0" smtClean="0"/>
+              <a:rPr lang="de-DE" dirty="0"/>
               <a:t>Icons</a:t>
             </a:r>
-            <a:endParaRPr lang="de-DE" dirty="0"/>
           </a:p>
         </p:txBody>
       </p:sp>
@@ -5658,13 +5656,1302 @@
   <p:clrMapOvr>
     <a:masterClrMapping/>
   </p:clrMapOvr>
-  <p:timing>
-    <p:tnLst>
-      <p:par>
-        <p:cTn id="1" dur="indefinite" restart="never" nodeType="tmRoot"/>
-      </p:par>
-    </p:tnLst>
-  </p:timing>
+</p:sld>
+</file>
+
+<file path=ppt/slides/slide10.xml><?xml version="1.0" encoding="utf-8"?>
+<p:sld xmlns:a="http://schemas.openxmlformats.org/drawingml/2006/main" xmlns:r="http://schemas.openxmlformats.org/officeDocument/2006/relationships" xmlns:p="http://schemas.openxmlformats.org/presentationml/2006/main">
+  <p:cSld>
+    <p:spTree>
+      <p:nvGrpSpPr>
+        <p:cNvPr id="1" name=""/>
+        <p:cNvGrpSpPr/>
+        <p:nvPr/>
+      </p:nvGrpSpPr>
+      <p:grpSpPr>
+        <a:xfrm>
+          <a:off x="0" y="0"/>
+          <a:ext cx="0" cy="0"/>
+          <a:chOff x="0" y="0"/>
+          <a:chExt cx="0" cy="0"/>
+        </a:xfrm>
+      </p:grpSpPr>
+      <p:sp>
+        <p:nvSpPr>
+          <p:cNvPr id="2" name="Textplatzhalter 1"/>
+          <p:cNvSpPr>
+            <a:spLocks noGrp="1"/>
+          </p:cNvSpPr>
+          <p:nvPr>
+            <p:ph type="body" sz="half" idx="2"/>
+          </p:nvPr>
+        </p:nvSpPr>
+        <p:spPr/>
+        <p:txBody>
+          <a:bodyPr/>
+          <a:lstStyle/>
+          <a:p>
+            <a:endParaRPr lang="en-GB"/>
+          </a:p>
+        </p:txBody>
+      </p:sp>
+      <p:sp>
+        <p:nvSpPr>
+          <p:cNvPr id="3" name="Fußzeilenplatzhalter 2"/>
+          <p:cNvSpPr>
+            <a:spLocks noGrp="1"/>
+          </p:cNvSpPr>
+          <p:nvPr>
+            <p:ph type="ftr" sz="quarter" idx="10"/>
+          </p:nvPr>
+        </p:nvSpPr>
+        <p:spPr/>
+        <p:txBody>
+          <a:bodyPr/>
+          <a:lstStyle/>
+          <a:p>
+            <a:r>
+              <a:rPr lang="en-US"/>
+              <a:t>Experts in agile software engineering</a:t>
+            </a:r>
+            <a:endParaRPr lang="de-DE" dirty="0"/>
+          </a:p>
+        </p:txBody>
+      </p:sp>
+      <p:sp>
+        <p:nvSpPr>
+          <p:cNvPr id="4" name="Foliennummernplatzhalter 3"/>
+          <p:cNvSpPr>
+            <a:spLocks noGrp="1"/>
+          </p:cNvSpPr>
+          <p:nvPr>
+            <p:ph type="sldNum" sz="quarter" idx="11"/>
+          </p:nvPr>
+        </p:nvSpPr>
+        <p:spPr/>
+        <p:txBody>
+          <a:bodyPr/>
+          <a:lstStyle/>
+          <a:p>
+            <a:fld id="{6C6AE60A-B69C-4790-82F7-3882EDF23186}" type="slidenum">
+              <a:rPr lang="de-DE" smtClean="0"/>
+              <a:pPr/>
+              <a:t>10</a:t>
+            </a:fld>
+            <a:endParaRPr lang="de-DE" dirty="0"/>
+          </a:p>
+        </p:txBody>
+      </p:sp>
+      <p:sp>
+        <p:nvSpPr>
+          <p:cNvPr id="5" name="Titel 4"/>
+          <p:cNvSpPr>
+            <a:spLocks noGrp="1"/>
+          </p:cNvSpPr>
+          <p:nvPr>
+            <p:ph type="title"/>
+          </p:nvPr>
+        </p:nvSpPr>
+        <p:spPr/>
+        <p:txBody>
+          <a:bodyPr/>
+          <a:lstStyle/>
+          <a:p>
+            <a:r>
+              <a:rPr lang="de-DE" dirty="0"/>
+              <a:t>Integrationstests</a:t>
+            </a:r>
+            <a:endParaRPr lang="en-GB" dirty="0"/>
+          </a:p>
+        </p:txBody>
+      </p:sp>
+      <p:sp>
+        <p:nvSpPr>
+          <p:cNvPr id="6" name="Textplatzhalter 5"/>
+          <p:cNvSpPr>
+            <a:spLocks noGrp="1"/>
+          </p:cNvSpPr>
+          <p:nvPr>
+            <p:ph type="body" sz="quarter" idx="12"/>
+          </p:nvPr>
+        </p:nvSpPr>
+        <p:spPr/>
+        <p:txBody>
+          <a:bodyPr/>
+          <a:lstStyle/>
+          <a:p>
+            <a:r>
+              <a:rPr lang="de-DE" dirty="0"/>
+              <a:t>Anschauen mit komplettem Beispiel</a:t>
+            </a:r>
+            <a:endParaRPr lang="en-GB" dirty="0"/>
+          </a:p>
+        </p:txBody>
+      </p:sp>
+    </p:spTree>
+    <p:extLst>
+      <p:ext uri="{BB962C8B-B14F-4D97-AF65-F5344CB8AC3E}">
+        <p14:creationId xmlns:p14="http://schemas.microsoft.com/office/powerpoint/2010/main" val="1180044002"/>
+      </p:ext>
+    </p:extLst>
+  </p:cSld>
+  <p:clrMapOvr>
+    <a:masterClrMapping/>
+  </p:clrMapOvr>
+</p:sld>
+</file>
+
+<file path=ppt/slides/slide11.xml><?xml version="1.0" encoding="utf-8"?>
+<p:sld xmlns:a="http://schemas.openxmlformats.org/drawingml/2006/main" xmlns:r="http://schemas.openxmlformats.org/officeDocument/2006/relationships" xmlns:p="http://schemas.openxmlformats.org/presentationml/2006/main">
+  <p:cSld>
+    <p:spTree>
+      <p:nvGrpSpPr>
+        <p:cNvPr id="1" name=""/>
+        <p:cNvGrpSpPr/>
+        <p:nvPr/>
+      </p:nvGrpSpPr>
+      <p:grpSpPr>
+        <a:xfrm>
+          <a:off x="0" y="0"/>
+          <a:ext cx="0" cy="0"/>
+          <a:chOff x="0" y="0"/>
+          <a:chExt cx="0" cy="0"/>
+        </a:xfrm>
+      </p:grpSpPr>
+      <p:sp>
+        <p:nvSpPr>
+          <p:cNvPr id="2" name="Textplatzhalter 1"/>
+          <p:cNvSpPr>
+            <a:spLocks noGrp="1"/>
+          </p:cNvSpPr>
+          <p:nvPr>
+            <p:ph type="body" sz="half" idx="2"/>
+          </p:nvPr>
+        </p:nvSpPr>
+        <p:spPr/>
+        <p:txBody>
+          <a:bodyPr>
+            <a:normAutofit fontScale="85000" lnSpcReduction="10000"/>
+          </a:bodyPr>
+          <a:lstStyle/>
+          <a:p>
+            <a:r>
+              <a:rPr lang="de-DE" dirty="0"/>
+              <a:t>15 min</a:t>
+            </a:r>
+            <a:endParaRPr lang="en-GB" dirty="0"/>
+          </a:p>
+        </p:txBody>
+      </p:sp>
+      <p:sp>
+        <p:nvSpPr>
+          <p:cNvPr id="3" name="Fußzeilenplatzhalter 2"/>
+          <p:cNvSpPr>
+            <a:spLocks noGrp="1"/>
+          </p:cNvSpPr>
+          <p:nvPr>
+            <p:ph type="ftr" sz="quarter" idx="10"/>
+          </p:nvPr>
+        </p:nvSpPr>
+        <p:spPr/>
+        <p:txBody>
+          <a:bodyPr/>
+          <a:lstStyle/>
+          <a:p>
+            <a:r>
+              <a:rPr lang="en-US"/>
+              <a:t>Experts in agile software engineering</a:t>
+            </a:r>
+            <a:endParaRPr lang="de-DE" dirty="0"/>
+          </a:p>
+        </p:txBody>
+      </p:sp>
+      <p:sp>
+        <p:nvSpPr>
+          <p:cNvPr id="4" name="Foliennummernplatzhalter 3"/>
+          <p:cNvSpPr>
+            <a:spLocks noGrp="1"/>
+          </p:cNvSpPr>
+          <p:nvPr>
+            <p:ph type="sldNum" sz="quarter" idx="11"/>
+          </p:nvPr>
+        </p:nvSpPr>
+        <p:spPr/>
+        <p:txBody>
+          <a:bodyPr/>
+          <a:lstStyle/>
+          <a:p>
+            <a:fld id="{6C6AE60A-B69C-4790-82F7-3882EDF23186}" type="slidenum">
+              <a:rPr lang="de-DE" smtClean="0"/>
+              <a:pPr/>
+              <a:t>11</a:t>
+            </a:fld>
+            <a:endParaRPr lang="de-DE" dirty="0"/>
+          </a:p>
+        </p:txBody>
+      </p:sp>
+      <p:sp>
+        <p:nvSpPr>
+          <p:cNvPr id="5" name="Titel 4"/>
+          <p:cNvSpPr>
+            <a:spLocks noGrp="1"/>
+          </p:cNvSpPr>
+          <p:nvPr>
+            <p:ph type="title"/>
+          </p:nvPr>
+        </p:nvSpPr>
+        <p:spPr/>
+        <p:txBody>
+          <a:bodyPr/>
+          <a:lstStyle/>
+          <a:p>
+            <a:r>
+              <a:rPr lang="de-DE" dirty="0"/>
+              <a:t>Neues Repository hinzufügen …</a:t>
+            </a:r>
+            <a:endParaRPr lang="en-GB" dirty="0"/>
+          </a:p>
+        </p:txBody>
+      </p:sp>
+      <p:sp>
+        <p:nvSpPr>
+          <p:cNvPr id="6" name="Textplatzhalter 5"/>
+          <p:cNvSpPr>
+            <a:spLocks noGrp="1"/>
+          </p:cNvSpPr>
+          <p:nvPr>
+            <p:ph type="body" sz="quarter" idx="12"/>
+          </p:nvPr>
+        </p:nvSpPr>
+        <p:spPr/>
+        <p:txBody>
+          <a:bodyPr/>
+          <a:lstStyle/>
+          <a:p>
+            <a:r>
+              <a:rPr lang="de-DE" dirty="0"/>
+              <a:t>Query: Anzahl alle Speakers von Firma X berechnen</a:t>
+            </a:r>
+          </a:p>
+          <a:p>
+            <a:r>
+              <a:rPr lang="de-DE" dirty="0"/>
+              <a:t>Native Query: Liste von alle eindeutige Firmen</a:t>
+            </a:r>
+          </a:p>
+        </p:txBody>
+      </p:sp>
+    </p:spTree>
+    <p:extLst>
+      <p:ext uri="{BB962C8B-B14F-4D97-AF65-F5344CB8AC3E}">
+        <p14:creationId xmlns:p14="http://schemas.microsoft.com/office/powerpoint/2010/main" val="2033767423"/>
+      </p:ext>
+    </p:extLst>
+  </p:cSld>
+  <p:clrMapOvr>
+    <a:masterClrMapping/>
+  </p:clrMapOvr>
+</p:sld>
+</file>
+
+<file path=ppt/slides/slide12.xml><?xml version="1.0" encoding="utf-8"?>
+<p:sld xmlns:a="http://schemas.openxmlformats.org/drawingml/2006/main" xmlns:r="http://schemas.openxmlformats.org/officeDocument/2006/relationships" xmlns:p="http://schemas.openxmlformats.org/presentationml/2006/main">
+  <p:cSld>
+    <p:spTree>
+      <p:nvGrpSpPr>
+        <p:cNvPr id="1" name=""/>
+        <p:cNvGrpSpPr/>
+        <p:nvPr/>
+      </p:nvGrpSpPr>
+      <p:grpSpPr>
+        <a:xfrm>
+          <a:off x="0" y="0"/>
+          <a:ext cx="0" cy="0"/>
+          <a:chOff x="0" y="0"/>
+          <a:chExt cx="0" cy="0"/>
+        </a:xfrm>
+      </p:grpSpPr>
+      <p:sp>
+        <p:nvSpPr>
+          <p:cNvPr id="2" name="Textplatzhalter 1"/>
+          <p:cNvSpPr>
+            <a:spLocks noGrp="1"/>
+          </p:cNvSpPr>
+          <p:nvPr>
+            <p:ph type="body" sz="half" idx="2"/>
+          </p:nvPr>
+        </p:nvSpPr>
+        <p:spPr/>
+        <p:txBody>
+          <a:bodyPr/>
+          <a:lstStyle/>
+          <a:p>
+            <a:endParaRPr lang="en-GB"/>
+          </a:p>
+        </p:txBody>
+      </p:sp>
+      <p:sp>
+        <p:nvSpPr>
+          <p:cNvPr id="3" name="Fußzeilenplatzhalter 2"/>
+          <p:cNvSpPr>
+            <a:spLocks noGrp="1"/>
+          </p:cNvSpPr>
+          <p:nvPr>
+            <p:ph type="ftr" sz="quarter" idx="10"/>
+          </p:nvPr>
+        </p:nvSpPr>
+        <p:spPr/>
+        <p:txBody>
+          <a:bodyPr/>
+          <a:lstStyle/>
+          <a:p>
+            <a:r>
+              <a:rPr lang="en-US"/>
+              <a:t>Experts in agile software engineering</a:t>
+            </a:r>
+            <a:endParaRPr lang="de-DE" dirty="0"/>
+          </a:p>
+        </p:txBody>
+      </p:sp>
+      <p:sp>
+        <p:nvSpPr>
+          <p:cNvPr id="4" name="Foliennummernplatzhalter 3"/>
+          <p:cNvSpPr>
+            <a:spLocks noGrp="1"/>
+          </p:cNvSpPr>
+          <p:nvPr>
+            <p:ph type="sldNum" sz="quarter" idx="11"/>
+          </p:nvPr>
+        </p:nvSpPr>
+        <p:spPr/>
+        <p:txBody>
+          <a:bodyPr/>
+          <a:lstStyle/>
+          <a:p>
+            <a:fld id="{6C6AE60A-B69C-4790-82F7-3882EDF23186}" type="slidenum">
+              <a:rPr lang="de-DE" smtClean="0"/>
+              <a:pPr/>
+              <a:t>12</a:t>
+            </a:fld>
+            <a:endParaRPr lang="de-DE" dirty="0"/>
+          </a:p>
+        </p:txBody>
+      </p:sp>
+      <p:sp>
+        <p:nvSpPr>
+          <p:cNvPr id="5" name="Titel 4"/>
+          <p:cNvSpPr>
+            <a:spLocks noGrp="1"/>
+          </p:cNvSpPr>
+          <p:nvPr>
+            <p:ph type="title"/>
+          </p:nvPr>
+        </p:nvSpPr>
+        <p:spPr/>
+        <p:txBody>
+          <a:bodyPr/>
+          <a:lstStyle/>
+          <a:p>
+            <a:r>
+              <a:rPr lang="de-DE" dirty="0"/>
+              <a:t>Mittagspause</a:t>
+            </a:r>
+            <a:endParaRPr lang="en-GB" dirty="0"/>
+          </a:p>
+        </p:txBody>
+      </p:sp>
+      <p:sp>
+        <p:nvSpPr>
+          <p:cNvPr id="6" name="Textplatzhalter 5"/>
+          <p:cNvSpPr>
+            <a:spLocks noGrp="1"/>
+          </p:cNvSpPr>
+          <p:nvPr>
+            <p:ph type="body" sz="quarter" idx="12"/>
+          </p:nvPr>
+        </p:nvSpPr>
+        <p:spPr/>
+        <p:txBody>
+          <a:bodyPr/>
+          <a:lstStyle/>
+          <a:p>
+            <a:endParaRPr lang="en-GB"/>
+          </a:p>
+        </p:txBody>
+      </p:sp>
+    </p:spTree>
+    <p:extLst>
+      <p:ext uri="{BB962C8B-B14F-4D97-AF65-F5344CB8AC3E}">
+        <p14:creationId xmlns:p14="http://schemas.microsoft.com/office/powerpoint/2010/main" val="2861645761"/>
+      </p:ext>
+    </p:extLst>
+  </p:cSld>
+  <p:clrMapOvr>
+    <a:masterClrMapping/>
+  </p:clrMapOvr>
+</p:sld>
+</file>
+
+<file path=ppt/slides/slide13.xml><?xml version="1.0" encoding="utf-8"?>
+<p:sld xmlns:a="http://schemas.openxmlformats.org/drawingml/2006/main" xmlns:r="http://schemas.openxmlformats.org/officeDocument/2006/relationships" xmlns:p="http://schemas.openxmlformats.org/presentationml/2006/main">
+  <p:cSld>
+    <p:spTree>
+      <p:nvGrpSpPr>
+        <p:cNvPr id="1" name=""/>
+        <p:cNvGrpSpPr/>
+        <p:nvPr/>
+      </p:nvGrpSpPr>
+      <p:grpSpPr>
+        <a:xfrm>
+          <a:off x="0" y="0"/>
+          <a:ext cx="0" cy="0"/>
+          <a:chOff x="0" y="0"/>
+          <a:chExt cx="0" cy="0"/>
+        </a:xfrm>
+      </p:grpSpPr>
+      <p:sp>
+        <p:nvSpPr>
+          <p:cNvPr id="2" name="Textplatzhalter 1"/>
+          <p:cNvSpPr>
+            <a:spLocks noGrp="1"/>
+          </p:cNvSpPr>
+          <p:nvPr>
+            <p:ph type="body" sz="half" idx="2"/>
+          </p:nvPr>
+        </p:nvSpPr>
+        <p:spPr/>
+        <p:txBody>
+          <a:bodyPr>
+            <a:normAutofit fontScale="85000" lnSpcReduction="10000"/>
+          </a:bodyPr>
+          <a:lstStyle/>
+          <a:p>
+            <a:r>
+              <a:rPr lang="de-DE" dirty="0"/>
+              <a:t>10 min</a:t>
+            </a:r>
+            <a:endParaRPr lang="en-GB" dirty="0"/>
+          </a:p>
+        </p:txBody>
+      </p:sp>
+      <p:sp>
+        <p:nvSpPr>
+          <p:cNvPr id="3" name="Fußzeilenplatzhalter 2"/>
+          <p:cNvSpPr>
+            <a:spLocks noGrp="1"/>
+          </p:cNvSpPr>
+          <p:nvPr>
+            <p:ph type="ftr" sz="quarter" idx="10"/>
+          </p:nvPr>
+        </p:nvSpPr>
+        <p:spPr/>
+        <p:txBody>
+          <a:bodyPr/>
+          <a:lstStyle/>
+          <a:p>
+            <a:r>
+              <a:rPr lang="en-US"/>
+              <a:t>Experts in agile software engineering</a:t>
+            </a:r>
+            <a:endParaRPr lang="de-DE" dirty="0"/>
+          </a:p>
+        </p:txBody>
+      </p:sp>
+      <p:sp>
+        <p:nvSpPr>
+          <p:cNvPr id="4" name="Foliennummernplatzhalter 3"/>
+          <p:cNvSpPr>
+            <a:spLocks noGrp="1"/>
+          </p:cNvSpPr>
+          <p:nvPr>
+            <p:ph type="sldNum" sz="quarter" idx="11"/>
+          </p:nvPr>
+        </p:nvSpPr>
+        <p:spPr/>
+        <p:txBody>
+          <a:bodyPr/>
+          <a:lstStyle/>
+          <a:p>
+            <a:fld id="{6C6AE60A-B69C-4790-82F7-3882EDF23186}" type="slidenum">
+              <a:rPr lang="de-DE" smtClean="0"/>
+              <a:pPr/>
+              <a:t>13</a:t>
+            </a:fld>
+            <a:endParaRPr lang="de-DE" dirty="0"/>
+          </a:p>
+        </p:txBody>
+      </p:sp>
+      <p:sp>
+        <p:nvSpPr>
+          <p:cNvPr id="5" name="Titel 4"/>
+          <p:cNvSpPr>
+            <a:spLocks noGrp="1"/>
+          </p:cNvSpPr>
+          <p:nvPr>
+            <p:ph type="title"/>
+          </p:nvPr>
+        </p:nvSpPr>
+        <p:spPr/>
+        <p:txBody>
+          <a:bodyPr/>
+          <a:lstStyle/>
+          <a:p>
+            <a:r>
+              <a:rPr lang="de-DE" dirty="0"/>
+              <a:t>Theorie: </a:t>
+            </a:r>
+            <a:r>
+              <a:rPr lang="de-DE" dirty="0" err="1"/>
+              <a:t>hypermedia</a:t>
+            </a:r>
+            <a:r>
+              <a:rPr lang="de-DE" dirty="0"/>
+              <a:t> links</a:t>
+            </a:r>
+            <a:endParaRPr lang="en-GB" dirty="0"/>
+          </a:p>
+        </p:txBody>
+      </p:sp>
+      <p:sp>
+        <p:nvSpPr>
+          <p:cNvPr id="6" name="Textplatzhalter 5"/>
+          <p:cNvSpPr>
+            <a:spLocks noGrp="1"/>
+          </p:cNvSpPr>
+          <p:nvPr>
+            <p:ph type="body" sz="quarter" idx="12"/>
+          </p:nvPr>
+        </p:nvSpPr>
+        <p:spPr/>
+        <p:txBody>
+          <a:bodyPr/>
+          <a:lstStyle/>
+          <a:p>
+            <a:r>
+              <a:rPr lang="de-DE" dirty="0"/>
+              <a:t>Theorie – Navigation und Struktur</a:t>
+            </a:r>
+          </a:p>
+          <a:p>
+            <a:r>
+              <a:rPr lang="de-DE" dirty="0"/>
+              <a:t>REST via HAL Browser</a:t>
+            </a:r>
+          </a:p>
+          <a:p>
+            <a:r>
+              <a:rPr lang="de-DE" dirty="0"/>
+              <a:t>REST via Postman, </a:t>
+            </a:r>
+            <a:r>
+              <a:rPr lang="de-DE" dirty="0" err="1"/>
+              <a:t>associate</a:t>
+            </a:r>
+            <a:r>
+              <a:rPr lang="de-DE" dirty="0"/>
+              <a:t> Event </a:t>
+            </a:r>
+            <a:r>
+              <a:rPr lang="de-DE" dirty="0" err="1"/>
+              <a:t>with</a:t>
+            </a:r>
+            <a:r>
+              <a:rPr lang="de-DE" dirty="0"/>
+              <a:t> Speaker</a:t>
+            </a:r>
+            <a:endParaRPr lang="en-GB" dirty="0"/>
+          </a:p>
+        </p:txBody>
+      </p:sp>
+    </p:spTree>
+    <p:extLst>
+      <p:ext uri="{BB962C8B-B14F-4D97-AF65-F5344CB8AC3E}">
+        <p14:creationId xmlns:p14="http://schemas.microsoft.com/office/powerpoint/2010/main" val="3366541771"/>
+      </p:ext>
+    </p:extLst>
+  </p:cSld>
+  <p:clrMapOvr>
+    <a:masterClrMapping/>
+  </p:clrMapOvr>
+</p:sld>
+</file>
+
+<file path=ppt/slides/slide14.xml><?xml version="1.0" encoding="utf-8"?>
+<p:sld xmlns:a="http://schemas.openxmlformats.org/drawingml/2006/main" xmlns:r="http://schemas.openxmlformats.org/officeDocument/2006/relationships" xmlns:p="http://schemas.openxmlformats.org/presentationml/2006/main">
+  <p:cSld>
+    <p:spTree>
+      <p:nvGrpSpPr>
+        <p:cNvPr id="1" name=""/>
+        <p:cNvGrpSpPr/>
+        <p:nvPr/>
+      </p:nvGrpSpPr>
+      <p:grpSpPr>
+        <a:xfrm>
+          <a:off x="0" y="0"/>
+          <a:ext cx="0" cy="0"/>
+          <a:chOff x="0" y="0"/>
+          <a:chExt cx="0" cy="0"/>
+        </a:xfrm>
+      </p:grpSpPr>
+      <p:sp>
+        <p:nvSpPr>
+          <p:cNvPr id="2" name="Textplatzhalter 1"/>
+          <p:cNvSpPr>
+            <a:spLocks noGrp="1"/>
+          </p:cNvSpPr>
+          <p:nvPr>
+            <p:ph type="body" sz="half" idx="2"/>
+          </p:nvPr>
+        </p:nvSpPr>
+        <p:spPr/>
+        <p:txBody>
+          <a:bodyPr>
+            <a:normAutofit fontScale="85000" lnSpcReduction="10000"/>
+          </a:bodyPr>
+          <a:lstStyle/>
+          <a:p>
+            <a:r>
+              <a:rPr lang="de-DE" dirty="0"/>
+              <a:t>30 min</a:t>
+            </a:r>
+            <a:endParaRPr lang="en-GB" dirty="0"/>
+          </a:p>
+        </p:txBody>
+      </p:sp>
+      <p:sp>
+        <p:nvSpPr>
+          <p:cNvPr id="3" name="Fußzeilenplatzhalter 2"/>
+          <p:cNvSpPr>
+            <a:spLocks noGrp="1"/>
+          </p:cNvSpPr>
+          <p:nvPr>
+            <p:ph type="ftr" sz="quarter" idx="10"/>
+          </p:nvPr>
+        </p:nvSpPr>
+        <p:spPr/>
+        <p:txBody>
+          <a:bodyPr/>
+          <a:lstStyle/>
+          <a:p>
+            <a:r>
+              <a:rPr lang="en-US"/>
+              <a:t>Experts in agile software engineering</a:t>
+            </a:r>
+            <a:endParaRPr lang="de-DE" dirty="0"/>
+          </a:p>
+        </p:txBody>
+      </p:sp>
+      <p:sp>
+        <p:nvSpPr>
+          <p:cNvPr id="4" name="Foliennummernplatzhalter 3"/>
+          <p:cNvSpPr>
+            <a:spLocks noGrp="1"/>
+          </p:cNvSpPr>
+          <p:nvPr>
+            <p:ph type="sldNum" sz="quarter" idx="11"/>
+          </p:nvPr>
+        </p:nvSpPr>
+        <p:spPr/>
+        <p:txBody>
+          <a:bodyPr/>
+          <a:lstStyle/>
+          <a:p>
+            <a:fld id="{6C6AE60A-B69C-4790-82F7-3882EDF23186}" type="slidenum">
+              <a:rPr lang="de-DE" smtClean="0"/>
+              <a:pPr/>
+              <a:t>14</a:t>
+            </a:fld>
+            <a:endParaRPr lang="de-DE" dirty="0"/>
+          </a:p>
+        </p:txBody>
+      </p:sp>
+      <p:sp>
+        <p:nvSpPr>
+          <p:cNvPr id="5" name="Titel 4"/>
+          <p:cNvSpPr>
+            <a:spLocks noGrp="1"/>
+          </p:cNvSpPr>
+          <p:nvPr>
+            <p:ph type="title"/>
+          </p:nvPr>
+        </p:nvSpPr>
+        <p:spPr/>
+        <p:txBody>
+          <a:bodyPr/>
+          <a:lstStyle/>
+          <a:p>
+            <a:r>
+              <a:rPr lang="de-DE" dirty="0"/>
+              <a:t>DAO umbauen (mit Links)</a:t>
+            </a:r>
+            <a:endParaRPr lang="en-GB" dirty="0"/>
+          </a:p>
+        </p:txBody>
+      </p:sp>
+      <p:sp>
+        <p:nvSpPr>
+          <p:cNvPr id="6" name="Textplatzhalter 5"/>
+          <p:cNvSpPr>
+            <a:spLocks noGrp="1"/>
+          </p:cNvSpPr>
+          <p:nvPr>
+            <p:ph type="body" sz="quarter" idx="12"/>
+          </p:nvPr>
+        </p:nvSpPr>
+        <p:spPr/>
+        <p:txBody>
+          <a:bodyPr/>
+          <a:lstStyle/>
+          <a:p>
+            <a:endParaRPr lang="en-GB"/>
+          </a:p>
+        </p:txBody>
+      </p:sp>
+    </p:spTree>
+    <p:extLst>
+      <p:ext uri="{BB962C8B-B14F-4D97-AF65-F5344CB8AC3E}">
+        <p14:creationId xmlns:p14="http://schemas.microsoft.com/office/powerpoint/2010/main" val="3239943257"/>
+      </p:ext>
+    </p:extLst>
+  </p:cSld>
+  <p:clrMapOvr>
+    <a:masterClrMapping/>
+  </p:clrMapOvr>
+</p:sld>
+</file>
+
+<file path=ppt/slides/slide15.xml><?xml version="1.0" encoding="utf-8"?>
+<p:sld xmlns:a="http://schemas.openxmlformats.org/drawingml/2006/main" xmlns:r="http://schemas.openxmlformats.org/officeDocument/2006/relationships" xmlns:p="http://schemas.openxmlformats.org/presentationml/2006/main">
+  <p:cSld>
+    <p:spTree>
+      <p:nvGrpSpPr>
+        <p:cNvPr id="1" name=""/>
+        <p:cNvGrpSpPr/>
+        <p:nvPr/>
+      </p:nvGrpSpPr>
+      <p:grpSpPr>
+        <a:xfrm>
+          <a:off x="0" y="0"/>
+          <a:ext cx="0" cy="0"/>
+          <a:chOff x="0" y="0"/>
+          <a:chExt cx="0" cy="0"/>
+        </a:xfrm>
+      </p:grpSpPr>
+      <p:sp>
+        <p:nvSpPr>
+          <p:cNvPr id="8" name="Textplatzhalter 7"/>
+          <p:cNvSpPr>
+            <a:spLocks noGrp="1"/>
+          </p:cNvSpPr>
+          <p:nvPr>
+            <p:ph type="body" sz="half" idx="2"/>
+          </p:nvPr>
+        </p:nvSpPr>
+        <p:spPr/>
+        <p:txBody>
+          <a:bodyPr>
+            <a:normAutofit/>
+          </a:bodyPr>
+          <a:lstStyle/>
+          <a:p>
+            <a:r>
+              <a:rPr lang="de-DE" dirty="0"/>
+              <a:t>5 min</a:t>
+            </a:r>
+            <a:endParaRPr lang="en-GB" dirty="0"/>
+          </a:p>
+        </p:txBody>
+      </p:sp>
+      <p:sp>
+        <p:nvSpPr>
+          <p:cNvPr id="2" name="Fußzeilenplatzhalter 1"/>
+          <p:cNvSpPr>
+            <a:spLocks noGrp="1"/>
+          </p:cNvSpPr>
+          <p:nvPr>
+            <p:ph type="ftr" sz="quarter" idx="10"/>
+          </p:nvPr>
+        </p:nvSpPr>
+        <p:spPr/>
+        <p:txBody>
+          <a:bodyPr/>
+          <a:lstStyle/>
+          <a:p>
+            <a:r>
+              <a:rPr lang="en-US"/>
+              <a:t>Experts in agile software engineering</a:t>
+            </a:r>
+            <a:endParaRPr lang="de-DE" dirty="0"/>
+          </a:p>
+        </p:txBody>
+      </p:sp>
+      <p:sp>
+        <p:nvSpPr>
+          <p:cNvPr id="3" name="Foliennummernplatzhalter 2"/>
+          <p:cNvSpPr>
+            <a:spLocks noGrp="1"/>
+          </p:cNvSpPr>
+          <p:nvPr>
+            <p:ph type="sldNum" sz="quarter" idx="11"/>
+          </p:nvPr>
+        </p:nvSpPr>
+        <p:spPr/>
+        <p:txBody>
+          <a:bodyPr/>
+          <a:lstStyle/>
+          <a:p>
+            <a:fld id="{6C6AE60A-B69C-4790-82F7-3882EDF23186}" type="slidenum">
+              <a:rPr lang="de-DE" smtClean="0"/>
+              <a:pPr/>
+              <a:t>15</a:t>
+            </a:fld>
+            <a:endParaRPr lang="de-DE" dirty="0"/>
+          </a:p>
+        </p:txBody>
+      </p:sp>
+      <p:sp>
+        <p:nvSpPr>
+          <p:cNvPr id="4" name="Titel 3"/>
+          <p:cNvSpPr>
+            <a:spLocks noGrp="1"/>
+          </p:cNvSpPr>
+          <p:nvPr>
+            <p:ph type="title"/>
+          </p:nvPr>
+        </p:nvSpPr>
+        <p:spPr/>
+        <p:txBody>
+          <a:bodyPr/>
+          <a:lstStyle/>
+          <a:p>
+            <a:r>
+              <a:rPr lang="de-DE" dirty="0"/>
+              <a:t>IRL </a:t>
+            </a:r>
+            <a:r>
+              <a:rPr lang="de-DE" dirty="0" err="1"/>
+              <a:t>usage</a:t>
+            </a:r>
+            <a:endParaRPr lang="en-GB" dirty="0"/>
+          </a:p>
+        </p:txBody>
+      </p:sp>
+      <p:sp>
+        <p:nvSpPr>
+          <p:cNvPr id="9" name="Textplatzhalter 8"/>
+          <p:cNvSpPr>
+            <a:spLocks noGrp="1"/>
+          </p:cNvSpPr>
+          <p:nvPr>
+            <p:ph type="body" sz="quarter" idx="12"/>
+          </p:nvPr>
+        </p:nvSpPr>
+        <p:spPr/>
+        <p:txBody>
+          <a:bodyPr/>
+          <a:lstStyle/>
+          <a:p>
+            <a:r>
+              <a:rPr lang="de-DE" dirty="0"/>
+              <a:t>Kundenprojekte … </a:t>
+            </a:r>
+            <a:r>
+              <a:rPr lang="de-DE" dirty="0" err="1"/>
+              <a:t>beispiele</a:t>
+            </a:r>
+            <a:r>
+              <a:rPr lang="de-DE" dirty="0"/>
+              <a:t>, schnell, </a:t>
+            </a:r>
+            <a:r>
+              <a:rPr lang="de-DE" dirty="0" err="1"/>
+              <a:t>kontext</a:t>
+            </a:r>
+            <a:endParaRPr lang="de-DE" dirty="0"/>
+          </a:p>
+          <a:p>
+            <a:r>
+              <a:rPr lang="de-DE" dirty="0" err="1"/>
+              <a:t>Microservices</a:t>
+            </a:r>
+            <a:endParaRPr lang="de-DE" dirty="0"/>
+          </a:p>
+          <a:p>
+            <a:endParaRPr lang="en-GB" dirty="0"/>
+          </a:p>
+        </p:txBody>
+      </p:sp>
+    </p:spTree>
+    <p:extLst>
+      <p:ext uri="{BB962C8B-B14F-4D97-AF65-F5344CB8AC3E}">
+        <p14:creationId xmlns:p14="http://schemas.microsoft.com/office/powerpoint/2010/main" val="48103453"/>
+      </p:ext>
+    </p:extLst>
+  </p:cSld>
+  <p:clrMapOvr>
+    <a:masterClrMapping/>
+  </p:clrMapOvr>
+</p:sld>
+</file>
+
+<file path=ppt/slides/slide16.xml><?xml version="1.0" encoding="utf-8"?>
+<p:sld xmlns:a="http://schemas.openxmlformats.org/drawingml/2006/main" xmlns:r="http://schemas.openxmlformats.org/officeDocument/2006/relationships" xmlns:p="http://schemas.openxmlformats.org/presentationml/2006/main">
+  <p:cSld>
+    <p:spTree>
+      <p:nvGrpSpPr>
+        <p:cNvPr id="1" name=""/>
+        <p:cNvGrpSpPr/>
+        <p:nvPr/>
+      </p:nvGrpSpPr>
+      <p:grpSpPr>
+        <a:xfrm>
+          <a:off x="0" y="0"/>
+          <a:ext cx="0" cy="0"/>
+          <a:chOff x="0" y="0"/>
+          <a:chExt cx="0" cy="0"/>
+        </a:xfrm>
+      </p:grpSpPr>
+      <p:sp>
+        <p:nvSpPr>
+          <p:cNvPr id="2" name="Textplatzhalter 1"/>
+          <p:cNvSpPr>
+            <a:spLocks noGrp="1"/>
+          </p:cNvSpPr>
+          <p:nvPr>
+            <p:ph type="body" sz="half" idx="2"/>
+          </p:nvPr>
+        </p:nvSpPr>
+        <p:spPr/>
+        <p:txBody>
+          <a:bodyPr/>
+          <a:lstStyle/>
+          <a:p>
+            <a:endParaRPr lang="en-GB"/>
+          </a:p>
+        </p:txBody>
+      </p:sp>
+      <p:sp>
+        <p:nvSpPr>
+          <p:cNvPr id="3" name="Fußzeilenplatzhalter 2"/>
+          <p:cNvSpPr>
+            <a:spLocks noGrp="1"/>
+          </p:cNvSpPr>
+          <p:nvPr>
+            <p:ph type="ftr" sz="quarter" idx="10"/>
+          </p:nvPr>
+        </p:nvSpPr>
+        <p:spPr/>
+        <p:txBody>
+          <a:bodyPr/>
+          <a:lstStyle/>
+          <a:p>
+            <a:r>
+              <a:rPr lang="en-US"/>
+              <a:t>Experts in agile software engineering</a:t>
+            </a:r>
+            <a:endParaRPr lang="de-DE" dirty="0"/>
+          </a:p>
+        </p:txBody>
+      </p:sp>
+      <p:sp>
+        <p:nvSpPr>
+          <p:cNvPr id="4" name="Foliennummernplatzhalter 3"/>
+          <p:cNvSpPr>
+            <a:spLocks noGrp="1"/>
+          </p:cNvSpPr>
+          <p:nvPr>
+            <p:ph type="sldNum" sz="quarter" idx="11"/>
+          </p:nvPr>
+        </p:nvSpPr>
+        <p:spPr/>
+        <p:txBody>
+          <a:bodyPr/>
+          <a:lstStyle/>
+          <a:p>
+            <a:fld id="{6C6AE60A-B69C-4790-82F7-3882EDF23186}" type="slidenum">
+              <a:rPr lang="de-DE" smtClean="0"/>
+              <a:pPr/>
+              <a:t>16</a:t>
+            </a:fld>
+            <a:endParaRPr lang="de-DE" dirty="0"/>
+          </a:p>
+        </p:txBody>
+      </p:sp>
+      <p:sp>
+        <p:nvSpPr>
+          <p:cNvPr id="5" name="Titel 4"/>
+          <p:cNvSpPr>
+            <a:spLocks noGrp="1"/>
+          </p:cNvSpPr>
+          <p:nvPr>
+            <p:ph type="title"/>
+          </p:nvPr>
+        </p:nvSpPr>
+        <p:spPr/>
+        <p:txBody>
+          <a:bodyPr/>
+          <a:lstStyle/>
+          <a:p>
+            <a:r>
+              <a:rPr lang="de-DE" dirty="0"/>
+              <a:t>Extra: </a:t>
+            </a:r>
+            <a:r>
+              <a:rPr lang="de-DE" dirty="0" err="1"/>
+              <a:t>Paging</a:t>
+            </a:r>
+            <a:r>
+              <a:rPr lang="de-DE" dirty="0"/>
+              <a:t> + </a:t>
+            </a:r>
+            <a:r>
+              <a:rPr lang="de-DE" dirty="0" err="1"/>
+              <a:t>Sorting</a:t>
+            </a:r>
+            <a:r>
+              <a:rPr lang="de-DE" dirty="0"/>
+              <a:t> Repository</a:t>
+            </a:r>
+            <a:endParaRPr lang="en-GB" dirty="0"/>
+          </a:p>
+        </p:txBody>
+      </p:sp>
+      <p:sp>
+        <p:nvSpPr>
+          <p:cNvPr id="6" name="Textplatzhalter 5"/>
+          <p:cNvSpPr>
+            <a:spLocks noGrp="1"/>
+          </p:cNvSpPr>
+          <p:nvPr>
+            <p:ph type="body" sz="quarter" idx="12"/>
+          </p:nvPr>
+        </p:nvSpPr>
+        <p:spPr/>
+        <p:txBody>
+          <a:bodyPr/>
+          <a:lstStyle/>
+          <a:p>
+            <a:r>
+              <a:rPr lang="de-DE" dirty="0" err="1"/>
+              <a:t>PagingAndSortingRepository</a:t>
+            </a:r>
+            <a:r>
+              <a:rPr lang="de-DE" dirty="0"/>
+              <a:t> verwenden (statt </a:t>
+            </a:r>
+            <a:r>
+              <a:rPr lang="de-DE" dirty="0" err="1"/>
+              <a:t>CRUDRepository</a:t>
+            </a:r>
+            <a:r>
+              <a:rPr lang="de-DE" dirty="0"/>
+              <a:t>)</a:t>
+            </a:r>
+          </a:p>
+          <a:p>
+            <a:r>
+              <a:rPr lang="de-DE" dirty="0"/>
+              <a:t>In HAL Browser anschauen …</a:t>
+            </a:r>
+          </a:p>
+          <a:p>
+            <a:r>
+              <a:rPr lang="de-DE" dirty="0"/>
+              <a:t>Oder …</a:t>
+            </a:r>
+          </a:p>
+          <a:p>
+            <a:endParaRPr lang="de-DE" dirty="0"/>
+          </a:p>
+          <a:p>
+            <a:r>
+              <a:rPr lang="de-DE" dirty="0"/>
+              <a:t>DAO Implementierung erweitern</a:t>
+            </a:r>
+          </a:p>
+          <a:p>
+            <a:r>
+              <a:rPr lang="de-DE" dirty="0"/>
+              <a:t>UI erweitern</a:t>
+            </a:r>
+            <a:endParaRPr lang="en-GB" dirty="0"/>
+          </a:p>
+        </p:txBody>
+      </p:sp>
+    </p:spTree>
+    <p:extLst>
+      <p:ext uri="{BB962C8B-B14F-4D97-AF65-F5344CB8AC3E}">
+        <p14:creationId xmlns:p14="http://schemas.microsoft.com/office/powerpoint/2010/main" val="637595942"/>
+      </p:ext>
+    </p:extLst>
+  </p:cSld>
+  <p:clrMapOvr>
+    <a:masterClrMapping/>
+  </p:clrMapOvr>
+</p:sld>
+</file>
+
+<file path=ppt/slides/slide17.xml><?xml version="1.0" encoding="utf-8"?>
+<p:sld xmlns:a="http://schemas.openxmlformats.org/drawingml/2006/main" xmlns:r="http://schemas.openxmlformats.org/officeDocument/2006/relationships" xmlns:p="http://schemas.openxmlformats.org/presentationml/2006/main">
+  <p:cSld>
+    <p:spTree>
+      <p:nvGrpSpPr>
+        <p:cNvPr id="1" name=""/>
+        <p:cNvGrpSpPr/>
+        <p:nvPr/>
+      </p:nvGrpSpPr>
+      <p:grpSpPr>
+        <a:xfrm>
+          <a:off x="0" y="0"/>
+          <a:ext cx="0" cy="0"/>
+          <a:chOff x="0" y="0"/>
+          <a:chExt cx="0" cy="0"/>
+        </a:xfrm>
+      </p:grpSpPr>
+      <p:sp>
+        <p:nvSpPr>
+          <p:cNvPr id="2" name="Textplatzhalter 1"/>
+          <p:cNvSpPr>
+            <a:spLocks noGrp="1"/>
+          </p:cNvSpPr>
+          <p:nvPr>
+            <p:ph type="body" sz="half" idx="2"/>
+          </p:nvPr>
+        </p:nvSpPr>
+        <p:spPr/>
+        <p:txBody>
+          <a:bodyPr>
+            <a:normAutofit fontScale="85000" lnSpcReduction="10000"/>
+          </a:bodyPr>
+          <a:lstStyle/>
+          <a:p>
+            <a:r>
+              <a:rPr lang="de-DE" dirty="0"/>
+              <a:t>15 min</a:t>
+            </a:r>
+            <a:endParaRPr lang="en-GB" dirty="0"/>
+          </a:p>
+        </p:txBody>
+      </p:sp>
+      <p:sp>
+        <p:nvSpPr>
+          <p:cNvPr id="3" name="Fußzeilenplatzhalter 2"/>
+          <p:cNvSpPr>
+            <a:spLocks noGrp="1"/>
+          </p:cNvSpPr>
+          <p:nvPr>
+            <p:ph type="ftr" sz="quarter" idx="10"/>
+          </p:nvPr>
+        </p:nvSpPr>
+        <p:spPr/>
+        <p:txBody>
+          <a:bodyPr/>
+          <a:lstStyle/>
+          <a:p>
+            <a:r>
+              <a:rPr lang="en-US"/>
+              <a:t>Experts in agile software engineering</a:t>
+            </a:r>
+            <a:endParaRPr lang="de-DE" dirty="0"/>
+          </a:p>
+        </p:txBody>
+      </p:sp>
+      <p:sp>
+        <p:nvSpPr>
+          <p:cNvPr id="4" name="Foliennummernplatzhalter 3"/>
+          <p:cNvSpPr>
+            <a:spLocks noGrp="1"/>
+          </p:cNvSpPr>
+          <p:nvPr>
+            <p:ph type="sldNum" sz="quarter" idx="11"/>
+          </p:nvPr>
+        </p:nvSpPr>
+        <p:spPr/>
+        <p:txBody>
+          <a:bodyPr/>
+          <a:lstStyle/>
+          <a:p>
+            <a:fld id="{6C6AE60A-B69C-4790-82F7-3882EDF23186}" type="slidenum">
+              <a:rPr lang="de-DE" smtClean="0"/>
+              <a:pPr/>
+              <a:t>17</a:t>
+            </a:fld>
+            <a:endParaRPr lang="de-DE" dirty="0"/>
+          </a:p>
+        </p:txBody>
+      </p:sp>
+      <p:sp>
+        <p:nvSpPr>
+          <p:cNvPr id="5" name="Titel 4"/>
+          <p:cNvSpPr>
+            <a:spLocks noGrp="1"/>
+          </p:cNvSpPr>
+          <p:nvPr>
+            <p:ph type="title"/>
+          </p:nvPr>
+        </p:nvSpPr>
+        <p:spPr/>
+        <p:txBody>
+          <a:bodyPr/>
+          <a:lstStyle/>
+          <a:p>
+            <a:r>
+              <a:rPr lang="de-DE" dirty="0" err="1"/>
+              <a:t>React</a:t>
+            </a:r>
+            <a:r>
+              <a:rPr lang="de-DE" dirty="0"/>
+              <a:t> Beispiel</a:t>
+            </a:r>
+            <a:endParaRPr lang="en-GB" dirty="0"/>
+          </a:p>
+        </p:txBody>
+      </p:sp>
+      <p:sp>
+        <p:nvSpPr>
+          <p:cNvPr id="6" name="Textplatzhalter 5"/>
+          <p:cNvSpPr>
+            <a:spLocks noGrp="1"/>
+          </p:cNvSpPr>
+          <p:nvPr>
+            <p:ph type="body" sz="quarter" idx="12"/>
+          </p:nvPr>
+        </p:nvSpPr>
+        <p:spPr/>
+        <p:txBody>
+          <a:bodyPr/>
+          <a:lstStyle/>
+          <a:p>
+            <a:r>
+              <a:rPr lang="de-DE" dirty="0"/>
+              <a:t>Unterschied, SPA, direkte REST Aufrufe</a:t>
+            </a:r>
+          </a:p>
+          <a:p>
+            <a:r>
+              <a:rPr lang="de-DE" dirty="0"/>
+              <a:t>Flipchart Erklärung</a:t>
+            </a:r>
+          </a:p>
+          <a:p>
+            <a:r>
+              <a:rPr lang="de-DE" dirty="0"/>
+              <a:t>Selber auschecken ?</a:t>
+            </a:r>
+            <a:endParaRPr lang="en-GB" dirty="0"/>
+          </a:p>
+        </p:txBody>
+      </p:sp>
+    </p:spTree>
+    <p:extLst>
+      <p:ext uri="{BB962C8B-B14F-4D97-AF65-F5344CB8AC3E}">
+        <p14:creationId xmlns:p14="http://schemas.microsoft.com/office/powerpoint/2010/main" val="575469459"/>
+      </p:ext>
+    </p:extLst>
+  </p:cSld>
+  <p:clrMapOvr>
+    <a:masterClrMapping/>
+  </p:clrMapOvr>
 </p:sld>
 </file>
 
@@ -5698,24 +6985,24 @@
         <p:spPr/>
         <p:txBody>
           <a:bodyPr>
-            <a:normAutofit fontScale="40000" lnSpcReduction="20000"/>
+            <a:normAutofit fontScale="25000" lnSpcReduction="20000"/>
           </a:bodyPr>
           <a:lstStyle/>
           <a:p>
             <a:r>
-              <a:rPr lang="de-DE" dirty="0"/>
+              <a:rPr lang="de-DE" sz="7200" dirty="0"/>
               <a:t>24.05.2017</a:t>
             </a:r>
           </a:p>
           <a:p>
             <a:r>
-              <a:rPr lang="de-DE" dirty="0"/>
+              <a:rPr lang="de-DE" sz="7200" dirty="0"/>
               <a:t>Christoph Kurrat</a:t>
             </a:r>
           </a:p>
           <a:p>
             <a:r>
-              <a:rPr lang="de-DE" dirty="0"/>
+              <a:rPr lang="de-DE" sz="7200" dirty="0"/>
               <a:t>Dr. Bonnie Chow</a:t>
             </a:r>
           </a:p>
@@ -5791,13 +7078,6 @@
   <p:clrMapOvr>
     <a:masterClrMapping/>
   </p:clrMapOvr>
-  <p:timing>
-    <p:tnLst>
-      <p:par>
-        <p:cTn id="1" dur="indefinite" restart="never" nodeType="tmRoot"/>
-      </p:par>
-    </p:tnLst>
-  </p:timing>
 </p:sld>
 </file>
 
@@ -5820,35 +7100,35 @@
       </p:grpSpPr>
       <p:sp>
         <p:nvSpPr>
-          <p:cNvPr id="3" name="Fußzeilenplatzhalter 2"/>
-          <p:cNvSpPr>
-            <a:spLocks noGrp="1"/>
-          </p:cNvSpPr>
-          <p:nvPr>
-            <p:ph type="ftr" sz="quarter" idx="11"/>
-          </p:nvPr>
-        </p:nvSpPr>
-        <p:spPr/>
-        <p:txBody>
-          <a:bodyPr/>
-          <a:lstStyle/>
-          <a:p>
-            <a:r>
-              <a:rPr lang="en-US" smtClean="0"/>
+          <p:cNvPr id="4" name="Fußzeilenplatzhalter 3"/>
+          <p:cNvSpPr>
+            <a:spLocks noGrp="1"/>
+          </p:cNvSpPr>
+          <p:nvPr>
+            <p:ph type="ftr" sz="quarter" idx="10"/>
+          </p:nvPr>
+        </p:nvSpPr>
+        <p:spPr/>
+        <p:txBody>
+          <a:bodyPr/>
+          <a:lstStyle/>
+          <a:p>
+            <a:r>
+              <a:rPr lang="en-US"/>
               <a:t>Experts in agile software engineering</a:t>
             </a:r>
-            <a:endParaRPr lang="de-DE" dirty="0" smtClean="0"/>
-          </a:p>
-        </p:txBody>
-      </p:sp>
-      <p:sp>
-        <p:nvSpPr>
-          <p:cNvPr id="4" name="Foliennummernplatzhalter 3"/>
-          <p:cNvSpPr>
-            <a:spLocks noGrp="1"/>
-          </p:cNvSpPr>
-          <p:nvPr>
-            <p:ph type="sldNum" sz="quarter" idx="12"/>
+            <a:endParaRPr lang="de-DE" dirty="0"/>
+          </a:p>
+        </p:txBody>
+      </p:sp>
+      <p:sp>
+        <p:nvSpPr>
+          <p:cNvPr id="5" name="Foliennummernplatzhalter 4"/>
+          <p:cNvSpPr>
+            <a:spLocks noGrp="1"/>
+          </p:cNvSpPr>
+          <p:nvPr>
+            <p:ph type="sldNum" sz="quarter" idx="11"/>
           </p:nvPr>
         </p:nvSpPr>
         <p:spPr/>
@@ -5867,7 +7147,7 @@
       </p:sp>
       <p:sp>
         <p:nvSpPr>
-          <p:cNvPr id="5" name="Titel 4"/>
+          <p:cNvPr id="6" name="Titel 5"/>
           <p:cNvSpPr>
             <a:spLocks noGrp="1"/>
           </p:cNvSpPr>
@@ -5881,50 +7161,68 @@
           <a:lstStyle/>
           <a:p>
             <a:r>
-              <a:rPr lang="de-DE" dirty="0" smtClean="0"/>
-              <a:t>Agenda</a:t>
+              <a:rPr lang="de-DE" dirty="0"/>
+              <a:t>Spring</a:t>
+            </a:r>
+          </a:p>
+        </p:txBody>
+      </p:sp>
+      <p:sp>
+        <p:nvSpPr>
+          <p:cNvPr id="7" name="Textplatzhalter 6"/>
+          <p:cNvSpPr>
+            <a:spLocks noGrp="1"/>
+          </p:cNvSpPr>
+          <p:nvPr>
+            <p:ph type="body" sz="quarter" idx="12"/>
+          </p:nvPr>
+        </p:nvSpPr>
+        <p:spPr/>
+        <p:txBody>
+          <a:bodyPr/>
+          <a:lstStyle/>
+          <a:p>
+            <a:r>
+              <a:rPr lang="de-DE" dirty="0"/>
+              <a:t>Inversion </a:t>
+            </a:r>
+            <a:r>
+              <a:rPr lang="de-DE" dirty="0" err="1"/>
+              <a:t>of</a:t>
+            </a:r>
+            <a:r>
+              <a:rPr lang="de-DE" dirty="0"/>
+              <a:t> Control Framework</a:t>
+            </a:r>
+          </a:p>
+          <a:p>
+            <a:r>
+              <a:rPr lang="de-DE" dirty="0"/>
+              <a:t>Setzt auf </a:t>
+            </a:r>
+            <a:r>
+              <a:rPr lang="de-DE" dirty="0" err="1"/>
+              <a:t>Convention</a:t>
+            </a:r>
+            <a:r>
+              <a:rPr lang="de-DE" dirty="0"/>
+              <a:t> </a:t>
+            </a:r>
+            <a:r>
+              <a:rPr lang="de-DE" dirty="0" err="1"/>
+              <a:t>over</a:t>
+            </a:r>
+            <a:r>
+              <a:rPr lang="de-DE" dirty="0"/>
+              <a:t> </a:t>
+            </a:r>
+            <a:r>
+              <a:rPr lang="de-DE" dirty="0" err="1"/>
+              <a:t>Configuration</a:t>
             </a:r>
             <a:endParaRPr lang="de-DE" dirty="0"/>
           </a:p>
-        </p:txBody>
-      </p:sp>
-      <p:sp>
-        <p:nvSpPr>
-          <p:cNvPr id="7" name="Inhaltsplatzhalter 6"/>
-          <p:cNvSpPr>
-            <a:spLocks noGrp="1"/>
-          </p:cNvSpPr>
-          <p:nvPr>
-            <p:ph idx="1"/>
-          </p:nvPr>
-        </p:nvSpPr>
-        <p:spPr/>
-        <p:txBody>
-          <a:bodyPr/>
-          <a:lstStyle/>
-          <a:p>
-            <a:r>
-              <a:rPr lang="de-DE" dirty="0" smtClean="0"/>
-              <a:t>Einführung Spring/Data/Boot</a:t>
-            </a:r>
-          </a:p>
-          <a:p>
-            <a:r>
-              <a:rPr lang="de-DE" dirty="0" smtClean="0"/>
-              <a:t>Übersicht über das Beispielprojekt</a:t>
-            </a:r>
-          </a:p>
-          <a:p>
-            <a:r>
-              <a:rPr lang="de-DE" dirty="0" smtClean="0"/>
-              <a:t>Einrichten</a:t>
-            </a:r>
-          </a:p>
-          <a:p>
-            <a:r>
-              <a:rPr lang="de-DE" dirty="0" err="1" smtClean="0"/>
-              <a:t>Coden</a:t>
-            </a:r>
+          <a:p>
             <a:endParaRPr lang="de-DE" dirty="0"/>
           </a:p>
         </p:txBody>
@@ -5932,20 +7230,13 @@
     </p:spTree>
     <p:extLst>
       <p:ext uri="{BB962C8B-B14F-4D97-AF65-F5344CB8AC3E}">
-        <p14:creationId xmlns:p14="http://schemas.microsoft.com/office/powerpoint/2010/main" val="3831497834"/>
+        <p14:creationId xmlns:p14="http://schemas.microsoft.com/office/powerpoint/2010/main" val="3675965672"/>
       </p:ext>
     </p:extLst>
   </p:cSld>
   <p:clrMapOvr>
     <a:masterClrMapping/>
   </p:clrMapOvr>
-  <p:timing>
-    <p:tnLst>
-      <p:par>
-        <p:cTn id="1" dur="indefinite" restart="never" nodeType="tmRoot"/>
-      </p:par>
-    </p:tnLst>
-  </p:timing>
 </p:sld>
 </file>
 
@@ -5968,7 +7259,7 @@
       </p:grpSpPr>
       <p:sp>
         <p:nvSpPr>
-          <p:cNvPr id="4" name="Fußzeilenplatzhalter 3"/>
+          <p:cNvPr id="2" name="Fußzeilenplatzhalter 1"/>
           <p:cNvSpPr>
             <a:spLocks noGrp="1"/>
           </p:cNvSpPr>
@@ -5982,16 +7273,16 @@
           <a:lstStyle/>
           <a:p>
             <a:r>
-              <a:rPr lang="en-US" smtClean="0"/>
+              <a:rPr lang="en-US"/>
               <a:t>Experts in agile software engineering</a:t>
             </a:r>
-            <a:endParaRPr lang="de-DE" dirty="0" smtClean="0"/>
-          </a:p>
-        </p:txBody>
-      </p:sp>
-      <p:sp>
-        <p:nvSpPr>
-          <p:cNvPr id="5" name="Foliennummernplatzhalter 4"/>
+            <a:endParaRPr lang="de-DE" dirty="0"/>
+          </a:p>
+        </p:txBody>
+      </p:sp>
+      <p:sp>
+        <p:nvSpPr>
+          <p:cNvPr id="3" name="Foliennummernplatzhalter 2"/>
           <p:cNvSpPr>
             <a:spLocks noGrp="1"/>
           </p:cNvSpPr>
@@ -6015,7 +7306,7 @@
       </p:sp>
       <p:sp>
         <p:nvSpPr>
-          <p:cNvPr id="6" name="Titel 5"/>
+          <p:cNvPr id="4" name="Titel 3"/>
           <p:cNvSpPr>
             <a:spLocks noGrp="1"/>
           </p:cNvSpPr>
@@ -6029,90 +7320,131 @@
           <a:lstStyle/>
           <a:p>
             <a:r>
-              <a:rPr lang="de-DE" dirty="0" smtClean="0"/>
-              <a:t>Spring</a:t>
+              <a:rPr lang="de-DE" dirty="0"/>
+              <a:t>Spring Data</a:t>
+            </a:r>
+          </a:p>
+        </p:txBody>
+      </p:sp>
+      <p:sp>
+        <p:nvSpPr>
+          <p:cNvPr id="5" name="Textplatzhalter 4"/>
+          <p:cNvSpPr>
+            <a:spLocks noGrp="1"/>
+          </p:cNvSpPr>
+          <p:nvPr>
+            <p:ph type="body" sz="quarter" idx="12"/>
+          </p:nvPr>
+        </p:nvSpPr>
+        <p:spPr/>
+        <p:txBody>
+          <a:bodyPr>
+            <a:normAutofit lnSpcReduction="10000"/>
+          </a:bodyPr>
+          <a:lstStyle/>
+          <a:p>
+            <a:r>
+              <a:rPr lang="de-DE" dirty="0"/>
+              <a:t>Bietet Schnittstelle zu DBs</a:t>
+            </a:r>
+          </a:p>
+          <a:p>
+            <a:pPr lvl="1"/>
+            <a:r>
+              <a:rPr lang="de-DE" dirty="0"/>
+              <a:t>Keine </a:t>
+            </a:r>
+            <a:r>
+              <a:rPr lang="de-DE" dirty="0" err="1"/>
+              <a:t>Queries</a:t>
+            </a:r>
+            <a:r>
+              <a:rPr lang="de-DE" dirty="0"/>
+              <a:t> mehr schreiben müssen</a:t>
+            </a:r>
+          </a:p>
+          <a:p>
+            <a:r>
+              <a:rPr lang="de-DE" dirty="0"/>
+              <a:t>Unterstützt viele DBMS (SQL + </a:t>
+            </a:r>
+            <a:r>
+              <a:rPr lang="de-DE" dirty="0" err="1"/>
+              <a:t>NoSQL</a:t>
+            </a:r>
+            <a:r>
+              <a:rPr lang="de-DE" dirty="0"/>
+              <a:t>)</a:t>
+            </a:r>
+          </a:p>
+          <a:p>
+            <a:r>
+              <a:rPr lang="de-DE" dirty="0"/>
+              <a:t>Bietet diese Schnittstellen als REST-</a:t>
+            </a:r>
+            <a:r>
+              <a:rPr lang="de-DE" dirty="0" err="1"/>
+              <a:t>Resourcen</a:t>
             </a:r>
             <a:endParaRPr lang="de-DE" dirty="0"/>
           </a:p>
-        </p:txBody>
-      </p:sp>
-      <p:sp>
-        <p:nvSpPr>
-          <p:cNvPr id="7" name="Textplatzhalter 6"/>
-          <p:cNvSpPr>
-            <a:spLocks noGrp="1"/>
-          </p:cNvSpPr>
-          <p:nvPr>
-            <p:ph type="body" sz="quarter" idx="12"/>
-          </p:nvPr>
-        </p:nvSpPr>
-        <p:spPr/>
-        <p:txBody>
-          <a:bodyPr/>
-          <a:lstStyle/>
-          <a:p>
-            <a:r>
-              <a:rPr lang="de-DE" dirty="0"/>
-              <a:t>Inversion </a:t>
+          <a:p>
+            <a:pPr lvl="1"/>
+            <a:r>
+              <a:rPr lang="de-DE" dirty="0"/>
+              <a:t>Weniger / kein </a:t>
             </a:r>
             <a:r>
               <a:rPr lang="de-DE" dirty="0" err="1"/>
-              <a:t>of</a:t>
-            </a:r>
-            <a:r>
-              <a:rPr lang="de-DE" dirty="0"/>
-              <a:t> Control Framework</a:t>
-            </a:r>
-          </a:p>
-          <a:p>
-            <a:r>
-              <a:rPr lang="de-DE" dirty="0"/>
-              <a:t>Setzt auf </a:t>
+              <a:t>Boilerplatecode</a:t>
+            </a:r>
+            <a:r>
+              <a:rPr lang="de-DE" dirty="0"/>
+              <a:t> mehr</a:t>
+            </a:r>
+          </a:p>
+          <a:p>
+            <a:pPr lvl="1"/>
+            <a:r>
+              <a:rPr lang="de-DE" dirty="0"/>
+              <a:t>Ideal für Single Page </a:t>
             </a:r>
             <a:r>
               <a:rPr lang="de-DE" dirty="0" err="1"/>
-              <a:t>Convention</a:t>
-            </a:r>
-            <a:r>
-              <a:rPr lang="de-DE" dirty="0"/>
-              <a:t> </a:t>
-            </a:r>
-            <a:r>
-              <a:rPr lang="de-DE" dirty="0" err="1"/>
-              <a:t>over</a:t>
-            </a:r>
-            <a:r>
-              <a:rPr lang="de-DE" dirty="0"/>
-              <a:t> </a:t>
-            </a:r>
-            <a:r>
-              <a:rPr lang="de-DE" dirty="0" err="1"/>
-              <a:t>Configuration</a:t>
+              <a:t>Applications</a:t>
             </a:r>
             <a:endParaRPr lang="de-DE" dirty="0"/>
           </a:p>
           <a:p>
-            <a:endParaRPr lang="de-DE" dirty="0"/>
+            <a:r>
+              <a:rPr lang="de-DE" dirty="0"/>
+              <a:t>HAL-Browser</a:t>
+            </a:r>
+          </a:p>
+          <a:p>
+            <a:r>
+              <a:rPr lang="de-DE" dirty="0"/>
+              <a:t>Ist stabil</a:t>
+            </a:r>
+          </a:p>
+          <a:p>
+            <a:r>
+              <a:rPr lang="de-DE" dirty="0"/>
+              <a:t>Ist anpassbar</a:t>
+            </a:r>
           </a:p>
         </p:txBody>
       </p:sp>
     </p:spTree>
     <p:extLst>
       <p:ext uri="{BB962C8B-B14F-4D97-AF65-F5344CB8AC3E}">
-        <p14:creationId xmlns:p14="http://schemas.microsoft.com/office/powerpoint/2010/main" val="3675965672"/>
+        <p14:creationId xmlns:p14="http://schemas.microsoft.com/office/powerpoint/2010/main" val="3249461432"/>
       </p:ext>
     </p:extLst>
   </p:cSld>
   <p:clrMapOvr>
     <a:masterClrMapping/>
   </p:clrMapOvr>
-  <p:timing>
-    <p:tnLst>
-      <p:par>
-        <p:cTn id="1" dur="indefinite" restart="never" nodeType="tmRoot"/>
-      </p:par>
-    </p:tnLst>
-  </p:timing>
 </p:sld>
 </file>
 
@@ -6149,10 +7481,10 @@
           <a:lstStyle/>
           <a:p>
             <a:r>
-              <a:rPr lang="en-US" smtClean="0"/>
+              <a:rPr lang="en-US"/>
               <a:t>Experts in agile software engineering</a:t>
             </a:r>
-            <a:endParaRPr lang="de-DE" dirty="0" smtClean="0"/>
+            <a:endParaRPr lang="de-DE" dirty="0"/>
           </a:p>
         </p:txBody>
       </p:sp>
@@ -6196,10 +7528,9 @@
           <a:lstStyle/>
           <a:p>
             <a:r>
-              <a:rPr lang="de-DE" dirty="0" smtClean="0"/>
-              <a:t>Spring Data</a:t>
-            </a:r>
-            <a:endParaRPr lang="de-DE" dirty="0"/>
+              <a:rPr lang="de-DE" dirty="0"/>
+              <a:t>Spring Boot</a:t>
+            </a:r>
           </a:p>
         </p:txBody>
       </p:sp>
@@ -6215,110 +7546,86 @@
         </p:nvSpPr>
         <p:spPr/>
         <p:txBody>
-          <a:bodyPr>
-            <a:normAutofit lnSpcReduction="10000"/>
-          </a:bodyPr>
-          <a:lstStyle/>
-          <a:p>
-            <a:r>
-              <a:rPr lang="de-DE" dirty="0"/>
-              <a:t>Bietet Schnittstelle zu </a:t>
-            </a:r>
-            <a:r>
-              <a:rPr lang="de-DE" dirty="0" smtClean="0"/>
-              <a:t>DBs</a:t>
+          <a:bodyPr/>
+          <a:lstStyle/>
+          <a:p>
+            <a:r>
+              <a:rPr lang="de-DE" dirty="0"/>
+              <a:t>Bietet die Springprojekte als fertige “Starter” </a:t>
+            </a:r>
+            <a:r>
+              <a:rPr lang="de-DE" dirty="0" err="1"/>
+              <a:t>bundles</a:t>
+            </a:r>
+            <a:r>
+              <a:rPr lang="de-DE" dirty="0"/>
+              <a:t> an, z.B. als </a:t>
+            </a:r>
+            <a:r>
+              <a:rPr lang="de-DE" dirty="0" err="1"/>
+              <a:t>Maven</a:t>
+            </a:r>
+            <a:r>
+              <a:rPr lang="de-DE" dirty="0"/>
+              <a:t> Artefakte</a:t>
+            </a:r>
+          </a:p>
+          <a:p>
+            <a:r>
+              <a:rPr lang="en-US" dirty="0" err="1"/>
+              <a:t>Treibt</a:t>
+            </a:r>
+            <a:r>
+              <a:rPr lang="en-US" dirty="0"/>
+              <a:t> Convention over Configuration </a:t>
+            </a:r>
+            <a:r>
+              <a:rPr lang="en-US" dirty="0" err="1"/>
+              <a:t>weiter</a:t>
+            </a:r>
+            <a:r>
+              <a:rPr lang="en-US" dirty="0"/>
+              <a:t> (+  und -)</a:t>
+            </a:r>
+          </a:p>
+          <a:p>
+            <a:r>
+              <a:rPr lang="de-DE" dirty="0"/>
+              <a:t>Generiert “</a:t>
+            </a:r>
+            <a:r>
+              <a:rPr lang="de-DE" dirty="0" err="1"/>
+              <a:t>fat</a:t>
+            </a:r>
+            <a:r>
+              <a:rPr lang="de-DE" dirty="0"/>
+              <a:t> </a:t>
+            </a:r>
+            <a:r>
+              <a:rPr lang="de-DE" dirty="0" err="1"/>
+              <a:t>jars</a:t>
+            </a:r>
+            <a:r>
+              <a:rPr lang="de-DE" dirty="0"/>
+              <a:t>” die sämtliche Abhängigkeiten + einen </a:t>
+            </a:r>
+            <a:r>
+              <a:rPr lang="de-DE" dirty="0" err="1"/>
+              <a:t>Applicationserver</a:t>
+            </a:r>
+            <a:r>
+              <a:rPr lang="de-DE" dirty="0"/>
+              <a:t> enthalten</a:t>
+            </a:r>
+          </a:p>
+          <a:p>
+            <a:r>
+              <a:rPr lang="de-DE" dirty="0"/>
+              <a:t>einfache und aussagekräftige Integrationstests mit spring-boot-test</a:t>
             </a:r>
           </a:p>
           <a:p>
             <a:pPr lvl="1"/>
-            <a:r>
-              <a:rPr lang="de-DE" dirty="0" smtClean="0"/>
-              <a:t>Keine </a:t>
-            </a:r>
-            <a:r>
-              <a:rPr lang="de-DE" dirty="0" err="1" smtClean="0"/>
-              <a:t>Queries</a:t>
-            </a:r>
-            <a:r>
-              <a:rPr lang="de-DE" dirty="0" smtClean="0"/>
-              <a:t> mehr schreiben müssen</a:t>
-            </a:r>
-          </a:p>
-          <a:p>
-            <a:r>
-              <a:rPr lang="de-DE" dirty="0" smtClean="0"/>
-              <a:t>Unterstützt viele DBMS (SQL + </a:t>
-            </a:r>
-            <a:r>
-              <a:rPr lang="de-DE" dirty="0" err="1" smtClean="0"/>
-              <a:t>NoSQL</a:t>
-            </a:r>
-            <a:r>
-              <a:rPr lang="de-DE" dirty="0" smtClean="0"/>
-              <a:t>)</a:t>
-            </a:r>
-            <a:endParaRPr lang="de-DE" dirty="0"/>
-          </a:p>
-          <a:p>
-            <a:r>
-              <a:rPr lang="de-DE" dirty="0"/>
-              <a:t>Bietet diese Schnittstellen als </a:t>
-            </a:r>
-            <a:r>
-              <a:rPr lang="de-DE" dirty="0" smtClean="0"/>
-              <a:t>REST-</a:t>
-            </a:r>
-            <a:r>
-              <a:rPr lang="de-DE" dirty="0" err="1" smtClean="0"/>
-              <a:t>Resourcen</a:t>
-            </a:r>
-            <a:endParaRPr lang="de-DE" dirty="0" smtClean="0"/>
-          </a:p>
-          <a:p>
-            <a:pPr lvl="1"/>
-            <a:r>
-              <a:rPr lang="de-DE" dirty="0" smtClean="0"/>
-              <a:t>Weniger / kein </a:t>
-            </a:r>
-            <a:r>
-              <a:rPr lang="de-DE" dirty="0" err="1" smtClean="0"/>
-              <a:t>Boilerplatecode</a:t>
-            </a:r>
-            <a:r>
-              <a:rPr lang="de-DE" dirty="0" smtClean="0"/>
-              <a:t> mehr</a:t>
-            </a:r>
-          </a:p>
-          <a:p>
-            <a:pPr lvl="1"/>
-            <a:r>
-              <a:rPr lang="de-DE" dirty="0" smtClean="0"/>
-              <a:t>Ideal für Single Page </a:t>
-            </a:r>
-            <a:r>
-              <a:rPr lang="de-DE" dirty="0" err="1" smtClean="0"/>
-              <a:t>Applications</a:t>
-            </a:r>
-            <a:endParaRPr lang="de-DE" dirty="0" smtClean="0"/>
-          </a:p>
-          <a:p>
-            <a:r>
-              <a:rPr lang="de-DE" dirty="0" smtClean="0"/>
-              <a:t>HAL-Browser</a:t>
-            </a:r>
-            <a:endParaRPr lang="de-DE" dirty="0"/>
-          </a:p>
-          <a:p>
-            <a:r>
-              <a:rPr lang="de-DE" dirty="0" smtClean="0"/>
-              <a:t>Ist stabil</a:t>
-            </a:r>
-          </a:p>
-          <a:p>
-            <a:r>
-              <a:rPr lang="de-DE" dirty="0" smtClean="0"/>
-              <a:t>Ist anpassbar</a:t>
-            </a:r>
             <a:endParaRPr lang="de-DE" dirty="0"/>
           </a:p>
         </p:txBody>
@@ -6326,7 +7633,7 @@
     </p:spTree>
     <p:extLst>
       <p:ext uri="{BB962C8B-B14F-4D97-AF65-F5344CB8AC3E}">
-        <p14:creationId xmlns:p14="http://schemas.microsoft.com/office/powerpoint/2010/main" val="3249461432"/>
+        <p14:creationId xmlns:p14="http://schemas.microsoft.com/office/powerpoint/2010/main" val="3827873249"/>
       </p:ext>
     </p:extLst>
   </p:cSld>
@@ -6355,6 +7662,30 @@
       </p:grpSpPr>
       <p:sp>
         <p:nvSpPr>
+          <p:cNvPr id="8" name="Textplatzhalter 7"/>
+          <p:cNvSpPr>
+            <a:spLocks noGrp="1"/>
+          </p:cNvSpPr>
+          <p:nvPr>
+            <p:ph type="body" sz="half" idx="2"/>
+          </p:nvPr>
+        </p:nvSpPr>
+        <p:spPr/>
+        <p:txBody>
+          <a:bodyPr>
+            <a:normAutofit fontScale="85000" lnSpcReduction="10000"/>
+          </a:bodyPr>
+          <a:lstStyle/>
+          <a:p>
+            <a:r>
+              <a:rPr lang="de-DE" dirty="0"/>
+              <a:t>30 Min</a:t>
+            </a:r>
+          </a:p>
+        </p:txBody>
+      </p:sp>
+      <p:sp>
+        <p:nvSpPr>
           <p:cNvPr id="2" name="Fußzeilenplatzhalter 1"/>
           <p:cNvSpPr>
             <a:spLocks noGrp="1"/>
@@ -6369,10 +7700,10 @@
           <a:lstStyle/>
           <a:p>
             <a:r>
-              <a:rPr lang="en-US" smtClean="0"/>
+              <a:rPr lang="en-US"/>
               <a:t>Experts in agile software engineering</a:t>
             </a:r>
-            <a:endParaRPr lang="de-DE" dirty="0" smtClean="0"/>
+            <a:endParaRPr lang="de-DE" dirty="0"/>
           </a:p>
         </p:txBody>
       </p:sp>
@@ -6416,8 +7747,22 @@
           <a:lstStyle/>
           <a:p>
             <a:r>
-              <a:rPr lang="de-DE" dirty="0" smtClean="0"/>
-              <a:t>Spring Boot</a:t>
+              <a:rPr lang="de-DE" dirty="0"/>
+              <a:t>Das Beispielprojekt – </a:t>
+            </a:r>
+            <a:r>
+              <a:rPr lang="de-DE" dirty="0" err="1"/>
+              <a:t>Explore</a:t>
+            </a:r>
+            <a:r>
+              <a:rPr lang="de-DE" dirty="0"/>
+              <a:t> </a:t>
+            </a:r>
+            <a:r>
+              <a:rPr lang="de-DE" dirty="0">
+                <a:sym typeface="Wingdings" panose="05000000000000000000" pitchFamily="2" charset="2"/>
+              </a:rPr>
+              <a:t></a:t>
             </a:r>
             <a:endParaRPr lang="de-DE" dirty="0"/>
           </a:p>
@@ -6425,7 +7770,7 @@
       </p:sp>
       <p:sp>
         <p:nvSpPr>
-          <p:cNvPr id="5" name="Textplatzhalter 4"/>
+          <p:cNvPr id="9" name="Textplatzhalter 8"/>
           <p:cNvSpPr>
             <a:spLocks noGrp="1"/>
           </p:cNvSpPr>
@@ -6440,102 +7785,48 @@
           <a:p>
             <a:r>
               <a:rPr lang="de-DE" dirty="0"/>
-              <a:t>Bietet die Springprojekte als fertige “</a:t>
-            </a:r>
+              <a:t>Projekt von GitHub auschecken (siehe Email)</a:t>
+            </a:r>
+          </a:p>
+          <a:p>
             <a:r>
               <a:rPr lang="de-DE" dirty="0" err="1"/>
-              <a:t>starter</a:t>
-            </a:r>
-            <a:r>
-              <a:rPr lang="de-DE" dirty="0"/>
-              <a:t>” </a:t>
+              <a:t>mvn</a:t>
+            </a:r>
+            <a:r>
+              <a:rPr lang="de-DE" dirty="0"/>
+              <a:t> clean </a:t>
             </a:r>
             <a:r>
               <a:rPr lang="de-DE" dirty="0" err="1"/>
-              <a:t>bundles</a:t>
-            </a:r>
-            <a:r>
-              <a:rPr lang="de-DE" dirty="0"/>
-              <a:t> an, z.B. als </a:t>
-            </a:r>
-            <a:r>
-              <a:rPr lang="de-DE" dirty="0" err="1"/>
-              <a:t>Maven</a:t>
-            </a:r>
-            <a:r>
-              <a:rPr lang="de-DE" dirty="0"/>
-              <a:t> Artefakte</a:t>
-            </a:r>
-          </a:p>
-          <a:p>
-            <a:r>
-              <a:rPr lang="en-US" dirty="0" err="1"/>
-              <a:t>Treibt</a:t>
-            </a:r>
-            <a:r>
-              <a:rPr lang="en-US" dirty="0"/>
-              <a:t> Convention over Configuration </a:t>
-            </a:r>
-            <a:r>
-              <a:rPr lang="en-US" dirty="0" err="1" smtClean="0"/>
-              <a:t>weiter</a:t>
-            </a:r>
-            <a:r>
-              <a:rPr lang="en-US" dirty="0" smtClean="0"/>
-              <a:t> (+  und -)</a:t>
-            </a:r>
-            <a:endParaRPr lang="en-US" dirty="0"/>
-          </a:p>
-          <a:p>
-            <a:r>
-              <a:rPr lang="de-DE" dirty="0"/>
-              <a:t>Generiert “</a:t>
-            </a:r>
-            <a:r>
-              <a:rPr lang="de-DE" dirty="0" err="1"/>
-              <a:t>fat</a:t>
-            </a:r>
-            <a:r>
-              <a:rPr lang="de-DE" dirty="0"/>
-              <a:t> </a:t>
-            </a:r>
-            <a:r>
-              <a:rPr lang="de-DE" dirty="0" err="1"/>
-              <a:t>jars</a:t>
-            </a:r>
-            <a:r>
-              <a:rPr lang="de-DE" dirty="0"/>
-              <a:t>” die sämtliche Abhängigkeiten + einen </a:t>
-            </a:r>
-            <a:r>
-              <a:rPr lang="de-DE" dirty="0" err="1"/>
-              <a:t>Applicationserver</a:t>
-            </a:r>
-            <a:r>
-              <a:rPr lang="de-DE" dirty="0"/>
-              <a:t> </a:t>
-            </a:r>
-            <a:r>
-              <a:rPr lang="de-DE" dirty="0" smtClean="0"/>
-              <a:t>enthalten</a:t>
-            </a:r>
-          </a:p>
-          <a:p>
-            <a:r>
-              <a:rPr lang="de-DE" dirty="0" smtClean="0"/>
-              <a:t>einfache Integrationstests mit spring-boot-test</a:t>
-            </a:r>
-          </a:p>
-          <a:p>
-            <a:pPr lvl="1"/>
+              <a:t>install</a:t>
+            </a:r>
             <a:endParaRPr lang="de-DE" dirty="0"/>
+          </a:p>
+          <a:p>
+            <a:r>
+              <a:rPr lang="de-DE" dirty="0">
+                <a:hlinkClick r:id="rId2"/>
+              </a:rPr>
+              <a:t>http://localhost:8090/</a:t>
+            </a:r>
+            <a:r>
+              <a:rPr lang="de-DE" dirty="0"/>
+              <a:t>  =&gt; HAL Browser</a:t>
+            </a:r>
+          </a:p>
+          <a:p>
+            <a:r>
+              <a:rPr lang="de-DE" dirty="0"/>
+              <a:t>http://localhost:8090/agenda</a:t>
+            </a:r>
           </a:p>
         </p:txBody>
       </p:sp>
     </p:spTree>
     <p:extLst>
       <p:ext uri="{BB962C8B-B14F-4D97-AF65-F5344CB8AC3E}">
-        <p14:creationId xmlns:p14="http://schemas.microsoft.com/office/powerpoint/2010/main" val="3827873249"/>
+        <p14:creationId xmlns:p14="http://schemas.microsoft.com/office/powerpoint/2010/main" val="1899478948"/>
       </p:ext>
     </p:extLst>
   </p:cSld>
@@ -6564,7 +7855,7 @@
       </p:grpSpPr>
       <p:sp>
         <p:nvSpPr>
-          <p:cNvPr id="8" name="Textplatzhalter 7"/>
+          <p:cNvPr id="2" name="Textplatzhalter 1"/>
           <p:cNvSpPr>
             <a:spLocks noGrp="1"/>
           </p:cNvSpPr>
@@ -6580,8 +7871,31 @@
           <a:lstStyle/>
           <a:p>
             <a:r>
-              <a:rPr lang="de-DE" dirty="0" smtClean="0"/>
-              <a:t>15 Min</a:t>
+              <a:rPr lang="de-DE" dirty="0"/>
+              <a:t>15 min</a:t>
+            </a:r>
+            <a:endParaRPr lang="en-GB" dirty="0"/>
+          </a:p>
+        </p:txBody>
+      </p:sp>
+      <p:sp>
+        <p:nvSpPr>
+          <p:cNvPr id="3" name="Fußzeilenplatzhalter 2"/>
+          <p:cNvSpPr>
+            <a:spLocks noGrp="1"/>
+          </p:cNvSpPr>
+          <p:nvPr>
+            <p:ph type="ftr" sz="quarter" idx="10"/>
+          </p:nvPr>
+        </p:nvSpPr>
+        <p:spPr/>
+        <p:txBody>
+          <a:bodyPr/>
+          <a:lstStyle/>
+          <a:p>
+            <a:r>
+              <a:rPr lang="en-US"/>
+              <a:t>Experts in agile software engineering</a:t>
             </a:r>
             <a:endParaRPr lang="de-DE" dirty="0"/>
           </a:p>
@@ -6589,30 +7903,7 @@
       </p:sp>
       <p:sp>
         <p:nvSpPr>
-          <p:cNvPr id="2" name="Fußzeilenplatzhalter 1"/>
-          <p:cNvSpPr>
-            <a:spLocks noGrp="1"/>
-          </p:cNvSpPr>
-          <p:nvPr>
-            <p:ph type="ftr" sz="quarter" idx="10"/>
-          </p:nvPr>
-        </p:nvSpPr>
-        <p:spPr/>
-        <p:txBody>
-          <a:bodyPr/>
-          <a:lstStyle/>
-          <a:p>
-            <a:r>
-              <a:rPr lang="en-US" smtClean="0"/>
-              <a:t>Experts in agile software engineering</a:t>
-            </a:r>
-            <a:endParaRPr lang="de-DE" dirty="0" smtClean="0"/>
-          </a:p>
-        </p:txBody>
-      </p:sp>
-      <p:sp>
-        <p:nvSpPr>
-          <p:cNvPr id="3" name="Foliennummernplatzhalter 2"/>
+          <p:cNvPr id="4" name="Foliennummernplatzhalter 3"/>
           <p:cNvSpPr>
             <a:spLocks noGrp="1"/>
           </p:cNvSpPr>
@@ -6636,7 +7927,7 @@
       </p:sp>
       <p:sp>
         <p:nvSpPr>
-          <p:cNvPr id="4" name="Titel 3"/>
+          <p:cNvPr id="5" name="Titel 4"/>
           <p:cNvSpPr>
             <a:spLocks noGrp="1"/>
           </p:cNvSpPr>
@@ -6650,16 +7941,16 @@
           <a:lstStyle/>
           <a:p>
             <a:r>
-              <a:rPr lang="de-DE" dirty="0" smtClean="0"/>
-              <a:t>Das Beispielprojekt</a:t>
-            </a:r>
-            <a:endParaRPr lang="de-DE" dirty="0"/>
-          </a:p>
-        </p:txBody>
-      </p:sp>
-      <p:sp>
-        <p:nvSpPr>
-          <p:cNvPr id="9" name="Textplatzhalter 8"/>
+              <a:rPr lang="de-DE" dirty="0"/>
+              <a:t>Pause</a:t>
+            </a:r>
+            <a:endParaRPr lang="en-GB" dirty="0"/>
+          </a:p>
+        </p:txBody>
+      </p:sp>
+      <p:sp>
+        <p:nvSpPr>
+          <p:cNvPr id="6" name="Textplatzhalter 5"/>
           <p:cNvSpPr>
             <a:spLocks noGrp="1"/>
           </p:cNvSpPr>
@@ -6672,14 +7963,386 @@
           <a:bodyPr/>
           <a:lstStyle/>
           <a:p>
-            <a:endParaRPr lang="de-DE"/>
+            <a:endParaRPr lang="en-GB"/>
           </a:p>
         </p:txBody>
       </p:sp>
     </p:spTree>
     <p:extLst>
       <p:ext uri="{BB962C8B-B14F-4D97-AF65-F5344CB8AC3E}">
-        <p14:creationId xmlns:p14="http://schemas.microsoft.com/office/powerpoint/2010/main" val="1899478948"/>
+        <p14:creationId xmlns:p14="http://schemas.microsoft.com/office/powerpoint/2010/main" val="1832731950"/>
+      </p:ext>
+    </p:extLst>
+  </p:cSld>
+  <p:clrMapOvr>
+    <a:masterClrMapping/>
+  </p:clrMapOvr>
+</p:sld>
+</file>
+
+<file path=ppt/slides/slide8.xml><?xml version="1.0" encoding="utf-8"?>
+<p:sld xmlns:a="http://schemas.openxmlformats.org/drawingml/2006/main" xmlns:r="http://schemas.openxmlformats.org/officeDocument/2006/relationships" xmlns:p="http://schemas.openxmlformats.org/presentationml/2006/main">
+  <p:cSld>
+    <p:spTree>
+      <p:nvGrpSpPr>
+        <p:cNvPr id="1" name=""/>
+        <p:cNvGrpSpPr/>
+        <p:nvPr/>
+      </p:nvGrpSpPr>
+      <p:grpSpPr>
+        <a:xfrm>
+          <a:off x="0" y="0"/>
+          <a:ext cx="0" cy="0"/>
+          <a:chOff x="0" y="0"/>
+          <a:chExt cx="0" cy="0"/>
+        </a:xfrm>
+      </p:grpSpPr>
+      <p:sp>
+        <p:nvSpPr>
+          <p:cNvPr id="2" name="Textplatzhalter 1"/>
+          <p:cNvSpPr>
+            <a:spLocks noGrp="1"/>
+          </p:cNvSpPr>
+          <p:nvPr>
+            <p:ph type="body" sz="half" idx="2"/>
+          </p:nvPr>
+        </p:nvSpPr>
+        <p:spPr/>
+        <p:txBody>
+          <a:bodyPr>
+            <a:normAutofit fontScale="85000" lnSpcReduction="10000"/>
+          </a:bodyPr>
+          <a:lstStyle/>
+          <a:p>
+            <a:r>
+              <a:rPr lang="de-DE" dirty="0"/>
+              <a:t>15 min</a:t>
+            </a:r>
+            <a:endParaRPr lang="en-GB" dirty="0"/>
+          </a:p>
+        </p:txBody>
+      </p:sp>
+      <p:sp>
+        <p:nvSpPr>
+          <p:cNvPr id="3" name="Fußzeilenplatzhalter 2"/>
+          <p:cNvSpPr>
+            <a:spLocks noGrp="1"/>
+          </p:cNvSpPr>
+          <p:nvPr>
+            <p:ph type="ftr" sz="quarter" idx="10"/>
+          </p:nvPr>
+        </p:nvSpPr>
+        <p:spPr/>
+        <p:txBody>
+          <a:bodyPr/>
+          <a:lstStyle/>
+          <a:p>
+            <a:r>
+              <a:rPr lang="en-US"/>
+              <a:t>Experts in agile software engineering</a:t>
+            </a:r>
+            <a:endParaRPr lang="de-DE" dirty="0"/>
+          </a:p>
+        </p:txBody>
+      </p:sp>
+      <p:sp>
+        <p:nvSpPr>
+          <p:cNvPr id="4" name="Foliennummernplatzhalter 3"/>
+          <p:cNvSpPr>
+            <a:spLocks noGrp="1"/>
+          </p:cNvSpPr>
+          <p:nvPr>
+            <p:ph type="sldNum" sz="quarter" idx="11"/>
+          </p:nvPr>
+        </p:nvSpPr>
+        <p:spPr/>
+        <p:txBody>
+          <a:bodyPr/>
+          <a:lstStyle/>
+          <a:p>
+            <a:fld id="{6C6AE60A-B69C-4790-82F7-3882EDF23186}" type="slidenum">
+              <a:rPr lang="de-DE" smtClean="0"/>
+              <a:pPr/>
+              <a:t>8</a:t>
+            </a:fld>
+            <a:endParaRPr lang="de-DE" dirty="0"/>
+          </a:p>
+        </p:txBody>
+      </p:sp>
+      <p:sp>
+        <p:nvSpPr>
+          <p:cNvPr id="5" name="Titel 4"/>
+          <p:cNvSpPr>
+            <a:spLocks noGrp="1"/>
+          </p:cNvSpPr>
+          <p:nvPr>
+            <p:ph type="title"/>
+          </p:nvPr>
+        </p:nvSpPr>
+        <p:spPr/>
+        <p:txBody>
+          <a:bodyPr/>
+          <a:lstStyle/>
+          <a:p>
+            <a:r>
+              <a:rPr lang="de-DE" dirty="0"/>
+              <a:t>Spring Data Theorie</a:t>
+            </a:r>
+            <a:endParaRPr lang="en-GB" dirty="0"/>
+          </a:p>
+        </p:txBody>
+      </p:sp>
+      <p:sp>
+        <p:nvSpPr>
+          <p:cNvPr id="6" name="Textplatzhalter 5"/>
+          <p:cNvSpPr>
+            <a:spLocks noGrp="1"/>
+          </p:cNvSpPr>
+          <p:nvPr>
+            <p:ph type="body" sz="quarter" idx="12"/>
+          </p:nvPr>
+        </p:nvSpPr>
+        <p:spPr/>
+        <p:txBody>
+          <a:bodyPr/>
+          <a:lstStyle/>
+          <a:p>
+            <a:r>
+              <a:rPr lang="de-DE" dirty="0"/>
+              <a:t>Query </a:t>
+            </a:r>
+            <a:r>
+              <a:rPr lang="de-DE" dirty="0" err="1"/>
+              <a:t>syntax</a:t>
+            </a:r>
+            <a:r>
+              <a:rPr lang="de-DE" dirty="0"/>
+              <a:t> (IDE Unterstützung, </a:t>
+            </a:r>
+            <a:r>
+              <a:rPr lang="de-DE" dirty="0" err="1"/>
+              <a:t>IntelliJ</a:t>
+            </a:r>
+            <a:r>
+              <a:rPr lang="de-DE" dirty="0"/>
+              <a:t>, )</a:t>
+            </a:r>
+          </a:p>
+          <a:p>
+            <a:r>
+              <a:rPr lang="de-DE" dirty="0" err="1"/>
+              <a:t>Repositories</a:t>
+            </a:r>
+            <a:r>
+              <a:rPr lang="de-DE" dirty="0"/>
+              <a:t> (CRUD, </a:t>
+            </a:r>
+            <a:r>
+              <a:rPr lang="de-DE" dirty="0" err="1"/>
+              <a:t>PagingAndSorting</a:t>
+            </a:r>
+            <a:r>
+              <a:rPr lang="de-DE" dirty="0"/>
+              <a:t> …)</a:t>
+            </a:r>
+          </a:p>
+          <a:p>
+            <a:r>
+              <a:rPr lang="de-DE" dirty="0"/>
+              <a:t>Request </a:t>
+            </a:r>
+            <a:r>
+              <a:rPr lang="de-DE" dirty="0" err="1"/>
+              <a:t>params</a:t>
+            </a:r>
+            <a:endParaRPr lang="de-DE" dirty="0"/>
+          </a:p>
+          <a:p>
+            <a:r>
+              <a:rPr lang="de-DE" dirty="0"/>
+              <a:t>Native </a:t>
+            </a:r>
+            <a:r>
+              <a:rPr lang="de-DE" dirty="0" err="1"/>
+              <a:t>Queries</a:t>
+            </a:r>
+            <a:endParaRPr lang="de-DE" dirty="0"/>
+          </a:p>
+          <a:p>
+            <a:endParaRPr lang="en-GB" dirty="0"/>
+          </a:p>
+        </p:txBody>
+      </p:sp>
+    </p:spTree>
+    <p:extLst>
+      <p:ext uri="{BB962C8B-B14F-4D97-AF65-F5344CB8AC3E}">
+        <p14:creationId xmlns:p14="http://schemas.microsoft.com/office/powerpoint/2010/main" val="1815258435"/>
+      </p:ext>
+    </p:extLst>
+  </p:cSld>
+  <p:clrMapOvr>
+    <a:masterClrMapping/>
+  </p:clrMapOvr>
+</p:sld>
+</file>
+
+<file path=ppt/slides/slide9.xml><?xml version="1.0" encoding="utf-8"?>
+<p:sld xmlns:a="http://schemas.openxmlformats.org/drawingml/2006/main" xmlns:r="http://schemas.openxmlformats.org/officeDocument/2006/relationships" xmlns:p="http://schemas.openxmlformats.org/presentationml/2006/main">
+  <p:cSld>
+    <p:spTree>
+      <p:nvGrpSpPr>
+        <p:cNvPr id="1" name=""/>
+        <p:cNvGrpSpPr/>
+        <p:nvPr/>
+      </p:nvGrpSpPr>
+      <p:grpSpPr>
+        <a:xfrm>
+          <a:off x="0" y="0"/>
+          <a:ext cx="0" cy="0"/>
+          <a:chOff x="0" y="0"/>
+          <a:chExt cx="0" cy="0"/>
+        </a:xfrm>
+      </p:grpSpPr>
+      <p:sp>
+        <p:nvSpPr>
+          <p:cNvPr id="2" name="Textplatzhalter 1"/>
+          <p:cNvSpPr>
+            <a:spLocks noGrp="1"/>
+          </p:cNvSpPr>
+          <p:nvPr>
+            <p:ph type="body" sz="half" idx="2"/>
+          </p:nvPr>
+        </p:nvSpPr>
+        <p:spPr/>
+        <p:txBody>
+          <a:bodyPr>
+            <a:normAutofit fontScale="85000" lnSpcReduction="10000"/>
+          </a:bodyPr>
+          <a:lstStyle/>
+          <a:p>
+            <a:r>
+              <a:rPr lang="en-US" dirty="0"/>
+              <a:t>30 min</a:t>
+            </a:r>
+            <a:endParaRPr lang="en-GB" dirty="0"/>
+          </a:p>
+        </p:txBody>
+      </p:sp>
+      <p:sp>
+        <p:nvSpPr>
+          <p:cNvPr id="3" name="Fußzeilenplatzhalter 2"/>
+          <p:cNvSpPr>
+            <a:spLocks noGrp="1"/>
+          </p:cNvSpPr>
+          <p:nvPr>
+            <p:ph type="ftr" sz="quarter" idx="10"/>
+          </p:nvPr>
+        </p:nvSpPr>
+        <p:spPr/>
+        <p:txBody>
+          <a:bodyPr/>
+          <a:lstStyle/>
+          <a:p>
+            <a:r>
+              <a:rPr lang="en-US"/>
+              <a:t>Experts in agile software engineering</a:t>
+            </a:r>
+            <a:endParaRPr lang="de-DE" dirty="0"/>
+          </a:p>
+        </p:txBody>
+      </p:sp>
+      <p:sp>
+        <p:nvSpPr>
+          <p:cNvPr id="4" name="Foliennummernplatzhalter 3"/>
+          <p:cNvSpPr>
+            <a:spLocks noGrp="1"/>
+          </p:cNvSpPr>
+          <p:nvPr>
+            <p:ph type="sldNum" sz="quarter" idx="11"/>
+          </p:nvPr>
+        </p:nvSpPr>
+        <p:spPr/>
+        <p:txBody>
+          <a:bodyPr/>
+          <a:lstStyle/>
+          <a:p>
+            <a:fld id="{6C6AE60A-B69C-4790-82F7-3882EDF23186}" type="slidenum">
+              <a:rPr lang="de-DE" smtClean="0"/>
+              <a:pPr/>
+              <a:t>9</a:t>
+            </a:fld>
+            <a:endParaRPr lang="de-DE" dirty="0"/>
+          </a:p>
+        </p:txBody>
+      </p:sp>
+      <p:sp>
+        <p:nvSpPr>
+          <p:cNvPr id="5" name="Titel 4"/>
+          <p:cNvSpPr>
+            <a:spLocks noGrp="1"/>
+          </p:cNvSpPr>
+          <p:nvPr>
+            <p:ph type="title"/>
+          </p:nvPr>
+        </p:nvSpPr>
+        <p:spPr/>
+        <p:txBody>
+          <a:bodyPr>
+            <a:normAutofit/>
+          </a:bodyPr>
+          <a:lstStyle/>
+          <a:p>
+            <a:r>
+              <a:rPr lang="de-DE" dirty="0"/>
+              <a:t>Event Repository </a:t>
+            </a:r>
+            <a:r>
+              <a:rPr lang="de-DE" dirty="0" err="1"/>
+              <a:t>erweiten</a:t>
+            </a:r>
+            <a:r>
+              <a:rPr lang="de-DE" dirty="0"/>
+              <a:t> um Suche</a:t>
+            </a:r>
+            <a:endParaRPr lang="en-GB" dirty="0"/>
+          </a:p>
+        </p:txBody>
+      </p:sp>
+      <p:sp>
+        <p:nvSpPr>
+          <p:cNvPr id="6" name="Textplatzhalter 5"/>
+          <p:cNvSpPr>
+            <a:spLocks noGrp="1"/>
+          </p:cNvSpPr>
+          <p:nvPr>
+            <p:ph type="body" sz="quarter" idx="12"/>
+          </p:nvPr>
+        </p:nvSpPr>
+        <p:spPr/>
+        <p:txBody>
+          <a:bodyPr/>
+          <a:lstStyle/>
+          <a:p>
+            <a:r>
+              <a:rPr lang="de-DE" dirty="0"/>
+              <a:t>(danach HAL Browser zeigen, neue </a:t>
+            </a:r>
+            <a:r>
+              <a:rPr lang="de-DE" dirty="0" err="1"/>
+              <a:t>Queries</a:t>
+            </a:r>
+            <a:r>
+              <a:rPr lang="de-DE" dirty="0"/>
+              <a:t> da)</a:t>
+            </a:r>
+            <a:endParaRPr lang="en-GB" dirty="0"/>
+          </a:p>
+        </p:txBody>
+      </p:sp>
+    </p:spTree>
+    <p:extLst>
+      <p:ext uri="{BB962C8B-B14F-4D97-AF65-F5344CB8AC3E}">
+        <p14:creationId xmlns:p14="http://schemas.microsoft.com/office/powerpoint/2010/main" val="204088125"/>
       </p:ext>
     </p:extLst>
   </p:cSld>
@@ -7979,15 +9642,6 @@
 </file>
 
 <file path=customXml/item2.xml><?xml version="1.0" encoding="utf-8"?>
-<?mso-contentType ?>
-<FormTemplates xmlns="http://schemas.microsoft.com/sharepoint/v3/contenttype/forms">
-  <Display>DocumentLibraryForm</Display>
-  <Edit>DocumentLibraryForm</Edit>
-  <New>DocumentLibraryForm</New>
-</FormTemplates>
-</file>
-
-<file path=customXml/item3.xml><?xml version="1.0" encoding="utf-8"?>
 <ct:contentTypeSchema xmlns:ct="http://schemas.microsoft.com/office/2006/metadata/contentType" xmlns:ma="http://schemas.microsoft.com/office/2006/metadata/properties/metaAttributes" ct:_="" ma:_="" ma:contentTypeName="Document" ma:contentTypeID="0x0101000DE64AEEDD9B7A4D93545ACBE97D4615" ma:contentTypeVersion="2" ma:contentTypeDescription="Create a new document." ma:contentTypeScope="" ma:versionID="f49002b78e3a4a71b814eef46a983816">
   <xsd:schema xmlns:xsd="http://www.w3.org/2001/XMLSchema" xmlns:xs="http://www.w3.org/2001/XMLSchema" xmlns:p="http://schemas.microsoft.com/office/2006/metadata/properties" xmlns:ns2="http://schemas.microsoft.com/sharepoint/v3/fields" targetNamespace="http://schemas.microsoft.com/office/2006/metadata/properties" ma:root="true" ma:fieldsID="38f6db2dd0d9a0cf6a8dc37be32b365b" ns2:_="">
     <xsd:import namespace="http://schemas.microsoft.com/sharepoint/v3/fields"/>
@@ -8131,6 +9785,15 @@
 </ct:contentTypeSchema>
 </file>
 
+<file path=customXml/item3.xml><?xml version="1.0" encoding="utf-8"?>
+<?mso-contentType ?>
+<FormTemplates xmlns="http://schemas.microsoft.com/sharepoint/v3/contenttype/forms">
+  <Display>DocumentLibraryForm</Display>
+  <Edit>DocumentLibraryForm</Edit>
+  <New>DocumentLibraryForm</New>
+</FormTemplates>
+</file>
+
 <file path=customXml/itemProps1.xml><?xml version="1.0" encoding="utf-8"?>
 <ds:datastoreItem xmlns:ds="http://schemas.openxmlformats.org/officeDocument/2006/customXml" ds:itemID="{7B6F2769-7194-4217-93D3-3AF3A4742282}">
   <ds:schemaRefs>
@@ -8148,14 +9811,6 @@
 </file>
 
 <file path=customXml/itemProps2.xml><?xml version="1.0" encoding="utf-8"?>
-<ds:datastoreItem xmlns:ds="http://schemas.openxmlformats.org/officeDocument/2006/customXml" ds:itemID="{87D2A1B0-FF3E-4009-940D-AED0EB70AA20}">
-  <ds:schemaRefs>
-    <ds:schemaRef ds:uri="http://schemas.microsoft.com/sharepoint/v3/contenttype/forms"/>
-  </ds:schemaRefs>
-</ds:datastoreItem>
-</file>
-
-<file path=customXml/itemProps3.xml><?xml version="1.0" encoding="utf-8"?>
 <ds:datastoreItem xmlns:ds="http://schemas.openxmlformats.org/officeDocument/2006/customXml" ds:itemID="{E4214858-785C-42F7-BE66-6D0E79395FC8}">
   <ds:schemaRefs>
     <ds:schemaRef ds:uri="http://schemas.microsoft.com/office/2006/metadata/contentType"/>
@@ -8171,4 +9826,12 @@
     <ds:schemaRef ds:uri="http://schemas.microsoft.com/internal/obd"/>
   </ds:schemaRefs>
 </ds:datastoreItem>
+</file>
+
+<file path=customXml/itemProps3.xml><?xml version="1.0" encoding="utf-8"?>
+<ds:datastoreItem xmlns:ds="http://schemas.openxmlformats.org/officeDocument/2006/customXml" ds:itemID="{87D2A1B0-FF3E-4009-940D-AED0EB70AA20}">
+  <ds:schemaRefs>
+    <ds:schemaRef ds:uri="http://schemas.microsoft.com/sharepoint/v3/contenttype/forms"/>
+  </ds:schemaRefs>
+</ds:datastoreItem>
 </file>
--- a/springBootDataWorkshop.pptx
+++ b/springBootDataWorkshop.pptx
@@ -6,10 +6,10 @@
     <p:sldMasterId id="2147493481" r:id="rId5"/>
   </p:sldMasterIdLst>
   <p:notesMasterIdLst>
-    <p:notesMasterId r:id="rId23"/>
+    <p:notesMasterId r:id="rId24"/>
   </p:notesMasterIdLst>
   <p:handoutMasterIdLst>
-    <p:handoutMasterId r:id="rId24"/>
+    <p:handoutMasterId r:id="rId25"/>
   </p:handoutMasterIdLst>
   <p:sldIdLst>
     <p:sldId id="262" r:id="rId6"/>
@@ -29,6 +29,7 @@
     <p:sldId id="273" r:id="rId20"/>
     <p:sldId id="277" r:id="rId21"/>
     <p:sldId id="276" r:id="rId22"/>
+    <p:sldId id="280" r:id="rId23"/>
   </p:sldIdLst>
   <p:sldSz cx="9144000" cy="5143500" type="screen16x9"/>
   <p:notesSz cx="6858000" cy="9144000"/>
@@ -228,7 +229,7 @@
           <a:p>
             <a:fld id="{1869EC12-32BB-B84B-964B-77CD8A6EA5B5}" type="datetimeFigureOut">
               <a:rPr lang="de-DE" smtClean="0"/>
-              <a:t>21.04.2017</a:t>
+              <a:t>23.04.2017</a:t>
             </a:fld>
             <a:endParaRPr lang="de-DE" dirty="0"/>
           </a:p>
@@ -394,7 +395,7 @@
           <a:p>
             <a:fld id="{396D8CEF-220A-EC43-8099-BAE7D65DBE3D}" type="datetimeFigureOut">
               <a:rPr lang="de-DE" smtClean="0"/>
-              <a:t>21.04.2017</a:t>
+              <a:t>23.04.2017</a:t>
             </a:fld>
             <a:endParaRPr lang="de-DE" dirty="0"/>
           </a:p>
@@ -6532,6 +6533,22 @@
               <a:rPr lang="de-DE" dirty="0" err="1"/>
               <a:t>usage</a:t>
             </a:r>
+            <a:r>
+              <a:rPr lang="de-DE" dirty="0"/>
+              <a:t> – </a:t>
+            </a:r>
+            <a:r>
+              <a:rPr lang="de-DE" dirty="0" err="1"/>
+              <a:t>flipchart</a:t>
+            </a:r>
+            <a:r>
+              <a:rPr lang="de-DE" dirty="0"/>
+              <a:t>, interaktives </a:t>
+            </a:r>
+            <a:r>
+              <a:rPr lang="de-DE" dirty="0" err="1"/>
+              <a:t>session</a:t>
+            </a:r>
             <a:endParaRPr lang="en-GB" dirty="0"/>
           </a:p>
         </p:txBody>
@@ -6550,6 +6567,63 @@
         <p:txBody>
           <a:bodyPr/>
           <a:lstStyle/>
+          <a:p>
+            <a:r>
+              <a:rPr lang="de-DE" dirty="0" err="1"/>
+              <a:t>Reminder</a:t>
+            </a:r>
+            <a:r>
+              <a:rPr lang="de-DE" dirty="0"/>
+              <a:t>: </a:t>
+            </a:r>
+            <a:r>
+              <a:rPr lang="de-DE" dirty="0" err="1"/>
+              <a:t>vorteile</a:t>
+            </a:r>
+            <a:r>
+              <a:rPr lang="de-DE" dirty="0"/>
+              <a:t> von Spring Data?</a:t>
+            </a:r>
+          </a:p>
+          <a:p>
+            <a:endParaRPr lang="de-DE" dirty="0"/>
+          </a:p>
+          <a:p>
+            <a:endParaRPr lang="de-DE" dirty="0"/>
+          </a:p>
+          <a:p>
+            <a:r>
+              <a:rPr lang="de-DE" dirty="0"/>
+              <a:t>Kleine/große Projekte – wenig Setup nötig. Large-</a:t>
+            </a:r>
+            <a:r>
+              <a:rPr lang="de-DE" dirty="0" err="1"/>
+              <a:t>scale</a:t>
+            </a:r>
+            <a:r>
+              <a:rPr lang="de-DE" dirty="0"/>
+              <a:t>, large-team </a:t>
+            </a:r>
+            <a:r>
+              <a:rPr lang="de-DE" dirty="0" err="1"/>
+              <a:t>Jave</a:t>
+            </a:r>
+            <a:r>
+              <a:rPr lang="de-DE" dirty="0"/>
+              <a:t> EE </a:t>
+            </a:r>
+            <a:r>
+              <a:rPr lang="de-DE" dirty="0" err="1"/>
+              <a:t>dev</a:t>
+            </a:r>
+            <a:endParaRPr lang="de-DE" dirty="0"/>
+          </a:p>
+          <a:p>
+            <a:r>
+              <a:rPr lang="de-DE" dirty="0"/>
+              <a:t>Schnell!</a:t>
+            </a:r>
+          </a:p>
           <a:p>
             <a:r>
               <a:rPr lang="de-DE" dirty="0"/>
@@ -6561,11 +6635,27 @@
             </a:r>
             <a:r>
               <a:rPr lang="de-DE" dirty="0"/>
-              <a:t>, schnell, </a:t>
+              <a:t> mit SAP REST </a:t>
             </a:r>
             <a:r>
               <a:rPr lang="de-DE" dirty="0" err="1"/>
-              <a:t>kontext</a:t>
+              <a:t>service</a:t>
+            </a:r>
+            <a:r>
+              <a:rPr lang="de-DE" dirty="0"/>
+              <a:t>, </a:t>
+            </a:r>
+            <a:r>
+              <a:rPr lang="de-DE" dirty="0" err="1"/>
+              <a:t>media</a:t>
+            </a:r>
+            <a:r>
+              <a:rPr lang="de-DE" dirty="0"/>
+              <a:t> </a:t>
+            </a:r>
+            <a:r>
+              <a:rPr lang="de-DE" dirty="0" err="1"/>
+              <a:t>service</a:t>
             </a:r>
             <a:endParaRPr lang="de-DE" dirty="0"/>
           </a:p>
@@ -6574,6 +6664,42 @@
               <a:rPr lang="de-DE" dirty="0" err="1"/>
               <a:t>Microservices</a:t>
             </a:r>
+            <a:r>
+              <a:rPr lang="de-DE" dirty="0"/>
+              <a:t> – unabhängig, entkoppelte Komponenten</a:t>
+            </a:r>
+          </a:p>
+          <a:p>
+            <a:r>
+              <a:rPr lang="de-DE" dirty="0"/>
+              <a:t>Standard </a:t>
+            </a:r>
+            <a:r>
+              <a:rPr lang="de-DE" dirty="0" err="1"/>
+              <a:t>conventions</a:t>
+            </a:r>
+            <a:r>
+              <a:rPr lang="de-DE" dirty="0"/>
+              <a:t> aber trotzdem möglich </a:t>
+            </a:r>
+            <a:r>
+              <a:rPr lang="de-DE" dirty="0" err="1"/>
+              <a:t>custom</a:t>
+            </a:r>
+            <a:r>
+              <a:rPr lang="de-DE" dirty="0"/>
+              <a:t> </a:t>
+            </a:r>
+            <a:r>
+              <a:rPr lang="de-DE" dirty="0" err="1"/>
+              <a:t>implementierungen</a:t>
+            </a:r>
+            <a:r>
+              <a:rPr lang="de-DE" dirty="0"/>
+              <a:t> zu schreiben</a:t>
+            </a:r>
+          </a:p>
+          <a:p>
             <a:endParaRPr lang="de-DE" dirty="0"/>
           </a:p>
           <a:p>
@@ -6955,6 +7081,181 @@
 </p:sld>
 </file>
 
+<file path=ppt/slides/slide18.xml><?xml version="1.0" encoding="utf-8"?>
+<p:sld xmlns:a="http://schemas.openxmlformats.org/drawingml/2006/main" xmlns:r="http://schemas.openxmlformats.org/officeDocument/2006/relationships" xmlns:p="http://schemas.openxmlformats.org/presentationml/2006/main">
+  <p:cSld>
+    <p:spTree>
+      <p:nvGrpSpPr>
+        <p:cNvPr id="1" name=""/>
+        <p:cNvGrpSpPr/>
+        <p:nvPr/>
+      </p:nvGrpSpPr>
+      <p:grpSpPr>
+        <a:xfrm>
+          <a:off x="0" y="0"/>
+          <a:ext cx="0" cy="0"/>
+          <a:chOff x="0" y="0"/>
+          <a:chExt cx="0" cy="0"/>
+        </a:xfrm>
+      </p:grpSpPr>
+      <p:sp>
+        <p:nvSpPr>
+          <p:cNvPr id="2" name="Textplatzhalter 1"/>
+          <p:cNvSpPr>
+            <a:spLocks noGrp="1"/>
+          </p:cNvSpPr>
+          <p:nvPr>
+            <p:ph type="body" sz="half" idx="2"/>
+          </p:nvPr>
+        </p:nvSpPr>
+        <p:spPr/>
+        <p:txBody>
+          <a:bodyPr>
+            <a:normAutofit fontScale="85000" lnSpcReduction="10000"/>
+          </a:bodyPr>
+          <a:lstStyle/>
+          <a:p>
+            <a:r>
+              <a:rPr lang="de-DE" dirty="0"/>
+              <a:t>15 min</a:t>
+            </a:r>
+            <a:endParaRPr lang="en-GB" dirty="0"/>
+          </a:p>
+        </p:txBody>
+      </p:sp>
+      <p:sp>
+        <p:nvSpPr>
+          <p:cNvPr id="3" name="Fußzeilenplatzhalter 2"/>
+          <p:cNvSpPr>
+            <a:spLocks noGrp="1"/>
+          </p:cNvSpPr>
+          <p:nvPr>
+            <p:ph type="ftr" sz="quarter" idx="10"/>
+          </p:nvPr>
+        </p:nvSpPr>
+        <p:spPr/>
+        <p:txBody>
+          <a:bodyPr/>
+          <a:lstStyle/>
+          <a:p>
+            <a:r>
+              <a:rPr lang="en-US"/>
+              <a:t>Experts in agile software engineering</a:t>
+            </a:r>
+            <a:endParaRPr lang="de-DE" dirty="0"/>
+          </a:p>
+        </p:txBody>
+      </p:sp>
+      <p:sp>
+        <p:nvSpPr>
+          <p:cNvPr id="4" name="Foliennummernplatzhalter 3"/>
+          <p:cNvSpPr>
+            <a:spLocks noGrp="1"/>
+          </p:cNvSpPr>
+          <p:nvPr>
+            <p:ph type="sldNum" sz="quarter" idx="11"/>
+          </p:nvPr>
+        </p:nvSpPr>
+        <p:spPr/>
+        <p:txBody>
+          <a:bodyPr/>
+          <a:lstStyle/>
+          <a:p>
+            <a:fld id="{6C6AE60A-B69C-4790-82F7-3882EDF23186}" type="slidenum">
+              <a:rPr lang="de-DE" smtClean="0"/>
+              <a:pPr/>
+              <a:t>18</a:t>
+            </a:fld>
+            <a:endParaRPr lang="de-DE" dirty="0"/>
+          </a:p>
+        </p:txBody>
+      </p:sp>
+      <p:sp>
+        <p:nvSpPr>
+          <p:cNvPr id="5" name="Titel 4"/>
+          <p:cNvSpPr>
+            <a:spLocks noGrp="1"/>
+          </p:cNvSpPr>
+          <p:nvPr>
+            <p:ph type="title"/>
+          </p:nvPr>
+        </p:nvSpPr>
+        <p:spPr/>
+        <p:txBody>
+          <a:bodyPr/>
+          <a:lstStyle/>
+          <a:p>
+            <a:r>
+              <a:rPr lang="de-DE" dirty="0"/>
+              <a:t>Further Reading, Resources</a:t>
+            </a:r>
+            <a:endParaRPr lang="en-GB" dirty="0"/>
+          </a:p>
+        </p:txBody>
+      </p:sp>
+      <p:sp>
+        <p:nvSpPr>
+          <p:cNvPr id="6" name="Textplatzhalter 5"/>
+          <p:cNvSpPr>
+            <a:spLocks noGrp="1"/>
+          </p:cNvSpPr>
+          <p:nvPr>
+            <p:ph type="body" sz="quarter" idx="12"/>
+          </p:nvPr>
+        </p:nvSpPr>
+        <p:spPr/>
+        <p:txBody>
+          <a:bodyPr/>
+          <a:lstStyle/>
+          <a:p>
+            <a:r>
+              <a:rPr lang="de-DE" dirty="0"/>
+              <a:t>Spring Data, O</a:t>
+            </a:r>
+            <a:r>
+              <a:rPr lang="en-US" dirty="0"/>
+              <a:t>’Reilly</a:t>
+            </a:r>
+            <a:endParaRPr lang="de-DE" dirty="0"/>
+          </a:p>
+          <a:p>
+            <a:r>
+              <a:rPr lang="de-DE" dirty="0"/>
+              <a:t>Tutorials von Spring</a:t>
+            </a:r>
+          </a:p>
+          <a:p>
+            <a:r>
+              <a:rPr lang="de-DE" dirty="0"/>
+              <a:t>Spring Data-</a:t>
+            </a:r>
+            <a:r>
+              <a:rPr lang="de-DE" dirty="0" err="1"/>
+              <a:t>ReactJS</a:t>
+            </a:r>
+            <a:r>
+              <a:rPr lang="de-DE" dirty="0"/>
+              <a:t> Tutorial </a:t>
+            </a:r>
+          </a:p>
+          <a:p>
+            <a:endParaRPr lang="en-GB" dirty="0"/>
+          </a:p>
+        </p:txBody>
+      </p:sp>
+    </p:spTree>
+    <p:extLst>
+      <p:ext uri="{BB962C8B-B14F-4D97-AF65-F5344CB8AC3E}">
+        <p14:creationId xmlns:p14="http://schemas.microsoft.com/office/powerpoint/2010/main" val="3427443079"/>
+      </p:ext>
+    </p:extLst>
+  </p:cSld>
+  <p:clrMapOvr>
+    <a:masterClrMapping/>
+  </p:clrMapOvr>
+</p:sld>
+</file>
+
 <file path=ppt/slides/slide2.xml><?xml version="1.0" encoding="utf-8"?>
 <p:sld xmlns:a="http://schemas.openxmlformats.org/drawingml/2006/main" xmlns:r="http://schemas.openxmlformats.org/officeDocument/2006/relationships" xmlns:p="http://schemas.openxmlformats.org/presentationml/2006/main">
   <p:cSld>
@@ -7162,7 +7463,7 @@
           <a:p>
             <a:r>
               <a:rPr lang="de-DE" dirty="0"/>
-              <a:t>Spring</a:t>
+              <a:t>Spring Framework</a:t>
             </a:r>
           </a:p>
         </p:txBody>
@@ -7182,6 +7483,10 @@
           <a:bodyPr/>
           <a:lstStyle/>
           <a:p>
+            <a:r>
+              <a:rPr lang="en-US" dirty="0"/>
+              <a:t>“</a:t>
+            </a:r>
             <a:r>
               <a:rPr lang="de-DE" dirty="0"/>
               <a:t>Inversion </a:t>
@@ -7192,13 +7497,17 @@
             </a:r>
             <a:r>
               <a:rPr lang="de-DE" dirty="0"/>
-              <a:t> Control Framework</a:t>
+              <a:t> Control „ Framework für Java </a:t>
             </a:r>
           </a:p>
           <a:p>
             <a:r>
               <a:rPr lang="de-DE" dirty="0"/>
               <a:t>Setzt auf </a:t>
+            </a:r>
+            <a:r>
+              <a:rPr lang="en-US" dirty="0"/>
+              <a:t>“</a:t>
             </a:r>
             <a:r>
               <a:rPr lang="de-DE" dirty="0" err="1"/>
@@ -7220,7 +7529,27 @@
               <a:rPr lang="de-DE" dirty="0" err="1"/>
               <a:t>Configuration</a:t>
             </a:r>
+            <a:r>
+              <a:rPr lang="de-DE" dirty="0"/>
+              <a:t>„</a:t>
+            </a:r>
+          </a:p>
+          <a:p>
+            <a:r>
+              <a:rPr lang="de-DE" dirty="0"/>
+              <a:t>Vereinfacht die Infrastruktur-Setup und </a:t>
+            </a:r>
+            <a:r>
+              <a:rPr lang="de-DE" dirty="0" err="1"/>
+              <a:t>Resourceverwaltung</a:t>
+            </a:r>
             <a:endParaRPr lang="de-DE" dirty="0"/>
+          </a:p>
+          <a:p>
+            <a:r>
+              <a:rPr lang="de-DE" dirty="0"/>
+              <a:t>Viel Unterstützung für Datenbankzugriff …</a:t>
+            </a:r>
           </a:p>
           <a:p>
             <a:endParaRPr lang="de-DE" dirty="0"/>
@@ -7424,7 +7753,7 @@
           <a:p>
             <a:r>
               <a:rPr lang="de-DE" dirty="0"/>
-              <a:t>Ist stabil</a:t>
+              <a:t>Ist stabil </a:t>
             </a:r>
           </a:p>
           <a:p>
@@ -9633,15 +9962,6 @@
 </file>
 
 <file path=customXml/item1.xml><?xml version="1.0" encoding="utf-8"?>
-<p:properties xmlns:p="http://schemas.microsoft.com/office/2006/metadata/properties" xmlns:xsi="http://www.w3.org/2001/XMLSchema-instance" xmlns:pc="http://schemas.microsoft.com/office/infopath/2007/PartnerControls">
-  <documentManagement>
-    <_Version xmlns="http://schemas.microsoft.com/sharepoint/v3/fields" xsi:nil="true"/>
-    <_Status xmlns="http://schemas.microsoft.com/sharepoint/v3/fields">Not Started</_Status>
-  </documentManagement>
-</p:properties>
-</file>
-
-<file path=customXml/item2.xml><?xml version="1.0" encoding="utf-8"?>
 <ct:contentTypeSchema xmlns:ct="http://schemas.microsoft.com/office/2006/metadata/contentType" xmlns:ma="http://schemas.microsoft.com/office/2006/metadata/properties/metaAttributes" ct:_="" ma:_="" ma:contentTypeName="Document" ma:contentTypeID="0x0101000DE64AEEDD9B7A4D93545ACBE97D4615" ma:contentTypeVersion="2" ma:contentTypeDescription="Create a new document." ma:contentTypeScope="" ma:versionID="f49002b78e3a4a71b814eef46a983816">
   <xsd:schema xmlns:xsd="http://www.w3.org/2001/XMLSchema" xmlns:xs="http://www.w3.org/2001/XMLSchema" xmlns:p="http://schemas.microsoft.com/office/2006/metadata/properties" xmlns:ns2="http://schemas.microsoft.com/sharepoint/v3/fields" targetNamespace="http://schemas.microsoft.com/office/2006/metadata/properties" ma:root="true" ma:fieldsID="38f6db2dd0d9a0cf6a8dc37be32b365b" ns2:_="">
     <xsd:import namespace="http://schemas.microsoft.com/sharepoint/v3/fields"/>
@@ -9785,6 +10105,15 @@
 </ct:contentTypeSchema>
 </file>
 
+<file path=customXml/item2.xml><?xml version="1.0" encoding="utf-8"?>
+<p:properties xmlns:p="http://schemas.microsoft.com/office/2006/metadata/properties" xmlns:xsi="http://www.w3.org/2001/XMLSchema-instance" xmlns:pc="http://schemas.microsoft.com/office/infopath/2007/PartnerControls">
+  <documentManagement>
+    <_Version xmlns="http://schemas.microsoft.com/sharepoint/v3/fields" xsi:nil="true"/>
+    <_Status xmlns="http://schemas.microsoft.com/sharepoint/v3/fields">Not Started</_Status>
+  </documentManagement>
+</p:properties>
+</file>
+
 <file path=customXml/item3.xml><?xml version="1.0" encoding="utf-8"?>
 <?mso-contentType ?>
 <FormTemplates xmlns="http://schemas.microsoft.com/sharepoint/v3/contenttype/forms">
@@ -9795,22 +10124,6 @@
 </file>
 
 <file path=customXml/itemProps1.xml><?xml version="1.0" encoding="utf-8"?>
-<ds:datastoreItem xmlns:ds="http://schemas.openxmlformats.org/officeDocument/2006/customXml" ds:itemID="{7B6F2769-7194-4217-93D3-3AF3A4742282}">
-  <ds:schemaRefs>
-    <ds:schemaRef ds:uri="http://purl.org/dc/dcmitype/"/>
-    <ds:schemaRef ds:uri="http://purl.org/dc/terms/"/>
-    <ds:schemaRef ds:uri="http://schemas.microsoft.com/office/infopath/2007/PartnerControls"/>
-    <ds:schemaRef ds:uri="http://purl.org/dc/elements/1.1/"/>
-    <ds:schemaRef ds:uri="http://schemas.microsoft.com/office/2006/documentManagement/types"/>
-    <ds:schemaRef ds:uri="http://schemas.microsoft.com/sharepoint/v3/fields"/>
-    <ds:schemaRef ds:uri="http://schemas.openxmlformats.org/package/2006/metadata/core-properties"/>
-    <ds:schemaRef ds:uri="http://schemas.microsoft.com/office/2006/metadata/properties"/>
-    <ds:schemaRef ds:uri="http://www.w3.org/XML/1998/namespace"/>
-  </ds:schemaRefs>
-</ds:datastoreItem>
-</file>
-
-<file path=customXml/itemProps2.xml><?xml version="1.0" encoding="utf-8"?>
 <ds:datastoreItem xmlns:ds="http://schemas.openxmlformats.org/officeDocument/2006/customXml" ds:itemID="{E4214858-785C-42F7-BE66-6D0E79395FC8}">
   <ds:schemaRefs>
     <ds:schemaRef ds:uri="http://schemas.microsoft.com/office/2006/metadata/contentType"/>
@@ -9828,6 +10141,22 @@
 </ds:datastoreItem>
 </file>
 
+<file path=customXml/itemProps2.xml><?xml version="1.0" encoding="utf-8"?>
+<ds:datastoreItem xmlns:ds="http://schemas.openxmlformats.org/officeDocument/2006/customXml" ds:itemID="{7B6F2769-7194-4217-93D3-3AF3A4742282}">
+  <ds:schemaRefs>
+    <ds:schemaRef ds:uri="http://purl.org/dc/dcmitype/"/>
+    <ds:schemaRef ds:uri="http://purl.org/dc/terms/"/>
+    <ds:schemaRef ds:uri="http://schemas.microsoft.com/office/infopath/2007/PartnerControls"/>
+    <ds:schemaRef ds:uri="http://purl.org/dc/elements/1.1/"/>
+    <ds:schemaRef ds:uri="http://schemas.microsoft.com/office/2006/documentManagement/types"/>
+    <ds:schemaRef ds:uri="http://schemas.microsoft.com/sharepoint/v3/fields"/>
+    <ds:schemaRef ds:uri="http://schemas.openxmlformats.org/package/2006/metadata/core-properties"/>
+    <ds:schemaRef ds:uri="http://schemas.microsoft.com/office/2006/metadata/properties"/>
+    <ds:schemaRef ds:uri="http://www.w3.org/XML/1998/namespace"/>
+  </ds:schemaRefs>
+</ds:datastoreItem>
+</file>
+
 <file path=customXml/itemProps3.xml><?xml version="1.0" encoding="utf-8"?>
 <ds:datastoreItem xmlns:ds="http://schemas.openxmlformats.org/officeDocument/2006/customXml" ds:itemID="{87D2A1B0-FF3E-4009-940D-AED0EB70AA20}">
   <ds:schemaRefs>

--- a/springBootDataWorkshop.pptx
+++ b/springBootDataWorkshop.pptx
@@ -6,10 +6,10 @@
     <p:sldMasterId id="2147493481" r:id="rId5"/>
   </p:sldMasterIdLst>
   <p:notesMasterIdLst>
-    <p:notesMasterId r:id="rId24"/>
+    <p:notesMasterId r:id="rId25"/>
   </p:notesMasterIdLst>
   <p:handoutMasterIdLst>
-    <p:handoutMasterId r:id="rId25"/>
+    <p:handoutMasterId r:id="rId26"/>
   </p:handoutMasterIdLst>
   <p:sldIdLst>
     <p:sldId id="262" r:id="rId6"/>
@@ -25,11 +25,12 @@
     <p:sldId id="272" r:id="rId16"/>
     <p:sldId id="274" r:id="rId17"/>
     <p:sldId id="271" r:id="rId18"/>
-    <p:sldId id="275" r:id="rId19"/>
-    <p:sldId id="273" r:id="rId20"/>
-    <p:sldId id="277" r:id="rId21"/>
-    <p:sldId id="276" r:id="rId22"/>
-    <p:sldId id="280" r:id="rId23"/>
+    <p:sldId id="281" r:id="rId19"/>
+    <p:sldId id="275" r:id="rId20"/>
+    <p:sldId id="273" r:id="rId21"/>
+    <p:sldId id="277" r:id="rId22"/>
+    <p:sldId id="276" r:id="rId23"/>
+    <p:sldId id="280" r:id="rId24"/>
   </p:sldIdLst>
   <p:sldSz cx="9144000" cy="5143500" type="screen16x9"/>
   <p:notesSz cx="6858000" cy="9144000"/>
@@ -229,7 +230,7 @@
           <a:p>
             <a:fld id="{1869EC12-32BB-B84B-964B-77CD8A6EA5B5}" type="datetimeFigureOut">
               <a:rPr lang="de-DE" smtClean="0"/>
-              <a:t>23.04.2017</a:t>
+              <a:t>04.05.2017</a:t>
             </a:fld>
             <a:endParaRPr lang="de-DE" dirty="0"/>
           </a:p>
@@ -395,7 +396,7 @@
           <a:p>
             <a:fld id="{396D8CEF-220A-EC43-8099-BAE7D65DBE3D}" type="datetimeFigureOut">
               <a:rPr lang="de-DE" smtClean="0"/>
-              <a:t>23.04.2017</a:t>
+              <a:t>04.05.2017</a:t>
             </a:fld>
             <a:endParaRPr lang="de-DE" dirty="0"/>
           </a:p>
@@ -661,6 +662,377 @@
     </a:lvl9pPr>
   </p:notesStyle>
 </p:notesMaster>
+</file>
+
+<file path=ppt/notesSlides/notesSlide1.xml><?xml version="1.0" encoding="utf-8"?>
+<p:notes xmlns:a="http://schemas.openxmlformats.org/drawingml/2006/main" xmlns:r="http://schemas.openxmlformats.org/officeDocument/2006/relationships" xmlns:p="http://schemas.openxmlformats.org/presentationml/2006/main">
+  <p:cSld>
+    <p:spTree>
+      <p:nvGrpSpPr>
+        <p:cNvPr id="1" name=""/>
+        <p:cNvGrpSpPr/>
+        <p:nvPr/>
+      </p:nvGrpSpPr>
+      <p:grpSpPr>
+        <a:xfrm>
+          <a:off x="0" y="0"/>
+          <a:ext cx="0" cy="0"/>
+          <a:chOff x="0" y="0"/>
+          <a:chExt cx="0" cy="0"/>
+        </a:xfrm>
+      </p:grpSpPr>
+      <p:sp>
+        <p:nvSpPr>
+          <p:cNvPr id="2" name="Folienbildplatzhalter 1"/>
+          <p:cNvSpPr>
+            <a:spLocks noGrp="1" noRot="1" noChangeAspect="1"/>
+          </p:cNvSpPr>
+          <p:nvPr>
+            <p:ph type="sldImg"/>
+          </p:nvPr>
+        </p:nvSpPr>
+        <p:spPr/>
+      </p:sp>
+      <p:sp>
+        <p:nvSpPr>
+          <p:cNvPr id="3" name="Notizenplatzhalter 2"/>
+          <p:cNvSpPr>
+            <a:spLocks noGrp="1"/>
+          </p:cNvSpPr>
+          <p:nvPr>
+            <p:ph type="body" idx="1"/>
+          </p:nvPr>
+        </p:nvSpPr>
+        <p:spPr/>
+        <p:txBody>
+          <a:bodyPr/>
+          <a:lstStyle/>
+          <a:p>
+            <a:r>
+              <a:rPr lang="de-DE" dirty="0" smtClean="0"/>
+              <a:t>Hypertext</a:t>
+            </a:r>
+            <a:r>
+              <a:rPr lang="de-DE" baseline="0" dirty="0" smtClean="0"/>
+              <a:t> </a:t>
+            </a:r>
+            <a:r>
+              <a:rPr lang="de-DE" baseline="0" dirty="0" err="1" smtClean="0"/>
+              <a:t>Application</a:t>
+            </a:r>
+            <a:r>
+              <a:rPr lang="de-DE" baseline="0" dirty="0" smtClean="0"/>
+              <a:t> Language: JSON/XML + Links (Siehe Postman)</a:t>
+            </a:r>
+          </a:p>
+          <a:p>
+            <a:r>
+              <a:rPr lang="de-DE" baseline="0" dirty="0" smtClean="0"/>
+              <a:t>Hypermedia As The Engine </a:t>
+            </a:r>
+            <a:r>
+              <a:rPr lang="de-DE" baseline="0" dirty="0" err="1" smtClean="0"/>
+              <a:t>Of</a:t>
+            </a:r>
+            <a:r>
+              <a:rPr lang="de-DE" baseline="0" dirty="0" smtClean="0"/>
+              <a:t> </a:t>
+            </a:r>
+            <a:r>
+              <a:rPr lang="de-DE" baseline="0" dirty="0" err="1" smtClean="0"/>
+              <a:t>Application</a:t>
+            </a:r>
+            <a:r>
+              <a:rPr lang="de-DE" baseline="0" dirty="0" smtClean="0"/>
+              <a:t> State</a:t>
+            </a:r>
+          </a:p>
+          <a:p>
+            <a:r>
+              <a:rPr lang="de-DE" baseline="0" dirty="0" smtClean="0"/>
+              <a:t>(Alps: siehe </a:t>
+            </a:r>
+            <a:r>
+              <a:rPr lang="de-DE" baseline="0" dirty="0" err="1" smtClean="0"/>
+              <a:t>profile</a:t>
+            </a:r>
+            <a:r>
+              <a:rPr lang="de-DE" baseline="0" dirty="0" smtClean="0"/>
+              <a:t> von </a:t>
+            </a:r>
+            <a:r>
+              <a:rPr lang="de-DE" baseline="0" dirty="0" err="1" smtClean="0"/>
+              <a:t>events</a:t>
+            </a:r>
+            <a:r>
+              <a:rPr lang="de-DE" baseline="0" dirty="0" smtClean="0"/>
+              <a:t> </a:t>
+            </a:r>
+            <a:r>
+              <a:rPr lang="de-DE" baseline="0" smtClean="0"/>
+              <a:t>für sinnvolle dinge)</a:t>
+            </a:r>
+            <a:endParaRPr lang="de-DE" baseline="0" dirty="0" smtClean="0"/>
+          </a:p>
+        </p:txBody>
+      </p:sp>
+      <p:sp>
+        <p:nvSpPr>
+          <p:cNvPr id="4" name="Foliennummernplatzhalter 3"/>
+          <p:cNvSpPr>
+            <a:spLocks noGrp="1"/>
+          </p:cNvSpPr>
+          <p:nvPr>
+            <p:ph type="sldNum" sz="quarter" idx="10"/>
+          </p:nvPr>
+        </p:nvSpPr>
+        <p:spPr/>
+        <p:txBody>
+          <a:bodyPr/>
+          <a:lstStyle/>
+          <a:p>
+            <a:fld id="{5F0FCDCF-7A11-A043-9155-2050B044F50A}" type="slidenum">
+              <a:rPr lang="de-DE" smtClean="0"/>
+              <a:t>13</a:t>
+            </a:fld>
+            <a:endParaRPr lang="de-DE" dirty="0"/>
+          </a:p>
+        </p:txBody>
+      </p:sp>
+    </p:spTree>
+    <p:extLst>
+      <p:ext uri="{BB962C8B-B14F-4D97-AF65-F5344CB8AC3E}">
+        <p14:creationId xmlns:p14="http://schemas.microsoft.com/office/powerpoint/2010/main" val="3148592378"/>
+      </p:ext>
+    </p:extLst>
+  </p:cSld>
+  <p:clrMapOvr>
+    <a:masterClrMapping/>
+  </p:clrMapOvr>
+</p:notes>
+</file>
+
+<file path=ppt/notesSlides/notesSlide2.xml><?xml version="1.0" encoding="utf-8"?>
+<p:notes xmlns:a="http://schemas.openxmlformats.org/drawingml/2006/main" xmlns:r="http://schemas.openxmlformats.org/officeDocument/2006/relationships" xmlns:p="http://schemas.openxmlformats.org/presentationml/2006/main">
+  <p:cSld>
+    <p:spTree>
+      <p:nvGrpSpPr>
+        <p:cNvPr id="1" name=""/>
+        <p:cNvGrpSpPr/>
+        <p:nvPr/>
+      </p:nvGrpSpPr>
+      <p:grpSpPr>
+        <a:xfrm>
+          <a:off x="0" y="0"/>
+          <a:ext cx="0" cy="0"/>
+          <a:chOff x="0" y="0"/>
+          <a:chExt cx="0" cy="0"/>
+        </a:xfrm>
+      </p:grpSpPr>
+      <p:sp>
+        <p:nvSpPr>
+          <p:cNvPr id="2" name="Folienbildplatzhalter 1"/>
+          <p:cNvSpPr>
+            <a:spLocks noGrp="1" noRot="1" noChangeAspect="1"/>
+          </p:cNvSpPr>
+          <p:nvPr>
+            <p:ph type="sldImg"/>
+          </p:nvPr>
+        </p:nvSpPr>
+        <p:spPr/>
+      </p:sp>
+      <p:sp>
+        <p:nvSpPr>
+          <p:cNvPr id="3" name="Notizenplatzhalter 2"/>
+          <p:cNvSpPr>
+            <a:spLocks noGrp="1"/>
+          </p:cNvSpPr>
+          <p:nvPr>
+            <p:ph type="body" idx="1"/>
+          </p:nvPr>
+        </p:nvSpPr>
+        <p:spPr/>
+        <p:txBody>
+          <a:bodyPr/>
+          <a:lstStyle/>
+          <a:p>
+            <a:r>
+              <a:rPr lang="de-DE" dirty="0" err="1" smtClean="0"/>
+              <a:t>Hint</a:t>
+            </a:r>
+            <a:r>
+              <a:rPr lang="de-DE" dirty="0" smtClean="0"/>
+              <a:t>: </a:t>
+            </a:r>
+            <a:r>
+              <a:rPr lang="en-US" dirty="0" err="1" smtClean="0"/>
+              <a:t>HttpHeaders</a:t>
+            </a:r>
+            <a:r>
+              <a:rPr lang="en-US" dirty="0" smtClean="0"/>
+              <a:t> headers = </a:t>
+            </a:r>
+            <a:r>
+              <a:rPr lang="en-US" sz="1200" kern="1200" dirty="0" smtClean="0">
+                <a:solidFill>
+                  <a:schemeClr val="tx1"/>
+                </a:solidFill>
+                <a:effectLst/>
+                <a:latin typeface="+mn-lt"/>
+                <a:ea typeface="+mn-ea"/>
+                <a:cs typeface="+mn-cs"/>
+              </a:rPr>
+              <a:t>new </a:t>
+            </a:r>
+            <a:r>
+              <a:rPr lang="en-US" dirty="0" err="1" smtClean="0"/>
+              <a:t>HttpHeaders</a:t>
+            </a:r>
+            <a:r>
+              <a:rPr lang="en-US" dirty="0" smtClean="0"/>
+              <a:t>()</a:t>
+            </a:r>
+            <a:r>
+              <a:rPr lang="en-US" sz="1200" kern="1200" dirty="0" smtClean="0">
+                <a:solidFill>
+                  <a:schemeClr val="tx1"/>
+                </a:solidFill>
+                <a:effectLst/>
+                <a:latin typeface="+mn-lt"/>
+                <a:ea typeface="+mn-ea"/>
+                <a:cs typeface="+mn-cs"/>
+              </a:rPr>
+              <a:t>;</a:t>
+            </a:r>
+            <a:br>
+              <a:rPr lang="en-US" sz="1200" kern="1200" dirty="0" smtClean="0">
+                <a:solidFill>
+                  <a:schemeClr val="tx1"/>
+                </a:solidFill>
+                <a:effectLst/>
+                <a:latin typeface="+mn-lt"/>
+                <a:ea typeface="+mn-ea"/>
+                <a:cs typeface="+mn-cs"/>
+              </a:rPr>
+            </a:br>
+            <a:r>
+              <a:rPr lang="en-US" dirty="0" err="1" smtClean="0"/>
+              <a:t>headers.setContentType</a:t>
+            </a:r>
+            <a:r>
+              <a:rPr lang="en-US" dirty="0" smtClean="0"/>
+              <a:t>(</a:t>
+            </a:r>
+            <a:r>
+              <a:rPr lang="en-US" sz="1200" kern="1200" dirty="0" smtClean="0">
+                <a:solidFill>
+                  <a:schemeClr val="tx1"/>
+                </a:solidFill>
+                <a:effectLst/>
+                <a:latin typeface="+mn-lt"/>
+                <a:ea typeface="+mn-ea"/>
+                <a:cs typeface="+mn-cs"/>
+              </a:rPr>
+              <a:t>new </a:t>
+            </a:r>
+            <a:r>
+              <a:rPr lang="en-US" dirty="0" err="1" smtClean="0"/>
+              <a:t>MediaType</a:t>
+            </a:r>
+            <a:r>
+              <a:rPr lang="en-US" dirty="0" smtClean="0"/>
+              <a:t>(</a:t>
+            </a:r>
+            <a:r>
+              <a:rPr lang="en-US" sz="1200" kern="1200" dirty="0" smtClean="0">
+                <a:solidFill>
+                  <a:schemeClr val="tx1"/>
+                </a:solidFill>
+                <a:effectLst/>
+                <a:latin typeface="+mn-lt"/>
+                <a:ea typeface="+mn-ea"/>
+                <a:cs typeface="+mn-cs"/>
+              </a:rPr>
+              <a:t>"text", "</a:t>
+            </a:r>
+            <a:r>
+              <a:rPr lang="en-US" sz="1200" kern="1200" dirty="0" err="1" smtClean="0">
+                <a:solidFill>
+                  <a:schemeClr val="tx1"/>
+                </a:solidFill>
+                <a:effectLst/>
+                <a:latin typeface="+mn-lt"/>
+                <a:ea typeface="+mn-ea"/>
+                <a:cs typeface="+mn-cs"/>
+              </a:rPr>
+              <a:t>uri</a:t>
+            </a:r>
+            <a:r>
+              <a:rPr lang="en-US" sz="1200" kern="1200" dirty="0" smtClean="0">
+                <a:solidFill>
+                  <a:schemeClr val="tx1"/>
+                </a:solidFill>
+                <a:effectLst/>
+                <a:latin typeface="+mn-lt"/>
+                <a:ea typeface="+mn-ea"/>
+                <a:cs typeface="+mn-cs"/>
+              </a:rPr>
+              <a:t>-list"</a:t>
+            </a:r>
+            <a:r>
+              <a:rPr lang="en-US" dirty="0" smtClean="0"/>
+              <a:t>))</a:t>
+            </a:r>
+            <a:r>
+              <a:rPr lang="en-US" sz="1200" kern="1200" dirty="0" smtClean="0">
+                <a:solidFill>
+                  <a:schemeClr val="tx1"/>
+                </a:solidFill>
+                <a:effectLst/>
+                <a:latin typeface="+mn-lt"/>
+                <a:ea typeface="+mn-ea"/>
+                <a:cs typeface="+mn-cs"/>
+              </a:rPr>
+              <a:t>;</a:t>
+            </a:r>
+            <a:endParaRPr lang="de-DE" dirty="0"/>
+          </a:p>
+        </p:txBody>
+      </p:sp>
+      <p:sp>
+        <p:nvSpPr>
+          <p:cNvPr id="4" name="Foliennummernplatzhalter 3"/>
+          <p:cNvSpPr>
+            <a:spLocks noGrp="1"/>
+          </p:cNvSpPr>
+          <p:nvPr>
+            <p:ph type="sldNum" sz="quarter" idx="10"/>
+          </p:nvPr>
+        </p:nvSpPr>
+        <p:spPr/>
+        <p:txBody>
+          <a:bodyPr/>
+          <a:lstStyle/>
+          <a:p>
+            <a:fld id="{5F0FCDCF-7A11-A043-9155-2050B044F50A}" type="slidenum">
+              <a:rPr lang="de-DE" smtClean="0"/>
+              <a:t>15</a:t>
+            </a:fld>
+            <a:endParaRPr lang="de-DE" dirty="0"/>
+          </a:p>
+        </p:txBody>
+      </p:sp>
+    </p:spTree>
+    <p:extLst>
+      <p:ext uri="{BB962C8B-B14F-4D97-AF65-F5344CB8AC3E}">
+        <p14:creationId xmlns:p14="http://schemas.microsoft.com/office/powerpoint/2010/main" val="433488285"/>
+      </p:ext>
+    </p:extLst>
+  </p:cSld>
+  <p:clrMapOvr>
+    <a:masterClrMapping/>
+  </p:clrMapOvr>
+</p:notes>
 </file>
 
 <file path=ppt/slideLayouts/slideLayout1.xml><?xml version="1.0" encoding="utf-8"?>
@@ -5931,13 +6303,29 @@
           <a:p>
             <a:r>
               <a:rPr lang="de-DE" dirty="0"/>
-              <a:t>Query: Anzahl alle Speakers von Firma X berechnen</a:t>
-            </a:r>
-          </a:p>
-          <a:p>
-            <a:r>
-              <a:rPr lang="de-DE" dirty="0"/>
-              <a:t>Native Query: Liste von alle eindeutige Firmen</a:t>
+              <a:t>Query: Anzahl </a:t>
+            </a:r>
+            <a:r>
+              <a:rPr lang="de-DE" dirty="0" smtClean="0"/>
+              <a:t>aller Speaker </a:t>
+            </a:r>
+            <a:r>
+              <a:rPr lang="de-DE" dirty="0"/>
+              <a:t>von Firma X berechnen</a:t>
+            </a:r>
+          </a:p>
+          <a:p>
+            <a:r>
+              <a:rPr lang="de-DE" dirty="0"/>
+              <a:t>Native Query: Liste </a:t>
+            </a:r>
+            <a:r>
+              <a:rPr lang="de-DE" dirty="0" smtClean="0"/>
+              <a:t>aller eindeutigen </a:t>
+            </a:r>
+            <a:r>
+              <a:rPr lang="de-DE" dirty="0"/>
+              <a:t>Firmen</a:t>
             </a:r>
           </a:p>
         </p:txBody>
@@ -5952,6 +6340,13 @@
   <p:clrMapOvr>
     <a:masterClrMapping/>
   </p:clrMapOvr>
+  <p:timing>
+    <p:tnLst>
+      <p:par>
+        <p:cTn id="1" dur="indefinite" restart="never" nodeType="tmRoot"/>
+      </p:par>
+    </p:tnLst>
+  </p:timing>
 </p:sld>
 </file>
 
@@ -6090,6 +6485,13 @@
   <p:clrMapOvr>
     <a:masterClrMapping/>
   </p:clrMapOvr>
+  <p:timing>
+    <p:tnLst>
+      <p:par>
+        <p:cTn id="1" dur="indefinite" restart="never" nodeType="tmRoot"/>
+      </p:par>
+    </p:tnLst>
+  </p:timing>
 </p:sld>
 </file>
 
@@ -6202,12 +6604,8 @@
               <a:t>Theorie: </a:t>
             </a:r>
             <a:r>
-              <a:rPr lang="de-DE" dirty="0" err="1"/>
-              <a:t>hypermedia</a:t>
-            </a:r>
-            <a:r>
-              <a:rPr lang="de-DE" dirty="0"/>
-              <a:t> links</a:t>
+              <a:rPr lang="de-DE" dirty="0" smtClean="0"/>
+              <a:t>REST, HAL, HATEOAS</a:t>
             </a:r>
             <a:endParaRPr lang="en-GB" dirty="0"/>
           </a:p>
@@ -6225,45 +6623,78 @@
         </p:nvSpPr>
         <p:spPr/>
         <p:txBody>
-          <a:bodyPr/>
-          <a:lstStyle/>
-          <a:p>
-            <a:r>
-              <a:rPr lang="de-DE" dirty="0"/>
-              <a:t>Theorie – Navigation und Struktur</a:t>
-            </a:r>
-          </a:p>
-          <a:p>
-            <a:r>
-              <a:rPr lang="de-DE" dirty="0"/>
-              <a:t>REST via HAL Browser</a:t>
-            </a:r>
-          </a:p>
-          <a:p>
-            <a:r>
-              <a:rPr lang="de-DE" dirty="0"/>
-              <a:t>REST via Postman, </a:t>
-            </a:r>
-            <a:r>
-              <a:rPr lang="de-DE" dirty="0" err="1"/>
-              <a:t>associate</a:t>
-            </a:r>
-            <a:r>
-              <a:rPr lang="de-DE" dirty="0"/>
-              <a:t> Event </a:t>
-            </a:r>
-            <a:r>
-              <a:rPr lang="de-DE" dirty="0" err="1"/>
-              <a:t>with</a:t>
-            </a:r>
-            <a:r>
-              <a:rPr lang="de-DE" dirty="0"/>
-              <a:t> Speaker</a:t>
-            </a:r>
+          <a:bodyPr>
+            <a:normAutofit/>
+          </a:bodyPr>
+          <a:lstStyle/>
+          <a:p>
+            <a:endParaRPr lang="en-GB" dirty="0" smtClean="0"/>
+          </a:p>
+          <a:p>
             <a:endParaRPr lang="en-GB" dirty="0"/>
           </a:p>
-        </p:txBody>
-      </p:sp>
+          <a:p>
+            <a:endParaRPr lang="en-GB" dirty="0" smtClean="0"/>
+          </a:p>
+          <a:p>
+            <a:endParaRPr lang="en-GB" dirty="0"/>
+          </a:p>
+          <a:p>
+            <a:endParaRPr lang="en-GB" dirty="0" smtClean="0"/>
+          </a:p>
+          <a:p>
+            <a:endParaRPr lang="en-GB" dirty="0"/>
+          </a:p>
+          <a:p>
+            <a:endParaRPr lang="en-GB" dirty="0" smtClean="0"/>
+          </a:p>
+          <a:p>
+            <a:pPr algn="r"/>
+            <a:r>
+              <a:rPr lang="en-GB" dirty="0" err="1" smtClean="0"/>
+              <a:t>Quelle</a:t>
+            </a:r>
+            <a:r>
+              <a:rPr lang="en-GB" dirty="0" smtClean="0"/>
+              <a:t>: Martin Fowler</a:t>
+            </a:r>
+            <a:r>
+              <a:rPr lang="en-GB" dirty="0"/>
+              <a:t>, https://martinfowler.com/articles/richardsonMaturityModel.html</a:t>
+            </a:r>
+          </a:p>
+        </p:txBody>
+      </p:sp>
+      <p:pic>
+        <p:nvPicPr>
+          <p:cNvPr id="7" name="Grafik 6"/>
+          <p:cNvPicPr>
+            <a:picLocks noChangeAspect="1"/>
+          </p:cNvPicPr>
+          <p:nvPr/>
+        </p:nvPicPr>
+        <p:blipFill>
+          <a:blip r:embed="rId3">
+            <a:extLst>
+              <a:ext uri="{28A0092B-C50C-407E-A947-70E740481C1C}">
+                <a14:useLocalDpi xmlns:a14="http://schemas.microsoft.com/office/drawing/2010/main" val="0"/>
+              </a:ext>
+            </a:extLst>
+          </a:blip>
+          <a:stretch>
+            <a:fillRect/>
+          </a:stretch>
+        </p:blipFill>
+        <p:spPr>
+          <a:xfrm>
+            <a:off x="972466" y="1369196"/>
+            <a:ext cx="5127619" cy="3032381"/>
+          </a:xfrm>
+          <a:prstGeom prst="rect">
+            <a:avLst/>
+          </a:prstGeom>
+        </p:spPr>
+      </p:pic>
     </p:spTree>
     <p:extLst>
       <p:ext uri="{BB962C8B-B14F-4D97-AF65-F5344CB8AC3E}">
@@ -6274,6 +6705,13 @@
   <p:clrMapOvr>
     <a:masterClrMapping/>
   </p:clrMapOvr>
+  <p:timing>
+    <p:tnLst>
+      <p:par>
+        <p:cTn id="1" dur="indefinite" restart="never" nodeType="tmRoot"/>
+      </p:par>
+    </p:tnLst>
+  </p:timing>
 </p:sld>
 </file>
 
@@ -6313,7 +6751,7 @@
           <a:p>
             <a:r>
               <a:rPr lang="de-DE" dirty="0"/>
-              <a:t>30 min</a:t>
+              <a:t>10 min</a:t>
             </a:r>
             <a:endParaRPr lang="en-GB" dirty="0"/>
           </a:p>
@@ -6383,7 +6821,11 @@
           <a:p>
             <a:r>
               <a:rPr lang="de-DE" dirty="0"/>
-              <a:t>DAO umbauen (mit Links)</a:t>
+              <a:t>Theorie: </a:t>
+            </a:r>
+            <a:r>
+              <a:rPr lang="de-DE" dirty="0" smtClean="0"/>
+              <a:t>REST, HAL, HATEOAS</a:t>
             </a:r>
             <a:endParaRPr lang="en-GB" dirty="0"/>
           </a:p>
@@ -6404,20 +6846,59 @@
           <a:bodyPr/>
           <a:lstStyle/>
           <a:p>
-            <a:endParaRPr lang="en-GB"/>
+            <a:r>
+              <a:rPr lang="de-DE" dirty="0"/>
+              <a:t>Theorie – Navigation und Struktur</a:t>
+            </a:r>
+          </a:p>
+          <a:p>
+            <a:r>
+              <a:rPr lang="de-DE" dirty="0"/>
+              <a:t>REST via HAL Browser</a:t>
+            </a:r>
+          </a:p>
+          <a:p>
+            <a:r>
+              <a:rPr lang="de-DE" dirty="0"/>
+              <a:t>REST via Postman, </a:t>
+            </a:r>
+            <a:r>
+              <a:rPr lang="de-DE" dirty="0" err="1"/>
+              <a:t>associate</a:t>
+            </a:r>
+            <a:r>
+              <a:rPr lang="de-DE" dirty="0"/>
+              <a:t> Event </a:t>
+            </a:r>
+            <a:r>
+              <a:rPr lang="de-DE" dirty="0" err="1"/>
+              <a:t>with</a:t>
+            </a:r>
+            <a:r>
+              <a:rPr lang="de-DE" dirty="0"/>
+              <a:t> Speaker</a:t>
+            </a:r>
+            <a:endParaRPr lang="en-GB" dirty="0"/>
           </a:p>
         </p:txBody>
       </p:sp>
     </p:spTree>
     <p:extLst>
       <p:ext uri="{BB962C8B-B14F-4D97-AF65-F5344CB8AC3E}">
-        <p14:creationId xmlns:p14="http://schemas.microsoft.com/office/powerpoint/2010/main" val="3239943257"/>
+        <p14:creationId xmlns:p14="http://schemas.microsoft.com/office/powerpoint/2010/main" val="3028187596"/>
       </p:ext>
     </p:extLst>
   </p:cSld>
   <p:clrMapOvr>
     <a:masterClrMapping/>
   </p:clrMapOvr>
+  <p:timing>
+    <p:tnLst>
+      <p:par>
+        <p:cTn id="1" dur="indefinite" restart="never" nodeType="tmRoot"/>
+      </p:par>
+    </p:tnLst>
+  </p:timing>
 </p:sld>
 </file>
 
@@ -6440,7 +6921,7 @@
       </p:grpSpPr>
       <p:sp>
         <p:nvSpPr>
-          <p:cNvPr id="8" name="Textplatzhalter 7"/>
+          <p:cNvPr id="2" name="Textplatzhalter 1"/>
           <p:cNvSpPr>
             <a:spLocks noGrp="1"/>
           </p:cNvSpPr>
@@ -6451,13 +6932,13 @@
         <p:spPr/>
         <p:txBody>
           <a:bodyPr>
-            <a:normAutofit/>
+            <a:normAutofit fontScale="85000" lnSpcReduction="10000"/>
           </a:bodyPr>
           <a:lstStyle/>
           <a:p>
             <a:r>
               <a:rPr lang="de-DE" dirty="0"/>
-              <a:t>5 min</a:t>
+              <a:t>30 min</a:t>
             </a:r>
             <a:endParaRPr lang="en-GB" dirty="0"/>
           </a:p>
@@ -6465,7 +6946,7 @@
       </p:sp>
       <p:sp>
         <p:nvSpPr>
-          <p:cNvPr id="2" name="Fußzeilenplatzhalter 1"/>
+          <p:cNvPr id="3" name="Fußzeilenplatzhalter 2"/>
           <p:cNvSpPr>
             <a:spLocks noGrp="1"/>
           </p:cNvSpPr>
@@ -6488,7 +6969,7 @@
       </p:sp>
       <p:sp>
         <p:nvSpPr>
-          <p:cNvPr id="3" name="Foliennummernplatzhalter 2"/>
+          <p:cNvPr id="4" name="Foliennummernplatzhalter 3"/>
           <p:cNvSpPr>
             <a:spLocks noGrp="1"/>
           </p:cNvSpPr>
@@ -6512,7 +6993,7 @@
       </p:sp>
       <p:sp>
         <p:nvSpPr>
-          <p:cNvPr id="4" name="Titel 3"/>
+          <p:cNvPr id="5" name="Titel 4"/>
           <p:cNvSpPr>
             <a:spLocks noGrp="1"/>
           </p:cNvSpPr>
@@ -6527,27 +7008,11 @@
           <a:p>
             <a:r>
               <a:rPr lang="de-DE" dirty="0"/>
-              <a:t>IRL </a:t>
-            </a:r>
-            <a:r>
-              <a:rPr lang="de-DE" dirty="0" err="1"/>
-              <a:t>usage</a:t>
-            </a:r>
-            <a:r>
-              <a:rPr lang="de-DE" dirty="0"/>
-              <a:t> – </a:t>
-            </a:r>
-            <a:r>
-              <a:rPr lang="de-DE" dirty="0" err="1"/>
-              <a:t>flipchart</a:t>
-            </a:r>
-            <a:r>
-              <a:rPr lang="de-DE" dirty="0"/>
-              <a:t>, interaktives </a:t>
-            </a:r>
-            <a:r>
-              <a:rPr lang="de-DE" dirty="0" err="1"/>
-              <a:t>session</a:t>
+              <a:t>DAO umbauen </a:t>
+            </a:r>
+            <a:r>
+              <a:rPr lang="de-DE" dirty="0" smtClean="0"/>
+              <a:t>(Links auf Speaker folgen)</a:t>
             </a:r>
             <a:endParaRPr lang="en-GB" dirty="0"/>
           </a:p>
@@ -6555,7 +7020,7 @@
       </p:sp>
       <p:sp>
         <p:nvSpPr>
-          <p:cNvPr id="9" name="Textplatzhalter 8"/>
+          <p:cNvPr id="6" name="Textplatzhalter 5"/>
           <p:cNvSpPr>
             <a:spLocks noGrp="1"/>
           </p:cNvSpPr>
@@ -6567,141 +7032,6 @@
         <p:txBody>
           <a:bodyPr/>
           <a:lstStyle/>
-          <a:p>
-            <a:r>
-              <a:rPr lang="de-DE" dirty="0" err="1"/>
-              <a:t>Reminder</a:t>
-            </a:r>
-            <a:r>
-              <a:rPr lang="de-DE" dirty="0"/>
-              <a:t>: </a:t>
-            </a:r>
-            <a:r>
-              <a:rPr lang="de-DE" dirty="0" err="1"/>
-              <a:t>vorteile</a:t>
-            </a:r>
-            <a:r>
-              <a:rPr lang="de-DE" dirty="0"/>
-              <a:t> von Spring Data?</a:t>
-            </a:r>
-          </a:p>
-          <a:p>
-            <a:endParaRPr lang="de-DE" dirty="0"/>
-          </a:p>
-          <a:p>
-            <a:endParaRPr lang="de-DE" dirty="0"/>
-          </a:p>
-          <a:p>
-            <a:r>
-              <a:rPr lang="de-DE" dirty="0"/>
-              <a:t>Kleine/große Projekte – wenig Setup nötig. Large-</a:t>
-            </a:r>
-            <a:r>
-              <a:rPr lang="de-DE" dirty="0" err="1"/>
-              <a:t>scale</a:t>
-            </a:r>
-            <a:r>
-              <a:rPr lang="de-DE" dirty="0"/>
-              <a:t>, large-team </a:t>
-            </a:r>
-            <a:r>
-              <a:rPr lang="de-DE" dirty="0" err="1"/>
-              <a:t>Jave</a:t>
-            </a:r>
-            <a:r>
-              <a:rPr lang="de-DE" dirty="0"/>
-              <a:t> EE </a:t>
-            </a:r>
-            <a:r>
-              <a:rPr lang="de-DE" dirty="0" err="1"/>
-              <a:t>dev</a:t>
-            </a:r>
-            <a:endParaRPr lang="de-DE" dirty="0"/>
-          </a:p>
-          <a:p>
-            <a:r>
-              <a:rPr lang="de-DE" dirty="0"/>
-              <a:t>Schnell!</a:t>
-            </a:r>
-          </a:p>
-          <a:p>
-            <a:r>
-              <a:rPr lang="de-DE" dirty="0"/>
-              <a:t>Kundenprojekte … </a:t>
-            </a:r>
-            <a:r>
-              <a:rPr lang="de-DE" dirty="0" err="1"/>
-              <a:t>beispiele</a:t>
-            </a:r>
-            <a:r>
-              <a:rPr lang="de-DE" dirty="0"/>
-              <a:t> mit SAP REST </a:t>
-            </a:r>
-            <a:r>
-              <a:rPr lang="de-DE" dirty="0" err="1"/>
-              <a:t>service</a:t>
-            </a:r>
-            <a:r>
-              <a:rPr lang="de-DE" dirty="0"/>
-              <a:t>, </a:t>
-            </a:r>
-            <a:r>
-              <a:rPr lang="de-DE" dirty="0" err="1"/>
-              <a:t>media</a:t>
-            </a:r>
-            <a:r>
-              <a:rPr lang="de-DE" dirty="0"/>
-              <a:t> </a:t>
-            </a:r>
-            <a:r>
-              <a:rPr lang="de-DE" dirty="0" err="1"/>
-              <a:t>service</a:t>
-            </a:r>
-            <a:endParaRPr lang="de-DE" dirty="0"/>
-          </a:p>
-          <a:p>
-            <a:r>
-              <a:rPr lang="de-DE" dirty="0" err="1"/>
-              <a:t>Microservices</a:t>
-            </a:r>
-            <a:r>
-              <a:rPr lang="de-DE" dirty="0"/>
-              <a:t> – unabhängig, entkoppelte Komponenten</a:t>
-            </a:r>
-          </a:p>
-          <a:p>
-            <a:r>
-              <a:rPr lang="de-DE" dirty="0"/>
-              <a:t>Standard </a:t>
-            </a:r>
-            <a:r>
-              <a:rPr lang="de-DE" dirty="0" err="1"/>
-              <a:t>conventions</a:t>
-            </a:r>
-            <a:r>
-              <a:rPr lang="de-DE" dirty="0"/>
-              <a:t> aber trotzdem möglich </a:t>
-            </a:r>
-            <a:r>
-              <a:rPr lang="de-DE" dirty="0" err="1"/>
-              <a:t>custom</a:t>
-            </a:r>
-            <a:r>
-              <a:rPr lang="de-DE" dirty="0"/>
-              <a:t> </a:t>
-            </a:r>
-            <a:r>
-              <a:rPr lang="de-DE" dirty="0" err="1"/>
-              <a:t>implementierungen</a:t>
-            </a:r>
-            <a:r>
-              <a:rPr lang="de-DE" dirty="0"/>
-              <a:t> zu schreiben</a:t>
-            </a:r>
-          </a:p>
-          <a:p>
-            <a:endParaRPr lang="de-DE" dirty="0"/>
-          </a:p>
           <a:p>
             <a:endParaRPr lang="en-GB" dirty="0"/>
           </a:p>
@@ -6710,13 +7040,20 @@
     </p:spTree>
     <p:extLst>
       <p:ext uri="{BB962C8B-B14F-4D97-AF65-F5344CB8AC3E}">
-        <p14:creationId xmlns:p14="http://schemas.microsoft.com/office/powerpoint/2010/main" val="48103453"/>
+        <p14:creationId xmlns:p14="http://schemas.microsoft.com/office/powerpoint/2010/main" val="3239943257"/>
       </p:ext>
     </p:extLst>
   </p:cSld>
   <p:clrMapOvr>
     <a:masterClrMapping/>
   </p:clrMapOvr>
+  <p:timing>
+    <p:tnLst>
+      <p:par>
+        <p:cTn id="1" dur="indefinite" restart="never" nodeType="tmRoot"/>
+      </p:par>
+    </p:tnLst>
+  </p:timing>
 </p:sld>
 </file>
 
@@ -6739,7 +7076,7 @@
       </p:grpSpPr>
       <p:sp>
         <p:nvSpPr>
-          <p:cNvPr id="2" name="Textplatzhalter 1"/>
+          <p:cNvPr id="8" name="Textplatzhalter 7"/>
           <p:cNvSpPr>
             <a:spLocks noGrp="1"/>
           </p:cNvSpPr>
@@ -6749,16 +7086,22 @@
         </p:nvSpPr>
         <p:spPr/>
         <p:txBody>
-          <a:bodyPr/>
-          <a:lstStyle/>
-          <a:p>
-            <a:endParaRPr lang="en-GB"/>
-          </a:p>
-        </p:txBody>
-      </p:sp>
-      <p:sp>
-        <p:nvSpPr>
-          <p:cNvPr id="3" name="Fußzeilenplatzhalter 2"/>
+          <a:bodyPr>
+            <a:normAutofit/>
+          </a:bodyPr>
+          <a:lstStyle/>
+          <a:p>
+            <a:r>
+              <a:rPr lang="de-DE" dirty="0"/>
+              <a:t>5 min</a:t>
+            </a:r>
+            <a:endParaRPr lang="en-GB" dirty="0"/>
+          </a:p>
+        </p:txBody>
+      </p:sp>
+      <p:sp>
+        <p:nvSpPr>
+          <p:cNvPr id="2" name="Fußzeilenplatzhalter 1"/>
           <p:cNvSpPr>
             <a:spLocks noGrp="1"/>
           </p:cNvSpPr>
@@ -6781,7 +7124,7 @@
       </p:sp>
       <p:sp>
         <p:nvSpPr>
-          <p:cNvPr id="4" name="Foliennummernplatzhalter 3"/>
+          <p:cNvPr id="3" name="Foliennummernplatzhalter 2"/>
           <p:cNvSpPr>
             <a:spLocks noGrp="1"/>
           </p:cNvSpPr>
@@ -6805,7 +7148,7 @@
       </p:sp>
       <p:sp>
         <p:nvSpPr>
-          <p:cNvPr id="5" name="Titel 4"/>
+          <p:cNvPr id="4" name="Titel 3"/>
           <p:cNvSpPr>
             <a:spLocks noGrp="1"/>
           </p:cNvSpPr>
@@ -6820,23 +7163,27 @@
           <a:p>
             <a:r>
               <a:rPr lang="de-DE" dirty="0"/>
-              <a:t>Extra: </a:t>
+              <a:t>IRL </a:t>
             </a:r>
             <a:r>
               <a:rPr lang="de-DE" dirty="0" err="1"/>
-              <a:t>Paging</a:t>
-            </a:r>
-            <a:r>
-              <a:rPr lang="de-DE" dirty="0"/>
-              <a:t> + </a:t>
+              <a:t>usage</a:t>
+            </a:r>
+            <a:r>
+              <a:rPr lang="de-DE" dirty="0"/>
+              <a:t> – </a:t>
             </a:r>
             <a:r>
               <a:rPr lang="de-DE" dirty="0" err="1"/>
-              <a:t>Sorting</a:t>
-            </a:r>
-            <a:r>
-              <a:rPr lang="de-DE" dirty="0"/>
-              <a:t> Repository</a:t>
+              <a:t>flipchart</a:t>
+            </a:r>
+            <a:r>
+              <a:rPr lang="de-DE" dirty="0"/>
+              <a:t>, interaktives </a:t>
+            </a:r>
+            <a:r>
+              <a:rPr lang="de-DE" dirty="0" err="1"/>
+              <a:t>session</a:t>
             </a:r>
             <a:endParaRPr lang="en-GB" dirty="0"/>
           </a:p>
@@ -6844,7 +7191,7 @@
       </p:sp>
       <p:sp>
         <p:nvSpPr>
-          <p:cNvPr id="6" name="Textplatzhalter 5"/>
+          <p:cNvPr id="9" name="Textplatzhalter 8"/>
           <p:cNvSpPr>
             <a:spLocks noGrp="1"/>
           </p:cNvSpPr>
@@ -6859,47 +7206,139 @@
           <a:p>
             <a:r>
               <a:rPr lang="de-DE" dirty="0" err="1"/>
-              <a:t>PagingAndSortingRepository</a:t>
-            </a:r>
-            <a:r>
-              <a:rPr lang="de-DE" dirty="0"/>
-              <a:t> verwenden (statt </a:t>
+              <a:t>Reminder</a:t>
+            </a:r>
+            <a:r>
+              <a:rPr lang="de-DE" dirty="0"/>
+              <a:t>: </a:t>
             </a:r>
             <a:r>
               <a:rPr lang="de-DE" dirty="0" err="1"/>
-              <a:t>CRUDRepository</a:t>
-            </a:r>
-            <a:r>
-              <a:rPr lang="de-DE" dirty="0"/>
-              <a:t>)</a:t>
-            </a:r>
-          </a:p>
-          <a:p>
-            <a:r>
-              <a:rPr lang="de-DE" dirty="0"/>
-              <a:t>In HAL Browser anschauen …</a:t>
-            </a:r>
-          </a:p>
-          <a:p>
-            <a:r>
-              <a:rPr lang="de-DE" dirty="0"/>
-              <a:t>Oder …</a:t>
+              <a:t>vorteile</a:t>
+            </a:r>
+            <a:r>
+              <a:rPr lang="de-DE" dirty="0"/>
+              <a:t> von Spring Data?</a:t>
             </a:r>
           </a:p>
           <a:p>
             <a:endParaRPr lang="de-DE" dirty="0"/>
           </a:p>
           <a:p>
-            <a:r>
-              <a:rPr lang="de-DE" dirty="0"/>
-              <a:t>DAO Implementierung erweitern</a:t>
-            </a:r>
-          </a:p>
-          <a:p>
-            <a:r>
-              <a:rPr lang="de-DE" dirty="0"/>
-              <a:t>UI erweitern</a:t>
-            </a:r>
+            <a:endParaRPr lang="de-DE" dirty="0"/>
+          </a:p>
+          <a:p>
+            <a:r>
+              <a:rPr lang="de-DE" dirty="0"/>
+              <a:t>Kleine/große Projekte – wenig Setup nötig. Large-</a:t>
+            </a:r>
+            <a:r>
+              <a:rPr lang="de-DE" dirty="0" err="1"/>
+              <a:t>scale</a:t>
+            </a:r>
+            <a:r>
+              <a:rPr lang="de-DE" dirty="0"/>
+              <a:t>, large-team </a:t>
+            </a:r>
+            <a:r>
+              <a:rPr lang="de-DE" dirty="0" err="1"/>
+              <a:t>Jave</a:t>
+            </a:r>
+            <a:r>
+              <a:rPr lang="de-DE" dirty="0"/>
+              <a:t> EE </a:t>
+            </a:r>
+            <a:r>
+              <a:rPr lang="de-DE" dirty="0" err="1"/>
+              <a:t>dev</a:t>
+            </a:r>
+            <a:endParaRPr lang="de-DE" dirty="0"/>
+          </a:p>
+          <a:p>
+            <a:r>
+              <a:rPr lang="de-DE" dirty="0"/>
+              <a:t>Schnell!</a:t>
+            </a:r>
+          </a:p>
+          <a:p>
+            <a:r>
+              <a:rPr lang="de-DE" dirty="0"/>
+              <a:t>Kundenprojekte … </a:t>
+            </a:r>
+            <a:r>
+              <a:rPr lang="de-DE" dirty="0" err="1"/>
+              <a:t>beispiele</a:t>
+            </a:r>
+            <a:r>
+              <a:rPr lang="de-DE" dirty="0"/>
+              <a:t> mit SAP REST </a:t>
+            </a:r>
+            <a:r>
+              <a:rPr lang="de-DE" dirty="0" err="1"/>
+              <a:t>service</a:t>
+            </a:r>
+            <a:r>
+              <a:rPr lang="de-DE" dirty="0"/>
+              <a:t>, </a:t>
+            </a:r>
+            <a:r>
+              <a:rPr lang="de-DE" dirty="0" err="1"/>
+              <a:t>media</a:t>
+            </a:r>
+            <a:r>
+              <a:rPr lang="de-DE" dirty="0"/>
+              <a:t> </a:t>
+            </a:r>
+            <a:r>
+              <a:rPr lang="de-DE" dirty="0" err="1"/>
+              <a:t>service</a:t>
+            </a:r>
+            <a:endParaRPr lang="de-DE" dirty="0"/>
+          </a:p>
+          <a:p>
+            <a:r>
+              <a:rPr lang="de-DE" dirty="0" err="1"/>
+              <a:t>Microservices</a:t>
+            </a:r>
+            <a:r>
+              <a:rPr lang="de-DE" dirty="0"/>
+              <a:t> – unabhängig, entkoppelte Komponenten</a:t>
+            </a:r>
+          </a:p>
+          <a:p>
+            <a:r>
+              <a:rPr lang="de-DE" dirty="0"/>
+              <a:t>Standard </a:t>
+            </a:r>
+            <a:r>
+              <a:rPr lang="de-DE" dirty="0" err="1"/>
+              <a:t>conventions</a:t>
+            </a:r>
+            <a:r>
+              <a:rPr lang="de-DE" dirty="0"/>
+              <a:t> aber trotzdem möglich </a:t>
+            </a:r>
+            <a:r>
+              <a:rPr lang="de-DE" dirty="0" err="1"/>
+              <a:t>custom</a:t>
+            </a:r>
+            <a:r>
+              <a:rPr lang="de-DE" dirty="0"/>
+              <a:t> </a:t>
+            </a:r>
+            <a:r>
+              <a:rPr lang="de-DE" dirty="0" err="1"/>
+              <a:t>implementierungen</a:t>
+            </a:r>
+            <a:r>
+              <a:rPr lang="de-DE" dirty="0"/>
+              <a:t> zu schreiben</a:t>
+            </a:r>
+          </a:p>
+          <a:p>
+            <a:endParaRPr lang="de-DE" dirty="0"/>
+          </a:p>
+          <a:p>
             <a:endParaRPr lang="en-GB" dirty="0"/>
           </a:p>
         </p:txBody>
@@ -6907,7 +7346,7 @@
     </p:spTree>
     <p:extLst>
       <p:ext uri="{BB962C8B-B14F-4D97-AF65-F5344CB8AC3E}">
-        <p14:creationId xmlns:p14="http://schemas.microsoft.com/office/powerpoint/2010/main" val="637595942"/>
+        <p14:creationId xmlns:p14="http://schemas.microsoft.com/office/powerpoint/2010/main" val="48103453"/>
       </p:ext>
     </p:extLst>
   </p:cSld>
@@ -6946,16 +7385,10 @@
         </p:nvSpPr>
         <p:spPr/>
         <p:txBody>
-          <a:bodyPr>
-            <a:normAutofit fontScale="85000" lnSpcReduction="10000"/>
-          </a:bodyPr>
-          <a:lstStyle/>
-          <a:p>
-            <a:r>
-              <a:rPr lang="de-DE" dirty="0"/>
-              <a:t>15 min</a:t>
-            </a:r>
-            <a:endParaRPr lang="en-GB" dirty="0"/>
+          <a:bodyPr/>
+          <a:lstStyle/>
+          <a:p>
+            <a:endParaRPr lang="en-GB"/>
           </a:p>
         </p:txBody>
       </p:sp>
@@ -7022,12 +7455,24 @@
           <a:lstStyle/>
           <a:p>
             <a:r>
+              <a:rPr lang="de-DE" dirty="0"/>
+              <a:t>Extra: </a:t>
+            </a:r>
+            <a:r>
               <a:rPr lang="de-DE" dirty="0" err="1"/>
-              <a:t>React</a:t>
-            </a:r>
-            <a:r>
-              <a:rPr lang="de-DE" dirty="0"/>
-              <a:t> Beispiel</a:t>
+              <a:t>Paging</a:t>
+            </a:r>
+            <a:r>
+              <a:rPr lang="de-DE" dirty="0"/>
+              <a:t> + </a:t>
+            </a:r>
+            <a:r>
+              <a:rPr lang="de-DE" dirty="0" err="1"/>
+              <a:t>Sorting</a:t>
+            </a:r>
+            <a:r>
+              <a:rPr lang="de-DE" dirty="0"/>
+              <a:t> Repository</a:t>
             </a:r>
             <a:endParaRPr lang="en-GB" dirty="0"/>
           </a:p>
@@ -7049,20 +7494,47 @@
           <a:lstStyle/>
           <a:p>
             <a:r>
-              <a:rPr lang="de-DE" dirty="0"/>
-              <a:t>Unterschied, SPA, direkte REST Aufrufe</a:t>
-            </a:r>
-          </a:p>
-          <a:p>
-            <a:r>
-              <a:rPr lang="de-DE" dirty="0"/>
-              <a:t>Flipchart Erklärung</a:t>
-            </a:r>
-          </a:p>
-          <a:p>
-            <a:r>
-              <a:rPr lang="de-DE" dirty="0"/>
-              <a:t>Selber auschecken ?</a:t>
+              <a:rPr lang="de-DE" dirty="0" err="1"/>
+              <a:t>PagingAndSortingRepository</a:t>
+            </a:r>
+            <a:r>
+              <a:rPr lang="de-DE" dirty="0"/>
+              <a:t> verwenden (statt </a:t>
+            </a:r>
+            <a:r>
+              <a:rPr lang="de-DE" dirty="0" err="1"/>
+              <a:t>CRUDRepository</a:t>
+            </a:r>
+            <a:r>
+              <a:rPr lang="de-DE" dirty="0"/>
+              <a:t>)</a:t>
+            </a:r>
+          </a:p>
+          <a:p>
+            <a:r>
+              <a:rPr lang="de-DE" dirty="0"/>
+              <a:t>In HAL Browser anschauen …</a:t>
+            </a:r>
+          </a:p>
+          <a:p>
+            <a:r>
+              <a:rPr lang="de-DE" dirty="0"/>
+              <a:t>Oder …</a:t>
+            </a:r>
+          </a:p>
+          <a:p>
+            <a:endParaRPr lang="de-DE" dirty="0"/>
+          </a:p>
+          <a:p>
+            <a:r>
+              <a:rPr lang="de-DE" dirty="0"/>
+              <a:t>DAO Implementierung erweitern</a:t>
+            </a:r>
+          </a:p>
+          <a:p>
+            <a:r>
+              <a:rPr lang="de-DE" dirty="0"/>
+              <a:t>UI erweitern</a:t>
             </a:r>
             <a:endParaRPr lang="en-GB" dirty="0"/>
           </a:p>
@@ -7071,7 +7543,7 @@
     </p:spTree>
     <p:extLst>
       <p:ext uri="{BB962C8B-B14F-4D97-AF65-F5344CB8AC3E}">
-        <p14:creationId xmlns:p14="http://schemas.microsoft.com/office/powerpoint/2010/main" val="575469459"/>
+        <p14:creationId xmlns:p14="http://schemas.microsoft.com/office/powerpoint/2010/main" val="637595942"/>
       </p:ext>
     </p:extLst>
   </p:cSld>
@@ -7165,6 +7637,170 @@
               <a:rPr lang="de-DE" smtClean="0"/>
               <a:pPr/>
               <a:t>18</a:t>
+            </a:fld>
+            <a:endParaRPr lang="de-DE" dirty="0"/>
+          </a:p>
+        </p:txBody>
+      </p:sp>
+      <p:sp>
+        <p:nvSpPr>
+          <p:cNvPr id="5" name="Titel 4"/>
+          <p:cNvSpPr>
+            <a:spLocks noGrp="1"/>
+          </p:cNvSpPr>
+          <p:nvPr>
+            <p:ph type="title"/>
+          </p:nvPr>
+        </p:nvSpPr>
+        <p:spPr/>
+        <p:txBody>
+          <a:bodyPr/>
+          <a:lstStyle/>
+          <a:p>
+            <a:r>
+              <a:rPr lang="de-DE" dirty="0" err="1"/>
+              <a:t>React</a:t>
+            </a:r>
+            <a:r>
+              <a:rPr lang="de-DE" dirty="0"/>
+              <a:t> Beispiel</a:t>
+            </a:r>
+            <a:endParaRPr lang="en-GB" dirty="0"/>
+          </a:p>
+        </p:txBody>
+      </p:sp>
+      <p:sp>
+        <p:nvSpPr>
+          <p:cNvPr id="6" name="Textplatzhalter 5"/>
+          <p:cNvSpPr>
+            <a:spLocks noGrp="1"/>
+          </p:cNvSpPr>
+          <p:nvPr>
+            <p:ph type="body" sz="quarter" idx="12"/>
+          </p:nvPr>
+        </p:nvSpPr>
+        <p:spPr/>
+        <p:txBody>
+          <a:bodyPr/>
+          <a:lstStyle/>
+          <a:p>
+            <a:r>
+              <a:rPr lang="de-DE" dirty="0"/>
+              <a:t>Unterschied, SPA, direkte REST Aufrufe</a:t>
+            </a:r>
+          </a:p>
+          <a:p>
+            <a:r>
+              <a:rPr lang="de-DE" dirty="0"/>
+              <a:t>Flipchart Erklärung</a:t>
+            </a:r>
+          </a:p>
+          <a:p>
+            <a:r>
+              <a:rPr lang="de-DE" dirty="0"/>
+              <a:t>Selber auschecken ?</a:t>
+            </a:r>
+            <a:endParaRPr lang="en-GB" dirty="0"/>
+          </a:p>
+        </p:txBody>
+      </p:sp>
+    </p:spTree>
+    <p:extLst>
+      <p:ext uri="{BB962C8B-B14F-4D97-AF65-F5344CB8AC3E}">
+        <p14:creationId xmlns:p14="http://schemas.microsoft.com/office/powerpoint/2010/main" val="575469459"/>
+      </p:ext>
+    </p:extLst>
+  </p:cSld>
+  <p:clrMapOvr>
+    <a:masterClrMapping/>
+  </p:clrMapOvr>
+</p:sld>
+</file>
+
+<file path=ppt/slides/slide19.xml><?xml version="1.0" encoding="utf-8"?>
+<p:sld xmlns:a="http://schemas.openxmlformats.org/drawingml/2006/main" xmlns:r="http://schemas.openxmlformats.org/officeDocument/2006/relationships" xmlns:p="http://schemas.openxmlformats.org/presentationml/2006/main">
+  <p:cSld>
+    <p:spTree>
+      <p:nvGrpSpPr>
+        <p:cNvPr id="1" name=""/>
+        <p:cNvGrpSpPr/>
+        <p:nvPr/>
+      </p:nvGrpSpPr>
+      <p:grpSpPr>
+        <a:xfrm>
+          <a:off x="0" y="0"/>
+          <a:ext cx="0" cy="0"/>
+          <a:chOff x="0" y="0"/>
+          <a:chExt cx="0" cy="0"/>
+        </a:xfrm>
+      </p:grpSpPr>
+      <p:sp>
+        <p:nvSpPr>
+          <p:cNvPr id="2" name="Textplatzhalter 1"/>
+          <p:cNvSpPr>
+            <a:spLocks noGrp="1"/>
+          </p:cNvSpPr>
+          <p:nvPr>
+            <p:ph type="body" sz="half" idx="2"/>
+          </p:nvPr>
+        </p:nvSpPr>
+        <p:spPr/>
+        <p:txBody>
+          <a:bodyPr>
+            <a:normAutofit fontScale="85000" lnSpcReduction="10000"/>
+          </a:bodyPr>
+          <a:lstStyle/>
+          <a:p>
+            <a:r>
+              <a:rPr lang="de-DE" dirty="0"/>
+              <a:t>15 min</a:t>
+            </a:r>
+            <a:endParaRPr lang="en-GB" dirty="0"/>
+          </a:p>
+        </p:txBody>
+      </p:sp>
+      <p:sp>
+        <p:nvSpPr>
+          <p:cNvPr id="3" name="Fußzeilenplatzhalter 2"/>
+          <p:cNvSpPr>
+            <a:spLocks noGrp="1"/>
+          </p:cNvSpPr>
+          <p:nvPr>
+            <p:ph type="ftr" sz="quarter" idx="10"/>
+          </p:nvPr>
+        </p:nvSpPr>
+        <p:spPr/>
+        <p:txBody>
+          <a:bodyPr/>
+          <a:lstStyle/>
+          <a:p>
+            <a:r>
+              <a:rPr lang="en-US"/>
+              <a:t>Experts in agile software engineering</a:t>
+            </a:r>
+            <a:endParaRPr lang="de-DE" dirty="0"/>
+          </a:p>
+        </p:txBody>
+      </p:sp>
+      <p:sp>
+        <p:nvSpPr>
+          <p:cNvPr id="4" name="Foliennummernplatzhalter 3"/>
+          <p:cNvSpPr>
+            <a:spLocks noGrp="1"/>
+          </p:cNvSpPr>
+          <p:nvPr>
+            <p:ph type="sldNum" sz="quarter" idx="11"/>
+          </p:nvPr>
+        </p:nvSpPr>
+        <p:spPr/>
+        <p:txBody>
+          <a:bodyPr/>
+          <a:lstStyle/>
+          <a:p>
+            <a:fld id="{6C6AE60A-B69C-4790-82F7-3882EDF23186}" type="slidenum">
+              <a:rPr lang="de-DE" smtClean="0"/>
+              <a:pPr/>
+              <a:t>19</a:t>
             </a:fld>
             <a:endParaRPr lang="de-DE" dirty="0"/>
           </a:p>
@@ -7484,11 +8120,11 @@
           <a:lstStyle/>
           <a:p>
             <a:r>
-              <a:rPr lang="en-US" dirty="0"/>
+              <a:rPr lang="en-US" dirty="0" smtClean="0"/>
               <a:t>“</a:t>
             </a:r>
             <a:r>
-              <a:rPr lang="de-DE" dirty="0"/>
+              <a:rPr lang="de-DE" dirty="0" smtClean="0"/>
               <a:t>Inversion </a:t>
             </a:r>
             <a:r>
@@ -7497,7 +8133,15 @@
             </a:r>
             <a:r>
               <a:rPr lang="de-DE" dirty="0"/>
-              <a:t> Control „ Framework für Java </a:t>
+              <a:t> </a:t>
+            </a:r>
+            <a:r>
+              <a:rPr lang="de-DE" dirty="0" smtClean="0"/>
+              <a:t>Control“ </a:t>
+            </a:r>
+            <a:r>
+              <a:rPr lang="de-DE" dirty="0"/>
+              <a:t>Framework für Java </a:t>
             </a:r>
           </a:p>
           <a:p>
@@ -7506,15 +8150,15 @@
               <a:t>Setzt auf </a:t>
             </a:r>
             <a:r>
-              <a:rPr lang="en-US" dirty="0"/>
+              <a:rPr lang="en-US" dirty="0" smtClean="0"/>
               <a:t>“</a:t>
             </a:r>
             <a:r>
-              <a:rPr lang="de-DE" dirty="0" err="1"/>
+              <a:rPr lang="de-DE" dirty="0" err="1" smtClean="0"/>
               <a:t>Convention</a:t>
             </a:r>
             <a:r>
-              <a:rPr lang="de-DE" dirty="0"/>
+              <a:rPr lang="de-DE" dirty="0" smtClean="0"/>
               <a:t> </a:t>
             </a:r>
             <a:r>
@@ -7526,13 +8170,14 @@
               <a:t> </a:t>
             </a:r>
             <a:r>
-              <a:rPr lang="de-DE" dirty="0" err="1"/>
+              <a:rPr lang="de-DE" dirty="0" err="1" smtClean="0"/>
               <a:t>Configuration</a:t>
             </a:r>
             <a:r>
-              <a:rPr lang="de-DE" dirty="0"/>
-              <a:t>„</a:t>
-            </a:r>
+              <a:rPr lang="de-DE" dirty="0" smtClean="0"/>
+              <a:t>“</a:t>
+            </a:r>
+            <a:endParaRPr lang="de-DE" dirty="0"/>
           </a:p>
           <a:p>
             <a:r>
@@ -7689,8 +8334,13 @@
             </a:r>
             <a:r>
               <a:rPr lang="de-DE" dirty="0"/>
-              <a:t> mehr schreiben müssen</a:t>
-            </a:r>
+              <a:t> mehr </a:t>
+            </a:r>
+            <a:r>
+              <a:rPr lang="de-DE" dirty="0" smtClean="0"/>
+              <a:t>schreiben</a:t>
+            </a:r>
+            <a:endParaRPr lang="de-DE" dirty="0"/>
           </a:p>
           <a:p>
             <a:r>
@@ -8119,12 +8769,20 @@
           </a:p>
           <a:p>
             <a:r>
-              <a:rPr lang="de-DE" dirty="0" err="1"/>
-              <a:t>mvn</a:t>
-            </a:r>
-            <a:r>
-              <a:rPr lang="de-DE" dirty="0"/>
-              <a:t> clean </a:t>
+              <a:rPr lang="de-DE" dirty="0" smtClean="0"/>
+              <a:t>./</a:t>
+            </a:r>
+            <a:r>
+              <a:rPr lang="de-DE" dirty="0" err="1" smtClean="0"/>
+              <a:t>mvnw</a:t>
+            </a:r>
+            <a:r>
+              <a:rPr lang="de-DE" dirty="0" smtClean="0"/>
+              <a:t> </a:t>
+            </a:r>
+            <a:r>
+              <a:rPr lang="de-DE" dirty="0"/>
+              <a:t>clean </a:t>
             </a:r>
             <a:r>
               <a:rPr lang="de-DE" dirty="0" err="1"/>
@@ -8134,14 +8792,8 @@
           </a:p>
           <a:p>
             <a:r>
-              <a:rPr lang="de-DE" dirty="0">
-                <a:hlinkClick r:id="rId2"/>
-              </a:rPr>
-              <a:t>http://localhost:8090/</a:t>
-            </a:r>
-            <a:r>
-              <a:rPr lang="de-DE" dirty="0"/>
-              <a:t>  =&gt; HAL Browser</a:t>
+              <a:rPr lang="de-DE" dirty="0"/>
+              <a:t>http://localhost:8090/  =&gt; HAL Browser</a:t>
             </a:r>
           </a:p>
           <a:p>
@@ -9962,6 +10614,15 @@
 </file>
 
 <file path=customXml/item1.xml><?xml version="1.0" encoding="utf-8"?>
+<p:properties xmlns:p="http://schemas.microsoft.com/office/2006/metadata/properties" xmlns:xsi="http://www.w3.org/2001/XMLSchema-instance" xmlns:pc="http://schemas.microsoft.com/office/infopath/2007/PartnerControls">
+  <documentManagement>
+    <_Version xmlns="http://schemas.microsoft.com/sharepoint/v3/fields" xsi:nil="true"/>
+    <_Status xmlns="http://schemas.microsoft.com/sharepoint/v3/fields">Not Started</_Status>
+  </documentManagement>
+</p:properties>
+</file>
+
+<file path=customXml/item2.xml><?xml version="1.0" encoding="utf-8"?>
 <ct:contentTypeSchema xmlns:ct="http://schemas.microsoft.com/office/2006/metadata/contentType" xmlns:ma="http://schemas.microsoft.com/office/2006/metadata/properties/metaAttributes" ct:_="" ma:_="" ma:contentTypeName="Document" ma:contentTypeID="0x0101000DE64AEEDD9B7A4D93545ACBE97D4615" ma:contentTypeVersion="2" ma:contentTypeDescription="Create a new document." ma:contentTypeScope="" ma:versionID="f49002b78e3a4a71b814eef46a983816">
   <xsd:schema xmlns:xsd="http://www.w3.org/2001/XMLSchema" xmlns:xs="http://www.w3.org/2001/XMLSchema" xmlns:p="http://schemas.microsoft.com/office/2006/metadata/properties" xmlns:ns2="http://schemas.microsoft.com/sharepoint/v3/fields" targetNamespace="http://schemas.microsoft.com/office/2006/metadata/properties" ma:root="true" ma:fieldsID="38f6db2dd0d9a0cf6a8dc37be32b365b" ns2:_="">
     <xsd:import namespace="http://schemas.microsoft.com/sharepoint/v3/fields"/>
@@ -10105,15 +10766,6 @@
 </ct:contentTypeSchema>
 </file>
 
-<file path=customXml/item2.xml><?xml version="1.0" encoding="utf-8"?>
-<p:properties xmlns:p="http://schemas.microsoft.com/office/2006/metadata/properties" xmlns:xsi="http://www.w3.org/2001/XMLSchema-instance" xmlns:pc="http://schemas.microsoft.com/office/infopath/2007/PartnerControls">
-  <documentManagement>
-    <_Version xmlns="http://schemas.microsoft.com/sharepoint/v3/fields" xsi:nil="true"/>
-    <_Status xmlns="http://schemas.microsoft.com/sharepoint/v3/fields">Not Started</_Status>
-  </documentManagement>
-</p:properties>
-</file>
-
 <file path=customXml/item3.xml><?xml version="1.0" encoding="utf-8"?>
 <?mso-contentType ?>
 <FormTemplates xmlns="http://schemas.microsoft.com/sharepoint/v3/contenttype/forms">
@@ -10124,6 +10776,22 @@
 </file>
 
 <file path=customXml/itemProps1.xml><?xml version="1.0" encoding="utf-8"?>
+<ds:datastoreItem xmlns:ds="http://schemas.openxmlformats.org/officeDocument/2006/customXml" ds:itemID="{7B6F2769-7194-4217-93D3-3AF3A4742282}">
+  <ds:schemaRefs>
+    <ds:schemaRef ds:uri="http://purl.org/dc/dcmitype/"/>
+    <ds:schemaRef ds:uri="http://purl.org/dc/terms/"/>
+    <ds:schemaRef ds:uri="http://schemas.microsoft.com/office/infopath/2007/PartnerControls"/>
+    <ds:schemaRef ds:uri="http://purl.org/dc/elements/1.1/"/>
+    <ds:schemaRef ds:uri="http://schemas.microsoft.com/office/2006/documentManagement/types"/>
+    <ds:schemaRef ds:uri="http://schemas.microsoft.com/sharepoint/v3/fields"/>
+    <ds:schemaRef ds:uri="http://schemas.openxmlformats.org/package/2006/metadata/core-properties"/>
+    <ds:schemaRef ds:uri="http://schemas.microsoft.com/office/2006/metadata/properties"/>
+    <ds:schemaRef ds:uri="http://www.w3.org/XML/1998/namespace"/>
+  </ds:schemaRefs>
+</ds:datastoreItem>
+</file>
+
+<file path=customXml/itemProps2.xml><?xml version="1.0" encoding="utf-8"?>
 <ds:datastoreItem xmlns:ds="http://schemas.openxmlformats.org/officeDocument/2006/customXml" ds:itemID="{E4214858-785C-42F7-BE66-6D0E79395FC8}">
   <ds:schemaRefs>
     <ds:schemaRef ds:uri="http://schemas.microsoft.com/office/2006/metadata/contentType"/>
@@ -10141,22 +10809,6 @@
 </ds:datastoreItem>
 </file>
 
-<file path=customXml/itemProps2.xml><?xml version="1.0" encoding="utf-8"?>
-<ds:datastoreItem xmlns:ds="http://schemas.openxmlformats.org/officeDocument/2006/customXml" ds:itemID="{7B6F2769-7194-4217-93D3-3AF3A4742282}">
-  <ds:schemaRefs>
-    <ds:schemaRef ds:uri="http://purl.org/dc/dcmitype/"/>
-    <ds:schemaRef ds:uri="http://purl.org/dc/terms/"/>
-    <ds:schemaRef ds:uri="http://schemas.microsoft.com/office/infopath/2007/PartnerControls"/>
-    <ds:schemaRef ds:uri="http://purl.org/dc/elements/1.1/"/>
-    <ds:schemaRef ds:uri="http://schemas.microsoft.com/office/2006/documentManagement/types"/>
-    <ds:schemaRef ds:uri="http://schemas.microsoft.com/sharepoint/v3/fields"/>
-    <ds:schemaRef ds:uri="http://schemas.openxmlformats.org/package/2006/metadata/core-properties"/>
-    <ds:schemaRef ds:uri="http://schemas.microsoft.com/office/2006/metadata/properties"/>
-    <ds:schemaRef ds:uri="http://www.w3.org/XML/1998/namespace"/>
-  </ds:schemaRefs>
-</ds:datastoreItem>
-</file>
-
 <file path=customXml/itemProps3.xml><?xml version="1.0" encoding="utf-8"?>
 <ds:datastoreItem xmlns:ds="http://schemas.openxmlformats.org/officeDocument/2006/customXml" ds:itemID="{87D2A1B0-FF3E-4009-940D-AED0EB70AA20}">
   <ds:schemaRefs>

--- a/springBootDataWorkshop.pptx
+++ b/springBootDataWorkshop.pptx
@@ -15,17 +15,17 @@
     <p:sldId id="262" r:id="rId6"/>
     <p:sldId id="264" r:id="rId7"/>
     <p:sldId id="265" r:id="rId8"/>
-    <p:sldId id="266" r:id="rId9"/>
-    <p:sldId id="267" r:id="rId10"/>
+    <p:sldId id="267" r:id="rId9"/>
+    <p:sldId id="266" r:id="rId10"/>
     <p:sldId id="268" r:id="rId11"/>
-    <p:sldId id="279" r:id="rId12"/>
-    <p:sldId id="270" r:id="rId13"/>
-    <p:sldId id="269" r:id="rId14"/>
-    <p:sldId id="278" r:id="rId15"/>
-    <p:sldId id="272" r:id="rId16"/>
-    <p:sldId id="274" r:id="rId17"/>
-    <p:sldId id="271" r:id="rId18"/>
-    <p:sldId id="281" r:id="rId19"/>
+    <p:sldId id="281" r:id="rId12"/>
+    <p:sldId id="279" r:id="rId13"/>
+    <p:sldId id="270" r:id="rId14"/>
+    <p:sldId id="269" r:id="rId15"/>
+    <p:sldId id="278" r:id="rId16"/>
+    <p:sldId id="272" r:id="rId17"/>
+    <p:sldId id="274" r:id="rId18"/>
+    <p:sldId id="271" r:id="rId19"/>
     <p:sldId id="275" r:id="rId20"/>
     <p:sldId id="273" r:id="rId21"/>
     <p:sldId id="277" r:id="rId22"/>
@@ -148,6 +148,10 @@
 </p:presentation>
 </file>
 
+<file path=ppt/revisionInfo.xml><?xml version="1.0" encoding="utf-8"?>
+<p1510:revInfo xmlns:a="http://schemas.openxmlformats.org/drawingml/2006/main" xmlns:r="http://schemas.openxmlformats.org/officeDocument/2006/relationships" xmlns:p1510="http://schemas.microsoft.com/office/powerpoint/2015/10/main"/>
+</file>
+
 <file path=ppt/handoutMasters/handoutMaster1.xml><?xml version="1.0" encoding="utf-8"?>
 <p:handoutMaster xmlns:a="http://schemas.openxmlformats.org/drawingml/2006/main" xmlns:r="http://schemas.openxmlformats.org/officeDocument/2006/relationships" xmlns:p="http://schemas.openxmlformats.org/presentationml/2006/main">
   <p:cSld>
@@ -230,7 +234,7 @@
           <a:p>
             <a:fld id="{1869EC12-32BB-B84B-964B-77CD8A6EA5B5}" type="datetimeFigureOut">
               <a:rPr lang="de-DE" smtClean="0"/>
-              <a:t>04.05.2017</a:t>
+              <a:t>13.05.2017</a:t>
             </a:fld>
             <a:endParaRPr lang="de-DE" dirty="0"/>
           </a:p>
@@ -396,7 +400,7 @@
           <a:p>
             <a:fld id="{396D8CEF-220A-EC43-8099-BAE7D65DBE3D}" type="datetimeFigureOut">
               <a:rPr lang="de-DE" smtClean="0"/>
-              <a:t>04.05.2017</a:t>
+              <a:t>13.05.2017</a:t>
             </a:fld>
             <a:endParaRPr lang="de-DE" dirty="0"/>
           </a:p>
@@ -662,377 +666,6 @@
     </a:lvl9pPr>
   </p:notesStyle>
 </p:notesMaster>
-</file>
-
-<file path=ppt/notesSlides/notesSlide1.xml><?xml version="1.0" encoding="utf-8"?>
-<p:notes xmlns:a="http://schemas.openxmlformats.org/drawingml/2006/main" xmlns:r="http://schemas.openxmlformats.org/officeDocument/2006/relationships" xmlns:p="http://schemas.openxmlformats.org/presentationml/2006/main">
-  <p:cSld>
-    <p:spTree>
-      <p:nvGrpSpPr>
-        <p:cNvPr id="1" name=""/>
-        <p:cNvGrpSpPr/>
-        <p:nvPr/>
-      </p:nvGrpSpPr>
-      <p:grpSpPr>
-        <a:xfrm>
-          <a:off x="0" y="0"/>
-          <a:ext cx="0" cy="0"/>
-          <a:chOff x="0" y="0"/>
-          <a:chExt cx="0" cy="0"/>
-        </a:xfrm>
-      </p:grpSpPr>
-      <p:sp>
-        <p:nvSpPr>
-          <p:cNvPr id="2" name="Folienbildplatzhalter 1"/>
-          <p:cNvSpPr>
-            <a:spLocks noGrp="1" noRot="1" noChangeAspect="1"/>
-          </p:cNvSpPr>
-          <p:nvPr>
-            <p:ph type="sldImg"/>
-          </p:nvPr>
-        </p:nvSpPr>
-        <p:spPr/>
-      </p:sp>
-      <p:sp>
-        <p:nvSpPr>
-          <p:cNvPr id="3" name="Notizenplatzhalter 2"/>
-          <p:cNvSpPr>
-            <a:spLocks noGrp="1"/>
-          </p:cNvSpPr>
-          <p:nvPr>
-            <p:ph type="body" idx="1"/>
-          </p:nvPr>
-        </p:nvSpPr>
-        <p:spPr/>
-        <p:txBody>
-          <a:bodyPr/>
-          <a:lstStyle/>
-          <a:p>
-            <a:r>
-              <a:rPr lang="de-DE" dirty="0" smtClean="0"/>
-              <a:t>Hypertext</a:t>
-            </a:r>
-            <a:r>
-              <a:rPr lang="de-DE" baseline="0" dirty="0" smtClean="0"/>
-              <a:t> </a:t>
-            </a:r>
-            <a:r>
-              <a:rPr lang="de-DE" baseline="0" dirty="0" err="1" smtClean="0"/>
-              <a:t>Application</a:t>
-            </a:r>
-            <a:r>
-              <a:rPr lang="de-DE" baseline="0" dirty="0" smtClean="0"/>
-              <a:t> Language: JSON/XML + Links (Siehe Postman)</a:t>
-            </a:r>
-          </a:p>
-          <a:p>
-            <a:r>
-              <a:rPr lang="de-DE" baseline="0" dirty="0" smtClean="0"/>
-              <a:t>Hypermedia As The Engine </a:t>
-            </a:r>
-            <a:r>
-              <a:rPr lang="de-DE" baseline="0" dirty="0" err="1" smtClean="0"/>
-              <a:t>Of</a:t>
-            </a:r>
-            <a:r>
-              <a:rPr lang="de-DE" baseline="0" dirty="0" smtClean="0"/>
-              <a:t> </a:t>
-            </a:r>
-            <a:r>
-              <a:rPr lang="de-DE" baseline="0" dirty="0" err="1" smtClean="0"/>
-              <a:t>Application</a:t>
-            </a:r>
-            <a:r>
-              <a:rPr lang="de-DE" baseline="0" dirty="0" smtClean="0"/>
-              <a:t> State</a:t>
-            </a:r>
-          </a:p>
-          <a:p>
-            <a:r>
-              <a:rPr lang="de-DE" baseline="0" dirty="0" smtClean="0"/>
-              <a:t>(Alps: siehe </a:t>
-            </a:r>
-            <a:r>
-              <a:rPr lang="de-DE" baseline="0" dirty="0" err="1" smtClean="0"/>
-              <a:t>profile</a:t>
-            </a:r>
-            <a:r>
-              <a:rPr lang="de-DE" baseline="0" dirty="0" smtClean="0"/>
-              <a:t> von </a:t>
-            </a:r>
-            <a:r>
-              <a:rPr lang="de-DE" baseline="0" dirty="0" err="1" smtClean="0"/>
-              <a:t>events</a:t>
-            </a:r>
-            <a:r>
-              <a:rPr lang="de-DE" baseline="0" dirty="0" smtClean="0"/>
-              <a:t> </a:t>
-            </a:r>
-            <a:r>
-              <a:rPr lang="de-DE" baseline="0" smtClean="0"/>
-              <a:t>für sinnvolle dinge)</a:t>
-            </a:r>
-            <a:endParaRPr lang="de-DE" baseline="0" dirty="0" smtClean="0"/>
-          </a:p>
-        </p:txBody>
-      </p:sp>
-      <p:sp>
-        <p:nvSpPr>
-          <p:cNvPr id="4" name="Foliennummernplatzhalter 3"/>
-          <p:cNvSpPr>
-            <a:spLocks noGrp="1"/>
-          </p:cNvSpPr>
-          <p:nvPr>
-            <p:ph type="sldNum" sz="quarter" idx="10"/>
-          </p:nvPr>
-        </p:nvSpPr>
-        <p:spPr/>
-        <p:txBody>
-          <a:bodyPr/>
-          <a:lstStyle/>
-          <a:p>
-            <a:fld id="{5F0FCDCF-7A11-A043-9155-2050B044F50A}" type="slidenum">
-              <a:rPr lang="de-DE" smtClean="0"/>
-              <a:t>13</a:t>
-            </a:fld>
-            <a:endParaRPr lang="de-DE" dirty="0"/>
-          </a:p>
-        </p:txBody>
-      </p:sp>
-    </p:spTree>
-    <p:extLst>
-      <p:ext uri="{BB962C8B-B14F-4D97-AF65-F5344CB8AC3E}">
-        <p14:creationId xmlns:p14="http://schemas.microsoft.com/office/powerpoint/2010/main" val="3148592378"/>
-      </p:ext>
-    </p:extLst>
-  </p:cSld>
-  <p:clrMapOvr>
-    <a:masterClrMapping/>
-  </p:clrMapOvr>
-</p:notes>
-</file>
-
-<file path=ppt/notesSlides/notesSlide2.xml><?xml version="1.0" encoding="utf-8"?>
-<p:notes xmlns:a="http://schemas.openxmlformats.org/drawingml/2006/main" xmlns:r="http://schemas.openxmlformats.org/officeDocument/2006/relationships" xmlns:p="http://schemas.openxmlformats.org/presentationml/2006/main">
-  <p:cSld>
-    <p:spTree>
-      <p:nvGrpSpPr>
-        <p:cNvPr id="1" name=""/>
-        <p:cNvGrpSpPr/>
-        <p:nvPr/>
-      </p:nvGrpSpPr>
-      <p:grpSpPr>
-        <a:xfrm>
-          <a:off x="0" y="0"/>
-          <a:ext cx="0" cy="0"/>
-          <a:chOff x="0" y="0"/>
-          <a:chExt cx="0" cy="0"/>
-        </a:xfrm>
-      </p:grpSpPr>
-      <p:sp>
-        <p:nvSpPr>
-          <p:cNvPr id="2" name="Folienbildplatzhalter 1"/>
-          <p:cNvSpPr>
-            <a:spLocks noGrp="1" noRot="1" noChangeAspect="1"/>
-          </p:cNvSpPr>
-          <p:nvPr>
-            <p:ph type="sldImg"/>
-          </p:nvPr>
-        </p:nvSpPr>
-        <p:spPr/>
-      </p:sp>
-      <p:sp>
-        <p:nvSpPr>
-          <p:cNvPr id="3" name="Notizenplatzhalter 2"/>
-          <p:cNvSpPr>
-            <a:spLocks noGrp="1"/>
-          </p:cNvSpPr>
-          <p:nvPr>
-            <p:ph type="body" idx="1"/>
-          </p:nvPr>
-        </p:nvSpPr>
-        <p:spPr/>
-        <p:txBody>
-          <a:bodyPr/>
-          <a:lstStyle/>
-          <a:p>
-            <a:r>
-              <a:rPr lang="de-DE" dirty="0" err="1" smtClean="0"/>
-              <a:t>Hint</a:t>
-            </a:r>
-            <a:r>
-              <a:rPr lang="de-DE" dirty="0" smtClean="0"/>
-              <a:t>: </a:t>
-            </a:r>
-            <a:r>
-              <a:rPr lang="en-US" dirty="0" err="1" smtClean="0"/>
-              <a:t>HttpHeaders</a:t>
-            </a:r>
-            <a:r>
-              <a:rPr lang="en-US" dirty="0" smtClean="0"/>
-              <a:t> headers = </a:t>
-            </a:r>
-            <a:r>
-              <a:rPr lang="en-US" sz="1200" kern="1200" dirty="0" smtClean="0">
-                <a:solidFill>
-                  <a:schemeClr val="tx1"/>
-                </a:solidFill>
-                <a:effectLst/>
-                <a:latin typeface="+mn-lt"/>
-                <a:ea typeface="+mn-ea"/>
-                <a:cs typeface="+mn-cs"/>
-              </a:rPr>
-              <a:t>new </a:t>
-            </a:r>
-            <a:r>
-              <a:rPr lang="en-US" dirty="0" err="1" smtClean="0"/>
-              <a:t>HttpHeaders</a:t>
-            </a:r>
-            <a:r>
-              <a:rPr lang="en-US" dirty="0" smtClean="0"/>
-              <a:t>()</a:t>
-            </a:r>
-            <a:r>
-              <a:rPr lang="en-US" sz="1200" kern="1200" dirty="0" smtClean="0">
-                <a:solidFill>
-                  <a:schemeClr val="tx1"/>
-                </a:solidFill>
-                <a:effectLst/>
-                <a:latin typeface="+mn-lt"/>
-                <a:ea typeface="+mn-ea"/>
-                <a:cs typeface="+mn-cs"/>
-              </a:rPr>
-              <a:t>;</a:t>
-            </a:r>
-            <a:br>
-              <a:rPr lang="en-US" sz="1200" kern="1200" dirty="0" smtClean="0">
-                <a:solidFill>
-                  <a:schemeClr val="tx1"/>
-                </a:solidFill>
-                <a:effectLst/>
-                <a:latin typeface="+mn-lt"/>
-                <a:ea typeface="+mn-ea"/>
-                <a:cs typeface="+mn-cs"/>
-              </a:rPr>
-            </a:br>
-            <a:r>
-              <a:rPr lang="en-US" dirty="0" err="1" smtClean="0"/>
-              <a:t>headers.setContentType</a:t>
-            </a:r>
-            <a:r>
-              <a:rPr lang="en-US" dirty="0" smtClean="0"/>
-              <a:t>(</a:t>
-            </a:r>
-            <a:r>
-              <a:rPr lang="en-US" sz="1200" kern="1200" dirty="0" smtClean="0">
-                <a:solidFill>
-                  <a:schemeClr val="tx1"/>
-                </a:solidFill>
-                <a:effectLst/>
-                <a:latin typeface="+mn-lt"/>
-                <a:ea typeface="+mn-ea"/>
-                <a:cs typeface="+mn-cs"/>
-              </a:rPr>
-              <a:t>new </a:t>
-            </a:r>
-            <a:r>
-              <a:rPr lang="en-US" dirty="0" err="1" smtClean="0"/>
-              <a:t>MediaType</a:t>
-            </a:r>
-            <a:r>
-              <a:rPr lang="en-US" dirty="0" smtClean="0"/>
-              <a:t>(</a:t>
-            </a:r>
-            <a:r>
-              <a:rPr lang="en-US" sz="1200" kern="1200" dirty="0" smtClean="0">
-                <a:solidFill>
-                  <a:schemeClr val="tx1"/>
-                </a:solidFill>
-                <a:effectLst/>
-                <a:latin typeface="+mn-lt"/>
-                <a:ea typeface="+mn-ea"/>
-                <a:cs typeface="+mn-cs"/>
-              </a:rPr>
-              <a:t>"text", "</a:t>
-            </a:r>
-            <a:r>
-              <a:rPr lang="en-US" sz="1200" kern="1200" dirty="0" err="1" smtClean="0">
-                <a:solidFill>
-                  <a:schemeClr val="tx1"/>
-                </a:solidFill>
-                <a:effectLst/>
-                <a:latin typeface="+mn-lt"/>
-                <a:ea typeface="+mn-ea"/>
-                <a:cs typeface="+mn-cs"/>
-              </a:rPr>
-              <a:t>uri</a:t>
-            </a:r>
-            <a:r>
-              <a:rPr lang="en-US" sz="1200" kern="1200" dirty="0" smtClean="0">
-                <a:solidFill>
-                  <a:schemeClr val="tx1"/>
-                </a:solidFill>
-                <a:effectLst/>
-                <a:latin typeface="+mn-lt"/>
-                <a:ea typeface="+mn-ea"/>
-                <a:cs typeface="+mn-cs"/>
-              </a:rPr>
-              <a:t>-list"</a:t>
-            </a:r>
-            <a:r>
-              <a:rPr lang="en-US" dirty="0" smtClean="0"/>
-              <a:t>))</a:t>
-            </a:r>
-            <a:r>
-              <a:rPr lang="en-US" sz="1200" kern="1200" dirty="0" smtClean="0">
-                <a:solidFill>
-                  <a:schemeClr val="tx1"/>
-                </a:solidFill>
-                <a:effectLst/>
-                <a:latin typeface="+mn-lt"/>
-                <a:ea typeface="+mn-ea"/>
-                <a:cs typeface="+mn-cs"/>
-              </a:rPr>
-              <a:t>;</a:t>
-            </a:r>
-            <a:endParaRPr lang="de-DE" dirty="0"/>
-          </a:p>
-        </p:txBody>
-      </p:sp>
-      <p:sp>
-        <p:nvSpPr>
-          <p:cNvPr id="4" name="Foliennummernplatzhalter 3"/>
-          <p:cNvSpPr>
-            <a:spLocks noGrp="1"/>
-          </p:cNvSpPr>
-          <p:nvPr>
-            <p:ph type="sldNum" sz="quarter" idx="10"/>
-          </p:nvPr>
-        </p:nvSpPr>
-        <p:spPr/>
-        <p:txBody>
-          <a:bodyPr/>
-          <a:lstStyle/>
-          <a:p>
-            <a:fld id="{5F0FCDCF-7A11-A043-9155-2050B044F50A}" type="slidenum">
-              <a:rPr lang="de-DE" smtClean="0"/>
-              <a:t>15</a:t>
-            </a:fld>
-            <a:endParaRPr lang="de-DE" dirty="0"/>
-          </a:p>
-        </p:txBody>
-      </p:sp>
-    </p:spTree>
-    <p:extLst>
-      <p:ext uri="{BB962C8B-B14F-4D97-AF65-F5344CB8AC3E}">
-        <p14:creationId xmlns:p14="http://schemas.microsoft.com/office/powerpoint/2010/main" val="433488285"/>
-      </p:ext>
-    </p:extLst>
-  </p:cSld>
-  <p:clrMapOvr>
-    <a:masterClrMapping/>
-  </p:clrMapOvr>
-</p:notes>
 </file>
 
 <file path=ppt/slideLayouts/slideLayout1.xml><?xml version="1.0" encoding="utf-8"?>
@@ -6061,10 +5694,16 @@
         </p:nvSpPr>
         <p:spPr/>
         <p:txBody>
-          <a:bodyPr/>
-          <a:lstStyle/>
-          <a:p>
-            <a:endParaRPr lang="en-GB"/>
+          <a:bodyPr>
+            <a:normAutofit fontScale="85000" lnSpcReduction="10000"/>
+          </a:bodyPr>
+          <a:lstStyle/>
+          <a:p>
+            <a:r>
+              <a:rPr lang="en-US" dirty="0"/>
+              <a:t>30 min</a:t>
+            </a:r>
+            <a:endParaRPr lang="en-GB" dirty="0"/>
           </a:p>
         </p:txBody>
       </p:sp>
@@ -6127,12 +5766,22 @@
         </p:nvSpPr>
         <p:spPr/>
         <p:txBody>
-          <a:bodyPr/>
-          <a:lstStyle/>
-          <a:p>
-            <a:r>
-              <a:rPr lang="de-DE" dirty="0"/>
-              <a:t>Integrationstests</a:t>
+          <a:bodyPr>
+            <a:normAutofit/>
+          </a:bodyPr>
+          <a:lstStyle/>
+          <a:p>
+            <a:r>
+              <a:rPr lang="de-DE" dirty="0"/>
+              <a:t>Event Repository </a:t>
+            </a:r>
+            <a:r>
+              <a:rPr lang="de-DE" dirty="0" err="1"/>
+              <a:t>erweiten</a:t>
+            </a:r>
+            <a:r>
+              <a:rPr lang="de-DE" dirty="0"/>
+              <a:t> um Suche</a:t>
             </a:r>
             <a:endParaRPr lang="en-GB" dirty="0"/>
           </a:p>
@@ -6155,7 +5804,15 @@
           <a:p>
             <a:r>
               <a:rPr lang="de-DE" dirty="0"/>
-              <a:t>Anschauen mit komplettem Beispiel</a:t>
+              <a:t>(danach HAL Browser zeigen, neue </a:t>
+            </a:r>
+            <a:r>
+              <a:rPr lang="de-DE" dirty="0" err="1"/>
+              <a:t>Queries</a:t>
+            </a:r>
+            <a:r>
+              <a:rPr lang="de-DE" dirty="0"/>
+              <a:t> da)</a:t>
             </a:r>
             <a:endParaRPr lang="en-GB" dirty="0"/>
           </a:p>
@@ -6164,7 +5821,7 @@
     </p:spTree>
     <p:extLst>
       <p:ext uri="{BB962C8B-B14F-4D97-AF65-F5344CB8AC3E}">
-        <p14:creationId xmlns:p14="http://schemas.microsoft.com/office/powerpoint/2010/main" val="1180044002"/>
+        <p14:creationId xmlns:p14="http://schemas.microsoft.com/office/powerpoint/2010/main" val="204088125"/>
       </p:ext>
     </p:extLst>
   </p:cSld>
@@ -6203,16 +5860,10 @@
         </p:nvSpPr>
         <p:spPr/>
         <p:txBody>
-          <a:bodyPr>
-            <a:normAutofit fontScale="85000" lnSpcReduction="10000"/>
-          </a:bodyPr>
-          <a:lstStyle/>
-          <a:p>
-            <a:r>
-              <a:rPr lang="de-DE" dirty="0"/>
-              <a:t>15 min</a:t>
-            </a:r>
-            <a:endParaRPr lang="en-GB" dirty="0"/>
+          <a:bodyPr/>
+          <a:lstStyle/>
+          <a:p>
+            <a:endParaRPr lang="en-GB"/>
           </a:p>
         </p:txBody>
       </p:sp>
@@ -6280,7 +5931,7 @@
           <a:p>
             <a:r>
               <a:rPr lang="de-DE" dirty="0"/>
-              <a:t>Neues Repository hinzufügen …</a:t>
+              <a:t>Integrationstests</a:t>
             </a:r>
             <a:endParaRPr lang="en-GB" dirty="0"/>
           </a:p>
@@ -6303,50 +5954,22 @@
           <a:p>
             <a:r>
               <a:rPr lang="de-DE" dirty="0"/>
-              <a:t>Query: Anzahl </a:t>
-            </a:r>
-            <a:r>
-              <a:rPr lang="de-DE" dirty="0" smtClean="0"/>
-              <a:t>aller Speaker </a:t>
-            </a:r>
-            <a:r>
-              <a:rPr lang="de-DE" dirty="0"/>
-              <a:t>von Firma X berechnen</a:t>
-            </a:r>
-          </a:p>
-          <a:p>
-            <a:r>
-              <a:rPr lang="de-DE" dirty="0"/>
-              <a:t>Native Query: Liste </a:t>
-            </a:r>
-            <a:r>
-              <a:rPr lang="de-DE" dirty="0" smtClean="0"/>
-              <a:t>aller eindeutigen </a:t>
-            </a:r>
-            <a:r>
-              <a:rPr lang="de-DE" dirty="0"/>
-              <a:t>Firmen</a:t>
-            </a:r>
+              <a:t>Anschauen mit komplettem Beispiel</a:t>
+            </a:r>
+            <a:endParaRPr lang="en-GB" dirty="0"/>
           </a:p>
         </p:txBody>
       </p:sp>
     </p:spTree>
     <p:extLst>
       <p:ext uri="{BB962C8B-B14F-4D97-AF65-F5344CB8AC3E}">
-        <p14:creationId xmlns:p14="http://schemas.microsoft.com/office/powerpoint/2010/main" val="2033767423"/>
+        <p14:creationId xmlns:p14="http://schemas.microsoft.com/office/powerpoint/2010/main" val="1180044002"/>
       </p:ext>
     </p:extLst>
   </p:cSld>
   <p:clrMapOvr>
     <a:masterClrMapping/>
   </p:clrMapOvr>
-  <p:timing>
-    <p:tnLst>
-      <p:par>
-        <p:cTn id="1" dur="indefinite" restart="never" nodeType="tmRoot"/>
-      </p:par>
-    </p:tnLst>
-  </p:timing>
 </p:sld>
 </file>
 
@@ -6379,10 +6002,16 @@
         </p:nvSpPr>
         <p:spPr/>
         <p:txBody>
-          <a:bodyPr/>
-          <a:lstStyle/>
-          <a:p>
-            <a:endParaRPr lang="en-GB"/>
+          <a:bodyPr>
+            <a:normAutofit fontScale="85000" lnSpcReduction="10000"/>
+          </a:bodyPr>
+          <a:lstStyle/>
+          <a:p>
+            <a:r>
+              <a:rPr lang="de-DE" dirty="0"/>
+              <a:t>15 min</a:t>
+            </a:r>
+            <a:endParaRPr lang="en-GB" dirty="0"/>
           </a:p>
         </p:txBody>
       </p:sp>
@@ -6450,7 +6079,7 @@
           <a:p>
             <a:r>
               <a:rPr lang="de-DE" dirty="0"/>
-              <a:t>Mittagspause</a:t>
+              <a:t>Neues Repository hinzufügen …</a:t>
             </a:r>
             <a:endParaRPr lang="en-GB" dirty="0"/>
           </a:p>
@@ -6471,27 +6100,29 @@
           <a:bodyPr/>
           <a:lstStyle/>
           <a:p>
-            <a:endParaRPr lang="en-GB"/>
+            <a:r>
+              <a:rPr lang="de-DE" dirty="0"/>
+              <a:t>Query: Anzahl alle Speakers von Firma X berechnen</a:t>
+            </a:r>
+          </a:p>
+          <a:p>
+            <a:r>
+              <a:rPr lang="de-DE" dirty="0"/>
+              <a:t>Native Query: Liste von alle eindeutige Firmen</a:t>
+            </a:r>
           </a:p>
         </p:txBody>
       </p:sp>
     </p:spTree>
     <p:extLst>
       <p:ext uri="{BB962C8B-B14F-4D97-AF65-F5344CB8AC3E}">
-        <p14:creationId xmlns:p14="http://schemas.microsoft.com/office/powerpoint/2010/main" val="2861645761"/>
+        <p14:creationId xmlns:p14="http://schemas.microsoft.com/office/powerpoint/2010/main" val="2033767423"/>
       </p:ext>
     </p:extLst>
   </p:cSld>
   <p:clrMapOvr>
     <a:masterClrMapping/>
   </p:clrMapOvr>
-  <p:timing>
-    <p:tnLst>
-      <p:par>
-        <p:cTn id="1" dur="indefinite" restart="never" nodeType="tmRoot"/>
-      </p:par>
-    </p:tnLst>
-  </p:timing>
 </p:sld>
 </file>
 
@@ -6524,16 +6155,10 @@
         </p:nvSpPr>
         <p:spPr/>
         <p:txBody>
-          <a:bodyPr>
-            <a:normAutofit fontScale="85000" lnSpcReduction="10000"/>
-          </a:bodyPr>
-          <a:lstStyle/>
-          <a:p>
-            <a:r>
-              <a:rPr lang="de-DE" dirty="0"/>
-              <a:t>10 min</a:t>
-            </a:r>
-            <a:endParaRPr lang="en-GB" dirty="0"/>
+          <a:bodyPr/>
+          <a:lstStyle/>
+          <a:p>
+            <a:endParaRPr lang="en-GB"/>
           </a:p>
         </p:txBody>
       </p:sp>
@@ -6601,11 +6226,7 @@
           <a:p>
             <a:r>
               <a:rPr lang="de-DE" dirty="0"/>
-              <a:t>Theorie: </a:t>
-            </a:r>
-            <a:r>
-              <a:rPr lang="de-DE" dirty="0" smtClean="0"/>
-              <a:t>REST, HAL, HATEOAS</a:t>
+              <a:t>Mittagspause</a:t>
             </a:r>
             <a:endParaRPr lang="en-GB" dirty="0"/>
           </a:p>
@@ -6623,95 +6244,23 @@
         </p:nvSpPr>
         <p:spPr/>
         <p:txBody>
-          <a:bodyPr>
-            <a:normAutofit/>
-          </a:bodyPr>
-          <a:lstStyle/>
-          <a:p>
-            <a:endParaRPr lang="en-GB" dirty="0" smtClean="0"/>
-          </a:p>
-          <a:p>
-            <a:endParaRPr lang="en-GB" dirty="0"/>
-          </a:p>
-          <a:p>
-            <a:endParaRPr lang="en-GB" dirty="0" smtClean="0"/>
-          </a:p>
-          <a:p>
-            <a:endParaRPr lang="en-GB" dirty="0"/>
-          </a:p>
-          <a:p>
-            <a:endParaRPr lang="en-GB" dirty="0" smtClean="0"/>
-          </a:p>
-          <a:p>
-            <a:endParaRPr lang="en-GB" dirty="0"/>
-          </a:p>
-          <a:p>
-            <a:endParaRPr lang="en-GB" dirty="0" smtClean="0"/>
-          </a:p>
-          <a:p>
-            <a:pPr algn="r"/>
-            <a:r>
-              <a:rPr lang="en-GB" dirty="0" err="1" smtClean="0"/>
-              <a:t>Quelle</a:t>
-            </a:r>
-            <a:r>
-              <a:rPr lang="en-GB" dirty="0" smtClean="0"/>
-              <a:t>: Martin Fowler</a:t>
-            </a:r>
-            <a:r>
-              <a:rPr lang="en-GB" dirty="0"/>
-              <a:t>, https://martinfowler.com/articles/richardsonMaturityModel.html</a:t>
-            </a:r>
-          </a:p>
-        </p:txBody>
-      </p:sp>
-      <p:pic>
-        <p:nvPicPr>
-          <p:cNvPr id="7" name="Grafik 6"/>
-          <p:cNvPicPr>
-            <a:picLocks noChangeAspect="1"/>
-          </p:cNvPicPr>
-          <p:nvPr/>
-        </p:nvPicPr>
-        <p:blipFill>
-          <a:blip r:embed="rId3">
-            <a:extLst>
-              <a:ext uri="{28A0092B-C50C-407E-A947-70E740481C1C}">
-                <a14:useLocalDpi xmlns:a14="http://schemas.microsoft.com/office/drawing/2010/main" val="0"/>
-              </a:ext>
-            </a:extLst>
-          </a:blip>
-          <a:stretch>
-            <a:fillRect/>
-          </a:stretch>
-        </p:blipFill>
-        <p:spPr>
-          <a:xfrm>
-            <a:off x="972466" y="1369196"/>
-            <a:ext cx="5127619" cy="3032381"/>
-          </a:xfrm>
-          <a:prstGeom prst="rect">
-            <a:avLst/>
-          </a:prstGeom>
-        </p:spPr>
-      </p:pic>
+          <a:bodyPr/>
+          <a:lstStyle/>
+          <a:p>
+            <a:endParaRPr lang="en-GB"/>
+          </a:p>
+        </p:txBody>
+      </p:sp>
     </p:spTree>
     <p:extLst>
       <p:ext uri="{BB962C8B-B14F-4D97-AF65-F5344CB8AC3E}">
-        <p14:creationId xmlns:p14="http://schemas.microsoft.com/office/powerpoint/2010/main" val="3366541771"/>
+        <p14:creationId xmlns:p14="http://schemas.microsoft.com/office/powerpoint/2010/main" val="2861645761"/>
       </p:ext>
     </p:extLst>
   </p:cSld>
   <p:clrMapOvr>
     <a:masterClrMapping/>
   </p:clrMapOvr>
-  <p:timing>
-    <p:tnLst>
-      <p:par>
-        <p:cTn id="1" dur="indefinite" restart="never" nodeType="tmRoot"/>
-      </p:par>
-    </p:tnLst>
-  </p:timing>
 </p:sld>
 </file>
 
@@ -6824,8 +6373,12 @@
               <a:t>Theorie: </a:t>
             </a:r>
             <a:r>
-              <a:rPr lang="de-DE" dirty="0" smtClean="0"/>
-              <a:t>REST, HAL, HATEOAS</a:t>
+              <a:rPr lang="de-DE" dirty="0" err="1"/>
+              <a:t>hypermedia</a:t>
+            </a:r>
+            <a:r>
+              <a:rPr lang="de-DE" dirty="0"/>
+              <a:t> links</a:t>
             </a:r>
             <a:endParaRPr lang="en-GB" dirty="0"/>
           </a:p>
@@ -6885,20 +6438,13 @@
     </p:spTree>
     <p:extLst>
       <p:ext uri="{BB962C8B-B14F-4D97-AF65-F5344CB8AC3E}">
-        <p14:creationId xmlns:p14="http://schemas.microsoft.com/office/powerpoint/2010/main" val="3028187596"/>
+        <p14:creationId xmlns:p14="http://schemas.microsoft.com/office/powerpoint/2010/main" val="3366541771"/>
       </p:ext>
     </p:extLst>
   </p:cSld>
   <p:clrMapOvr>
     <a:masterClrMapping/>
   </p:clrMapOvr>
-  <p:timing>
-    <p:tnLst>
-      <p:par>
-        <p:cTn id="1" dur="indefinite" restart="never" nodeType="tmRoot"/>
-      </p:par>
-    </p:tnLst>
-  </p:timing>
 </p:sld>
 </file>
 
@@ -7008,11 +6554,7 @@
           <a:p>
             <a:r>
               <a:rPr lang="de-DE" dirty="0"/>
-              <a:t>DAO umbauen </a:t>
-            </a:r>
-            <a:r>
-              <a:rPr lang="de-DE" dirty="0" smtClean="0"/>
-              <a:t>(Links auf Speaker folgen)</a:t>
+              <a:t>DAO umbauen (mit Links)</a:t>
             </a:r>
             <a:endParaRPr lang="en-GB" dirty="0"/>
           </a:p>
@@ -7033,7 +6575,7 @@
           <a:bodyPr/>
           <a:lstStyle/>
           <a:p>
-            <a:endParaRPr lang="en-GB" dirty="0"/>
+            <a:endParaRPr lang="en-GB"/>
           </a:p>
         </p:txBody>
       </p:sp>
@@ -7047,13 +6589,6 @@
   <p:clrMapOvr>
     <a:masterClrMapping/>
   </p:clrMapOvr>
-  <p:timing>
-    <p:tnLst>
-      <p:par>
-        <p:cTn id="1" dur="indefinite" restart="never" nodeType="tmRoot"/>
-      </p:par>
-    </p:tnLst>
-  </p:timing>
 </p:sld>
 </file>
 
@@ -8120,11 +7655,11 @@
           <a:lstStyle/>
           <a:p>
             <a:r>
-              <a:rPr lang="en-US" dirty="0" smtClean="0"/>
+              <a:rPr lang="en-US" dirty="0"/>
               <a:t>“</a:t>
             </a:r>
             <a:r>
-              <a:rPr lang="de-DE" dirty="0" smtClean="0"/>
+              <a:rPr lang="de-DE" dirty="0"/>
               <a:t>Inversion </a:t>
             </a:r>
             <a:r>
@@ -8133,15 +7668,7 @@
             </a:r>
             <a:r>
               <a:rPr lang="de-DE" dirty="0"/>
-              <a:t> </a:t>
-            </a:r>
-            <a:r>
-              <a:rPr lang="de-DE" dirty="0" smtClean="0"/>
-              <a:t>Control“ </a:t>
-            </a:r>
-            <a:r>
-              <a:rPr lang="de-DE" dirty="0"/>
-              <a:t>Framework für Java </a:t>
+              <a:t> Control „ Framework für Java </a:t>
             </a:r>
           </a:p>
           <a:p>
@@ -8150,15 +7677,15 @@
               <a:t>Setzt auf </a:t>
             </a:r>
             <a:r>
-              <a:rPr lang="en-US" dirty="0" smtClean="0"/>
+              <a:rPr lang="en-US" dirty="0"/>
               <a:t>“</a:t>
             </a:r>
             <a:r>
-              <a:rPr lang="de-DE" dirty="0" err="1" smtClean="0"/>
+              <a:rPr lang="de-DE" dirty="0" err="1"/>
               <a:t>Convention</a:t>
             </a:r>
             <a:r>
-              <a:rPr lang="de-DE" dirty="0" smtClean="0"/>
+              <a:rPr lang="de-DE" dirty="0"/>
               <a:t> </a:t>
             </a:r>
             <a:r>
@@ -8170,14 +7697,13 @@
               <a:t> </a:t>
             </a:r>
             <a:r>
-              <a:rPr lang="de-DE" dirty="0" err="1" smtClean="0"/>
+              <a:rPr lang="de-DE" dirty="0" err="1"/>
               <a:t>Configuration</a:t>
             </a:r>
             <a:r>
-              <a:rPr lang="de-DE" dirty="0" smtClean="0"/>
-              <a:t>“</a:t>
-            </a:r>
-            <a:endParaRPr lang="de-DE" dirty="0"/>
+              <a:rPr lang="de-DE" dirty="0"/>
+              <a:t>„</a:t>
+            </a:r>
           </a:p>
           <a:p>
             <a:r>
@@ -8295,7 +7821,7 @@
           <a:p>
             <a:r>
               <a:rPr lang="de-DE" dirty="0"/>
-              <a:t>Spring Data</a:t>
+              <a:t>Spring Boot</a:t>
             </a:r>
           </a:p>
         </p:txBody>
@@ -8312,112 +7838,94 @@
         </p:nvSpPr>
         <p:spPr/>
         <p:txBody>
-          <a:bodyPr>
-            <a:normAutofit lnSpcReduction="10000"/>
-          </a:bodyPr>
-          <a:lstStyle/>
-          <a:p>
-            <a:r>
-              <a:rPr lang="de-DE" dirty="0"/>
-              <a:t>Bietet Schnittstelle zu DBs</a:t>
+          <a:bodyPr/>
+          <a:lstStyle/>
+          <a:p>
+            <a:r>
+              <a:rPr lang="de-DE" dirty="0"/>
+              <a:t>Bietet die Springprojekte als fertige “Starter” </a:t>
+            </a:r>
+            <a:r>
+              <a:rPr lang="de-DE" dirty="0" err="1"/>
+              <a:t>bundles</a:t>
+            </a:r>
+            <a:r>
+              <a:rPr lang="de-DE" dirty="0"/>
+              <a:t> an, z.B. als </a:t>
+            </a:r>
+            <a:r>
+              <a:rPr lang="de-DE" dirty="0" err="1"/>
+              <a:t>Maven</a:t>
+            </a:r>
+            <a:r>
+              <a:rPr lang="de-DE" dirty="0"/>
+              <a:t> Artefakte</a:t>
+            </a:r>
+          </a:p>
+          <a:p>
+            <a:r>
+              <a:rPr lang="en-US" dirty="0" err="1"/>
+              <a:t>Treibt</a:t>
+            </a:r>
+            <a:r>
+              <a:rPr lang="en-US" dirty="0"/>
+              <a:t> Convention over Configuration </a:t>
+            </a:r>
+            <a:r>
+              <a:rPr lang="en-US" dirty="0" err="1"/>
+              <a:t>weiter</a:t>
+            </a:r>
+            <a:r>
+              <a:rPr lang="en-US" dirty="0"/>
+              <a:t> (+  und -)</a:t>
+            </a:r>
+          </a:p>
+          <a:p>
+            <a:r>
+              <a:rPr lang="de-DE" dirty="0"/>
+              <a:t>Generiert “</a:t>
+            </a:r>
+            <a:r>
+              <a:rPr lang="de-DE" dirty="0" err="1"/>
+              <a:t>fat</a:t>
+            </a:r>
+            <a:r>
+              <a:rPr lang="de-DE" dirty="0"/>
+              <a:t> </a:t>
+            </a:r>
+            <a:r>
+              <a:rPr lang="de-DE" dirty="0" err="1"/>
+              <a:t>jars</a:t>
+            </a:r>
+            <a:r>
+              <a:rPr lang="de-DE" dirty="0"/>
+              <a:t>” die sämtliche Abhängigkeiten + einen </a:t>
+            </a:r>
+            <a:r>
+              <a:rPr lang="de-DE" dirty="0" err="1"/>
+              <a:t>Applicationserver</a:t>
+            </a:r>
+            <a:r>
+              <a:rPr lang="de-DE" dirty="0"/>
+              <a:t> enthalten</a:t>
+            </a:r>
+          </a:p>
+          <a:p>
+            <a:r>
+              <a:rPr lang="de-DE" dirty="0"/>
+              <a:t>einfache und aussagekräftige Integrationstests mit spring-boot-test</a:t>
             </a:r>
           </a:p>
           <a:p>
             <a:pPr lvl="1"/>
-            <a:r>
-              <a:rPr lang="de-DE" dirty="0"/>
-              <a:t>Keine </a:t>
-            </a:r>
-            <a:r>
-              <a:rPr lang="de-DE" dirty="0" err="1"/>
-              <a:t>Queries</a:t>
-            </a:r>
-            <a:r>
-              <a:rPr lang="de-DE" dirty="0"/>
-              <a:t> mehr </a:t>
-            </a:r>
-            <a:r>
-              <a:rPr lang="de-DE" dirty="0" smtClean="0"/>
-              <a:t>schreiben</a:t>
-            </a:r>
-            <a:endParaRPr lang="de-DE" dirty="0"/>
-          </a:p>
-          <a:p>
-            <a:r>
-              <a:rPr lang="de-DE" dirty="0"/>
-              <a:t>Unterstützt viele DBMS (SQL + </a:t>
-            </a:r>
-            <a:r>
-              <a:rPr lang="de-DE" dirty="0" err="1"/>
-              <a:t>NoSQL</a:t>
-            </a:r>
-            <a:r>
-              <a:rPr lang="de-DE" dirty="0"/>
-              <a:t>)</a:t>
-            </a:r>
-          </a:p>
-          <a:p>
-            <a:r>
-              <a:rPr lang="de-DE" dirty="0"/>
-              <a:t>Bietet diese Schnittstellen als REST-</a:t>
-            </a:r>
-            <a:r>
-              <a:rPr lang="de-DE" dirty="0" err="1"/>
-              <a:t>Resourcen</a:t>
-            </a:r>
-            <a:endParaRPr lang="de-DE" dirty="0"/>
-          </a:p>
-          <a:p>
-            <a:pPr lvl="1"/>
-            <a:r>
-              <a:rPr lang="de-DE" dirty="0"/>
-              <a:t>Weniger / kein </a:t>
-            </a:r>
-            <a:r>
-              <a:rPr lang="de-DE" dirty="0" err="1"/>
-              <a:t>Boilerplatecode</a:t>
-            </a:r>
-            <a:r>
-              <a:rPr lang="de-DE" dirty="0"/>
-              <a:t> mehr</a:t>
-            </a:r>
-          </a:p>
-          <a:p>
-            <a:pPr lvl="1"/>
-            <a:r>
-              <a:rPr lang="de-DE" dirty="0"/>
-              <a:t>Ideal für Single Page </a:t>
-            </a:r>
-            <a:r>
-              <a:rPr lang="de-DE" dirty="0" err="1"/>
-              <a:t>Applications</a:t>
-            </a:r>
-            <a:endParaRPr lang="de-DE" dirty="0"/>
-          </a:p>
-          <a:p>
-            <a:r>
-              <a:rPr lang="de-DE" dirty="0"/>
-              <a:t>HAL-Browser</a:t>
-            </a:r>
-          </a:p>
-          <a:p>
-            <a:r>
-              <a:rPr lang="de-DE" dirty="0"/>
-              <a:t>Ist stabil </a:t>
-            </a:r>
-          </a:p>
-          <a:p>
-            <a:r>
-              <a:rPr lang="de-DE" dirty="0"/>
-              <a:t>Ist anpassbar</a:t>
-            </a:r>
+            <a:endParaRPr lang="de-DE" dirty="0"/>
           </a:p>
         </p:txBody>
       </p:sp>
     </p:spTree>
     <p:extLst>
       <p:ext uri="{BB962C8B-B14F-4D97-AF65-F5344CB8AC3E}">
-        <p14:creationId xmlns:p14="http://schemas.microsoft.com/office/powerpoint/2010/main" val="3249461432"/>
+        <p14:creationId xmlns:p14="http://schemas.microsoft.com/office/powerpoint/2010/main" val="3827873249"/>
       </p:ext>
     </p:extLst>
   </p:cSld>
@@ -8508,7 +8016,7 @@
           <a:p>
             <a:r>
               <a:rPr lang="de-DE" dirty="0"/>
-              <a:t>Spring Boot</a:t>
+              <a:t>Spring Data</a:t>
             </a:r>
           </a:p>
         </p:txBody>
@@ -8525,94 +8033,101 @@
         </p:nvSpPr>
         <p:spPr/>
         <p:txBody>
-          <a:bodyPr/>
-          <a:lstStyle/>
-          <a:p>
-            <a:r>
-              <a:rPr lang="de-DE" dirty="0"/>
-              <a:t>Bietet die Springprojekte als fertige “Starter” </a:t>
+          <a:bodyPr>
+            <a:normAutofit/>
+          </a:bodyPr>
+          <a:lstStyle/>
+          <a:p>
+            <a:r>
+              <a:rPr lang="de-DE" dirty="0"/>
+              <a:t>Bietet Schnittstelle zu DBs</a:t>
+            </a:r>
+          </a:p>
+          <a:p>
+            <a:pPr lvl="1"/>
+            <a:r>
+              <a:rPr lang="de-DE" dirty="0"/>
+              <a:t>Keine </a:t>
             </a:r>
             <a:r>
               <a:rPr lang="de-DE" dirty="0" err="1"/>
-              <a:t>bundles</a:t>
-            </a:r>
-            <a:r>
-              <a:rPr lang="de-DE" dirty="0"/>
-              <a:t> an, z.B. als </a:t>
+              <a:t>Queries</a:t>
+            </a:r>
+            <a:r>
+              <a:rPr lang="de-DE" dirty="0"/>
+              <a:t> mehr schreiben müssen</a:t>
+            </a:r>
+          </a:p>
+          <a:p>
+            <a:r>
+              <a:rPr lang="de-DE" dirty="0"/>
+              <a:t>Unterstützt viele DBMS (SQL + </a:t>
             </a:r>
             <a:r>
               <a:rPr lang="de-DE" dirty="0" err="1"/>
-              <a:t>Maven</a:t>
-            </a:r>
-            <a:r>
-              <a:rPr lang="de-DE" dirty="0"/>
-              <a:t> Artefakte</a:t>
-            </a:r>
-          </a:p>
-          <a:p>
-            <a:r>
-              <a:rPr lang="en-US" dirty="0" err="1"/>
-              <a:t>Treibt</a:t>
-            </a:r>
-            <a:r>
-              <a:rPr lang="en-US" dirty="0"/>
-              <a:t> Convention over Configuration </a:t>
-            </a:r>
-            <a:r>
-              <a:rPr lang="en-US" dirty="0" err="1"/>
-              <a:t>weiter</a:t>
-            </a:r>
-            <a:r>
-              <a:rPr lang="en-US" dirty="0"/>
-              <a:t> (+  und -)</a:t>
-            </a:r>
-          </a:p>
-          <a:p>
-            <a:r>
-              <a:rPr lang="de-DE" dirty="0"/>
-              <a:t>Generiert “</a:t>
+              <a:t>NoSQL</a:t>
+            </a:r>
+            <a:r>
+              <a:rPr lang="de-DE" dirty="0"/>
+              <a:t>)</a:t>
+            </a:r>
+          </a:p>
+          <a:p>
+            <a:r>
+              <a:rPr lang="de-DE" dirty="0"/>
+              <a:t>Bietet diese Schnittstellen als REST-</a:t>
             </a:r>
             <a:r>
               <a:rPr lang="de-DE" dirty="0" err="1"/>
-              <a:t>fat</a:t>
-            </a:r>
-            <a:r>
-              <a:rPr lang="de-DE" dirty="0"/>
-              <a:t> </a:t>
+              <a:t>Resourcen</a:t>
+            </a:r>
+            <a:endParaRPr lang="de-DE" dirty="0"/>
+          </a:p>
+          <a:p>
+            <a:pPr lvl="1"/>
+            <a:r>
+              <a:rPr lang="de-DE" dirty="0"/>
+              <a:t>Weniger / kein </a:t>
             </a:r>
             <a:r>
               <a:rPr lang="de-DE" dirty="0" err="1"/>
-              <a:t>jars</a:t>
-            </a:r>
-            <a:r>
-              <a:rPr lang="de-DE" dirty="0"/>
-              <a:t>” die sämtliche Abhängigkeiten + einen </a:t>
+              <a:t>Boilerplatecode</a:t>
+            </a:r>
+            <a:r>
+              <a:rPr lang="de-DE" dirty="0"/>
+              <a:t> mehr</a:t>
+            </a:r>
+          </a:p>
+          <a:p>
+            <a:pPr lvl="1"/>
+            <a:r>
+              <a:rPr lang="de-DE" dirty="0"/>
+              <a:t>Ideal für Single Page </a:t>
             </a:r>
             <a:r>
               <a:rPr lang="de-DE" dirty="0" err="1"/>
-              <a:t>Applicationserver</a:t>
-            </a:r>
-            <a:r>
-              <a:rPr lang="de-DE" dirty="0"/>
-              <a:t> enthalten</a:t>
-            </a:r>
-          </a:p>
-          <a:p>
-            <a:r>
-              <a:rPr lang="de-DE" dirty="0"/>
-              <a:t>einfache und aussagekräftige Integrationstests mit spring-boot-test</a:t>
-            </a:r>
-          </a:p>
-          <a:p>
-            <a:pPr lvl="1"/>
-            <a:endParaRPr lang="de-DE" dirty="0"/>
+              <a:t>Applications</a:t>
+            </a:r>
+            <a:endParaRPr lang="de-DE" dirty="0"/>
+          </a:p>
+          <a:p>
+            <a:r>
+              <a:rPr lang="de-DE" dirty="0"/>
+              <a:t>HAL-Browser</a:t>
+            </a:r>
+          </a:p>
+          <a:p>
+            <a:r>
+              <a:rPr lang="de-DE" dirty="0"/>
+              <a:t>Ist anpassbar</a:t>
+            </a:r>
           </a:p>
         </p:txBody>
       </p:sp>
     </p:spTree>
     <p:extLst>
       <p:ext uri="{BB962C8B-B14F-4D97-AF65-F5344CB8AC3E}">
-        <p14:creationId xmlns:p14="http://schemas.microsoft.com/office/powerpoint/2010/main" val="3827873249"/>
+        <p14:creationId xmlns:p14="http://schemas.microsoft.com/office/powerpoint/2010/main" val="3249461432"/>
       </p:ext>
     </p:extLst>
   </p:cSld>
@@ -8727,80 +8242,80 @@
           <a:p>
             <a:r>
               <a:rPr lang="de-DE" dirty="0"/>
-              <a:t>Das Beispielprojekt – </a:t>
-            </a:r>
+              <a:t>Das Beispielprojekt - Technologien</a:t>
+            </a:r>
+          </a:p>
+        </p:txBody>
+      </p:sp>
+      <p:sp>
+        <p:nvSpPr>
+          <p:cNvPr id="9" name="Textplatzhalter 8"/>
+          <p:cNvSpPr>
+            <a:spLocks noGrp="1"/>
+          </p:cNvSpPr>
+          <p:nvPr>
+            <p:ph type="body" sz="quarter" idx="12"/>
+          </p:nvPr>
+        </p:nvSpPr>
+        <p:spPr/>
+        <p:txBody>
+          <a:bodyPr/>
+          <a:lstStyle/>
+          <a:p>
+            <a:endParaRPr lang="de-DE" dirty="0"/>
+          </a:p>
+          <a:p>
             <a:r>
               <a:rPr lang="de-DE" dirty="0" err="1"/>
-              <a:t>Explore</a:t>
-            </a:r>
-            <a:r>
-              <a:rPr lang="de-DE" dirty="0"/>
-              <a:t> </a:t>
-            </a:r>
-            <a:r>
-              <a:rPr lang="de-DE" dirty="0">
-                <a:sym typeface="Wingdings" panose="05000000000000000000" pitchFamily="2" charset="2"/>
-              </a:rPr>
-              <a:t></a:t>
-            </a:r>
-            <a:endParaRPr lang="de-DE" dirty="0"/>
-          </a:p>
-        </p:txBody>
-      </p:sp>
-      <p:sp>
-        <p:nvSpPr>
-          <p:cNvPr id="9" name="Textplatzhalter 8"/>
-          <p:cNvSpPr>
-            <a:spLocks noGrp="1"/>
-          </p:cNvSpPr>
-          <p:nvPr>
-            <p:ph type="body" sz="quarter" idx="12"/>
-          </p:nvPr>
-        </p:nvSpPr>
-        <p:spPr/>
-        <p:txBody>
-          <a:bodyPr/>
-          <a:lstStyle/>
-          <a:p>
-            <a:r>
-              <a:rPr lang="de-DE" dirty="0"/>
-              <a:t>Projekt von GitHub auschecken (siehe Email)</a:t>
-            </a:r>
-          </a:p>
-          <a:p>
-            <a:r>
-              <a:rPr lang="de-DE" dirty="0" smtClean="0"/>
-              <a:t>./</a:t>
-            </a:r>
-            <a:r>
-              <a:rPr lang="de-DE" dirty="0" err="1" smtClean="0"/>
-              <a:t>mvnw</a:t>
-            </a:r>
-            <a:r>
-              <a:rPr lang="de-DE" dirty="0" smtClean="0"/>
-              <a:t> </a:t>
-            </a:r>
-            <a:r>
-              <a:rPr lang="de-DE" dirty="0"/>
-              <a:t>clean </a:t>
-            </a:r>
+              <a:t>Maven</a:t>
+            </a:r>
+            <a:endParaRPr lang="de-DE" dirty="0"/>
+          </a:p>
+          <a:p>
+            <a:r>
+              <a:rPr lang="de-DE" dirty="0"/>
+              <a:t>Spring</a:t>
+            </a:r>
+          </a:p>
+          <a:p>
+            <a:r>
+              <a:rPr lang="de-DE" dirty="0"/>
+              <a:t>Spring Boot </a:t>
+            </a:r>
+          </a:p>
+          <a:p>
+            <a:r>
+              <a:rPr lang="de-DE" dirty="0"/>
+              <a:t>Spring Data</a:t>
+            </a:r>
+          </a:p>
+          <a:p>
+            <a:r>
+              <a:rPr lang="de-DE" dirty="0"/>
+              <a:t>Java8</a:t>
+            </a:r>
+          </a:p>
+          <a:p>
             <a:r>
               <a:rPr lang="de-DE" dirty="0" err="1"/>
-              <a:t>install</a:t>
-            </a:r>
-            <a:endParaRPr lang="de-DE" dirty="0"/>
-          </a:p>
-          <a:p>
-            <a:r>
-              <a:rPr lang="de-DE" dirty="0"/>
-              <a:t>http://localhost:8090/  =&gt; HAL Browser</a:t>
-            </a:r>
-          </a:p>
-          <a:p>
-            <a:r>
-              <a:rPr lang="de-DE" dirty="0"/>
-              <a:t>http://localhost:8090/agenda</a:t>
-            </a:r>
+              <a:t>Thymeleaf</a:t>
+            </a:r>
+            <a:endParaRPr lang="de-DE" dirty="0"/>
+          </a:p>
+          <a:p>
+            <a:r>
+              <a:rPr lang="de-DE" dirty="0"/>
+              <a:t>H2 DB</a:t>
+            </a:r>
+          </a:p>
+          <a:p>
+            <a:endParaRPr lang="de-DE" dirty="0"/>
+          </a:p>
+          <a:p>
+            <a:endParaRPr lang="de-DE" dirty="0"/>
+          </a:p>
+          <a:p>
+            <a:endParaRPr lang="de-DE" dirty="0"/>
           </a:p>
         </p:txBody>
       </p:sp>
@@ -8836,7 +8351,7 @@
       </p:grpSpPr>
       <p:sp>
         <p:nvSpPr>
-          <p:cNvPr id="2" name="Textplatzhalter 1"/>
+          <p:cNvPr id="8" name="Textplatzhalter 7"/>
           <p:cNvSpPr>
             <a:spLocks noGrp="1"/>
           </p:cNvSpPr>
@@ -8853,15 +8368,14 @@
           <a:p>
             <a:r>
               <a:rPr lang="de-DE" dirty="0"/>
-              <a:t>15 min</a:t>
-            </a:r>
-            <a:endParaRPr lang="en-GB" dirty="0"/>
-          </a:p>
-        </p:txBody>
-      </p:sp>
-      <p:sp>
-        <p:nvSpPr>
-          <p:cNvPr id="3" name="Fußzeilenplatzhalter 2"/>
+              <a:t>30 Min</a:t>
+            </a:r>
+          </a:p>
+        </p:txBody>
+      </p:sp>
+      <p:sp>
+        <p:nvSpPr>
+          <p:cNvPr id="2" name="Fußzeilenplatzhalter 1"/>
           <p:cNvSpPr>
             <a:spLocks noGrp="1"/>
           </p:cNvSpPr>
@@ -8884,7 +8398,7 @@
       </p:sp>
       <p:sp>
         <p:nvSpPr>
-          <p:cNvPr id="4" name="Foliennummernplatzhalter 3"/>
+          <p:cNvPr id="3" name="Foliennummernplatzhalter 2"/>
           <p:cNvSpPr>
             <a:spLocks noGrp="1"/>
           </p:cNvSpPr>
@@ -8908,7 +8422,7 @@
       </p:sp>
       <p:sp>
         <p:nvSpPr>
-          <p:cNvPr id="5" name="Titel 4"/>
+          <p:cNvPr id="4" name="Titel 3"/>
           <p:cNvSpPr>
             <a:spLocks noGrp="1"/>
           </p:cNvSpPr>
@@ -8923,15 +8437,29 @@
           <a:p>
             <a:r>
               <a:rPr lang="de-DE" dirty="0"/>
-              <a:t>Pause</a:t>
-            </a:r>
-            <a:endParaRPr lang="en-GB" dirty="0"/>
-          </a:p>
-        </p:txBody>
-      </p:sp>
-      <p:sp>
-        <p:nvSpPr>
-          <p:cNvPr id="6" name="Textplatzhalter 5"/>
+              <a:t>Das Beispielprojekt – </a:t>
+            </a:r>
+            <a:r>
+              <a:rPr lang="de-DE" dirty="0" err="1"/>
+              <a:t>Explore</a:t>
+            </a:r>
+            <a:r>
+              <a:rPr lang="de-DE" dirty="0"/>
+              <a:t> </a:t>
+            </a:r>
+            <a:r>
+              <a:rPr lang="de-DE" dirty="0">
+                <a:sym typeface="Wingdings" panose="05000000000000000000" pitchFamily="2" charset="2"/>
+              </a:rPr>
+              <a:t></a:t>
+            </a:r>
+            <a:endParaRPr lang="de-DE" dirty="0"/>
+          </a:p>
+        </p:txBody>
+      </p:sp>
+      <p:sp>
+        <p:nvSpPr>
+          <p:cNvPr id="9" name="Textplatzhalter 8"/>
           <p:cNvSpPr>
             <a:spLocks noGrp="1"/>
           </p:cNvSpPr>
@@ -8944,14 +8472,50 @@
           <a:bodyPr/>
           <a:lstStyle/>
           <a:p>
-            <a:endParaRPr lang="en-GB"/>
+            <a:r>
+              <a:rPr lang="de-DE" dirty="0"/>
+              <a:t>Projekt von GitHub auschecken (siehe Email)</a:t>
+            </a:r>
+          </a:p>
+          <a:p>
+            <a:r>
+              <a:rPr lang="de-DE" dirty="0" err="1"/>
+              <a:t>mvn</a:t>
+            </a:r>
+            <a:r>
+              <a:rPr lang="de-DE" dirty="0"/>
+              <a:t> clean </a:t>
+            </a:r>
+            <a:r>
+              <a:rPr lang="de-DE" dirty="0" err="1"/>
+              <a:t>install</a:t>
+            </a:r>
+            <a:endParaRPr lang="de-DE" dirty="0"/>
+          </a:p>
+          <a:p>
+            <a:r>
+              <a:rPr lang="de-DE" dirty="0">
+                <a:hlinkClick r:id="rId2"/>
+              </a:rPr>
+              <a:t>http://localhost:8090/</a:t>
+            </a:r>
+            <a:r>
+              <a:rPr lang="de-DE" dirty="0"/>
+              <a:t>  =&gt; HAL Browser</a:t>
+            </a:r>
+          </a:p>
+          <a:p>
+            <a:r>
+              <a:rPr lang="de-DE" dirty="0"/>
+              <a:t>http://localhost:8090/agenda</a:t>
+            </a:r>
           </a:p>
         </p:txBody>
       </p:sp>
     </p:spTree>
     <p:extLst>
       <p:ext uri="{BB962C8B-B14F-4D97-AF65-F5344CB8AC3E}">
-        <p14:creationId xmlns:p14="http://schemas.microsoft.com/office/powerpoint/2010/main" val="1832731950"/>
+        <p14:creationId xmlns:p14="http://schemas.microsoft.com/office/powerpoint/2010/main" val="579743785"/>
       </p:ext>
     </p:extLst>
   </p:cSld>
@@ -9067,7 +8631,7 @@
           <a:p>
             <a:r>
               <a:rPr lang="de-DE" dirty="0"/>
-              <a:t>Spring Data Theorie</a:t>
+              <a:t>Pause</a:t>
             </a:r>
             <a:endParaRPr lang="en-GB" dirty="0"/>
           </a:p>
@@ -9088,76 +8652,14 @@
           <a:bodyPr/>
           <a:lstStyle/>
           <a:p>
-            <a:r>
-              <a:rPr lang="de-DE" dirty="0"/>
-              <a:t>Query </a:t>
-            </a:r>
-            <a:r>
-              <a:rPr lang="de-DE" dirty="0" err="1"/>
-              <a:t>syntax</a:t>
-            </a:r>
-            <a:r>
-              <a:rPr lang="de-DE" dirty="0"/>
-              <a:t> (IDE Unterstützung, </a:t>
-            </a:r>
-            <a:r>
-              <a:rPr lang="de-DE" dirty="0" err="1"/>
-              <a:t>IntelliJ</a:t>
-            </a:r>
-            <a:r>
-              <a:rPr lang="de-DE" dirty="0"/>
-              <a:t>, )</a:t>
-            </a:r>
-          </a:p>
-          <a:p>
-            <a:r>
-              <a:rPr lang="de-DE" dirty="0" err="1"/>
-              <a:t>Repositories</a:t>
-            </a:r>
-            <a:r>
-              <a:rPr lang="de-DE" dirty="0"/>
-              <a:t> (CRUD, </a:t>
-            </a:r>
-            <a:r>
-              <a:rPr lang="de-DE" dirty="0" err="1"/>
-              <a:t>PagingAndSorting</a:t>
-            </a:r>
-            <a:r>
-              <a:rPr lang="de-DE" dirty="0"/>
-              <a:t> …)</a:t>
-            </a:r>
-          </a:p>
-          <a:p>
-            <a:r>
-              <a:rPr lang="de-DE" dirty="0"/>
-              <a:t>Request </a:t>
-            </a:r>
-            <a:r>
-              <a:rPr lang="de-DE" dirty="0" err="1"/>
-              <a:t>params</a:t>
-            </a:r>
-            <a:endParaRPr lang="de-DE" dirty="0"/>
-          </a:p>
-          <a:p>
-            <a:r>
-              <a:rPr lang="de-DE" dirty="0"/>
-              <a:t>Native </a:t>
-            </a:r>
-            <a:r>
-              <a:rPr lang="de-DE" dirty="0" err="1"/>
-              <a:t>Queries</a:t>
-            </a:r>
-            <a:endParaRPr lang="de-DE" dirty="0"/>
-          </a:p>
-          <a:p>
-            <a:endParaRPr lang="en-GB" dirty="0"/>
+            <a:endParaRPr lang="en-GB"/>
           </a:p>
         </p:txBody>
       </p:sp>
     </p:spTree>
     <p:extLst>
       <p:ext uri="{BB962C8B-B14F-4D97-AF65-F5344CB8AC3E}">
-        <p14:creationId xmlns:p14="http://schemas.microsoft.com/office/powerpoint/2010/main" val="1815258435"/>
+        <p14:creationId xmlns:p14="http://schemas.microsoft.com/office/powerpoint/2010/main" val="1832731950"/>
       </p:ext>
     </p:extLst>
   </p:cSld>
@@ -9202,8 +8704,8 @@
           <a:lstStyle/>
           <a:p>
             <a:r>
-              <a:rPr lang="en-US" dirty="0"/>
-              <a:t>30 min</a:t>
+              <a:rPr lang="de-DE" dirty="0"/>
+              <a:t>15 min</a:t>
             </a:r>
             <a:endParaRPr lang="en-GB" dirty="0"/>
           </a:p>
@@ -9268,54 +8770,110 @@
         </p:nvSpPr>
         <p:spPr/>
         <p:txBody>
-          <a:bodyPr>
-            <a:normAutofit/>
-          </a:bodyPr>
-          <a:lstStyle/>
-          <a:p>
-            <a:r>
-              <a:rPr lang="de-DE" dirty="0"/>
-              <a:t>Event Repository </a:t>
+          <a:bodyPr/>
+          <a:lstStyle/>
+          <a:p>
+            <a:r>
+              <a:rPr lang="de-DE" dirty="0"/>
+              <a:t>Spring Data Theorie</a:t>
+            </a:r>
+            <a:endParaRPr lang="en-GB" dirty="0"/>
+          </a:p>
+        </p:txBody>
+      </p:sp>
+      <p:sp>
+        <p:nvSpPr>
+          <p:cNvPr id="6" name="Textplatzhalter 5"/>
+          <p:cNvSpPr>
+            <a:spLocks noGrp="1"/>
+          </p:cNvSpPr>
+          <p:nvPr>
+            <p:ph type="body" sz="quarter" idx="12"/>
+          </p:nvPr>
+        </p:nvSpPr>
+        <p:spPr/>
+        <p:txBody>
+          <a:bodyPr/>
+          <a:lstStyle/>
+          <a:p>
+            <a:r>
+              <a:rPr lang="de-DE" dirty="0"/>
+              <a:t>Query </a:t>
             </a:r>
             <a:r>
               <a:rPr lang="de-DE" dirty="0" err="1"/>
-              <a:t>erweiten</a:t>
-            </a:r>
-            <a:r>
-              <a:rPr lang="de-DE" dirty="0"/>
-              <a:t> um Suche</a:t>
-            </a:r>
-            <a:endParaRPr lang="en-GB" dirty="0"/>
-          </a:p>
-        </p:txBody>
-      </p:sp>
-      <p:sp>
-        <p:nvSpPr>
-          <p:cNvPr id="6" name="Textplatzhalter 5"/>
-          <p:cNvSpPr>
-            <a:spLocks noGrp="1"/>
-          </p:cNvSpPr>
-          <p:nvPr>
-            <p:ph type="body" sz="quarter" idx="12"/>
-          </p:nvPr>
-        </p:nvSpPr>
-        <p:spPr/>
-        <p:txBody>
-          <a:bodyPr/>
-          <a:lstStyle/>
-          <a:p>
-            <a:r>
-              <a:rPr lang="de-DE" dirty="0"/>
-              <a:t>(danach HAL Browser zeigen, neue </a:t>
+              <a:t>syntax</a:t>
+            </a:r>
+            <a:r>
+              <a:rPr lang="de-DE" dirty="0"/>
+              <a:t> (IDE Unterstützung, </a:t>
+            </a:r>
+            <a:r>
+              <a:rPr lang="de-DE" dirty="0" err="1"/>
+              <a:t>IntelliJ</a:t>
+            </a:r>
+            <a:r>
+              <a:rPr lang="de-DE" dirty="0"/>
+              <a:t>, )</a:t>
+            </a:r>
+          </a:p>
+          <a:p>
+            <a:r>
+              <a:rPr lang="de-DE" dirty="0" err="1"/>
+              <a:t>Repositories</a:t>
+            </a:r>
+            <a:r>
+              <a:rPr lang="de-DE" dirty="0"/>
+              <a:t> (CRUD, </a:t>
+            </a:r>
+            <a:r>
+              <a:rPr lang="de-DE" dirty="0" err="1"/>
+              <a:t>PagingAndSorting</a:t>
+            </a:r>
+            <a:r>
+              <a:rPr lang="de-DE" dirty="0"/>
+              <a:t> …)</a:t>
+            </a:r>
+          </a:p>
+          <a:p>
+            <a:r>
+              <a:rPr lang="de-DE" dirty="0"/>
+              <a:t>Request </a:t>
+            </a:r>
+            <a:r>
+              <a:rPr lang="de-DE" dirty="0" err="1"/>
+              <a:t>params</a:t>
+            </a:r>
+            <a:endParaRPr lang="de-DE" dirty="0"/>
+          </a:p>
+          <a:p>
+            <a:r>
+              <a:rPr lang="de-DE" dirty="0"/>
+              <a:t>Native </a:t>
             </a:r>
             <a:r>
               <a:rPr lang="de-DE" dirty="0" err="1"/>
               <a:t>Queries</a:t>
             </a:r>
-            <a:r>
-              <a:rPr lang="de-DE" dirty="0"/>
-              <a:t> da)</a:t>
-            </a:r>
+            <a:endParaRPr lang="de-DE" dirty="0"/>
+          </a:p>
+          <a:p>
+            <a:endParaRPr lang="de-DE" dirty="0"/>
+          </a:p>
+          <a:p>
+            <a:pPr marL="0" indent="0">
+              <a:buNone/>
+            </a:pPr>
+            <a:r>
+              <a:rPr lang="de-DE" dirty="0" err="1"/>
+              <a:t>Documentation</a:t>
+            </a:r>
+            <a:r>
+              <a:rPr lang="de-DE" dirty="0"/>
+              <a:t>: http://docs.spring.io/spring-data/rest/docs/current/reference/html/</a:t>
+            </a:r>
+          </a:p>
+          <a:p>
             <a:endParaRPr lang="en-GB" dirty="0"/>
           </a:p>
         </p:txBody>
@@ -9323,7 +8881,7 @@
     </p:spTree>
     <p:extLst>
       <p:ext uri="{BB962C8B-B14F-4D97-AF65-F5344CB8AC3E}">
-        <p14:creationId xmlns:p14="http://schemas.microsoft.com/office/powerpoint/2010/main" val="204088125"/>
+        <p14:creationId xmlns:p14="http://schemas.microsoft.com/office/powerpoint/2010/main" val="1815258435"/>
       </p:ext>
     </p:extLst>
   </p:cSld>
@@ -10614,15 +10172,6 @@
 </file>
 
 <file path=customXml/item1.xml><?xml version="1.0" encoding="utf-8"?>
-<p:properties xmlns:p="http://schemas.microsoft.com/office/2006/metadata/properties" xmlns:xsi="http://www.w3.org/2001/XMLSchema-instance" xmlns:pc="http://schemas.microsoft.com/office/infopath/2007/PartnerControls">
-  <documentManagement>
-    <_Version xmlns="http://schemas.microsoft.com/sharepoint/v3/fields" xsi:nil="true"/>
-    <_Status xmlns="http://schemas.microsoft.com/sharepoint/v3/fields">Not Started</_Status>
-  </documentManagement>
-</p:properties>
-</file>
-
-<file path=customXml/item2.xml><?xml version="1.0" encoding="utf-8"?>
 <ct:contentTypeSchema xmlns:ct="http://schemas.microsoft.com/office/2006/metadata/contentType" xmlns:ma="http://schemas.microsoft.com/office/2006/metadata/properties/metaAttributes" ct:_="" ma:_="" ma:contentTypeName="Document" ma:contentTypeID="0x0101000DE64AEEDD9B7A4D93545ACBE97D4615" ma:contentTypeVersion="2" ma:contentTypeDescription="Create a new document." ma:contentTypeScope="" ma:versionID="f49002b78e3a4a71b814eef46a983816">
   <xsd:schema xmlns:xsd="http://www.w3.org/2001/XMLSchema" xmlns:xs="http://www.w3.org/2001/XMLSchema" xmlns:p="http://schemas.microsoft.com/office/2006/metadata/properties" xmlns:ns2="http://schemas.microsoft.com/sharepoint/v3/fields" targetNamespace="http://schemas.microsoft.com/office/2006/metadata/properties" ma:root="true" ma:fieldsID="38f6db2dd0d9a0cf6a8dc37be32b365b" ns2:_="">
     <xsd:import namespace="http://schemas.microsoft.com/sharepoint/v3/fields"/>
@@ -10766,6 +10315,15 @@
 </ct:contentTypeSchema>
 </file>
 
+<file path=customXml/item2.xml><?xml version="1.0" encoding="utf-8"?>
+<p:properties xmlns:p="http://schemas.microsoft.com/office/2006/metadata/properties" xmlns:xsi="http://www.w3.org/2001/XMLSchema-instance" xmlns:pc="http://schemas.microsoft.com/office/infopath/2007/PartnerControls">
+  <documentManagement>
+    <_Version xmlns="http://schemas.microsoft.com/sharepoint/v3/fields" xsi:nil="true"/>
+    <_Status xmlns="http://schemas.microsoft.com/sharepoint/v3/fields">Not Started</_Status>
+  </documentManagement>
+</p:properties>
+</file>
+
 <file path=customXml/item3.xml><?xml version="1.0" encoding="utf-8"?>
 <?mso-contentType ?>
 <FormTemplates xmlns="http://schemas.microsoft.com/sharepoint/v3/contenttype/forms">
@@ -10776,22 +10334,6 @@
 </file>
 
 <file path=customXml/itemProps1.xml><?xml version="1.0" encoding="utf-8"?>
-<ds:datastoreItem xmlns:ds="http://schemas.openxmlformats.org/officeDocument/2006/customXml" ds:itemID="{7B6F2769-7194-4217-93D3-3AF3A4742282}">
-  <ds:schemaRefs>
-    <ds:schemaRef ds:uri="http://purl.org/dc/dcmitype/"/>
-    <ds:schemaRef ds:uri="http://purl.org/dc/terms/"/>
-    <ds:schemaRef ds:uri="http://schemas.microsoft.com/office/infopath/2007/PartnerControls"/>
-    <ds:schemaRef ds:uri="http://purl.org/dc/elements/1.1/"/>
-    <ds:schemaRef ds:uri="http://schemas.microsoft.com/office/2006/documentManagement/types"/>
-    <ds:schemaRef ds:uri="http://schemas.microsoft.com/sharepoint/v3/fields"/>
-    <ds:schemaRef ds:uri="http://schemas.openxmlformats.org/package/2006/metadata/core-properties"/>
-    <ds:schemaRef ds:uri="http://schemas.microsoft.com/office/2006/metadata/properties"/>
-    <ds:schemaRef ds:uri="http://www.w3.org/XML/1998/namespace"/>
-  </ds:schemaRefs>
-</ds:datastoreItem>
-</file>
-
-<file path=customXml/itemProps2.xml><?xml version="1.0" encoding="utf-8"?>
 <ds:datastoreItem xmlns:ds="http://schemas.openxmlformats.org/officeDocument/2006/customXml" ds:itemID="{E4214858-785C-42F7-BE66-6D0E79395FC8}">
   <ds:schemaRefs>
     <ds:schemaRef ds:uri="http://schemas.microsoft.com/office/2006/metadata/contentType"/>
@@ -10809,6 +10351,22 @@
 </ds:datastoreItem>
 </file>
 
+<file path=customXml/itemProps2.xml><?xml version="1.0" encoding="utf-8"?>
+<ds:datastoreItem xmlns:ds="http://schemas.openxmlformats.org/officeDocument/2006/customXml" ds:itemID="{7B6F2769-7194-4217-93D3-3AF3A4742282}">
+  <ds:schemaRefs>
+    <ds:schemaRef ds:uri="http://purl.org/dc/dcmitype/"/>
+    <ds:schemaRef ds:uri="http://purl.org/dc/terms/"/>
+    <ds:schemaRef ds:uri="http://schemas.microsoft.com/office/infopath/2007/PartnerControls"/>
+    <ds:schemaRef ds:uri="http://purl.org/dc/elements/1.1/"/>
+    <ds:schemaRef ds:uri="http://schemas.microsoft.com/office/2006/documentManagement/types"/>
+    <ds:schemaRef ds:uri="http://schemas.microsoft.com/sharepoint/v3/fields"/>
+    <ds:schemaRef ds:uri="http://schemas.openxmlformats.org/package/2006/metadata/core-properties"/>
+    <ds:schemaRef ds:uri="http://schemas.microsoft.com/office/2006/metadata/properties"/>
+    <ds:schemaRef ds:uri="http://www.w3.org/XML/1998/namespace"/>
+  </ds:schemaRefs>
+</ds:datastoreItem>
+</file>
+
 <file path=customXml/itemProps3.xml><?xml version="1.0" encoding="utf-8"?>
 <ds:datastoreItem xmlns:ds="http://schemas.openxmlformats.org/officeDocument/2006/customXml" ds:itemID="{87D2A1B0-FF3E-4009-940D-AED0EB70AA20}">
   <ds:schemaRefs>

--- a/springBootDataWorkshop.pptx
+++ b/springBootDataWorkshop.pptx
@@ -6,10 +6,10 @@
     <p:sldMasterId id="2147493481" r:id="rId5"/>
   </p:sldMasterIdLst>
   <p:notesMasterIdLst>
-    <p:notesMasterId r:id="rId25"/>
+    <p:notesMasterId r:id="rId23"/>
   </p:notesMasterIdLst>
   <p:handoutMasterIdLst>
-    <p:handoutMasterId r:id="rId26"/>
+    <p:handoutMasterId r:id="rId24"/>
   </p:handoutMasterIdLst>
   <p:sldIdLst>
     <p:sldId id="262" r:id="rId6"/>
@@ -17,23 +17,21 @@
     <p:sldId id="265" r:id="rId8"/>
     <p:sldId id="267" r:id="rId9"/>
     <p:sldId id="266" r:id="rId10"/>
-    <p:sldId id="268" r:id="rId11"/>
+    <p:sldId id="282" r:id="rId11"/>
     <p:sldId id="281" r:id="rId12"/>
-    <p:sldId id="279" r:id="rId13"/>
-    <p:sldId id="270" r:id="rId14"/>
-    <p:sldId id="269" r:id="rId15"/>
+    <p:sldId id="270" r:id="rId13"/>
+    <p:sldId id="269" r:id="rId14"/>
+    <p:sldId id="272" r:id="rId15"/>
     <p:sldId id="278" r:id="rId16"/>
-    <p:sldId id="272" r:id="rId17"/>
-    <p:sldId id="274" r:id="rId18"/>
-    <p:sldId id="271" r:id="rId19"/>
-    <p:sldId id="275" r:id="rId20"/>
-    <p:sldId id="273" r:id="rId21"/>
-    <p:sldId id="277" r:id="rId22"/>
-    <p:sldId id="276" r:id="rId23"/>
-    <p:sldId id="280" r:id="rId24"/>
+    <p:sldId id="271" r:id="rId17"/>
+    <p:sldId id="275" r:id="rId18"/>
+    <p:sldId id="273" r:id="rId19"/>
+    <p:sldId id="277" r:id="rId20"/>
+    <p:sldId id="276" r:id="rId21"/>
+    <p:sldId id="280" r:id="rId22"/>
   </p:sldIdLst>
   <p:sldSz cx="9144000" cy="5143500" type="screen16x9"/>
-  <p:notesSz cx="6858000" cy="9144000"/>
+  <p:notesSz cx="6881813" cy="9661525"/>
   <p:defaultTextStyle>
     <a:defPPr>
       <a:defRPr lang="en-US"/>
@@ -187,14 +185,14 @@
         <p:spPr>
           <a:xfrm>
             <a:off x="0" y="0"/>
-            <a:ext cx="2971800" cy="457200"/>
+            <a:ext cx="2982119" cy="483076"/>
           </a:xfrm>
           <a:prstGeom prst="rect">
             <a:avLst/>
           </a:prstGeom>
         </p:spPr>
         <p:txBody>
-          <a:bodyPr vert="horz" lIns="91440" tIns="45720" rIns="91440" bIns="45720" rtlCol="0"/>
+          <a:bodyPr vert="horz" lIns="94531" tIns="47265" rIns="94531" bIns="47265" rtlCol="0"/>
           <a:lstStyle>
             <a:lvl1pPr algn="l">
               <a:defRPr sz="1200"/>
@@ -217,15 +215,15 @@
         </p:nvSpPr>
         <p:spPr>
           <a:xfrm>
-            <a:off x="3884613" y="0"/>
-            <a:ext cx="2971800" cy="457200"/>
+            <a:off x="3898102" y="0"/>
+            <a:ext cx="2982119" cy="483076"/>
           </a:xfrm>
           <a:prstGeom prst="rect">
             <a:avLst/>
           </a:prstGeom>
         </p:spPr>
         <p:txBody>
-          <a:bodyPr vert="horz" lIns="91440" tIns="45720" rIns="91440" bIns="45720" rtlCol="0"/>
+          <a:bodyPr vert="horz" lIns="94531" tIns="47265" rIns="94531" bIns="47265" rtlCol="0"/>
           <a:lstStyle>
             <a:lvl1pPr algn="r">
               <a:defRPr sz="1200"/>
@@ -234,7 +232,7 @@
           <a:p>
             <a:fld id="{1869EC12-32BB-B84B-964B-77CD8A6EA5B5}" type="datetimeFigureOut">
               <a:rPr lang="de-DE" smtClean="0"/>
-              <a:t>13.05.2017</a:t>
+              <a:t>20.05.2017</a:t>
             </a:fld>
             <a:endParaRPr lang="de-DE" dirty="0"/>
           </a:p>
@@ -252,15 +250,15 @@
         </p:nvSpPr>
         <p:spPr>
           <a:xfrm>
-            <a:off x="0" y="8685213"/>
-            <a:ext cx="2971800" cy="457200"/>
+            <a:off x="0" y="9176772"/>
+            <a:ext cx="2982119" cy="483076"/>
           </a:xfrm>
           <a:prstGeom prst="rect">
             <a:avLst/>
           </a:prstGeom>
         </p:spPr>
         <p:txBody>
-          <a:bodyPr vert="horz" lIns="91440" tIns="45720" rIns="91440" bIns="45720" rtlCol="0" anchor="b"/>
+          <a:bodyPr vert="horz" lIns="94531" tIns="47265" rIns="94531" bIns="47265" rtlCol="0" anchor="b"/>
           <a:lstStyle>
             <a:lvl1pPr algn="l">
               <a:defRPr sz="1200"/>
@@ -283,15 +281,15 @@
         </p:nvSpPr>
         <p:spPr>
           <a:xfrm>
-            <a:off x="3884613" y="8685213"/>
-            <a:ext cx="2971800" cy="457200"/>
+            <a:off x="3898102" y="9176772"/>
+            <a:ext cx="2982119" cy="483076"/>
           </a:xfrm>
           <a:prstGeom prst="rect">
             <a:avLst/>
           </a:prstGeom>
         </p:spPr>
         <p:txBody>
-          <a:bodyPr vert="horz" lIns="91440" tIns="45720" rIns="91440" bIns="45720" rtlCol="0" anchor="b"/>
+          <a:bodyPr vert="horz" lIns="94531" tIns="47265" rIns="94531" bIns="47265" rtlCol="0" anchor="b"/>
           <a:lstStyle>
             <a:lvl1pPr algn="r">
               <a:defRPr sz="1200"/>
@@ -353,14 +351,14 @@
         <p:spPr>
           <a:xfrm>
             <a:off x="0" y="0"/>
-            <a:ext cx="2971800" cy="457200"/>
+            <a:ext cx="2982119" cy="483076"/>
           </a:xfrm>
           <a:prstGeom prst="rect">
             <a:avLst/>
           </a:prstGeom>
         </p:spPr>
         <p:txBody>
-          <a:bodyPr vert="horz" lIns="91440" tIns="45720" rIns="91440" bIns="45720" rtlCol="0"/>
+          <a:bodyPr vert="horz" lIns="94531" tIns="47265" rIns="94531" bIns="47265" rtlCol="0"/>
           <a:lstStyle>
             <a:lvl1pPr algn="l">
               <a:defRPr sz="1200"/>
@@ -383,15 +381,15 @@
         </p:nvSpPr>
         <p:spPr>
           <a:xfrm>
-            <a:off x="3884613" y="0"/>
-            <a:ext cx="2971800" cy="457200"/>
+            <a:off x="3898102" y="0"/>
+            <a:ext cx="2982119" cy="483076"/>
           </a:xfrm>
           <a:prstGeom prst="rect">
             <a:avLst/>
           </a:prstGeom>
         </p:spPr>
         <p:txBody>
-          <a:bodyPr vert="horz" lIns="91440" tIns="45720" rIns="91440" bIns="45720" rtlCol="0"/>
+          <a:bodyPr vert="horz" lIns="94531" tIns="47265" rIns="94531" bIns="47265" rtlCol="0"/>
           <a:lstStyle>
             <a:lvl1pPr algn="r">
               <a:defRPr sz="1200"/>
@@ -400,7 +398,7 @@
           <a:p>
             <a:fld id="{396D8CEF-220A-EC43-8099-BAE7D65DBE3D}" type="datetimeFigureOut">
               <a:rPr lang="de-DE" smtClean="0"/>
-              <a:t>13.05.2017</a:t>
+              <a:t>20.05.2017</a:t>
             </a:fld>
             <a:endParaRPr lang="de-DE" dirty="0"/>
           </a:p>
@@ -418,8 +416,8 @@
         </p:nvSpPr>
         <p:spPr>
           <a:xfrm>
-            <a:off x="381000" y="685800"/>
-            <a:ext cx="6096000" cy="3429000"/>
+            <a:off x="220663" y="723900"/>
+            <a:ext cx="6440487" cy="3624263"/>
           </a:xfrm>
           <a:prstGeom prst="rect">
             <a:avLst/>
@@ -432,7 +430,7 @@
           </a:ln>
         </p:spPr>
         <p:txBody>
-          <a:bodyPr vert="horz" lIns="91440" tIns="45720" rIns="91440" bIns="45720" rtlCol="0" anchor="ctr"/>
+          <a:bodyPr vert="horz" lIns="94531" tIns="47265" rIns="94531" bIns="47265" rtlCol="0" anchor="ctr"/>
           <a:lstStyle/>
           <a:p>
             <a:endParaRPr lang="de-DE" dirty="0"/>
@@ -451,15 +449,15 @@
         </p:nvSpPr>
         <p:spPr>
           <a:xfrm>
-            <a:off x="685800" y="4343400"/>
-            <a:ext cx="5486400" cy="4114800"/>
+            <a:off x="688182" y="4589225"/>
+            <a:ext cx="5505450" cy="4347686"/>
           </a:xfrm>
           <a:prstGeom prst="rect">
             <a:avLst/>
           </a:prstGeom>
         </p:spPr>
         <p:txBody>
-          <a:bodyPr vert="horz" lIns="91440" tIns="45720" rIns="91440" bIns="45720" rtlCol="0"/>
+          <a:bodyPr vert="horz" lIns="94531" tIns="47265" rIns="94531" bIns="47265" rtlCol="0"/>
           <a:lstStyle/>
           <a:p>
             <a:pPr lvl="0"/>
@@ -510,15 +508,15 @@
         </p:nvSpPr>
         <p:spPr>
           <a:xfrm>
-            <a:off x="0" y="8685213"/>
-            <a:ext cx="2971800" cy="457200"/>
+            <a:off x="0" y="9176772"/>
+            <a:ext cx="2982119" cy="483076"/>
           </a:xfrm>
           <a:prstGeom prst="rect">
             <a:avLst/>
           </a:prstGeom>
         </p:spPr>
         <p:txBody>
-          <a:bodyPr vert="horz" lIns="91440" tIns="45720" rIns="91440" bIns="45720" rtlCol="0" anchor="b"/>
+          <a:bodyPr vert="horz" lIns="94531" tIns="47265" rIns="94531" bIns="47265" rtlCol="0" anchor="b"/>
           <a:lstStyle>
             <a:lvl1pPr algn="l">
               <a:defRPr sz="1200"/>
@@ -541,15 +539,15 @@
         </p:nvSpPr>
         <p:spPr>
           <a:xfrm>
-            <a:off x="3884613" y="8685213"/>
-            <a:ext cx="2971800" cy="457200"/>
+            <a:off x="3898102" y="9176772"/>
+            <a:ext cx="2982119" cy="483076"/>
           </a:xfrm>
           <a:prstGeom prst="rect">
             <a:avLst/>
           </a:prstGeom>
         </p:spPr>
         <p:txBody>
-          <a:bodyPr vert="horz" lIns="91440" tIns="45720" rIns="91440" bIns="45720" rtlCol="0" anchor="b"/>
+          <a:bodyPr vert="horz" lIns="94531" tIns="47265" rIns="94531" bIns="47265" rtlCol="0" anchor="b"/>
           <a:lstStyle>
             <a:lvl1pPr algn="r">
               <a:defRPr sz="1200"/>
@@ -5700,8 +5698,8 @@
           <a:lstStyle/>
           <a:p>
             <a:r>
-              <a:rPr lang="en-US" dirty="0"/>
-              <a:t>30 min</a:t>
+              <a:rPr lang="de-DE" dirty="0"/>
+              <a:t>15 min</a:t>
             </a:r>
             <a:endParaRPr lang="en-GB" dirty="0"/>
           </a:p>
@@ -5766,22 +5764,12 @@
         </p:nvSpPr>
         <p:spPr/>
         <p:txBody>
-          <a:bodyPr>
-            <a:normAutofit/>
-          </a:bodyPr>
-          <a:lstStyle/>
-          <a:p>
-            <a:r>
-              <a:rPr lang="de-DE" dirty="0"/>
-              <a:t>Event Repository </a:t>
-            </a:r>
-            <a:r>
-              <a:rPr lang="de-DE" dirty="0" err="1"/>
-              <a:t>erweiten</a:t>
-            </a:r>
-            <a:r>
-              <a:rPr lang="de-DE" dirty="0"/>
-              <a:t> um Suche</a:t>
+          <a:bodyPr/>
+          <a:lstStyle/>
+          <a:p>
+            <a:r>
+              <a:rPr lang="de-DE" dirty="0"/>
+              <a:t>Neues Repository hinzufügen …</a:t>
             </a:r>
             <a:endParaRPr lang="en-GB" dirty="0"/>
           </a:p>
@@ -5804,24 +5792,21 @@
           <a:p>
             <a:r>
               <a:rPr lang="de-DE" dirty="0"/>
-              <a:t>(danach HAL Browser zeigen, neue </a:t>
-            </a:r>
-            <a:r>
-              <a:rPr lang="de-DE" dirty="0" err="1"/>
-              <a:t>Queries</a:t>
-            </a:r>
-            <a:r>
-              <a:rPr lang="de-DE" dirty="0"/>
-              <a:t> da)</a:t>
-            </a:r>
-            <a:endParaRPr lang="en-GB" dirty="0"/>
+              <a:t>Query: Anzahl alle Speakers von Firma X berechnen</a:t>
+            </a:r>
+          </a:p>
+          <a:p>
+            <a:r>
+              <a:rPr lang="de-DE" dirty="0"/>
+              <a:t>Native Query: Liste von alle eindeutige Firmen</a:t>
+            </a:r>
           </a:p>
         </p:txBody>
       </p:sp>
     </p:spTree>
     <p:extLst>
       <p:ext uri="{BB962C8B-B14F-4D97-AF65-F5344CB8AC3E}">
-        <p14:creationId xmlns:p14="http://schemas.microsoft.com/office/powerpoint/2010/main" val="204088125"/>
+        <p14:creationId xmlns:p14="http://schemas.microsoft.com/office/powerpoint/2010/main" val="2033767423"/>
       </p:ext>
     </p:extLst>
   </p:cSld>
@@ -6009,7 +5994,7 @@
           <a:p>
             <a:r>
               <a:rPr lang="de-DE" dirty="0"/>
-              <a:t>15 min</a:t>
+              <a:t>10 min</a:t>
             </a:r>
             <a:endParaRPr lang="en-GB" dirty="0"/>
           </a:p>
@@ -6079,7 +6064,15 @@
           <a:p>
             <a:r>
               <a:rPr lang="de-DE" dirty="0"/>
-              <a:t>Neues Repository hinzufügen …</a:t>
+              <a:t>Theorie: </a:t>
+            </a:r>
+            <a:r>
+              <a:rPr lang="de-DE" dirty="0" err="1"/>
+              <a:t>hypermedia</a:t>
+            </a:r>
+            <a:r>
+              <a:rPr lang="de-DE" dirty="0"/>
+              <a:t> links</a:t>
             </a:r>
             <a:endParaRPr lang="en-GB" dirty="0"/>
           </a:p>
@@ -6102,21 +6095,44 @@
           <a:p>
             <a:r>
               <a:rPr lang="de-DE" dirty="0"/>
-              <a:t>Query: Anzahl alle Speakers von Firma X berechnen</a:t>
-            </a:r>
-          </a:p>
-          <a:p>
-            <a:r>
-              <a:rPr lang="de-DE" dirty="0"/>
-              <a:t>Native Query: Liste von alle eindeutige Firmen</a:t>
-            </a:r>
+              <a:t>Theorie – Navigation und Struktur</a:t>
+            </a:r>
+          </a:p>
+          <a:p>
+            <a:r>
+              <a:rPr lang="de-DE" dirty="0"/>
+              <a:t>REST via HAL Browser</a:t>
+            </a:r>
+          </a:p>
+          <a:p>
+            <a:r>
+              <a:rPr lang="de-DE" dirty="0"/>
+              <a:t>REST via Postman, </a:t>
+            </a:r>
+            <a:r>
+              <a:rPr lang="de-DE" dirty="0" err="1"/>
+              <a:t>associate</a:t>
+            </a:r>
+            <a:r>
+              <a:rPr lang="de-DE" dirty="0"/>
+              <a:t> Event </a:t>
+            </a:r>
+            <a:r>
+              <a:rPr lang="de-DE" dirty="0" err="1"/>
+              <a:t>with</a:t>
+            </a:r>
+            <a:r>
+              <a:rPr lang="de-DE" dirty="0"/>
+              <a:t> Speaker</a:t>
+            </a:r>
+            <a:endParaRPr lang="en-GB" dirty="0"/>
           </a:p>
         </p:txBody>
       </p:sp>
     </p:spTree>
     <p:extLst>
       <p:ext uri="{BB962C8B-B14F-4D97-AF65-F5344CB8AC3E}">
-        <p14:creationId xmlns:p14="http://schemas.microsoft.com/office/powerpoint/2010/main" val="2033767423"/>
+        <p14:creationId xmlns:p14="http://schemas.microsoft.com/office/powerpoint/2010/main" val="3366541771"/>
       </p:ext>
     </p:extLst>
   </p:cSld>
@@ -6155,10 +6171,16 @@
         </p:nvSpPr>
         <p:spPr/>
         <p:txBody>
-          <a:bodyPr/>
-          <a:lstStyle/>
-          <a:p>
-            <a:endParaRPr lang="en-GB"/>
+          <a:bodyPr>
+            <a:normAutofit fontScale="85000" lnSpcReduction="10000"/>
+          </a:bodyPr>
+          <a:lstStyle/>
+          <a:p>
+            <a:r>
+              <a:rPr lang="de-DE" dirty="0"/>
+              <a:t>30 min</a:t>
+            </a:r>
+            <a:endParaRPr lang="en-GB" dirty="0"/>
           </a:p>
         </p:txBody>
       </p:sp>
@@ -6226,7 +6248,7 @@
           <a:p>
             <a:r>
               <a:rPr lang="de-DE" dirty="0"/>
-              <a:t>Mittagspause</a:t>
+              <a:t>DAO umbauen (mit Links)</a:t>
             </a:r>
             <a:endParaRPr lang="en-GB" dirty="0"/>
           </a:p>
@@ -6254,7 +6276,7 @@
     </p:spTree>
     <p:extLst>
       <p:ext uri="{BB962C8B-B14F-4D97-AF65-F5344CB8AC3E}">
-        <p14:creationId xmlns:p14="http://schemas.microsoft.com/office/powerpoint/2010/main" val="2861645761"/>
+        <p14:creationId xmlns:p14="http://schemas.microsoft.com/office/powerpoint/2010/main" val="3239943257"/>
       </p:ext>
     </p:extLst>
   </p:cSld>
@@ -6283,7 +6305,7 @@
       </p:grpSpPr>
       <p:sp>
         <p:nvSpPr>
-          <p:cNvPr id="2" name="Textplatzhalter 1"/>
+          <p:cNvPr id="8" name="Textplatzhalter 7"/>
           <p:cNvSpPr>
             <a:spLocks noGrp="1"/>
           </p:cNvSpPr>
@@ -6294,13 +6316,13 @@
         <p:spPr/>
         <p:txBody>
           <a:bodyPr>
-            <a:normAutofit fontScale="85000" lnSpcReduction="10000"/>
+            <a:normAutofit/>
           </a:bodyPr>
           <a:lstStyle/>
           <a:p>
             <a:r>
               <a:rPr lang="de-DE" dirty="0"/>
-              <a:t>10 min</a:t>
+              <a:t>5 min</a:t>
             </a:r>
             <a:endParaRPr lang="en-GB" dirty="0"/>
           </a:p>
@@ -6308,7 +6330,7 @@
       </p:sp>
       <p:sp>
         <p:nvSpPr>
-          <p:cNvPr id="3" name="Fußzeilenplatzhalter 2"/>
+          <p:cNvPr id="2" name="Fußzeilenplatzhalter 1"/>
           <p:cNvSpPr>
             <a:spLocks noGrp="1"/>
           </p:cNvSpPr>
@@ -6331,7 +6353,7 @@
       </p:sp>
       <p:sp>
         <p:nvSpPr>
-          <p:cNvPr id="4" name="Foliennummernplatzhalter 3"/>
+          <p:cNvPr id="3" name="Foliennummernplatzhalter 2"/>
           <p:cNvSpPr>
             <a:spLocks noGrp="1"/>
           </p:cNvSpPr>
@@ -6355,7 +6377,7 @@
       </p:sp>
       <p:sp>
         <p:nvSpPr>
-          <p:cNvPr id="5" name="Titel 4"/>
+          <p:cNvPr id="4" name="Titel 3"/>
           <p:cNvSpPr>
             <a:spLocks noGrp="1"/>
           </p:cNvSpPr>
@@ -6370,15 +6392,27 @@
           <a:p>
             <a:r>
               <a:rPr lang="de-DE" dirty="0"/>
-              <a:t>Theorie: </a:t>
+              <a:t>IRL </a:t>
             </a:r>
             <a:r>
               <a:rPr lang="de-DE" dirty="0" err="1"/>
-              <a:t>hypermedia</a:t>
-            </a:r>
-            <a:r>
-              <a:rPr lang="de-DE" dirty="0"/>
-              <a:t> links</a:t>
+              <a:t>usage</a:t>
+            </a:r>
+            <a:r>
+              <a:rPr lang="de-DE" dirty="0"/>
+              <a:t> – </a:t>
+            </a:r>
+            <a:r>
+              <a:rPr lang="de-DE" dirty="0" err="1"/>
+              <a:t>flipchart</a:t>
+            </a:r>
+            <a:r>
+              <a:rPr lang="de-DE" dirty="0"/>
+              <a:t>, interaktives </a:t>
+            </a:r>
+            <a:r>
+              <a:rPr lang="de-DE" dirty="0" err="1"/>
+              <a:t>session</a:t>
             </a:r>
             <a:endParaRPr lang="en-GB" dirty="0"/>
           </a:p>
@@ -6386,7 +6420,7 @@
       </p:sp>
       <p:sp>
         <p:nvSpPr>
-          <p:cNvPr id="6" name="Textplatzhalter 5"/>
+          <p:cNvPr id="9" name="Textplatzhalter 8"/>
           <p:cNvSpPr>
             <a:spLocks noGrp="1"/>
           </p:cNvSpPr>
@@ -6400,37 +6434,140 @@
           <a:lstStyle/>
           <a:p>
             <a:r>
-              <a:rPr lang="de-DE" dirty="0"/>
-              <a:t>Theorie – Navigation und Struktur</a:t>
-            </a:r>
-          </a:p>
-          <a:p>
-            <a:r>
-              <a:rPr lang="de-DE" dirty="0"/>
-              <a:t>REST via HAL Browser</a:t>
-            </a:r>
-          </a:p>
-          <a:p>
-            <a:r>
-              <a:rPr lang="de-DE" dirty="0"/>
-              <a:t>REST via Postman, </a:t>
-            </a:r>
-            <a:r>
               <a:rPr lang="de-DE" dirty="0" err="1"/>
-              <a:t>associate</a:t>
-            </a:r>
-            <a:r>
-              <a:rPr lang="de-DE" dirty="0"/>
-              <a:t> Event </a:t>
+              <a:t>Reminder</a:t>
+            </a:r>
+            <a:r>
+              <a:rPr lang="de-DE" dirty="0"/>
+              <a:t>: </a:t>
             </a:r>
             <a:r>
               <a:rPr lang="de-DE" dirty="0" err="1"/>
-              <a:t>with</a:t>
-            </a:r>
-            <a:r>
-              <a:rPr lang="de-DE" dirty="0"/>
-              <a:t> Speaker</a:t>
-            </a:r>
+              <a:t>vorteile</a:t>
+            </a:r>
+            <a:r>
+              <a:rPr lang="de-DE" dirty="0"/>
+              <a:t> von Spring Data?</a:t>
+            </a:r>
+          </a:p>
+          <a:p>
+            <a:endParaRPr lang="de-DE" dirty="0"/>
+          </a:p>
+          <a:p>
+            <a:endParaRPr lang="de-DE" dirty="0"/>
+          </a:p>
+          <a:p>
+            <a:r>
+              <a:rPr lang="de-DE" dirty="0"/>
+              <a:t>Kleine/große Projekte – wenig Setup nötig. Large-</a:t>
+            </a:r>
+            <a:r>
+              <a:rPr lang="de-DE" dirty="0" err="1"/>
+              <a:t>scale</a:t>
+            </a:r>
+            <a:r>
+              <a:rPr lang="de-DE" dirty="0"/>
+              <a:t>, large-team </a:t>
+            </a:r>
+            <a:r>
+              <a:rPr lang="de-DE" dirty="0" err="1"/>
+              <a:t>Jave</a:t>
+            </a:r>
+            <a:r>
+              <a:rPr lang="de-DE" dirty="0"/>
+              <a:t> EE </a:t>
+            </a:r>
+            <a:r>
+              <a:rPr lang="de-DE" dirty="0" err="1"/>
+              <a:t>dev</a:t>
+            </a:r>
+            <a:endParaRPr lang="de-DE" dirty="0"/>
+          </a:p>
+          <a:p>
+            <a:r>
+              <a:rPr lang="de-DE" dirty="0"/>
+              <a:t>Schnell!</a:t>
+            </a:r>
+          </a:p>
+          <a:p>
+            <a:r>
+              <a:rPr lang="de-DE" dirty="0"/>
+              <a:t>Kundenprojekte … </a:t>
+            </a:r>
+            <a:r>
+              <a:rPr lang="de-DE" dirty="0" err="1"/>
+              <a:t>beispiele</a:t>
+            </a:r>
+            <a:r>
+              <a:rPr lang="de-DE" dirty="0"/>
+              <a:t> mit SAP REST </a:t>
+            </a:r>
+            <a:r>
+              <a:rPr lang="de-DE" dirty="0" err="1"/>
+              <a:t>service</a:t>
+            </a:r>
+            <a:r>
+              <a:rPr lang="de-DE" dirty="0"/>
+              <a:t>, </a:t>
+            </a:r>
+            <a:r>
+              <a:rPr lang="de-DE" dirty="0" err="1"/>
+              <a:t>media</a:t>
+            </a:r>
+            <a:r>
+              <a:rPr lang="de-DE" dirty="0"/>
+              <a:t> </a:t>
+            </a:r>
+            <a:r>
+              <a:rPr lang="de-DE" dirty="0" err="1"/>
+              <a:t>service</a:t>
+            </a:r>
+            <a:endParaRPr lang="de-DE" dirty="0"/>
+          </a:p>
+          <a:p>
+            <a:r>
+              <a:rPr lang="de-DE" dirty="0" err="1"/>
+              <a:t>Microservices</a:t>
+            </a:r>
+            <a:r>
+              <a:rPr lang="de-DE" dirty="0"/>
+              <a:t> – unabhängig, entkoppelte Komponenten</a:t>
+            </a:r>
+          </a:p>
+          <a:p>
+            <a:r>
+              <a:rPr lang="de-DE" dirty="0"/>
+              <a:t>Standard </a:t>
+            </a:r>
+            <a:r>
+              <a:rPr lang="de-DE" dirty="0" err="1"/>
+              <a:t>conventions</a:t>
+            </a:r>
+            <a:r>
+              <a:rPr lang="de-DE" dirty="0"/>
+              <a:t> aber trotzdem möglich </a:t>
+            </a:r>
+            <a:r>
+              <a:rPr lang="de-DE" dirty="0" err="1"/>
+              <a:t>custom</a:t>
+            </a:r>
+            <a:r>
+              <a:rPr lang="de-DE" dirty="0"/>
+              <a:t> </a:t>
+            </a:r>
+            <a:r>
+              <a:rPr lang="de-DE" dirty="0" err="1"/>
+              <a:t>implementierungen</a:t>
+            </a:r>
+            <a:r>
+              <a:rPr lang="de-DE" dirty="0"/>
+              <a:t> zu schreiben</a:t>
+            </a:r>
+          </a:p>
+          <a:p>
+            <a:endParaRPr lang="de-DE" dirty="0"/>
+          </a:p>
+          <a:p>
             <a:endParaRPr lang="en-GB" dirty="0"/>
           </a:p>
         </p:txBody>
@@ -6438,7 +6575,7 @@
     </p:spTree>
     <p:extLst>
       <p:ext uri="{BB962C8B-B14F-4D97-AF65-F5344CB8AC3E}">
-        <p14:creationId xmlns:p14="http://schemas.microsoft.com/office/powerpoint/2010/main" val="3366541771"/>
+        <p14:creationId xmlns:p14="http://schemas.microsoft.com/office/powerpoint/2010/main" val="48103453"/>
       </p:ext>
     </p:extLst>
   </p:cSld>
@@ -6477,16 +6614,10 @@
         </p:nvSpPr>
         <p:spPr/>
         <p:txBody>
-          <a:bodyPr>
-            <a:normAutofit fontScale="85000" lnSpcReduction="10000"/>
-          </a:bodyPr>
-          <a:lstStyle/>
-          <a:p>
-            <a:r>
-              <a:rPr lang="de-DE" dirty="0"/>
-              <a:t>30 min</a:t>
-            </a:r>
-            <a:endParaRPr lang="en-GB" dirty="0"/>
+          <a:bodyPr/>
+          <a:lstStyle/>
+          <a:p>
+            <a:endParaRPr lang="en-GB"/>
           </a:p>
         </p:txBody>
       </p:sp>
@@ -6554,7 +6685,23 @@
           <a:p>
             <a:r>
               <a:rPr lang="de-DE" dirty="0"/>
-              <a:t>DAO umbauen (mit Links)</a:t>
+              <a:t>Extra: </a:t>
+            </a:r>
+            <a:r>
+              <a:rPr lang="de-DE" dirty="0" err="1"/>
+              <a:t>Paging</a:t>
+            </a:r>
+            <a:r>
+              <a:rPr lang="de-DE" dirty="0"/>
+              <a:t> + </a:t>
+            </a:r>
+            <a:r>
+              <a:rPr lang="de-DE" dirty="0" err="1"/>
+              <a:t>Sorting</a:t>
+            </a:r>
+            <a:r>
+              <a:rPr lang="de-DE" dirty="0"/>
+              <a:t> Repository</a:t>
             </a:r>
             <a:endParaRPr lang="en-GB" dirty="0"/>
           </a:p>
@@ -6575,14 +6722,57 @@
           <a:bodyPr/>
           <a:lstStyle/>
           <a:p>
-            <a:endParaRPr lang="en-GB"/>
+            <a:r>
+              <a:rPr lang="de-DE" dirty="0" err="1"/>
+              <a:t>PagingAndSortingRepository</a:t>
+            </a:r>
+            <a:r>
+              <a:rPr lang="de-DE" dirty="0"/>
+              <a:t> verwenden (statt </a:t>
+            </a:r>
+            <a:r>
+              <a:rPr lang="de-DE" dirty="0" err="1"/>
+              <a:t>CRUDRepository</a:t>
+            </a:r>
+            <a:r>
+              <a:rPr lang="de-DE" dirty="0"/>
+              <a:t>)</a:t>
+            </a:r>
+          </a:p>
+          <a:p>
+            <a:r>
+              <a:rPr lang="de-DE" dirty="0"/>
+              <a:t>In HAL Browser anschauen …</a:t>
+            </a:r>
+          </a:p>
+          <a:p>
+            <a:r>
+              <a:rPr lang="de-DE" dirty="0"/>
+              <a:t>Oder …</a:t>
+            </a:r>
+          </a:p>
+          <a:p>
+            <a:endParaRPr lang="de-DE" dirty="0"/>
+          </a:p>
+          <a:p>
+            <a:r>
+              <a:rPr lang="de-DE" dirty="0"/>
+              <a:t>DAO Implementierung erweitern</a:t>
+            </a:r>
+          </a:p>
+          <a:p>
+            <a:r>
+              <a:rPr lang="de-DE" dirty="0"/>
+              <a:t>UI erweitern</a:t>
+            </a:r>
+            <a:endParaRPr lang="en-GB" dirty="0"/>
           </a:p>
         </p:txBody>
       </p:sp>
     </p:spTree>
     <p:extLst>
       <p:ext uri="{BB962C8B-B14F-4D97-AF65-F5344CB8AC3E}">
-        <p14:creationId xmlns:p14="http://schemas.microsoft.com/office/powerpoint/2010/main" val="3239943257"/>
+        <p14:creationId xmlns:p14="http://schemas.microsoft.com/office/powerpoint/2010/main" val="637595942"/>
       </p:ext>
     </p:extLst>
   </p:cSld>
@@ -6611,7 +6801,7 @@
       </p:grpSpPr>
       <p:sp>
         <p:nvSpPr>
-          <p:cNvPr id="8" name="Textplatzhalter 7"/>
+          <p:cNvPr id="2" name="Textplatzhalter 1"/>
           <p:cNvSpPr>
             <a:spLocks noGrp="1"/>
           </p:cNvSpPr>
@@ -6622,13 +6812,13 @@
         <p:spPr/>
         <p:txBody>
           <a:bodyPr>
-            <a:normAutofit/>
+            <a:normAutofit fontScale="85000" lnSpcReduction="10000"/>
           </a:bodyPr>
           <a:lstStyle/>
           <a:p>
             <a:r>
               <a:rPr lang="de-DE" dirty="0"/>
-              <a:t>5 min</a:t>
+              <a:t>15 min</a:t>
             </a:r>
             <a:endParaRPr lang="en-GB" dirty="0"/>
           </a:p>
@@ -6636,7 +6826,7 @@
       </p:sp>
       <p:sp>
         <p:nvSpPr>
-          <p:cNvPr id="2" name="Fußzeilenplatzhalter 1"/>
+          <p:cNvPr id="3" name="Fußzeilenplatzhalter 2"/>
           <p:cNvSpPr>
             <a:spLocks noGrp="1"/>
           </p:cNvSpPr>
@@ -6659,7 +6849,7 @@
       </p:sp>
       <p:sp>
         <p:nvSpPr>
-          <p:cNvPr id="3" name="Foliennummernplatzhalter 2"/>
+          <p:cNvPr id="4" name="Foliennummernplatzhalter 3"/>
           <p:cNvSpPr>
             <a:spLocks noGrp="1"/>
           </p:cNvSpPr>
@@ -6683,7 +6873,7 @@
       </p:sp>
       <p:sp>
         <p:nvSpPr>
-          <p:cNvPr id="4" name="Titel 3"/>
+          <p:cNvPr id="5" name="Titel 4"/>
           <p:cNvSpPr>
             <a:spLocks noGrp="1"/>
           </p:cNvSpPr>
@@ -6697,28 +6887,12 @@
           <a:lstStyle/>
           <a:p>
             <a:r>
-              <a:rPr lang="de-DE" dirty="0"/>
-              <a:t>IRL </a:t>
-            </a:r>
-            <a:r>
               <a:rPr lang="de-DE" dirty="0" err="1"/>
-              <a:t>usage</a:t>
-            </a:r>
-            <a:r>
-              <a:rPr lang="de-DE" dirty="0"/>
-              <a:t> – </a:t>
-            </a:r>
-            <a:r>
-              <a:rPr lang="de-DE" dirty="0" err="1"/>
-              <a:t>flipchart</a:t>
-            </a:r>
-            <a:r>
-              <a:rPr lang="de-DE" dirty="0"/>
-              <a:t>, interaktives </a:t>
-            </a:r>
-            <a:r>
-              <a:rPr lang="de-DE" dirty="0" err="1"/>
-              <a:t>session</a:t>
+              <a:t>React</a:t>
+            </a:r>
+            <a:r>
+              <a:rPr lang="de-DE" dirty="0"/>
+              <a:t> Beispiel</a:t>
             </a:r>
             <a:endParaRPr lang="en-GB" dirty="0"/>
           </a:p>
@@ -6726,7 +6900,7 @@
       </p:sp>
       <p:sp>
         <p:nvSpPr>
-          <p:cNvPr id="9" name="Textplatzhalter 8"/>
+          <p:cNvPr id="6" name="Textplatzhalter 5"/>
           <p:cNvSpPr>
             <a:spLocks noGrp="1"/>
           </p:cNvSpPr>
@@ -6740,140 +6914,21 @@
           <a:lstStyle/>
           <a:p>
             <a:r>
-              <a:rPr lang="de-DE" dirty="0" err="1"/>
-              <a:t>Reminder</a:t>
-            </a:r>
-            <a:r>
-              <a:rPr lang="de-DE" dirty="0"/>
-              <a:t>: </a:t>
-            </a:r>
-            <a:r>
-              <a:rPr lang="de-DE" dirty="0" err="1"/>
-              <a:t>vorteile</a:t>
-            </a:r>
-            <a:r>
-              <a:rPr lang="de-DE" dirty="0"/>
-              <a:t> von Spring Data?</a:t>
-            </a:r>
-          </a:p>
-          <a:p>
-            <a:endParaRPr lang="de-DE" dirty="0"/>
-          </a:p>
-          <a:p>
-            <a:endParaRPr lang="de-DE" dirty="0"/>
-          </a:p>
-          <a:p>
-            <a:r>
-              <a:rPr lang="de-DE" dirty="0"/>
-              <a:t>Kleine/große Projekte – wenig Setup nötig. Large-</a:t>
-            </a:r>
-            <a:r>
-              <a:rPr lang="de-DE" dirty="0" err="1"/>
-              <a:t>scale</a:t>
-            </a:r>
-            <a:r>
-              <a:rPr lang="de-DE" dirty="0"/>
-              <a:t>, large-team </a:t>
-            </a:r>
-            <a:r>
-              <a:rPr lang="de-DE" dirty="0" err="1"/>
-              <a:t>Jave</a:t>
-            </a:r>
-            <a:r>
-              <a:rPr lang="de-DE" dirty="0"/>
-              <a:t> EE </a:t>
-            </a:r>
-            <a:r>
-              <a:rPr lang="de-DE" dirty="0" err="1"/>
-              <a:t>dev</a:t>
-            </a:r>
-            <a:endParaRPr lang="de-DE" dirty="0"/>
-          </a:p>
-          <a:p>
-            <a:r>
-              <a:rPr lang="de-DE" dirty="0"/>
-              <a:t>Schnell!</a:t>
-            </a:r>
-          </a:p>
-          <a:p>
-            <a:r>
-              <a:rPr lang="de-DE" dirty="0"/>
-              <a:t>Kundenprojekte … </a:t>
-            </a:r>
-            <a:r>
-              <a:rPr lang="de-DE" dirty="0" err="1"/>
-              <a:t>beispiele</a:t>
-            </a:r>
-            <a:r>
-              <a:rPr lang="de-DE" dirty="0"/>
-              <a:t> mit SAP REST </a:t>
-            </a:r>
-            <a:r>
-              <a:rPr lang="de-DE" dirty="0" err="1"/>
-              <a:t>service</a:t>
-            </a:r>
-            <a:r>
-              <a:rPr lang="de-DE" dirty="0"/>
-              <a:t>, </a:t>
-            </a:r>
-            <a:r>
-              <a:rPr lang="de-DE" dirty="0" err="1"/>
-              <a:t>media</a:t>
-            </a:r>
-            <a:r>
-              <a:rPr lang="de-DE" dirty="0"/>
-              <a:t> </a:t>
-            </a:r>
-            <a:r>
-              <a:rPr lang="de-DE" dirty="0" err="1"/>
-              <a:t>service</a:t>
-            </a:r>
-            <a:endParaRPr lang="de-DE" dirty="0"/>
-          </a:p>
-          <a:p>
-            <a:r>
-              <a:rPr lang="de-DE" dirty="0" err="1"/>
-              <a:t>Microservices</a:t>
-            </a:r>
-            <a:r>
-              <a:rPr lang="de-DE" dirty="0"/>
-              <a:t> – unabhängig, entkoppelte Komponenten</a:t>
-            </a:r>
-          </a:p>
-          <a:p>
-            <a:r>
-              <a:rPr lang="de-DE" dirty="0"/>
-              <a:t>Standard </a:t>
-            </a:r>
-            <a:r>
-              <a:rPr lang="de-DE" dirty="0" err="1"/>
-              <a:t>conventions</a:t>
-            </a:r>
-            <a:r>
-              <a:rPr lang="de-DE" dirty="0"/>
-              <a:t> aber trotzdem möglich </a:t>
-            </a:r>
-            <a:r>
-              <a:rPr lang="de-DE" dirty="0" err="1"/>
-              <a:t>custom</a:t>
-            </a:r>
-            <a:r>
-              <a:rPr lang="de-DE" dirty="0"/>
-              <a:t> </a:t>
-            </a:r>
-            <a:r>
-              <a:rPr lang="de-DE" dirty="0" err="1"/>
-              <a:t>implementierungen</a:t>
-            </a:r>
-            <a:r>
-              <a:rPr lang="de-DE" dirty="0"/>
-              <a:t> zu schreiben</a:t>
-            </a:r>
-          </a:p>
-          <a:p>
-            <a:endParaRPr lang="de-DE" dirty="0"/>
-          </a:p>
-          <a:p>
+              <a:rPr lang="de-DE" dirty="0"/>
+              <a:t>Unterschied, SPA, direkte REST Aufrufe</a:t>
+            </a:r>
+          </a:p>
+          <a:p>
+            <a:r>
+              <a:rPr lang="de-DE" dirty="0"/>
+              <a:t>Flipchart Erklärung</a:t>
+            </a:r>
+          </a:p>
+          <a:p>
+            <a:r>
+              <a:rPr lang="de-DE" dirty="0"/>
+              <a:t>Selber auschecken ?</a:t>
+            </a:r>
             <a:endParaRPr lang="en-GB" dirty="0"/>
           </a:p>
         </p:txBody>
@@ -6881,7 +6936,7 @@
     </p:spTree>
     <p:extLst>
       <p:ext uri="{BB962C8B-B14F-4D97-AF65-F5344CB8AC3E}">
-        <p14:creationId xmlns:p14="http://schemas.microsoft.com/office/powerpoint/2010/main" val="48103453"/>
+        <p14:creationId xmlns:p14="http://schemas.microsoft.com/office/powerpoint/2010/main" val="575469459"/>
       </p:ext>
     </p:extLst>
   </p:cSld>
@@ -6920,10 +6975,16 @@
         </p:nvSpPr>
         <p:spPr/>
         <p:txBody>
-          <a:bodyPr/>
-          <a:lstStyle/>
-          <a:p>
-            <a:endParaRPr lang="en-GB"/>
+          <a:bodyPr>
+            <a:normAutofit fontScale="85000" lnSpcReduction="10000"/>
+          </a:bodyPr>
+          <a:lstStyle/>
+          <a:p>
+            <a:r>
+              <a:rPr lang="de-DE" dirty="0"/>
+              <a:t>15 min</a:t>
+            </a:r>
+            <a:endParaRPr lang="en-GB" dirty="0"/>
           </a:p>
         </p:txBody>
       </p:sp>
@@ -6969,373 +7030,6 @@
               <a:rPr lang="de-DE" smtClean="0"/>
               <a:pPr/>
               <a:t>17</a:t>
-            </a:fld>
-            <a:endParaRPr lang="de-DE" dirty="0"/>
-          </a:p>
-        </p:txBody>
-      </p:sp>
-      <p:sp>
-        <p:nvSpPr>
-          <p:cNvPr id="5" name="Titel 4"/>
-          <p:cNvSpPr>
-            <a:spLocks noGrp="1"/>
-          </p:cNvSpPr>
-          <p:nvPr>
-            <p:ph type="title"/>
-          </p:nvPr>
-        </p:nvSpPr>
-        <p:spPr/>
-        <p:txBody>
-          <a:bodyPr/>
-          <a:lstStyle/>
-          <a:p>
-            <a:r>
-              <a:rPr lang="de-DE" dirty="0"/>
-              <a:t>Extra: </a:t>
-            </a:r>
-            <a:r>
-              <a:rPr lang="de-DE" dirty="0" err="1"/>
-              <a:t>Paging</a:t>
-            </a:r>
-            <a:r>
-              <a:rPr lang="de-DE" dirty="0"/>
-              <a:t> + </a:t>
-            </a:r>
-            <a:r>
-              <a:rPr lang="de-DE" dirty="0" err="1"/>
-              <a:t>Sorting</a:t>
-            </a:r>
-            <a:r>
-              <a:rPr lang="de-DE" dirty="0"/>
-              <a:t> Repository</a:t>
-            </a:r>
-            <a:endParaRPr lang="en-GB" dirty="0"/>
-          </a:p>
-        </p:txBody>
-      </p:sp>
-      <p:sp>
-        <p:nvSpPr>
-          <p:cNvPr id="6" name="Textplatzhalter 5"/>
-          <p:cNvSpPr>
-            <a:spLocks noGrp="1"/>
-          </p:cNvSpPr>
-          <p:nvPr>
-            <p:ph type="body" sz="quarter" idx="12"/>
-          </p:nvPr>
-        </p:nvSpPr>
-        <p:spPr/>
-        <p:txBody>
-          <a:bodyPr/>
-          <a:lstStyle/>
-          <a:p>
-            <a:r>
-              <a:rPr lang="de-DE" dirty="0" err="1"/>
-              <a:t>PagingAndSortingRepository</a:t>
-            </a:r>
-            <a:r>
-              <a:rPr lang="de-DE" dirty="0"/>
-              <a:t> verwenden (statt </a:t>
-            </a:r>
-            <a:r>
-              <a:rPr lang="de-DE" dirty="0" err="1"/>
-              <a:t>CRUDRepository</a:t>
-            </a:r>
-            <a:r>
-              <a:rPr lang="de-DE" dirty="0"/>
-              <a:t>)</a:t>
-            </a:r>
-          </a:p>
-          <a:p>
-            <a:r>
-              <a:rPr lang="de-DE" dirty="0"/>
-              <a:t>In HAL Browser anschauen …</a:t>
-            </a:r>
-          </a:p>
-          <a:p>
-            <a:r>
-              <a:rPr lang="de-DE" dirty="0"/>
-              <a:t>Oder …</a:t>
-            </a:r>
-          </a:p>
-          <a:p>
-            <a:endParaRPr lang="de-DE" dirty="0"/>
-          </a:p>
-          <a:p>
-            <a:r>
-              <a:rPr lang="de-DE" dirty="0"/>
-              <a:t>DAO Implementierung erweitern</a:t>
-            </a:r>
-          </a:p>
-          <a:p>
-            <a:r>
-              <a:rPr lang="de-DE" dirty="0"/>
-              <a:t>UI erweitern</a:t>
-            </a:r>
-            <a:endParaRPr lang="en-GB" dirty="0"/>
-          </a:p>
-        </p:txBody>
-      </p:sp>
-    </p:spTree>
-    <p:extLst>
-      <p:ext uri="{BB962C8B-B14F-4D97-AF65-F5344CB8AC3E}">
-        <p14:creationId xmlns:p14="http://schemas.microsoft.com/office/powerpoint/2010/main" val="637595942"/>
-      </p:ext>
-    </p:extLst>
-  </p:cSld>
-  <p:clrMapOvr>
-    <a:masterClrMapping/>
-  </p:clrMapOvr>
-</p:sld>
-</file>
-
-<file path=ppt/slides/slide18.xml><?xml version="1.0" encoding="utf-8"?>
-<p:sld xmlns:a="http://schemas.openxmlformats.org/drawingml/2006/main" xmlns:r="http://schemas.openxmlformats.org/officeDocument/2006/relationships" xmlns:p="http://schemas.openxmlformats.org/presentationml/2006/main">
-  <p:cSld>
-    <p:spTree>
-      <p:nvGrpSpPr>
-        <p:cNvPr id="1" name=""/>
-        <p:cNvGrpSpPr/>
-        <p:nvPr/>
-      </p:nvGrpSpPr>
-      <p:grpSpPr>
-        <a:xfrm>
-          <a:off x="0" y="0"/>
-          <a:ext cx="0" cy="0"/>
-          <a:chOff x="0" y="0"/>
-          <a:chExt cx="0" cy="0"/>
-        </a:xfrm>
-      </p:grpSpPr>
-      <p:sp>
-        <p:nvSpPr>
-          <p:cNvPr id="2" name="Textplatzhalter 1"/>
-          <p:cNvSpPr>
-            <a:spLocks noGrp="1"/>
-          </p:cNvSpPr>
-          <p:nvPr>
-            <p:ph type="body" sz="half" idx="2"/>
-          </p:nvPr>
-        </p:nvSpPr>
-        <p:spPr/>
-        <p:txBody>
-          <a:bodyPr>
-            <a:normAutofit fontScale="85000" lnSpcReduction="10000"/>
-          </a:bodyPr>
-          <a:lstStyle/>
-          <a:p>
-            <a:r>
-              <a:rPr lang="de-DE" dirty="0"/>
-              <a:t>15 min</a:t>
-            </a:r>
-            <a:endParaRPr lang="en-GB" dirty="0"/>
-          </a:p>
-        </p:txBody>
-      </p:sp>
-      <p:sp>
-        <p:nvSpPr>
-          <p:cNvPr id="3" name="Fußzeilenplatzhalter 2"/>
-          <p:cNvSpPr>
-            <a:spLocks noGrp="1"/>
-          </p:cNvSpPr>
-          <p:nvPr>
-            <p:ph type="ftr" sz="quarter" idx="10"/>
-          </p:nvPr>
-        </p:nvSpPr>
-        <p:spPr/>
-        <p:txBody>
-          <a:bodyPr/>
-          <a:lstStyle/>
-          <a:p>
-            <a:r>
-              <a:rPr lang="en-US"/>
-              <a:t>Experts in agile software engineering</a:t>
-            </a:r>
-            <a:endParaRPr lang="de-DE" dirty="0"/>
-          </a:p>
-        </p:txBody>
-      </p:sp>
-      <p:sp>
-        <p:nvSpPr>
-          <p:cNvPr id="4" name="Foliennummernplatzhalter 3"/>
-          <p:cNvSpPr>
-            <a:spLocks noGrp="1"/>
-          </p:cNvSpPr>
-          <p:nvPr>
-            <p:ph type="sldNum" sz="quarter" idx="11"/>
-          </p:nvPr>
-        </p:nvSpPr>
-        <p:spPr/>
-        <p:txBody>
-          <a:bodyPr/>
-          <a:lstStyle/>
-          <a:p>
-            <a:fld id="{6C6AE60A-B69C-4790-82F7-3882EDF23186}" type="slidenum">
-              <a:rPr lang="de-DE" smtClean="0"/>
-              <a:pPr/>
-              <a:t>18</a:t>
-            </a:fld>
-            <a:endParaRPr lang="de-DE" dirty="0"/>
-          </a:p>
-        </p:txBody>
-      </p:sp>
-      <p:sp>
-        <p:nvSpPr>
-          <p:cNvPr id="5" name="Titel 4"/>
-          <p:cNvSpPr>
-            <a:spLocks noGrp="1"/>
-          </p:cNvSpPr>
-          <p:nvPr>
-            <p:ph type="title"/>
-          </p:nvPr>
-        </p:nvSpPr>
-        <p:spPr/>
-        <p:txBody>
-          <a:bodyPr/>
-          <a:lstStyle/>
-          <a:p>
-            <a:r>
-              <a:rPr lang="de-DE" dirty="0" err="1"/>
-              <a:t>React</a:t>
-            </a:r>
-            <a:r>
-              <a:rPr lang="de-DE" dirty="0"/>
-              <a:t> Beispiel</a:t>
-            </a:r>
-            <a:endParaRPr lang="en-GB" dirty="0"/>
-          </a:p>
-        </p:txBody>
-      </p:sp>
-      <p:sp>
-        <p:nvSpPr>
-          <p:cNvPr id="6" name="Textplatzhalter 5"/>
-          <p:cNvSpPr>
-            <a:spLocks noGrp="1"/>
-          </p:cNvSpPr>
-          <p:nvPr>
-            <p:ph type="body" sz="quarter" idx="12"/>
-          </p:nvPr>
-        </p:nvSpPr>
-        <p:spPr/>
-        <p:txBody>
-          <a:bodyPr/>
-          <a:lstStyle/>
-          <a:p>
-            <a:r>
-              <a:rPr lang="de-DE" dirty="0"/>
-              <a:t>Unterschied, SPA, direkte REST Aufrufe</a:t>
-            </a:r>
-          </a:p>
-          <a:p>
-            <a:r>
-              <a:rPr lang="de-DE" dirty="0"/>
-              <a:t>Flipchart Erklärung</a:t>
-            </a:r>
-          </a:p>
-          <a:p>
-            <a:r>
-              <a:rPr lang="de-DE" dirty="0"/>
-              <a:t>Selber auschecken ?</a:t>
-            </a:r>
-            <a:endParaRPr lang="en-GB" dirty="0"/>
-          </a:p>
-        </p:txBody>
-      </p:sp>
-    </p:spTree>
-    <p:extLst>
-      <p:ext uri="{BB962C8B-B14F-4D97-AF65-F5344CB8AC3E}">
-        <p14:creationId xmlns:p14="http://schemas.microsoft.com/office/powerpoint/2010/main" val="575469459"/>
-      </p:ext>
-    </p:extLst>
-  </p:cSld>
-  <p:clrMapOvr>
-    <a:masterClrMapping/>
-  </p:clrMapOvr>
-</p:sld>
-</file>
-
-<file path=ppt/slides/slide19.xml><?xml version="1.0" encoding="utf-8"?>
-<p:sld xmlns:a="http://schemas.openxmlformats.org/drawingml/2006/main" xmlns:r="http://schemas.openxmlformats.org/officeDocument/2006/relationships" xmlns:p="http://schemas.openxmlformats.org/presentationml/2006/main">
-  <p:cSld>
-    <p:spTree>
-      <p:nvGrpSpPr>
-        <p:cNvPr id="1" name=""/>
-        <p:cNvGrpSpPr/>
-        <p:nvPr/>
-      </p:nvGrpSpPr>
-      <p:grpSpPr>
-        <a:xfrm>
-          <a:off x="0" y="0"/>
-          <a:ext cx="0" cy="0"/>
-          <a:chOff x="0" y="0"/>
-          <a:chExt cx="0" cy="0"/>
-        </a:xfrm>
-      </p:grpSpPr>
-      <p:sp>
-        <p:nvSpPr>
-          <p:cNvPr id="2" name="Textplatzhalter 1"/>
-          <p:cNvSpPr>
-            <a:spLocks noGrp="1"/>
-          </p:cNvSpPr>
-          <p:nvPr>
-            <p:ph type="body" sz="half" idx="2"/>
-          </p:nvPr>
-        </p:nvSpPr>
-        <p:spPr/>
-        <p:txBody>
-          <a:bodyPr>
-            <a:normAutofit fontScale="85000" lnSpcReduction="10000"/>
-          </a:bodyPr>
-          <a:lstStyle/>
-          <a:p>
-            <a:r>
-              <a:rPr lang="de-DE" dirty="0"/>
-              <a:t>15 min</a:t>
-            </a:r>
-            <a:endParaRPr lang="en-GB" dirty="0"/>
-          </a:p>
-        </p:txBody>
-      </p:sp>
-      <p:sp>
-        <p:nvSpPr>
-          <p:cNvPr id="3" name="Fußzeilenplatzhalter 2"/>
-          <p:cNvSpPr>
-            <a:spLocks noGrp="1"/>
-          </p:cNvSpPr>
-          <p:nvPr>
-            <p:ph type="ftr" sz="quarter" idx="10"/>
-          </p:nvPr>
-        </p:nvSpPr>
-        <p:spPr/>
-        <p:txBody>
-          <a:bodyPr/>
-          <a:lstStyle/>
-          <a:p>
-            <a:r>
-              <a:rPr lang="en-US"/>
-              <a:t>Experts in agile software engineering</a:t>
-            </a:r>
-            <a:endParaRPr lang="de-DE" dirty="0"/>
-          </a:p>
-        </p:txBody>
-      </p:sp>
-      <p:sp>
-        <p:nvSpPr>
-          <p:cNvPr id="4" name="Foliennummernplatzhalter 3"/>
-          <p:cNvSpPr>
-            <a:spLocks noGrp="1"/>
-          </p:cNvSpPr>
-          <p:nvPr>
-            <p:ph type="sldNum" sz="quarter" idx="11"/>
-          </p:nvPr>
-        </p:nvSpPr>
-        <p:spPr/>
-        <p:txBody>
-          <a:bodyPr/>
-          <a:lstStyle/>
-          <a:p>
-            <a:fld id="{6C6AE60A-B69C-4790-82F7-3882EDF23186}" type="slidenum">
-              <a:rPr lang="de-DE" smtClean="0"/>
-              <a:pPr/>
-              <a:t>19</a:t>
             </a:fld>
             <a:endParaRPr lang="de-DE" dirty="0"/>
           </a:p>
@@ -8156,30 +7850,6 @@
       </p:grpSpPr>
       <p:sp>
         <p:nvSpPr>
-          <p:cNvPr id="8" name="Textplatzhalter 7"/>
-          <p:cNvSpPr>
-            <a:spLocks noGrp="1"/>
-          </p:cNvSpPr>
-          <p:nvPr>
-            <p:ph type="body" sz="half" idx="2"/>
-          </p:nvPr>
-        </p:nvSpPr>
-        <p:spPr/>
-        <p:txBody>
-          <a:bodyPr>
-            <a:normAutofit fontScale="85000" lnSpcReduction="10000"/>
-          </a:bodyPr>
-          <a:lstStyle/>
-          <a:p>
-            <a:r>
-              <a:rPr lang="de-DE" dirty="0"/>
-              <a:t>30 Min</a:t>
-            </a:r>
-          </a:p>
-        </p:txBody>
-      </p:sp>
-      <p:sp>
-        <p:nvSpPr>
           <p:cNvPr id="2" name="Fußzeilenplatzhalter 1"/>
           <p:cNvSpPr>
             <a:spLocks noGrp="1"/>
@@ -8249,7 +7919,7 @@
       </p:sp>
       <p:sp>
         <p:nvSpPr>
-          <p:cNvPr id="9" name="Textplatzhalter 8"/>
+          <p:cNvPr id="5" name="Textplatzhalter 4"/>
           <p:cNvSpPr>
             <a:spLocks noGrp="1"/>
           </p:cNvSpPr>
@@ -8259,11 +7929,10 @@
         </p:nvSpPr>
         <p:spPr/>
         <p:txBody>
-          <a:bodyPr/>
-          <a:lstStyle/>
-          <a:p>
-            <a:endParaRPr lang="de-DE" dirty="0"/>
-          </a:p>
+          <a:bodyPr>
+            <a:normAutofit/>
+          </a:bodyPr>
+          <a:lstStyle/>
           <a:p>
             <a:r>
               <a:rPr lang="de-DE" dirty="0" err="1"/>
@@ -8307,22 +7976,13 @@
               <a:rPr lang="de-DE" dirty="0"/>
               <a:t>H2 DB</a:t>
             </a:r>
-          </a:p>
-          <a:p>
-            <a:endParaRPr lang="de-DE" dirty="0"/>
-          </a:p>
-          <a:p>
-            <a:endParaRPr lang="de-DE" dirty="0"/>
-          </a:p>
-          <a:p>
-            <a:endParaRPr lang="de-DE" dirty="0"/>
           </a:p>
         </p:txBody>
       </p:sp>
     </p:spTree>
     <p:extLst>
       <p:ext uri="{BB962C8B-B14F-4D97-AF65-F5344CB8AC3E}">
-        <p14:creationId xmlns:p14="http://schemas.microsoft.com/office/powerpoint/2010/main" val="1899478948"/>
+        <p14:creationId xmlns:p14="http://schemas.microsoft.com/office/powerpoint/2010/main" val="1413780197"/>
       </p:ext>
     </p:extLst>
   </p:cSld>
@@ -8474,7 +8134,7 @@
           <a:p>
             <a:r>
               <a:rPr lang="de-DE" dirty="0"/>
-              <a:t>Projekt von GitHub auschecken (siehe Email)</a:t>
+              <a:t>Projekt von GitHub auschecken</a:t>
             </a:r>
           </a:p>
           <a:p>
@@ -8631,7 +8291,19 @@
           <a:p>
             <a:r>
               <a:rPr lang="de-DE" dirty="0"/>
-              <a:t>Pause</a:t>
+              <a:t>Spring Data </a:t>
+            </a:r>
+            <a:r>
+              <a:rPr lang="de-DE" dirty="0" err="1"/>
+              <a:t>Queries</a:t>
+            </a:r>
+            <a:r>
+              <a:rPr lang="de-DE" dirty="0"/>
+              <a:t> + </a:t>
+            </a:r>
+            <a:r>
+              <a:rPr lang="de-DE" dirty="0" err="1"/>
+              <a:t>Repositories</a:t>
             </a:r>
             <a:endParaRPr lang="en-GB" dirty="0"/>
           </a:p>
@@ -8652,14 +8324,92 @@
           <a:bodyPr/>
           <a:lstStyle/>
           <a:p>
-            <a:endParaRPr lang="en-GB"/>
+            <a:r>
+              <a:rPr lang="de-DE" dirty="0"/>
+              <a:t>Query </a:t>
+            </a:r>
+            <a:r>
+              <a:rPr lang="de-DE" dirty="0" err="1"/>
+              <a:t>syntax</a:t>
+            </a:r>
+            <a:r>
+              <a:rPr lang="de-DE" dirty="0"/>
+              <a:t> (IDE Unterstützung, </a:t>
+            </a:r>
+            <a:r>
+              <a:rPr lang="de-DE" dirty="0" err="1"/>
+              <a:t>IntelliJ</a:t>
+            </a:r>
+            <a:r>
+              <a:rPr lang="de-DE" dirty="0"/>
+              <a:t>, )</a:t>
+            </a:r>
+          </a:p>
+          <a:p>
+            <a:r>
+              <a:rPr lang="de-DE" dirty="0" err="1"/>
+              <a:t>Repositories</a:t>
+            </a:r>
+            <a:r>
+              <a:rPr lang="de-DE" dirty="0"/>
+              <a:t> (CRUD, </a:t>
+            </a:r>
+            <a:r>
+              <a:rPr lang="de-DE" dirty="0" err="1"/>
+              <a:t>PagingAndSorting</a:t>
+            </a:r>
+            <a:r>
+              <a:rPr lang="de-DE" dirty="0"/>
+              <a:t> …)</a:t>
+            </a:r>
+          </a:p>
+          <a:p>
+            <a:r>
+              <a:rPr lang="de-DE" dirty="0"/>
+              <a:t>Request </a:t>
+            </a:r>
+            <a:r>
+              <a:rPr lang="de-DE" dirty="0" err="1"/>
+              <a:t>params</a:t>
+            </a:r>
+            <a:endParaRPr lang="de-DE" dirty="0"/>
+          </a:p>
+          <a:p>
+            <a:r>
+              <a:rPr lang="de-DE" dirty="0"/>
+              <a:t>Native </a:t>
+            </a:r>
+            <a:r>
+              <a:rPr lang="de-DE" dirty="0" err="1"/>
+              <a:t>Queries</a:t>
+            </a:r>
+            <a:endParaRPr lang="de-DE" dirty="0"/>
+          </a:p>
+          <a:p>
+            <a:endParaRPr lang="de-DE" dirty="0"/>
+          </a:p>
+          <a:p>
+            <a:pPr marL="0" indent="0">
+              <a:buNone/>
+            </a:pPr>
+            <a:r>
+              <a:rPr lang="de-DE" dirty="0" err="1"/>
+              <a:t>Documentation</a:t>
+            </a:r>
+            <a:r>
+              <a:rPr lang="de-DE" dirty="0"/>
+              <a:t>: http://docs.spring.io/spring-data/rest/docs/current/reference/html/</a:t>
+            </a:r>
+          </a:p>
+          <a:p>
+            <a:endParaRPr lang="en-GB" dirty="0"/>
           </a:p>
         </p:txBody>
       </p:sp>
     </p:spTree>
     <p:extLst>
       <p:ext uri="{BB962C8B-B14F-4D97-AF65-F5344CB8AC3E}">
-        <p14:creationId xmlns:p14="http://schemas.microsoft.com/office/powerpoint/2010/main" val="1832731950"/>
+        <p14:creationId xmlns:p14="http://schemas.microsoft.com/office/powerpoint/2010/main" val="1815258435"/>
       </p:ext>
     </p:extLst>
   </p:cSld>
@@ -8704,8 +8454,8 @@
           <a:lstStyle/>
           <a:p>
             <a:r>
-              <a:rPr lang="de-DE" dirty="0"/>
-              <a:t>15 min</a:t>
+              <a:rPr lang="en-US" dirty="0"/>
+              <a:t>30 min</a:t>
             </a:r>
             <a:endParaRPr lang="en-GB" dirty="0"/>
           </a:p>
@@ -8770,12 +8520,22 @@
         </p:nvSpPr>
         <p:spPr/>
         <p:txBody>
-          <a:bodyPr/>
-          <a:lstStyle/>
-          <a:p>
-            <a:r>
-              <a:rPr lang="de-DE" dirty="0"/>
-              <a:t>Spring Data Theorie</a:t>
+          <a:bodyPr>
+            <a:normAutofit/>
+          </a:bodyPr>
+          <a:lstStyle/>
+          <a:p>
+            <a:r>
+              <a:rPr lang="de-DE" dirty="0"/>
+              <a:t>Event Repository </a:t>
+            </a:r>
+            <a:r>
+              <a:rPr lang="de-DE" dirty="0" err="1"/>
+              <a:t>erweiten</a:t>
+            </a:r>
+            <a:r>
+              <a:rPr lang="de-DE" dirty="0"/>
+              <a:t> um Suche</a:t>
             </a:r>
             <a:endParaRPr lang="en-GB" dirty="0"/>
           </a:p>
@@ -8798,82 +8558,16 @@
           <a:p>
             <a:r>
               <a:rPr lang="de-DE" dirty="0"/>
-              <a:t>Query </a:t>
-            </a:r>
-            <a:r>
-              <a:rPr lang="de-DE" dirty="0" err="1"/>
-              <a:t>syntax</a:t>
-            </a:r>
-            <a:r>
-              <a:rPr lang="de-DE" dirty="0"/>
-              <a:t> (IDE Unterstützung, </a:t>
-            </a:r>
-            <a:r>
-              <a:rPr lang="de-DE" dirty="0" err="1"/>
-              <a:t>IntelliJ</a:t>
-            </a:r>
-            <a:r>
-              <a:rPr lang="de-DE" dirty="0"/>
-              <a:t>, )</a:t>
-            </a:r>
-          </a:p>
-          <a:p>
-            <a:r>
-              <a:rPr lang="de-DE" dirty="0" err="1"/>
-              <a:t>Repositories</a:t>
-            </a:r>
-            <a:r>
-              <a:rPr lang="de-DE" dirty="0"/>
-              <a:t> (CRUD, </a:t>
-            </a:r>
-            <a:r>
-              <a:rPr lang="de-DE" dirty="0" err="1"/>
-              <a:t>PagingAndSorting</a:t>
-            </a:r>
-            <a:r>
-              <a:rPr lang="de-DE" dirty="0"/>
-              <a:t> …)</a:t>
-            </a:r>
-          </a:p>
-          <a:p>
-            <a:r>
-              <a:rPr lang="de-DE" dirty="0"/>
-              <a:t>Request </a:t>
-            </a:r>
-            <a:r>
-              <a:rPr lang="de-DE" dirty="0" err="1"/>
-              <a:t>params</a:t>
-            </a:r>
-            <a:endParaRPr lang="de-DE" dirty="0"/>
-          </a:p>
-          <a:p>
-            <a:r>
-              <a:rPr lang="de-DE" dirty="0"/>
-              <a:t>Native </a:t>
+              <a:t>(danach HAL Browser zeigen, neue </a:t>
             </a:r>
             <a:r>
               <a:rPr lang="de-DE" dirty="0" err="1"/>
               <a:t>Queries</a:t>
             </a:r>
-            <a:endParaRPr lang="de-DE" dirty="0"/>
-          </a:p>
-          <a:p>
-            <a:endParaRPr lang="de-DE" dirty="0"/>
-          </a:p>
-          <a:p>
-            <a:pPr marL="0" indent="0">
-              <a:buNone/>
-            </a:pPr>
-            <a:r>
-              <a:rPr lang="de-DE" dirty="0" err="1"/>
-              <a:t>Documentation</a:t>
-            </a:r>
-            <a:r>
-              <a:rPr lang="de-DE" dirty="0"/>
-              <a:t>: http://docs.spring.io/spring-data/rest/docs/current/reference/html/</a:t>
-            </a:r>
-          </a:p>
-          <a:p>
+            <a:r>
+              <a:rPr lang="de-DE" dirty="0"/>
+              <a:t> da)</a:t>
+            </a:r>
             <a:endParaRPr lang="en-GB" dirty="0"/>
           </a:p>
         </p:txBody>
@@ -8881,7 +8575,7 @@
     </p:spTree>
     <p:extLst>
       <p:ext uri="{BB962C8B-B14F-4D97-AF65-F5344CB8AC3E}">
-        <p14:creationId xmlns:p14="http://schemas.microsoft.com/office/powerpoint/2010/main" val="1815258435"/>
+        <p14:creationId xmlns:p14="http://schemas.microsoft.com/office/powerpoint/2010/main" val="204088125"/>
       </p:ext>
     </p:extLst>
   </p:cSld>
@@ -10172,6 +9866,15 @@
 </file>
 
 <file path=customXml/item1.xml><?xml version="1.0" encoding="utf-8"?>
+<p:properties xmlns:p="http://schemas.microsoft.com/office/2006/metadata/properties" xmlns:xsi="http://www.w3.org/2001/XMLSchema-instance" xmlns:pc="http://schemas.microsoft.com/office/infopath/2007/PartnerControls">
+  <documentManagement>
+    <_Version xmlns="http://schemas.microsoft.com/sharepoint/v3/fields" xsi:nil="true"/>
+    <_Status xmlns="http://schemas.microsoft.com/sharepoint/v3/fields">Not Started</_Status>
+  </documentManagement>
+</p:properties>
+</file>
+
+<file path=customXml/item2.xml><?xml version="1.0" encoding="utf-8"?>
 <ct:contentTypeSchema xmlns:ct="http://schemas.microsoft.com/office/2006/metadata/contentType" xmlns:ma="http://schemas.microsoft.com/office/2006/metadata/properties/metaAttributes" ct:_="" ma:_="" ma:contentTypeName="Document" ma:contentTypeID="0x0101000DE64AEEDD9B7A4D93545ACBE97D4615" ma:contentTypeVersion="2" ma:contentTypeDescription="Create a new document." ma:contentTypeScope="" ma:versionID="f49002b78e3a4a71b814eef46a983816">
   <xsd:schema xmlns:xsd="http://www.w3.org/2001/XMLSchema" xmlns:xs="http://www.w3.org/2001/XMLSchema" xmlns:p="http://schemas.microsoft.com/office/2006/metadata/properties" xmlns:ns2="http://schemas.microsoft.com/sharepoint/v3/fields" targetNamespace="http://schemas.microsoft.com/office/2006/metadata/properties" ma:root="true" ma:fieldsID="38f6db2dd0d9a0cf6a8dc37be32b365b" ns2:_="">
     <xsd:import namespace="http://schemas.microsoft.com/sharepoint/v3/fields"/>
@@ -10315,15 +10018,6 @@
 </ct:contentTypeSchema>
 </file>
 
-<file path=customXml/item2.xml><?xml version="1.0" encoding="utf-8"?>
-<p:properties xmlns:p="http://schemas.microsoft.com/office/2006/metadata/properties" xmlns:xsi="http://www.w3.org/2001/XMLSchema-instance" xmlns:pc="http://schemas.microsoft.com/office/infopath/2007/PartnerControls">
-  <documentManagement>
-    <_Version xmlns="http://schemas.microsoft.com/sharepoint/v3/fields" xsi:nil="true"/>
-    <_Status xmlns="http://schemas.microsoft.com/sharepoint/v3/fields">Not Started</_Status>
-  </documentManagement>
-</p:properties>
-</file>
-
 <file path=customXml/item3.xml><?xml version="1.0" encoding="utf-8"?>
 <?mso-contentType ?>
 <FormTemplates xmlns="http://schemas.microsoft.com/sharepoint/v3/contenttype/forms">
@@ -10334,6 +10028,22 @@
 </file>
 
 <file path=customXml/itemProps1.xml><?xml version="1.0" encoding="utf-8"?>
+<ds:datastoreItem xmlns:ds="http://schemas.openxmlformats.org/officeDocument/2006/customXml" ds:itemID="{7B6F2769-7194-4217-93D3-3AF3A4742282}">
+  <ds:schemaRefs>
+    <ds:schemaRef ds:uri="http://schemas.microsoft.com/sharepoint/v3/fields"/>
+    <ds:schemaRef ds:uri="http://purl.org/dc/terms/"/>
+    <ds:schemaRef ds:uri="http://schemas.microsoft.com/office/2006/documentManagement/types"/>
+    <ds:schemaRef ds:uri="http://schemas.openxmlformats.org/package/2006/metadata/core-properties"/>
+    <ds:schemaRef ds:uri="http://www.w3.org/XML/1998/namespace"/>
+    <ds:schemaRef ds:uri="http://purl.org/dc/dcmitype/"/>
+    <ds:schemaRef ds:uri="http://purl.org/dc/elements/1.1/"/>
+    <ds:schemaRef ds:uri="http://schemas.microsoft.com/office/infopath/2007/PartnerControls"/>
+    <ds:schemaRef ds:uri="http://schemas.microsoft.com/office/2006/metadata/properties"/>
+  </ds:schemaRefs>
+</ds:datastoreItem>
+</file>
+
+<file path=customXml/itemProps2.xml><?xml version="1.0" encoding="utf-8"?>
 <ds:datastoreItem xmlns:ds="http://schemas.openxmlformats.org/officeDocument/2006/customXml" ds:itemID="{E4214858-785C-42F7-BE66-6D0E79395FC8}">
   <ds:schemaRefs>
     <ds:schemaRef ds:uri="http://schemas.microsoft.com/office/2006/metadata/contentType"/>
@@ -10351,22 +10061,6 @@
 </ds:datastoreItem>
 </file>
 
-<file path=customXml/itemProps2.xml><?xml version="1.0" encoding="utf-8"?>
-<ds:datastoreItem xmlns:ds="http://schemas.openxmlformats.org/officeDocument/2006/customXml" ds:itemID="{7B6F2769-7194-4217-93D3-3AF3A4742282}">
-  <ds:schemaRefs>
-    <ds:schemaRef ds:uri="http://purl.org/dc/dcmitype/"/>
-    <ds:schemaRef ds:uri="http://purl.org/dc/terms/"/>
-    <ds:schemaRef ds:uri="http://schemas.microsoft.com/office/infopath/2007/PartnerControls"/>
-    <ds:schemaRef ds:uri="http://purl.org/dc/elements/1.1/"/>
-    <ds:schemaRef ds:uri="http://schemas.microsoft.com/office/2006/documentManagement/types"/>
-    <ds:schemaRef ds:uri="http://schemas.microsoft.com/sharepoint/v3/fields"/>
-    <ds:schemaRef ds:uri="http://schemas.openxmlformats.org/package/2006/metadata/core-properties"/>
-    <ds:schemaRef ds:uri="http://schemas.microsoft.com/office/2006/metadata/properties"/>
-    <ds:schemaRef ds:uri="http://www.w3.org/XML/1998/namespace"/>
-  </ds:schemaRefs>
-</ds:datastoreItem>
-</file>
-
 <file path=customXml/itemProps3.xml><?xml version="1.0" encoding="utf-8"?>
 <ds:datastoreItem xmlns:ds="http://schemas.openxmlformats.org/officeDocument/2006/customXml" ds:itemID="{87D2A1B0-FF3E-4009-940D-AED0EB70AA20}">
   <ds:schemaRefs>
